--- a/harbor_img/architecture.pptx
+++ b/harbor_img/architecture.pptx
@@ -5,13 +5,16 @@
     <p:sldMasterId id="2147483648" r:id="rId1"/>
   </p:sldMasterIdLst>
   <p:notesMasterIdLst>
-    <p:notesMasterId r:id="rId4"/>
+    <p:notesMasterId r:id="rId7"/>
   </p:notesMasterIdLst>
   <p:handoutMasterIdLst>
-    <p:handoutMasterId r:id="rId5"/>
+    <p:handoutMasterId r:id="rId8"/>
   </p:handoutMasterIdLst>
   <p:sldIdLst>
     <p:sldId id="409" r:id="rId3"/>
+    <p:sldId id="410" r:id="rId4"/>
+    <p:sldId id="411" r:id="rId5"/>
+    <p:sldId id="412" r:id="rId6"/>
   </p:sldIdLst>
   <p:sldSz cx="12192000" cy="6858000"/>
   <p:notesSz cx="6858000" cy="9144000"/>
@@ -5495,6 +5498,3721 @@
     </p:spTree>
     <p:custDataLst>
       <p:tags r:id="rId7"/>
+    </p:custDataLst>
+  </p:cSld>
+  <p:clrMapOvr>
+    <a:masterClrMapping/>
+  </p:clrMapOvr>
+</p:sld>
+</file>
+
+<file path=ppt/slides/slide2.xml><?xml version="1.0" encoding="utf-8"?>
+<p:sld xmlns:a="http://schemas.openxmlformats.org/drawingml/2006/main" xmlns:r="http://schemas.openxmlformats.org/officeDocument/2006/relationships" xmlns:p="http://schemas.openxmlformats.org/presentationml/2006/main">
+  <p:cSld>
+    <p:bg>
+      <p:bgPr>
+        <a:noFill/>
+        <a:effectLst/>
+      </p:bgPr>
+    </p:bg>
+    <p:spTree>
+      <p:nvGrpSpPr>
+        <p:cNvPr id="1" name=""/>
+        <p:cNvGrpSpPr/>
+        <p:nvPr/>
+      </p:nvGrpSpPr>
+      <p:grpSpPr/>
+      <p:sp>
+        <p:nvSpPr>
+          <p:cNvPr id="5" name="矩形 4"/>
+          <p:cNvSpPr/>
+          <p:nvPr/>
+        </p:nvSpPr>
+        <p:spPr>
+          <a:xfrm>
+            <a:off x="1290955" y="944880"/>
+            <a:ext cx="2707005" cy="5447030"/>
+          </a:xfrm>
+          <a:prstGeom prst="rect">
+            <a:avLst/>
+          </a:prstGeom>
+          <a:ln w="12700">
+            <a:prstDash val="sysDot"/>
+          </a:ln>
+        </p:spPr>
+        <p:style>
+          <a:lnRef idx="2">
+            <a:schemeClr val="dk1"/>
+          </a:lnRef>
+          <a:fillRef idx="1">
+            <a:schemeClr val="lt1"/>
+          </a:fillRef>
+          <a:effectRef idx="0">
+            <a:schemeClr val="dk1"/>
+          </a:effectRef>
+          <a:fontRef idx="minor">
+            <a:schemeClr val="dk1"/>
+          </a:fontRef>
+        </p:style>
+        <p:txBody>
+          <a:bodyPr rtlCol="0" anchor="ctr"/>
+          <a:p>
+            <a:pPr algn="ctr"/>
+            <a:endParaRPr lang="zh-CN" altLang="en-US"/>
+          </a:p>
+        </p:txBody>
+      </p:sp>
+      <p:sp>
+        <p:nvSpPr>
+          <p:cNvPr id="6" name="矩形 5"/>
+          <p:cNvSpPr/>
+          <p:nvPr/>
+        </p:nvSpPr>
+        <p:spPr>
+          <a:xfrm>
+            <a:off x="4944745" y="944880"/>
+            <a:ext cx="2707005" cy="5447030"/>
+          </a:xfrm>
+          <a:prstGeom prst="rect">
+            <a:avLst/>
+          </a:prstGeom>
+          <a:ln w="12700">
+            <a:prstDash val="sysDot"/>
+          </a:ln>
+        </p:spPr>
+        <p:style>
+          <a:lnRef idx="2">
+            <a:schemeClr val="dk1"/>
+          </a:lnRef>
+          <a:fillRef idx="1">
+            <a:schemeClr val="lt1"/>
+          </a:fillRef>
+          <a:effectRef idx="0">
+            <a:schemeClr val="dk1"/>
+          </a:effectRef>
+          <a:fontRef idx="minor">
+            <a:schemeClr val="dk1"/>
+          </a:fontRef>
+        </p:style>
+        <p:txBody>
+          <a:bodyPr rtlCol="0" anchor="ctr"/>
+          <a:p>
+            <a:pPr algn="ctr"/>
+            <a:endParaRPr lang="zh-CN" altLang="en-US"/>
+          </a:p>
+        </p:txBody>
+      </p:sp>
+      <p:sp>
+        <p:nvSpPr>
+          <p:cNvPr id="7" name="矩形 6"/>
+          <p:cNvSpPr/>
+          <p:nvPr/>
+        </p:nvSpPr>
+        <p:spPr>
+          <a:xfrm>
+            <a:off x="8599805" y="944880"/>
+            <a:ext cx="2707005" cy="5447030"/>
+          </a:xfrm>
+          <a:prstGeom prst="rect">
+            <a:avLst/>
+          </a:prstGeom>
+          <a:ln w="12700">
+            <a:prstDash val="sysDot"/>
+          </a:ln>
+        </p:spPr>
+        <p:style>
+          <a:lnRef idx="2">
+            <a:schemeClr val="dk1"/>
+          </a:lnRef>
+          <a:fillRef idx="1">
+            <a:schemeClr val="lt1"/>
+          </a:fillRef>
+          <a:effectRef idx="0">
+            <a:schemeClr val="dk1"/>
+          </a:effectRef>
+          <a:fontRef idx="minor">
+            <a:schemeClr val="dk1"/>
+          </a:fontRef>
+        </p:style>
+        <p:txBody>
+          <a:bodyPr rtlCol="0" anchor="ctr"/>
+          <a:p>
+            <a:pPr algn="ctr"/>
+            <a:endParaRPr lang="zh-CN" altLang="en-US"/>
+          </a:p>
+        </p:txBody>
+      </p:sp>
+      <p:sp>
+        <p:nvSpPr>
+          <p:cNvPr id="25" name="TextBox 15"/>
+          <p:cNvSpPr txBox="1"/>
+          <p:nvPr/>
+        </p:nvSpPr>
+        <p:spPr>
+          <a:xfrm>
+            <a:off x="1890546" y="366337"/>
+            <a:ext cx="1506552" cy="306705"/>
+          </a:xfrm>
+          <a:prstGeom prst="rect">
+            <a:avLst/>
+          </a:prstGeom>
+          <a:noFill/>
+        </p:spPr>
+        <p:txBody>
+          <a:bodyPr wrap="square" rtlCol="0">
+            <a:spAutoFit/>
+          </a:bodyPr>
+          <a:p>
+            <a:pPr algn="ctr"/>
+            <a:r>
+              <a:rPr lang="en-US" sz="1400" dirty="0"/>
+              <a:t>region 1</a:t>
+            </a:r>
+            <a:endParaRPr lang="en-US" sz="1400" dirty="0"/>
+          </a:p>
+        </p:txBody>
+      </p:sp>
+      <p:sp>
+        <p:nvSpPr>
+          <p:cNvPr id="8" name="TextBox 15"/>
+          <p:cNvSpPr txBox="1"/>
+          <p:nvPr/>
+        </p:nvSpPr>
+        <p:spPr>
+          <a:xfrm>
+            <a:off x="5544971" y="366337"/>
+            <a:ext cx="1506552" cy="306705"/>
+          </a:xfrm>
+          <a:prstGeom prst="rect">
+            <a:avLst/>
+          </a:prstGeom>
+          <a:noFill/>
+        </p:spPr>
+        <p:txBody>
+          <a:bodyPr wrap="square" rtlCol="0">
+            <a:spAutoFit/>
+          </a:bodyPr>
+          <a:p>
+            <a:pPr algn="ctr"/>
+            <a:r>
+              <a:rPr lang="en-US" sz="1400" dirty="0"/>
+              <a:t>region 2</a:t>
+            </a:r>
+            <a:endParaRPr lang="en-US" sz="1400" dirty="0"/>
+          </a:p>
+        </p:txBody>
+      </p:sp>
+      <p:sp>
+        <p:nvSpPr>
+          <p:cNvPr id="9" name="TextBox 15"/>
+          <p:cNvSpPr txBox="1"/>
+          <p:nvPr/>
+        </p:nvSpPr>
+        <p:spPr>
+          <a:xfrm>
+            <a:off x="9200031" y="366337"/>
+            <a:ext cx="1506552" cy="306705"/>
+          </a:xfrm>
+          <a:prstGeom prst="rect">
+            <a:avLst/>
+          </a:prstGeom>
+          <a:noFill/>
+        </p:spPr>
+        <p:txBody>
+          <a:bodyPr wrap="square" rtlCol="0">
+            <a:spAutoFit/>
+          </a:bodyPr>
+          <a:p>
+            <a:pPr algn="ctr"/>
+            <a:r>
+              <a:rPr lang="en-US" sz="1400" dirty="0"/>
+              <a:t>region N</a:t>
+            </a:r>
+            <a:endParaRPr lang="en-US" sz="1400" dirty="0"/>
+          </a:p>
+        </p:txBody>
+      </p:sp>
+      <p:sp>
+        <p:nvSpPr>
+          <p:cNvPr id="10" name="TextBox 15"/>
+          <p:cNvSpPr txBox="1"/>
+          <p:nvPr/>
+        </p:nvSpPr>
+        <p:spPr>
+          <a:xfrm>
+            <a:off x="7365516" y="3075882"/>
+            <a:ext cx="1506552" cy="306705"/>
+          </a:xfrm>
+          <a:prstGeom prst="rect">
+            <a:avLst/>
+          </a:prstGeom>
+          <a:noFill/>
+        </p:spPr>
+        <p:txBody>
+          <a:bodyPr wrap="square" rtlCol="0">
+            <a:spAutoFit/>
+          </a:bodyPr>
+          <a:p>
+            <a:pPr algn="ctr"/>
+            <a:r>
+              <a:rPr lang="en-US" altLang="zh-CN" sz="1400" dirty="0"/>
+              <a:t>......</a:t>
+            </a:r>
+            <a:endParaRPr lang="en-US" altLang="zh-CN" sz="1400" dirty="0"/>
+          </a:p>
+        </p:txBody>
+      </p:sp>
+      <p:pic>
+        <p:nvPicPr>
+          <p:cNvPr id="11" name="Graphic 7"/>
+          <p:cNvPicPr>
+            <a:picLocks noChangeAspect="1"/>
+          </p:cNvPicPr>
+          <p:nvPr/>
+        </p:nvPicPr>
+        <p:blipFill>
+          <a:blip r:embed="rId1">
+            <a:extLst>
+              <a:ext uri="{96DAC541-7B7A-43D3-8B79-37D633B846F1}">
+                <asvg:svgBlip xmlns:asvg="http://schemas.microsoft.com/office/drawing/2016/SVG/main" r:embed="rId2"/>
+              </a:ext>
+            </a:extLst>
+          </a:blip>
+          <a:stretch>
+            <a:fillRect/>
+          </a:stretch>
+        </p:blipFill>
+        <p:spPr>
+          <a:xfrm>
+            <a:off x="1808797" y="4932915"/>
+            <a:ext cx="469900" cy="469900"/>
+          </a:xfrm>
+          <a:prstGeom prst="rect">
+            <a:avLst/>
+          </a:prstGeom>
+        </p:spPr>
+      </p:pic>
+      <p:sp>
+        <p:nvSpPr>
+          <p:cNvPr id="16" name="TextBox 15"/>
+          <p:cNvSpPr txBox="1"/>
+          <p:nvPr/>
+        </p:nvSpPr>
+        <p:spPr>
+          <a:xfrm>
+            <a:off x="1290471" y="5654617"/>
+            <a:ext cx="1506552" cy="737235"/>
+          </a:xfrm>
+          <a:prstGeom prst="rect">
+            <a:avLst/>
+          </a:prstGeom>
+          <a:noFill/>
+        </p:spPr>
+        <p:txBody>
+          <a:bodyPr wrap="square" rtlCol="0">
+            <a:spAutoFit/>
+          </a:bodyPr>
+          <a:p>
+            <a:pPr algn="ctr"/>
+            <a:r>
+              <a:rPr lang="en-US" sz="1400" dirty="0"/>
+              <a:t>Amazon S3 </a:t>
+            </a:r>
+            <a:endParaRPr lang="en-US" sz="1400" dirty="0"/>
+          </a:p>
+          <a:p>
+            <a:pPr algn="ctr"/>
+            <a:r>
+              <a:rPr lang="en-US" sz="1400" dirty="0"/>
+              <a:t>docker images bucket</a:t>
+            </a:r>
+            <a:endParaRPr lang="en-US" sz="1400" dirty="0"/>
+          </a:p>
+        </p:txBody>
+      </p:sp>
+      <p:pic>
+        <p:nvPicPr>
+          <p:cNvPr id="12" name="图片 11" descr="Amazon-RDS_PostgreSQL_instance_light-bg@4x"/>
+          <p:cNvPicPr>
+            <a:picLocks noChangeAspect="1"/>
+          </p:cNvPicPr>
+          <p:nvPr/>
+        </p:nvPicPr>
+        <p:blipFill>
+          <a:blip r:embed="rId3"/>
+          <a:stretch>
+            <a:fillRect/>
+          </a:stretch>
+        </p:blipFill>
+        <p:spPr>
+          <a:xfrm>
+            <a:off x="2926080" y="4850130"/>
+            <a:ext cx="635000" cy="635000"/>
+          </a:xfrm>
+          <a:prstGeom prst="rect">
+            <a:avLst/>
+          </a:prstGeom>
+        </p:spPr>
+      </p:pic>
+      <p:sp>
+        <p:nvSpPr>
+          <p:cNvPr id="13" name="TextBox 15"/>
+          <p:cNvSpPr txBox="1"/>
+          <p:nvPr/>
+        </p:nvSpPr>
+        <p:spPr>
+          <a:xfrm>
+            <a:off x="2490621" y="5654617"/>
+            <a:ext cx="1506552" cy="737235"/>
+          </a:xfrm>
+          <a:prstGeom prst="rect">
+            <a:avLst/>
+          </a:prstGeom>
+          <a:noFill/>
+        </p:spPr>
+        <p:txBody>
+          <a:bodyPr wrap="square" rtlCol="0">
+            <a:spAutoFit/>
+          </a:bodyPr>
+          <a:p>
+            <a:pPr algn="ctr"/>
+            <a:r>
+              <a:rPr lang="en-US" sz="1400" dirty="0"/>
+              <a:t>Amazon Aurora PostgreSQL Serverless</a:t>
+            </a:r>
+            <a:endParaRPr lang="en-US" sz="1400" dirty="0"/>
+          </a:p>
+        </p:txBody>
+      </p:sp>
+      <p:pic>
+        <p:nvPicPr>
+          <p:cNvPr id="14" name="图片 13" descr="Amazon-EC2_Instance_light-bg@4x"/>
+          <p:cNvPicPr>
+            <a:picLocks noChangeAspect="1"/>
+          </p:cNvPicPr>
+          <p:nvPr/>
+        </p:nvPicPr>
+        <p:blipFill>
+          <a:blip r:embed="rId4"/>
+          <a:stretch>
+            <a:fillRect/>
+          </a:stretch>
+        </p:blipFill>
+        <p:spPr>
+          <a:xfrm>
+            <a:off x="2326640" y="1170940"/>
+            <a:ext cx="635000" cy="635000"/>
+          </a:xfrm>
+          <a:prstGeom prst="rect">
+            <a:avLst/>
+          </a:prstGeom>
+        </p:spPr>
+      </p:pic>
+      <p:sp>
+        <p:nvSpPr>
+          <p:cNvPr id="15" name="TextBox 15"/>
+          <p:cNvSpPr txBox="1"/>
+          <p:nvPr/>
+        </p:nvSpPr>
+        <p:spPr>
+          <a:xfrm>
+            <a:off x="1890546" y="1964632"/>
+            <a:ext cx="1506552" cy="306705"/>
+          </a:xfrm>
+          <a:prstGeom prst="rect">
+            <a:avLst/>
+          </a:prstGeom>
+          <a:noFill/>
+        </p:spPr>
+        <p:txBody>
+          <a:bodyPr wrap="square" rtlCol="0">
+            <a:spAutoFit/>
+          </a:bodyPr>
+          <a:p>
+            <a:pPr algn="ctr"/>
+            <a:r>
+              <a:rPr lang="en-US" sz="1400" dirty="0"/>
+              <a:t>Harbor</a:t>
+            </a:r>
+            <a:endParaRPr lang="en-US" sz="1400" dirty="0"/>
+          </a:p>
+        </p:txBody>
+      </p:sp>
+      <p:cxnSp>
+        <p:nvCxnSpPr>
+          <p:cNvPr id="18" name="直接箭头连接符 17"/>
+          <p:cNvCxnSpPr/>
+          <p:nvPr/>
+        </p:nvCxnSpPr>
+        <p:spPr>
+          <a:xfrm flipH="1">
+            <a:off x="2085975" y="2230120"/>
+            <a:ext cx="388620" cy="2375535"/>
+          </a:xfrm>
+          <a:prstGeom prst="straightConnector1">
+            <a:avLst/>
+          </a:prstGeom>
+          <a:ln>
+            <a:tailEnd type="arrow"/>
+          </a:ln>
+        </p:spPr>
+        <p:style>
+          <a:lnRef idx="1">
+            <a:schemeClr val="accent1"/>
+          </a:lnRef>
+          <a:fillRef idx="0">
+            <a:schemeClr val="accent1"/>
+          </a:fillRef>
+          <a:effectRef idx="0">
+            <a:schemeClr val="accent1"/>
+          </a:effectRef>
+          <a:fontRef idx="minor">
+            <a:schemeClr val="tx1"/>
+          </a:fontRef>
+        </p:style>
+      </p:cxnSp>
+      <p:cxnSp>
+        <p:nvCxnSpPr>
+          <p:cNvPr id="21" name="直接箭头连接符 20"/>
+          <p:cNvCxnSpPr/>
+          <p:nvPr/>
+        </p:nvCxnSpPr>
+        <p:spPr>
+          <a:xfrm>
+            <a:off x="2839085" y="2269490"/>
+            <a:ext cx="334645" cy="2380615"/>
+          </a:xfrm>
+          <a:prstGeom prst="straightConnector1">
+            <a:avLst/>
+          </a:prstGeom>
+          <a:ln>
+            <a:tailEnd type="arrow"/>
+          </a:ln>
+        </p:spPr>
+        <p:style>
+          <a:lnRef idx="1">
+            <a:schemeClr val="accent1"/>
+          </a:lnRef>
+          <a:fillRef idx="0">
+            <a:schemeClr val="accent1"/>
+          </a:fillRef>
+          <a:effectRef idx="0">
+            <a:schemeClr val="accent1"/>
+          </a:effectRef>
+          <a:fontRef idx="minor">
+            <a:schemeClr val="tx1"/>
+          </a:fontRef>
+        </p:style>
+      </p:cxnSp>
+      <p:pic>
+        <p:nvPicPr>
+          <p:cNvPr id="17" name="Graphic 7"/>
+          <p:cNvPicPr>
+            <a:picLocks noChangeAspect="1"/>
+          </p:cNvPicPr>
+          <p:nvPr/>
+        </p:nvPicPr>
+        <p:blipFill>
+          <a:blip r:embed="rId1">
+            <a:extLst>
+              <a:ext uri="{96DAC541-7B7A-43D3-8B79-37D633B846F1}">
+                <asvg:svgBlip xmlns:asvg="http://schemas.microsoft.com/office/drawing/2016/SVG/main" r:embed="rId2"/>
+              </a:ext>
+            </a:extLst>
+          </a:blip>
+          <a:stretch>
+            <a:fillRect/>
+          </a:stretch>
+        </p:blipFill>
+        <p:spPr>
+          <a:xfrm>
+            <a:off x="6016307" y="4932915"/>
+            <a:ext cx="469900" cy="469900"/>
+          </a:xfrm>
+          <a:prstGeom prst="rect">
+            <a:avLst/>
+          </a:prstGeom>
+        </p:spPr>
+      </p:pic>
+      <p:sp>
+        <p:nvSpPr>
+          <p:cNvPr id="19" name="TextBox 15"/>
+          <p:cNvSpPr txBox="1"/>
+          <p:nvPr/>
+        </p:nvSpPr>
+        <p:spPr>
+          <a:xfrm>
+            <a:off x="5497981" y="5654617"/>
+            <a:ext cx="1506552" cy="737235"/>
+          </a:xfrm>
+          <a:prstGeom prst="rect">
+            <a:avLst/>
+          </a:prstGeom>
+          <a:noFill/>
+        </p:spPr>
+        <p:txBody>
+          <a:bodyPr wrap="square" rtlCol="0">
+            <a:spAutoFit/>
+          </a:bodyPr>
+          <a:p>
+            <a:pPr algn="ctr"/>
+            <a:r>
+              <a:rPr lang="en-US" sz="1400" dirty="0"/>
+              <a:t>Amazon S3 </a:t>
+            </a:r>
+            <a:endParaRPr lang="en-US" sz="1400" dirty="0"/>
+          </a:p>
+          <a:p>
+            <a:pPr algn="ctr"/>
+            <a:r>
+              <a:rPr lang="en-US" sz="1400" dirty="0"/>
+              <a:t>docker images bucket</a:t>
+            </a:r>
+            <a:endParaRPr lang="en-US" sz="1400" dirty="0"/>
+          </a:p>
+        </p:txBody>
+      </p:sp>
+      <p:pic>
+        <p:nvPicPr>
+          <p:cNvPr id="20" name="Graphic 7"/>
+          <p:cNvPicPr>
+            <a:picLocks noChangeAspect="1"/>
+          </p:cNvPicPr>
+          <p:nvPr/>
+        </p:nvPicPr>
+        <p:blipFill>
+          <a:blip r:embed="rId1">
+            <a:extLst>
+              <a:ext uri="{96DAC541-7B7A-43D3-8B79-37D633B846F1}">
+                <asvg:svgBlip xmlns:asvg="http://schemas.microsoft.com/office/drawing/2016/SVG/main" r:embed="rId2"/>
+              </a:ext>
+            </a:extLst>
+          </a:blip>
+          <a:stretch>
+            <a:fillRect/>
+          </a:stretch>
+        </p:blipFill>
+        <p:spPr>
+          <a:xfrm>
+            <a:off x="9671367" y="4932915"/>
+            <a:ext cx="469900" cy="469900"/>
+          </a:xfrm>
+          <a:prstGeom prst="rect">
+            <a:avLst/>
+          </a:prstGeom>
+        </p:spPr>
+      </p:pic>
+      <p:sp>
+        <p:nvSpPr>
+          <p:cNvPr id="22" name="TextBox 15"/>
+          <p:cNvSpPr txBox="1"/>
+          <p:nvPr/>
+        </p:nvSpPr>
+        <p:spPr>
+          <a:xfrm>
+            <a:off x="9153041" y="5654617"/>
+            <a:ext cx="1506552" cy="737235"/>
+          </a:xfrm>
+          <a:prstGeom prst="rect">
+            <a:avLst/>
+          </a:prstGeom>
+          <a:noFill/>
+        </p:spPr>
+        <p:txBody>
+          <a:bodyPr wrap="square" rtlCol="0">
+            <a:spAutoFit/>
+          </a:bodyPr>
+          <a:p>
+            <a:pPr algn="ctr"/>
+            <a:r>
+              <a:rPr lang="en-US" sz="1400" dirty="0"/>
+              <a:t>Amazon S3 </a:t>
+            </a:r>
+            <a:endParaRPr lang="en-US" sz="1400" dirty="0"/>
+          </a:p>
+          <a:p>
+            <a:pPr algn="ctr"/>
+            <a:r>
+              <a:rPr lang="en-US" sz="1400" dirty="0"/>
+              <a:t>docker images bucket</a:t>
+            </a:r>
+            <a:endParaRPr lang="en-US" sz="1400" dirty="0"/>
+          </a:p>
+        </p:txBody>
+      </p:sp>
+      <p:pic>
+        <p:nvPicPr>
+          <p:cNvPr id="24" name="图片 23"/>
+          <p:cNvPicPr>
+            <a:picLocks noChangeAspect="1"/>
+          </p:cNvPicPr>
+          <p:nvPr/>
+        </p:nvPicPr>
+        <p:blipFill>
+          <a:blip r:embed="rId5"/>
+          <a:stretch>
+            <a:fillRect/>
+          </a:stretch>
+        </p:blipFill>
+        <p:spPr>
+          <a:xfrm>
+            <a:off x="5652770" y="2638425"/>
+            <a:ext cx="1216025" cy="890270"/>
+          </a:xfrm>
+          <a:prstGeom prst="rect">
+            <a:avLst/>
+          </a:prstGeom>
+        </p:spPr>
+      </p:pic>
+      <p:sp>
+        <p:nvSpPr>
+          <p:cNvPr id="26" name="TextBox 15"/>
+          <p:cNvSpPr txBox="1"/>
+          <p:nvPr/>
+        </p:nvSpPr>
+        <p:spPr>
+          <a:xfrm>
+            <a:off x="5497346" y="3647382"/>
+            <a:ext cx="1506552" cy="306705"/>
+          </a:xfrm>
+          <a:prstGeom prst="rect">
+            <a:avLst/>
+          </a:prstGeom>
+          <a:noFill/>
+        </p:spPr>
+        <p:txBody>
+          <a:bodyPr wrap="square" rtlCol="0">
+            <a:spAutoFit/>
+          </a:bodyPr>
+          <a:p>
+            <a:pPr algn="ctr"/>
+            <a:r>
+              <a:rPr lang="en-US" sz="1400" dirty="0"/>
+              <a:t>Docker Registry</a:t>
+            </a:r>
+            <a:endParaRPr lang="en-US" sz="1400" dirty="0"/>
+          </a:p>
+        </p:txBody>
+      </p:sp>
+      <p:pic>
+        <p:nvPicPr>
+          <p:cNvPr id="27" name="图片 26"/>
+          <p:cNvPicPr>
+            <a:picLocks noChangeAspect="1"/>
+          </p:cNvPicPr>
+          <p:nvPr/>
+        </p:nvPicPr>
+        <p:blipFill>
+          <a:blip r:embed="rId5"/>
+          <a:stretch>
+            <a:fillRect/>
+          </a:stretch>
+        </p:blipFill>
+        <p:spPr>
+          <a:xfrm>
+            <a:off x="9355455" y="2638425"/>
+            <a:ext cx="1216025" cy="890270"/>
+          </a:xfrm>
+          <a:prstGeom prst="rect">
+            <a:avLst/>
+          </a:prstGeom>
+        </p:spPr>
+      </p:pic>
+      <p:sp>
+        <p:nvSpPr>
+          <p:cNvPr id="28" name="TextBox 15"/>
+          <p:cNvSpPr txBox="1"/>
+          <p:nvPr/>
+        </p:nvSpPr>
+        <p:spPr>
+          <a:xfrm>
+            <a:off x="9200031" y="3647382"/>
+            <a:ext cx="1506552" cy="306705"/>
+          </a:xfrm>
+          <a:prstGeom prst="rect">
+            <a:avLst/>
+          </a:prstGeom>
+          <a:noFill/>
+        </p:spPr>
+        <p:txBody>
+          <a:bodyPr wrap="square" rtlCol="0">
+            <a:spAutoFit/>
+          </a:bodyPr>
+          <a:p>
+            <a:pPr algn="ctr"/>
+            <a:r>
+              <a:rPr lang="en-US" sz="1400" dirty="0"/>
+              <a:t>Docker Registry</a:t>
+            </a:r>
+            <a:endParaRPr lang="en-US" sz="1400" dirty="0"/>
+          </a:p>
+        </p:txBody>
+      </p:sp>
+      <p:cxnSp>
+        <p:nvCxnSpPr>
+          <p:cNvPr id="29" name="直接箭头连接符 28"/>
+          <p:cNvCxnSpPr>
+            <a:stCxn id="26" idx="2"/>
+          </p:cNvCxnSpPr>
+          <p:nvPr/>
+        </p:nvCxnSpPr>
+        <p:spPr>
+          <a:xfrm flipH="1">
+            <a:off x="6244590" y="3954145"/>
+            <a:ext cx="6350" cy="829945"/>
+          </a:xfrm>
+          <a:prstGeom prst="straightConnector1">
+            <a:avLst/>
+          </a:prstGeom>
+          <a:ln>
+            <a:tailEnd type="arrow"/>
+          </a:ln>
+        </p:spPr>
+        <p:style>
+          <a:lnRef idx="1">
+            <a:schemeClr val="accent1"/>
+          </a:lnRef>
+          <a:fillRef idx="0">
+            <a:schemeClr val="accent1"/>
+          </a:fillRef>
+          <a:effectRef idx="0">
+            <a:schemeClr val="accent1"/>
+          </a:effectRef>
+          <a:fontRef idx="minor">
+            <a:schemeClr val="tx1"/>
+          </a:fontRef>
+        </p:style>
+      </p:cxnSp>
+      <p:cxnSp>
+        <p:nvCxnSpPr>
+          <p:cNvPr id="30" name="直接箭头连接符 29"/>
+          <p:cNvCxnSpPr/>
+          <p:nvPr/>
+        </p:nvCxnSpPr>
+        <p:spPr>
+          <a:xfrm flipH="1">
+            <a:off x="9949815" y="3954145"/>
+            <a:ext cx="6350" cy="829945"/>
+          </a:xfrm>
+          <a:prstGeom prst="straightConnector1">
+            <a:avLst/>
+          </a:prstGeom>
+          <a:ln>
+            <a:tailEnd type="arrow"/>
+          </a:ln>
+        </p:spPr>
+        <p:style>
+          <a:lnRef idx="1">
+            <a:schemeClr val="accent1"/>
+          </a:lnRef>
+          <a:fillRef idx="0">
+            <a:schemeClr val="accent1"/>
+          </a:fillRef>
+          <a:effectRef idx="0">
+            <a:schemeClr val="accent1"/>
+          </a:effectRef>
+          <a:fontRef idx="minor">
+            <a:schemeClr val="tx1"/>
+          </a:fontRef>
+        </p:style>
+      </p:cxnSp>
+      <p:cxnSp>
+        <p:nvCxnSpPr>
+          <p:cNvPr id="31" name="直接箭头连接符 30"/>
+          <p:cNvCxnSpPr/>
+          <p:nvPr/>
+        </p:nvCxnSpPr>
+        <p:spPr>
+          <a:xfrm>
+            <a:off x="3054985" y="1266825"/>
+            <a:ext cx="6751320" cy="1252220"/>
+          </a:xfrm>
+          <a:prstGeom prst="straightConnector1">
+            <a:avLst/>
+          </a:prstGeom>
+          <a:ln>
+            <a:tailEnd type="arrow"/>
+          </a:ln>
+        </p:spPr>
+        <p:style>
+          <a:lnRef idx="1">
+            <a:schemeClr val="accent1"/>
+          </a:lnRef>
+          <a:fillRef idx="0">
+            <a:schemeClr val="accent1"/>
+          </a:fillRef>
+          <a:effectRef idx="0">
+            <a:schemeClr val="accent1"/>
+          </a:effectRef>
+          <a:fontRef idx="minor">
+            <a:schemeClr val="tx1"/>
+          </a:fontRef>
+        </p:style>
+      </p:cxnSp>
+      <p:cxnSp>
+        <p:nvCxnSpPr>
+          <p:cNvPr id="32" name="直接箭头连接符 31"/>
+          <p:cNvCxnSpPr/>
+          <p:nvPr/>
+        </p:nvCxnSpPr>
+        <p:spPr>
+          <a:xfrm>
+            <a:off x="3084830" y="1535430"/>
+            <a:ext cx="3040380" cy="953770"/>
+          </a:xfrm>
+          <a:prstGeom prst="straightConnector1">
+            <a:avLst/>
+          </a:prstGeom>
+          <a:ln>
+            <a:tailEnd type="arrow"/>
+          </a:ln>
+        </p:spPr>
+        <p:style>
+          <a:lnRef idx="1">
+            <a:schemeClr val="accent1"/>
+          </a:lnRef>
+          <a:fillRef idx="0">
+            <a:schemeClr val="accent1"/>
+          </a:fillRef>
+          <a:effectRef idx="0">
+            <a:schemeClr val="accent1"/>
+          </a:effectRef>
+          <a:fontRef idx="minor">
+            <a:schemeClr val="tx1"/>
+          </a:fontRef>
+        </p:style>
+      </p:cxnSp>
+      <p:sp>
+        <p:nvSpPr>
+          <p:cNvPr id="33" name="TextBox 15"/>
+          <p:cNvSpPr txBox="1"/>
+          <p:nvPr/>
+        </p:nvSpPr>
+        <p:spPr>
+          <a:xfrm>
+            <a:off x="3686961" y="1558867"/>
+            <a:ext cx="1506552" cy="306705"/>
+          </a:xfrm>
+          <a:prstGeom prst="rect">
+            <a:avLst/>
+          </a:prstGeom>
+          <a:noFill/>
+        </p:spPr>
+        <p:txBody>
+          <a:bodyPr wrap="square" rtlCol="0">
+            <a:spAutoFit/>
+          </a:bodyPr>
+          <a:p>
+            <a:pPr algn="ctr"/>
+            <a:r>
+              <a:rPr lang="en-US" sz="1400" dirty="0"/>
+              <a:t>replicate</a:t>
+            </a:r>
+            <a:endParaRPr lang="en-US" sz="1400" dirty="0"/>
+          </a:p>
+        </p:txBody>
+      </p:sp>
+      <p:sp>
+        <p:nvSpPr>
+          <p:cNvPr id="34" name="TextBox 15"/>
+          <p:cNvSpPr txBox="1"/>
+          <p:nvPr/>
+        </p:nvSpPr>
+        <p:spPr>
+          <a:xfrm>
+            <a:off x="7365516" y="1842077"/>
+            <a:ext cx="1506552" cy="306705"/>
+          </a:xfrm>
+          <a:prstGeom prst="rect">
+            <a:avLst/>
+          </a:prstGeom>
+          <a:noFill/>
+        </p:spPr>
+        <p:txBody>
+          <a:bodyPr wrap="square" rtlCol="0">
+            <a:spAutoFit/>
+          </a:bodyPr>
+          <a:p>
+            <a:pPr algn="ctr"/>
+            <a:r>
+              <a:rPr lang="en-US" sz="1400" dirty="0"/>
+              <a:t>replicate</a:t>
+            </a:r>
+            <a:endParaRPr lang="en-US" sz="1400" dirty="0"/>
+          </a:p>
+        </p:txBody>
+      </p:sp>
+    </p:spTree>
+    <p:custDataLst>
+      <p:tags r:id="rId6"/>
+    </p:custDataLst>
+  </p:cSld>
+  <p:clrMapOvr>
+    <a:masterClrMapping/>
+  </p:clrMapOvr>
+</p:sld>
+</file>
+
+<file path=ppt/slides/slide3.xml><?xml version="1.0" encoding="utf-8"?>
+<p:sld xmlns:a="http://schemas.openxmlformats.org/drawingml/2006/main" xmlns:r="http://schemas.openxmlformats.org/officeDocument/2006/relationships" xmlns:p="http://schemas.openxmlformats.org/presentationml/2006/main">
+  <p:cSld>
+    <p:bg>
+      <p:bgPr>
+        <a:noFill/>
+        <a:effectLst/>
+      </p:bgPr>
+    </p:bg>
+    <p:spTree>
+      <p:nvGrpSpPr>
+        <p:cNvPr id="1" name=""/>
+        <p:cNvGrpSpPr/>
+        <p:nvPr/>
+      </p:nvGrpSpPr>
+      <p:grpSpPr/>
+      <p:sp>
+        <p:nvSpPr>
+          <p:cNvPr id="5" name="矩形 4"/>
+          <p:cNvSpPr/>
+          <p:nvPr/>
+        </p:nvSpPr>
+        <p:spPr>
+          <a:xfrm>
+            <a:off x="1085850" y="810260"/>
+            <a:ext cx="4678680" cy="5581650"/>
+          </a:xfrm>
+          <a:prstGeom prst="rect">
+            <a:avLst/>
+          </a:prstGeom>
+          <a:ln w="12700">
+            <a:prstDash val="sysDot"/>
+          </a:ln>
+        </p:spPr>
+        <p:style>
+          <a:lnRef idx="2">
+            <a:schemeClr val="dk1"/>
+          </a:lnRef>
+          <a:fillRef idx="1">
+            <a:schemeClr val="lt1"/>
+          </a:fillRef>
+          <a:effectRef idx="0">
+            <a:schemeClr val="dk1"/>
+          </a:effectRef>
+          <a:fontRef idx="minor">
+            <a:schemeClr val="dk1"/>
+          </a:fontRef>
+        </p:style>
+        <p:txBody>
+          <a:bodyPr rtlCol="0" anchor="ctr"/>
+          <a:p>
+            <a:pPr algn="ctr"/>
+            <a:endParaRPr lang="zh-CN" altLang="en-US"/>
+          </a:p>
+        </p:txBody>
+      </p:sp>
+      <p:sp>
+        <p:nvSpPr>
+          <p:cNvPr id="7" name="矩形 6"/>
+          <p:cNvSpPr/>
+          <p:nvPr/>
+        </p:nvSpPr>
+        <p:spPr>
+          <a:xfrm>
+            <a:off x="6598920" y="810260"/>
+            <a:ext cx="5135245" cy="5581650"/>
+          </a:xfrm>
+          <a:prstGeom prst="rect">
+            <a:avLst/>
+          </a:prstGeom>
+          <a:ln w="12700">
+            <a:prstDash val="sysDot"/>
+          </a:ln>
+        </p:spPr>
+        <p:style>
+          <a:lnRef idx="2">
+            <a:schemeClr val="dk1"/>
+          </a:lnRef>
+          <a:fillRef idx="1">
+            <a:schemeClr val="lt1"/>
+          </a:fillRef>
+          <a:effectRef idx="0">
+            <a:schemeClr val="dk1"/>
+          </a:effectRef>
+          <a:fontRef idx="minor">
+            <a:schemeClr val="dk1"/>
+          </a:fontRef>
+        </p:style>
+        <p:txBody>
+          <a:bodyPr rtlCol="0" anchor="ctr"/>
+          <a:p>
+            <a:pPr algn="ctr"/>
+            <a:endParaRPr lang="zh-CN" altLang="en-US"/>
+          </a:p>
+        </p:txBody>
+      </p:sp>
+      <p:sp>
+        <p:nvSpPr>
+          <p:cNvPr id="25" name="TextBox 15"/>
+          <p:cNvSpPr txBox="1"/>
+          <p:nvPr/>
+        </p:nvSpPr>
+        <p:spPr>
+          <a:xfrm>
+            <a:off x="3657751" y="366337"/>
+            <a:ext cx="1506552" cy="306705"/>
+          </a:xfrm>
+          <a:prstGeom prst="rect">
+            <a:avLst/>
+          </a:prstGeom>
+          <a:noFill/>
+        </p:spPr>
+        <p:txBody>
+          <a:bodyPr wrap="square" rtlCol="0">
+            <a:spAutoFit/>
+          </a:bodyPr>
+          <a:p>
+            <a:pPr algn="ctr"/>
+            <a:r>
+              <a:rPr lang="en-US" sz="1400" dirty="0"/>
+              <a:t>region 1</a:t>
+            </a:r>
+            <a:endParaRPr lang="en-US" sz="1400" dirty="0"/>
+          </a:p>
+        </p:txBody>
+      </p:sp>
+      <p:sp>
+        <p:nvSpPr>
+          <p:cNvPr id="9" name="TextBox 15"/>
+          <p:cNvSpPr txBox="1"/>
+          <p:nvPr/>
+        </p:nvSpPr>
+        <p:spPr>
+          <a:xfrm>
+            <a:off x="7199146" y="366337"/>
+            <a:ext cx="1506552" cy="306705"/>
+          </a:xfrm>
+          <a:prstGeom prst="rect">
+            <a:avLst/>
+          </a:prstGeom>
+          <a:noFill/>
+        </p:spPr>
+        <p:txBody>
+          <a:bodyPr wrap="square" rtlCol="0">
+            <a:spAutoFit/>
+          </a:bodyPr>
+          <a:p>
+            <a:pPr algn="ctr"/>
+            <a:r>
+              <a:rPr lang="en-US" sz="1400" dirty="0"/>
+              <a:t>region N</a:t>
+            </a:r>
+            <a:endParaRPr lang="en-US" sz="1400" dirty="0"/>
+          </a:p>
+        </p:txBody>
+      </p:sp>
+      <p:pic>
+        <p:nvPicPr>
+          <p:cNvPr id="11" name="Graphic 7"/>
+          <p:cNvPicPr>
+            <a:picLocks noChangeAspect="1"/>
+          </p:cNvPicPr>
+          <p:nvPr/>
+        </p:nvPicPr>
+        <p:blipFill>
+          <a:blip r:embed="rId1">
+            <a:extLst>
+              <a:ext uri="{96DAC541-7B7A-43D3-8B79-37D633B846F1}">
+                <asvg:svgBlip xmlns:asvg="http://schemas.microsoft.com/office/drawing/2016/SVG/main" r:embed="rId2"/>
+              </a:ext>
+            </a:extLst>
+          </a:blip>
+          <a:stretch>
+            <a:fillRect/>
+          </a:stretch>
+        </p:blipFill>
+        <p:spPr>
+          <a:xfrm>
+            <a:off x="3576002" y="4932915"/>
+            <a:ext cx="469900" cy="469900"/>
+          </a:xfrm>
+          <a:prstGeom prst="rect">
+            <a:avLst/>
+          </a:prstGeom>
+        </p:spPr>
+      </p:pic>
+      <p:sp>
+        <p:nvSpPr>
+          <p:cNvPr id="16" name="TextBox 15"/>
+          <p:cNvSpPr txBox="1"/>
+          <p:nvPr/>
+        </p:nvSpPr>
+        <p:spPr>
+          <a:xfrm>
+            <a:off x="3057676" y="5654617"/>
+            <a:ext cx="1506552" cy="737235"/>
+          </a:xfrm>
+          <a:prstGeom prst="rect">
+            <a:avLst/>
+          </a:prstGeom>
+          <a:noFill/>
+        </p:spPr>
+        <p:txBody>
+          <a:bodyPr wrap="square" rtlCol="0">
+            <a:spAutoFit/>
+          </a:bodyPr>
+          <a:p>
+            <a:pPr algn="ctr"/>
+            <a:r>
+              <a:rPr lang="en-US" sz="1400" dirty="0"/>
+              <a:t>Amazon S3 </a:t>
+            </a:r>
+            <a:endParaRPr lang="en-US" sz="1400" dirty="0"/>
+          </a:p>
+          <a:p>
+            <a:pPr algn="ctr"/>
+            <a:r>
+              <a:rPr lang="en-US" sz="1400" dirty="0"/>
+              <a:t>docker images bucket</a:t>
+            </a:r>
+            <a:endParaRPr lang="en-US" sz="1400" dirty="0"/>
+          </a:p>
+        </p:txBody>
+      </p:sp>
+      <p:pic>
+        <p:nvPicPr>
+          <p:cNvPr id="12" name="图片 11" descr="Amazon-RDS_PostgreSQL_instance_light-bg@4x"/>
+          <p:cNvPicPr>
+            <a:picLocks noChangeAspect="1"/>
+          </p:cNvPicPr>
+          <p:nvPr/>
+        </p:nvPicPr>
+        <p:blipFill>
+          <a:blip r:embed="rId3"/>
+          <a:stretch>
+            <a:fillRect/>
+          </a:stretch>
+        </p:blipFill>
+        <p:spPr>
+          <a:xfrm>
+            <a:off x="4693285" y="4850130"/>
+            <a:ext cx="635000" cy="635000"/>
+          </a:xfrm>
+          <a:prstGeom prst="rect">
+            <a:avLst/>
+          </a:prstGeom>
+        </p:spPr>
+      </p:pic>
+      <p:sp>
+        <p:nvSpPr>
+          <p:cNvPr id="13" name="TextBox 15"/>
+          <p:cNvSpPr txBox="1"/>
+          <p:nvPr/>
+        </p:nvSpPr>
+        <p:spPr>
+          <a:xfrm>
+            <a:off x="4257826" y="5654617"/>
+            <a:ext cx="1506552" cy="737235"/>
+          </a:xfrm>
+          <a:prstGeom prst="rect">
+            <a:avLst/>
+          </a:prstGeom>
+          <a:noFill/>
+        </p:spPr>
+        <p:txBody>
+          <a:bodyPr wrap="square" rtlCol="0">
+            <a:spAutoFit/>
+          </a:bodyPr>
+          <a:p>
+            <a:pPr algn="ctr"/>
+            <a:r>
+              <a:rPr lang="en-US" sz="1400" dirty="0"/>
+              <a:t>Amazon Aurora PostgreSQL Serverless</a:t>
+            </a:r>
+            <a:endParaRPr lang="en-US" sz="1400" dirty="0"/>
+          </a:p>
+        </p:txBody>
+      </p:sp>
+      <p:pic>
+        <p:nvPicPr>
+          <p:cNvPr id="14" name="图片 13" descr="Amazon-EC2_Instance_light-bg@4x"/>
+          <p:cNvPicPr>
+            <a:picLocks noChangeAspect="1"/>
+          </p:cNvPicPr>
+          <p:nvPr/>
+        </p:nvPicPr>
+        <p:blipFill>
+          <a:blip r:embed="rId4"/>
+          <a:stretch>
+            <a:fillRect/>
+          </a:stretch>
+        </p:blipFill>
+        <p:spPr>
+          <a:xfrm>
+            <a:off x="4093845" y="1170940"/>
+            <a:ext cx="635000" cy="635000"/>
+          </a:xfrm>
+          <a:prstGeom prst="rect">
+            <a:avLst/>
+          </a:prstGeom>
+        </p:spPr>
+      </p:pic>
+      <p:sp>
+        <p:nvSpPr>
+          <p:cNvPr id="15" name="TextBox 15"/>
+          <p:cNvSpPr txBox="1"/>
+          <p:nvPr/>
+        </p:nvSpPr>
+        <p:spPr>
+          <a:xfrm>
+            <a:off x="3657751" y="1964632"/>
+            <a:ext cx="1506552" cy="306705"/>
+          </a:xfrm>
+          <a:prstGeom prst="rect">
+            <a:avLst/>
+          </a:prstGeom>
+          <a:noFill/>
+        </p:spPr>
+        <p:txBody>
+          <a:bodyPr wrap="square" rtlCol="0">
+            <a:spAutoFit/>
+          </a:bodyPr>
+          <a:p>
+            <a:pPr algn="ctr"/>
+            <a:r>
+              <a:rPr lang="en-US" sz="1400" dirty="0"/>
+              <a:t>Harbor</a:t>
+            </a:r>
+            <a:endParaRPr lang="en-US" sz="1400" dirty="0"/>
+          </a:p>
+        </p:txBody>
+      </p:sp>
+      <p:cxnSp>
+        <p:nvCxnSpPr>
+          <p:cNvPr id="18" name="直接箭头连接符 17"/>
+          <p:cNvCxnSpPr/>
+          <p:nvPr/>
+        </p:nvCxnSpPr>
+        <p:spPr>
+          <a:xfrm flipH="1">
+            <a:off x="3853180" y="2230120"/>
+            <a:ext cx="388620" cy="2375535"/>
+          </a:xfrm>
+          <a:prstGeom prst="straightConnector1">
+            <a:avLst/>
+          </a:prstGeom>
+          <a:ln>
+            <a:tailEnd type="arrow"/>
+          </a:ln>
+        </p:spPr>
+        <p:style>
+          <a:lnRef idx="1">
+            <a:schemeClr val="accent1"/>
+          </a:lnRef>
+          <a:fillRef idx="0">
+            <a:schemeClr val="accent1"/>
+          </a:fillRef>
+          <a:effectRef idx="0">
+            <a:schemeClr val="accent1"/>
+          </a:effectRef>
+          <a:fontRef idx="minor">
+            <a:schemeClr val="tx1"/>
+          </a:fontRef>
+        </p:style>
+      </p:cxnSp>
+      <p:cxnSp>
+        <p:nvCxnSpPr>
+          <p:cNvPr id="21" name="直接箭头连接符 20"/>
+          <p:cNvCxnSpPr/>
+          <p:nvPr/>
+        </p:nvCxnSpPr>
+        <p:spPr>
+          <a:xfrm>
+            <a:off x="4606290" y="2269490"/>
+            <a:ext cx="334645" cy="2380615"/>
+          </a:xfrm>
+          <a:prstGeom prst="straightConnector1">
+            <a:avLst/>
+          </a:prstGeom>
+          <a:ln>
+            <a:tailEnd type="arrow"/>
+          </a:ln>
+        </p:spPr>
+        <p:style>
+          <a:lnRef idx="1">
+            <a:schemeClr val="accent1"/>
+          </a:lnRef>
+          <a:fillRef idx="0">
+            <a:schemeClr val="accent1"/>
+          </a:fillRef>
+          <a:effectRef idx="0">
+            <a:schemeClr val="accent1"/>
+          </a:effectRef>
+          <a:fontRef idx="minor">
+            <a:schemeClr val="tx1"/>
+          </a:fontRef>
+        </p:style>
+      </p:cxnSp>
+      <p:pic>
+        <p:nvPicPr>
+          <p:cNvPr id="20" name="Graphic 7"/>
+          <p:cNvPicPr>
+            <a:picLocks noChangeAspect="1"/>
+          </p:cNvPicPr>
+          <p:nvPr/>
+        </p:nvPicPr>
+        <p:blipFill>
+          <a:blip r:embed="rId1">
+            <a:extLst>
+              <a:ext uri="{96DAC541-7B7A-43D3-8B79-37D633B846F1}">
+                <asvg:svgBlip xmlns:asvg="http://schemas.microsoft.com/office/drawing/2016/SVG/main" r:embed="rId2"/>
+              </a:ext>
+            </a:extLst>
+          </a:blip>
+          <a:stretch>
+            <a:fillRect/>
+          </a:stretch>
+        </p:blipFill>
+        <p:spPr>
+          <a:xfrm>
+            <a:off x="7670482" y="4932915"/>
+            <a:ext cx="469900" cy="469900"/>
+          </a:xfrm>
+          <a:prstGeom prst="rect">
+            <a:avLst/>
+          </a:prstGeom>
+        </p:spPr>
+      </p:pic>
+      <p:sp>
+        <p:nvSpPr>
+          <p:cNvPr id="22" name="TextBox 15"/>
+          <p:cNvSpPr txBox="1"/>
+          <p:nvPr/>
+        </p:nvSpPr>
+        <p:spPr>
+          <a:xfrm>
+            <a:off x="7152156" y="5654617"/>
+            <a:ext cx="1506552" cy="737235"/>
+          </a:xfrm>
+          <a:prstGeom prst="rect">
+            <a:avLst/>
+          </a:prstGeom>
+          <a:noFill/>
+        </p:spPr>
+        <p:txBody>
+          <a:bodyPr wrap="square" rtlCol="0">
+            <a:spAutoFit/>
+          </a:bodyPr>
+          <a:p>
+            <a:pPr algn="ctr"/>
+            <a:r>
+              <a:rPr lang="en-US" sz="1400" dirty="0"/>
+              <a:t>Amazon S3 </a:t>
+            </a:r>
+            <a:endParaRPr lang="en-US" sz="1400" dirty="0"/>
+          </a:p>
+          <a:p>
+            <a:pPr algn="ctr"/>
+            <a:r>
+              <a:rPr lang="en-US" sz="1400" dirty="0"/>
+              <a:t>docker images bucket</a:t>
+            </a:r>
+            <a:endParaRPr lang="en-US" sz="1400" dirty="0"/>
+          </a:p>
+        </p:txBody>
+      </p:sp>
+      <p:pic>
+        <p:nvPicPr>
+          <p:cNvPr id="27" name="图片 26"/>
+          <p:cNvPicPr>
+            <a:picLocks noChangeAspect="1"/>
+          </p:cNvPicPr>
+          <p:nvPr/>
+        </p:nvPicPr>
+        <p:blipFill>
+          <a:blip r:embed="rId5"/>
+          <a:stretch>
+            <a:fillRect/>
+          </a:stretch>
+        </p:blipFill>
+        <p:spPr>
+          <a:xfrm>
+            <a:off x="7353935" y="955675"/>
+            <a:ext cx="1216025" cy="890270"/>
+          </a:xfrm>
+          <a:prstGeom prst="rect">
+            <a:avLst/>
+          </a:prstGeom>
+        </p:spPr>
+      </p:pic>
+      <p:sp>
+        <p:nvSpPr>
+          <p:cNvPr id="28" name="TextBox 15"/>
+          <p:cNvSpPr txBox="1"/>
+          <p:nvPr/>
+        </p:nvSpPr>
+        <p:spPr>
+          <a:xfrm>
+            <a:off x="7198511" y="1964632"/>
+            <a:ext cx="1506552" cy="306705"/>
+          </a:xfrm>
+          <a:prstGeom prst="rect">
+            <a:avLst/>
+          </a:prstGeom>
+          <a:noFill/>
+        </p:spPr>
+        <p:txBody>
+          <a:bodyPr wrap="square" rtlCol="0">
+            <a:spAutoFit/>
+          </a:bodyPr>
+          <a:p>
+            <a:pPr algn="ctr"/>
+            <a:r>
+              <a:rPr lang="en-US" sz="1400" dirty="0"/>
+              <a:t>Docker Registry</a:t>
+            </a:r>
+            <a:endParaRPr lang="en-US" sz="1400" dirty="0"/>
+          </a:p>
+        </p:txBody>
+      </p:sp>
+      <p:cxnSp>
+        <p:nvCxnSpPr>
+          <p:cNvPr id="30" name="直接箭头连接符 29"/>
+          <p:cNvCxnSpPr>
+            <a:stCxn id="28" idx="2"/>
+          </p:cNvCxnSpPr>
+          <p:nvPr/>
+        </p:nvCxnSpPr>
+        <p:spPr>
+          <a:xfrm flipH="1">
+            <a:off x="7948930" y="2271395"/>
+            <a:ext cx="3175" cy="2512695"/>
+          </a:xfrm>
+          <a:prstGeom prst="straightConnector1">
+            <a:avLst/>
+          </a:prstGeom>
+          <a:ln>
+            <a:tailEnd type="arrow"/>
+          </a:ln>
+        </p:spPr>
+        <p:style>
+          <a:lnRef idx="1">
+            <a:schemeClr val="accent1"/>
+          </a:lnRef>
+          <a:fillRef idx="0">
+            <a:schemeClr val="accent1"/>
+          </a:fillRef>
+          <a:effectRef idx="0">
+            <a:schemeClr val="accent1"/>
+          </a:effectRef>
+          <a:fontRef idx="minor">
+            <a:schemeClr val="tx1"/>
+          </a:fontRef>
+        </p:style>
+      </p:cxnSp>
+      <p:cxnSp>
+        <p:nvCxnSpPr>
+          <p:cNvPr id="31" name="直接箭头连接符 30"/>
+          <p:cNvCxnSpPr/>
+          <p:nvPr/>
+        </p:nvCxnSpPr>
+        <p:spPr>
+          <a:xfrm>
+            <a:off x="4918075" y="1386205"/>
+            <a:ext cx="2250440" cy="0"/>
+          </a:xfrm>
+          <a:prstGeom prst="straightConnector1">
+            <a:avLst/>
+          </a:prstGeom>
+          <a:ln>
+            <a:tailEnd type="arrow"/>
+          </a:ln>
+        </p:spPr>
+        <p:style>
+          <a:lnRef idx="1">
+            <a:schemeClr val="accent1"/>
+          </a:lnRef>
+          <a:fillRef idx="0">
+            <a:schemeClr val="accent1"/>
+          </a:fillRef>
+          <a:effectRef idx="0">
+            <a:schemeClr val="accent1"/>
+          </a:effectRef>
+          <a:fontRef idx="minor">
+            <a:schemeClr val="tx1"/>
+          </a:fontRef>
+        </p:style>
+      </p:cxnSp>
+      <p:sp>
+        <p:nvSpPr>
+          <p:cNvPr id="34" name="TextBox 15"/>
+          <p:cNvSpPr txBox="1"/>
+          <p:nvPr/>
+        </p:nvSpPr>
+        <p:spPr>
+          <a:xfrm>
+            <a:off x="5430671" y="1081982"/>
+            <a:ext cx="1506552" cy="306705"/>
+          </a:xfrm>
+          <a:prstGeom prst="rect">
+            <a:avLst/>
+          </a:prstGeom>
+          <a:noFill/>
+        </p:spPr>
+        <p:txBody>
+          <a:bodyPr wrap="square" rtlCol="0">
+            <a:spAutoFit/>
+          </a:bodyPr>
+          <a:p>
+            <a:pPr algn="ctr"/>
+            <a:r>
+              <a:rPr lang="en-US" sz="1400" dirty="0"/>
+              <a:t>replicate</a:t>
+            </a:r>
+            <a:endParaRPr lang="en-US" sz="1400" dirty="0"/>
+          </a:p>
+        </p:txBody>
+      </p:sp>
+      <p:pic>
+        <p:nvPicPr>
+          <p:cNvPr id="4" name="图片 3"/>
+          <p:cNvPicPr>
+            <a:picLocks noChangeAspect="1"/>
+          </p:cNvPicPr>
+          <p:nvPr>
+            <p:custDataLst>
+              <p:tags r:id="rId6"/>
+            </p:custDataLst>
+          </p:nvPr>
+        </p:nvPicPr>
+        <p:blipFill>
+          <a:blip r:embed="rId7"/>
+          <a:stretch>
+            <a:fillRect/>
+          </a:stretch>
+        </p:blipFill>
+        <p:spPr>
+          <a:xfrm>
+            <a:off x="1551940" y="4850130"/>
+            <a:ext cx="1026160" cy="1026160"/>
+          </a:xfrm>
+          <a:prstGeom prst="rect">
+            <a:avLst/>
+          </a:prstGeom>
+        </p:spPr>
+      </p:pic>
+      <p:sp>
+        <p:nvSpPr>
+          <p:cNvPr id="6" name="TextBox 15"/>
+          <p:cNvSpPr txBox="1"/>
+          <p:nvPr/>
+        </p:nvSpPr>
+        <p:spPr>
+          <a:xfrm>
+            <a:off x="1073150" y="5866765"/>
+            <a:ext cx="1983105" cy="306705"/>
+          </a:xfrm>
+          <a:prstGeom prst="rect">
+            <a:avLst/>
+          </a:prstGeom>
+          <a:noFill/>
+        </p:spPr>
+        <p:txBody>
+          <a:bodyPr wrap="square" rtlCol="0">
+            <a:spAutoFit/>
+          </a:bodyPr>
+          <a:p>
+            <a:pPr algn="ctr"/>
+            <a:r>
+              <a:rPr lang="en-US" sz="1400" dirty="0"/>
+              <a:t>Continuous Integration</a:t>
+            </a:r>
+            <a:endParaRPr lang="en-US" sz="1400" dirty="0"/>
+          </a:p>
+        </p:txBody>
+      </p:sp>
+      <p:cxnSp>
+        <p:nvCxnSpPr>
+          <p:cNvPr id="8" name="直接箭头连接符 7"/>
+          <p:cNvCxnSpPr/>
+          <p:nvPr/>
+        </p:nvCxnSpPr>
+        <p:spPr>
+          <a:xfrm flipV="1">
+            <a:off x="2324100" y="1788795"/>
+            <a:ext cx="1744345" cy="2966085"/>
+          </a:xfrm>
+          <a:prstGeom prst="straightConnector1">
+            <a:avLst/>
+          </a:prstGeom>
+          <a:ln>
+            <a:tailEnd type="arrow"/>
+          </a:ln>
+        </p:spPr>
+        <p:style>
+          <a:lnRef idx="1">
+            <a:schemeClr val="accent1"/>
+          </a:lnRef>
+          <a:fillRef idx="0">
+            <a:schemeClr val="accent1"/>
+          </a:fillRef>
+          <a:effectRef idx="0">
+            <a:schemeClr val="accent1"/>
+          </a:effectRef>
+          <a:fontRef idx="minor">
+            <a:schemeClr val="tx1"/>
+          </a:fontRef>
+        </p:style>
+      </p:cxnSp>
+      <p:sp>
+        <p:nvSpPr>
+          <p:cNvPr id="10" name="TextBox 15"/>
+          <p:cNvSpPr txBox="1"/>
+          <p:nvPr/>
+        </p:nvSpPr>
+        <p:spPr>
+          <a:xfrm>
+            <a:off x="1946426" y="3272732"/>
+            <a:ext cx="1506552" cy="306705"/>
+          </a:xfrm>
+          <a:prstGeom prst="rect">
+            <a:avLst/>
+          </a:prstGeom>
+          <a:noFill/>
+        </p:spPr>
+        <p:txBody>
+          <a:bodyPr wrap="square" rtlCol="0">
+            <a:spAutoFit/>
+          </a:bodyPr>
+          <a:p>
+            <a:pPr algn="ctr"/>
+            <a:r>
+              <a:rPr lang="en-US" sz="1400" dirty="0"/>
+              <a:t>push</a:t>
+            </a:r>
+            <a:endParaRPr lang="en-US" sz="1400" dirty="0"/>
+          </a:p>
+        </p:txBody>
+      </p:sp>
+      <p:pic>
+        <p:nvPicPr>
+          <p:cNvPr id="17" name="图片 16"/>
+          <p:cNvPicPr>
+            <a:picLocks noChangeAspect="1"/>
+          </p:cNvPicPr>
+          <p:nvPr>
+            <p:custDataLst>
+              <p:tags r:id="rId8"/>
+            </p:custDataLst>
+          </p:nvPr>
+        </p:nvPicPr>
+        <p:blipFill>
+          <a:blip r:embed="rId7"/>
+          <a:stretch>
+            <a:fillRect/>
+          </a:stretch>
+        </p:blipFill>
+        <p:spPr>
+          <a:xfrm>
+            <a:off x="10229850" y="957580"/>
+            <a:ext cx="1026160" cy="1026160"/>
+          </a:xfrm>
+          <a:prstGeom prst="rect">
+            <a:avLst/>
+          </a:prstGeom>
+        </p:spPr>
+      </p:pic>
+      <p:sp>
+        <p:nvSpPr>
+          <p:cNvPr id="19" name="TextBox 15"/>
+          <p:cNvSpPr txBox="1"/>
+          <p:nvPr/>
+        </p:nvSpPr>
+        <p:spPr>
+          <a:xfrm>
+            <a:off x="9609455" y="1962785"/>
+            <a:ext cx="2266315" cy="306705"/>
+          </a:xfrm>
+          <a:prstGeom prst="rect">
+            <a:avLst/>
+          </a:prstGeom>
+          <a:noFill/>
+        </p:spPr>
+        <p:txBody>
+          <a:bodyPr wrap="square" rtlCol="0">
+            <a:spAutoFit/>
+          </a:bodyPr>
+          <a:p>
+            <a:pPr algn="ctr"/>
+            <a:r>
+              <a:rPr lang="en-US" sz="1400" dirty="0"/>
+              <a:t>Continuous Deployment</a:t>
+            </a:r>
+            <a:endParaRPr lang="en-US" sz="1400" dirty="0"/>
+          </a:p>
+        </p:txBody>
+      </p:sp>
+      <p:cxnSp>
+        <p:nvCxnSpPr>
+          <p:cNvPr id="23" name="直接箭头连接符 22"/>
+          <p:cNvCxnSpPr/>
+          <p:nvPr/>
+        </p:nvCxnSpPr>
+        <p:spPr>
+          <a:xfrm flipV="1">
+            <a:off x="8877935" y="1356995"/>
+            <a:ext cx="1043305" cy="14605"/>
+          </a:xfrm>
+          <a:prstGeom prst="straightConnector1">
+            <a:avLst/>
+          </a:prstGeom>
+          <a:ln>
+            <a:tailEnd type="arrow"/>
+          </a:ln>
+        </p:spPr>
+        <p:style>
+          <a:lnRef idx="1">
+            <a:schemeClr val="accent1"/>
+          </a:lnRef>
+          <a:fillRef idx="0">
+            <a:schemeClr val="accent1"/>
+          </a:fillRef>
+          <a:effectRef idx="0">
+            <a:schemeClr val="accent1"/>
+          </a:effectRef>
+          <a:fontRef idx="minor">
+            <a:schemeClr val="tx1"/>
+          </a:fontRef>
+        </p:style>
+      </p:cxnSp>
+      <p:sp>
+        <p:nvSpPr>
+          <p:cNvPr id="24" name="TextBox 15"/>
+          <p:cNvSpPr txBox="1"/>
+          <p:nvPr/>
+        </p:nvSpPr>
+        <p:spPr>
+          <a:xfrm>
+            <a:off x="8646311" y="1050232"/>
+            <a:ext cx="1506552" cy="306705"/>
+          </a:xfrm>
+          <a:prstGeom prst="rect">
+            <a:avLst/>
+          </a:prstGeom>
+          <a:noFill/>
+        </p:spPr>
+        <p:txBody>
+          <a:bodyPr wrap="square" rtlCol="0">
+            <a:spAutoFit/>
+          </a:bodyPr>
+          <a:p>
+            <a:pPr algn="ctr"/>
+            <a:r>
+              <a:rPr lang="en-US" sz="1400" dirty="0"/>
+              <a:t>pull</a:t>
+            </a:r>
+            <a:endParaRPr lang="en-US" sz="1400" dirty="0"/>
+          </a:p>
+        </p:txBody>
+      </p:sp>
+      <p:pic>
+        <p:nvPicPr>
+          <p:cNvPr id="26" name="图片 25"/>
+          <p:cNvPicPr>
+            <a:picLocks noChangeAspect="1"/>
+          </p:cNvPicPr>
+          <p:nvPr>
+            <p:custDataLst>
+              <p:tags r:id="rId9"/>
+            </p:custDataLst>
+          </p:nvPr>
+        </p:nvPicPr>
+        <p:blipFill>
+          <a:blip r:embed="rId7"/>
+          <a:stretch>
+            <a:fillRect/>
+          </a:stretch>
+        </p:blipFill>
+        <p:spPr>
+          <a:xfrm>
+            <a:off x="1706245" y="978535"/>
+            <a:ext cx="1026160" cy="1026160"/>
+          </a:xfrm>
+          <a:prstGeom prst="rect">
+            <a:avLst/>
+          </a:prstGeom>
+        </p:spPr>
+      </p:pic>
+      <p:sp>
+        <p:nvSpPr>
+          <p:cNvPr id="29" name="TextBox 15"/>
+          <p:cNvSpPr txBox="1"/>
+          <p:nvPr/>
+        </p:nvSpPr>
+        <p:spPr>
+          <a:xfrm>
+            <a:off x="1085850" y="1983740"/>
+            <a:ext cx="2266315" cy="306705"/>
+          </a:xfrm>
+          <a:prstGeom prst="rect">
+            <a:avLst/>
+          </a:prstGeom>
+          <a:noFill/>
+        </p:spPr>
+        <p:txBody>
+          <a:bodyPr wrap="square" rtlCol="0">
+            <a:spAutoFit/>
+          </a:bodyPr>
+          <a:p>
+            <a:pPr algn="ctr"/>
+            <a:r>
+              <a:rPr lang="en-US" sz="1400" dirty="0"/>
+              <a:t>Continuous Deployment</a:t>
+            </a:r>
+            <a:endParaRPr lang="en-US" sz="1400" dirty="0"/>
+          </a:p>
+        </p:txBody>
+      </p:sp>
+      <p:cxnSp>
+        <p:nvCxnSpPr>
+          <p:cNvPr id="32" name="直接箭头连接符 31"/>
+          <p:cNvCxnSpPr/>
+          <p:nvPr/>
+        </p:nvCxnSpPr>
+        <p:spPr>
+          <a:xfrm flipH="1" flipV="1">
+            <a:off x="2905760" y="1371600"/>
+            <a:ext cx="969010" cy="15240"/>
+          </a:xfrm>
+          <a:prstGeom prst="straightConnector1">
+            <a:avLst/>
+          </a:prstGeom>
+          <a:ln>
+            <a:tailEnd type="arrow"/>
+          </a:ln>
+        </p:spPr>
+        <p:style>
+          <a:lnRef idx="1">
+            <a:schemeClr val="accent1"/>
+          </a:lnRef>
+          <a:fillRef idx="0">
+            <a:schemeClr val="accent1"/>
+          </a:fillRef>
+          <a:effectRef idx="0">
+            <a:schemeClr val="accent1"/>
+          </a:effectRef>
+          <a:fontRef idx="minor">
+            <a:schemeClr val="tx1"/>
+          </a:fontRef>
+        </p:style>
+      </p:cxnSp>
+      <p:sp>
+        <p:nvSpPr>
+          <p:cNvPr id="33" name="TextBox 15"/>
+          <p:cNvSpPr txBox="1"/>
+          <p:nvPr/>
+        </p:nvSpPr>
+        <p:spPr>
+          <a:xfrm>
+            <a:off x="2636671" y="1050232"/>
+            <a:ext cx="1506552" cy="306705"/>
+          </a:xfrm>
+          <a:prstGeom prst="rect">
+            <a:avLst/>
+          </a:prstGeom>
+          <a:noFill/>
+        </p:spPr>
+        <p:txBody>
+          <a:bodyPr wrap="square" rtlCol="0">
+            <a:spAutoFit/>
+          </a:bodyPr>
+          <a:p>
+            <a:pPr algn="ctr"/>
+            <a:r>
+              <a:rPr lang="en-US" sz="1400" dirty="0"/>
+              <a:t>pull</a:t>
+            </a:r>
+            <a:endParaRPr lang="en-US" sz="1400" dirty="0"/>
+          </a:p>
+        </p:txBody>
+      </p:sp>
+    </p:spTree>
+    <p:custDataLst>
+      <p:tags r:id="rId10"/>
+    </p:custDataLst>
+  </p:cSld>
+  <p:clrMapOvr>
+    <a:masterClrMapping/>
+  </p:clrMapOvr>
+</p:sld>
+</file>
+
+<file path=ppt/slides/slide4.xml><?xml version="1.0" encoding="utf-8"?>
+<p:sld xmlns:a="http://schemas.openxmlformats.org/drawingml/2006/main" xmlns:r="http://schemas.openxmlformats.org/officeDocument/2006/relationships" xmlns:p="http://schemas.openxmlformats.org/presentationml/2006/main">
+  <p:cSld>
+    <p:bg>
+      <p:bgPr>
+        <a:noFill/>
+        <a:effectLst/>
+      </p:bgPr>
+    </p:bg>
+    <p:spTree>
+      <p:nvGrpSpPr>
+        <p:cNvPr id="1" name=""/>
+        <p:cNvGrpSpPr/>
+        <p:nvPr/>
+      </p:nvGrpSpPr>
+      <p:grpSpPr/>
+      <p:sp>
+        <p:nvSpPr>
+          <p:cNvPr id="5" name="矩形 4"/>
+          <p:cNvSpPr/>
+          <p:nvPr/>
+        </p:nvSpPr>
+        <p:spPr>
+          <a:xfrm>
+            <a:off x="6466205" y="780415"/>
+            <a:ext cx="5513070" cy="5939155"/>
+          </a:xfrm>
+          <a:prstGeom prst="rect">
+            <a:avLst/>
+          </a:prstGeom>
+          <a:ln w="12700">
+            <a:prstDash val="sysDot"/>
+          </a:ln>
+        </p:spPr>
+        <p:style>
+          <a:lnRef idx="2">
+            <a:schemeClr val="dk1"/>
+          </a:lnRef>
+          <a:fillRef idx="1">
+            <a:schemeClr val="lt1"/>
+          </a:fillRef>
+          <a:effectRef idx="0">
+            <a:schemeClr val="dk1"/>
+          </a:effectRef>
+          <a:fontRef idx="minor">
+            <a:schemeClr val="dk1"/>
+          </a:fontRef>
+        </p:style>
+        <p:txBody>
+          <a:bodyPr rtlCol="0" anchor="ctr"/>
+          <a:p>
+            <a:pPr algn="ctr"/>
+            <a:endParaRPr lang="zh-CN" altLang="en-US"/>
+          </a:p>
+        </p:txBody>
+      </p:sp>
+      <p:sp>
+        <p:nvSpPr>
+          <p:cNvPr id="4" name="矩形 3"/>
+          <p:cNvSpPr/>
+          <p:nvPr/>
+        </p:nvSpPr>
+        <p:spPr>
+          <a:xfrm>
+            <a:off x="139700" y="780415"/>
+            <a:ext cx="5454015" cy="5939155"/>
+          </a:xfrm>
+          <a:prstGeom prst="rect">
+            <a:avLst/>
+          </a:prstGeom>
+          <a:ln w="12700">
+            <a:prstDash val="sysDot"/>
+          </a:ln>
+        </p:spPr>
+        <p:style>
+          <a:lnRef idx="2">
+            <a:schemeClr val="dk1"/>
+          </a:lnRef>
+          <a:fillRef idx="1">
+            <a:schemeClr val="lt1"/>
+          </a:fillRef>
+          <a:effectRef idx="0">
+            <a:schemeClr val="dk1"/>
+          </a:effectRef>
+          <a:fontRef idx="minor">
+            <a:schemeClr val="dk1"/>
+          </a:fontRef>
+        </p:style>
+        <p:txBody>
+          <a:bodyPr rtlCol="0" anchor="ctr"/>
+          <a:p>
+            <a:pPr algn="ctr"/>
+            <a:endParaRPr lang="zh-CN" altLang="en-US"/>
+          </a:p>
+        </p:txBody>
+      </p:sp>
+      <p:sp>
+        <p:nvSpPr>
+          <p:cNvPr id="34" name="TextBox 15"/>
+          <p:cNvSpPr txBox="1"/>
+          <p:nvPr/>
+        </p:nvSpPr>
+        <p:spPr>
+          <a:xfrm>
+            <a:off x="5284621" y="4058862"/>
+            <a:ext cx="1506552" cy="306705"/>
+          </a:xfrm>
+          <a:prstGeom prst="rect">
+            <a:avLst/>
+          </a:prstGeom>
+          <a:noFill/>
+        </p:spPr>
+        <p:txBody>
+          <a:bodyPr wrap="square" rtlCol="0">
+            <a:spAutoFit/>
+          </a:bodyPr>
+          <a:p>
+            <a:pPr algn="ctr"/>
+            <a:r>
+              <a:rPr lang="en-US" sz="1400" dirty="0"/>
+              <a:t>replicate</a:t>
+            </a:r>
+            <a:endParaRPr lang="en-US" sz="1400" dirty="0"/>
+          </a:p>
+        </p:txBody>
+      </p:sp>
+      <p:sp>
+        <p:nvSpPr>
+          <p:cNvPr id="6" name="矩形 5"/>
+          <p:cNvSpPr/>
+          <p:nvPr/>
+        </p:nvSpPr>
+        <p:spPr>
+          <a:xfrm>
+            <a:off x="6630035" y="4003040"/>
+            <a:ext cx="5185410" cy="2585720"/>
+          </a:xfrm>
+          <a:prstGeom prst="rect">
+            <a:avLst/>
+          </a:prstGeom>
+          <a:ln w="12700">
+            <a:prstDash val="sysDot"/>
+          </a:ln>
+        </p:spPr>
+        <p:style>
+          <a:lnRef idx="2">
+            <a:schemeClr val="dk1"/>
+          </a:lnRef>
+          <a:fillRef idx="1">
+            <a:schemeClr val="lt1"/>
+          </a:fillRef>
+          <a:effectRef idx="0">
+            <a:schemeClr val="dk1"/>
+          </a:effectRef>
+          <a:fontRef idx="minor">
+            <a:schemeClr val="dk1"/>
+          </a:fontRef>
+        </p:style>
+        <p:txBody>
+          <a:bodyPr rtlCol="0" anchor="ctr"/>
+          <a:p>
+            <a:pPr algn="ctr"/>
+            <a:endParaRPr lang="zh-CN" altLang="en-US"/>
+          </a:p>
+        </p:txBody>
+      </p:sp>
+      <p:sp>
+        <p:nvSpPr>
+          <p:cNvPr id="7" name="矩形 6"/>
+          <p:cNvSpPr/>
+          <p:nvPr/>
+        </p:nvSpPr>
+        <p:spPr>
+          <a:xfrm>
+            <a:off x="6630035" y="943610"/>
+            <a:ext cx="5185410" cy="2794000"/>
+          </a:xfrm>
+          <a:prstGeom prst="rect">
+            <a:avLst/>
+          </a:prstGeom>
+          <a:ln w="12700">
+            <a:prstDash val="sysDot"/>
+          </a:ln>
+        </p:spPr>
+        <p:style>
+          <a:lnRef idx="2">
+            <a:schemeClr val="dk1"/>
+          </a:lnRef>
+          <a:fillRef idx="1">
+            <a:schemeClr val="lt1"/>
+          </a:fillRef>
+          <a:effectRef idx="0">
+            <a:schemeClr val="dk1"/>
+          </a:effectRef>
+          <a:fontRef idx="minor">
+            <a:schemeClr val="dk1"/>
+          </a:fontRef>
+        </p:style>
+        <p:txBody>
+          <a:bodyPr rtlCol="0" anchor="ctr"/>
+          <a:p>
+            <a:pPr algn="ctr"/>
+            <a:endParaRPr lang="zh-CN" altLang="en-US"/>
+          </a:p>
+        </p:txBody>
+      </p:sp>
+      <p:sp>
+        <p:nvSpPr>
+          <p:cNvPr id="8" name="矩形 7"/>
+          <p:cNvSpPr/>
+          <p:nvPr/>
+        </p:nvSpPr>
+        <p:spPr>
+          <a:xfrm>
+            <a:off x="273685" y="4003040"/>
+            <a:ext cx="5185410" cy="2585720"/>
+          </a:xfrm>
+          <a:prstGeom prst="rect">
+            <a:avLst/>
+          </a:prstGeom>
+          <a:ln w="12700">
+            <a:prstDash val="sysDot"/>
+          </a:ln>
+        </p:spPr>
+        <p:style>
+          <a:lnRef idx="2">
+            <a:schemeClr val="dk1"/>
+          </a:lnRef>
+          <a:fillRef idx="1">
+            <a:schemeClr val="lt1"/>
+          </a:fillRef>
+          <a:effectRef idx="0">
+            <a:schemeClr val="dk1"/>
+          </a:effectRef>
+          <a:fontRef idx="minor">
+            <a:schemeClr val="dk1"/>
+          </a:fontRef>
+        </p:style>
+        <p:txBody>
+          <a:bodyPr rtlCol="0" anchor="ctr"/>
+          <a:p>
+            <a:pPr algn="ctr"/>
+            <a:endParaRPr lang="zh-CN" altLang="en-US"/>
+          </a:p>
+        </p:txBody>
+      </p:sp>
+      <p:sp>
+        <p:nvSpPr>
+          <p:cNvPr id="9" name="矩形 8"/>
+          <p:cNvSpPr/>
+          <p:nvPr/>
+        </p:nvSpPr>
+        <p:spPr>
+          <a:xfrm>
+            <a:off x="273685" y="943610"/>
+            <a:ext cx="5185410" cy="2794000"/>
+          </a:xfrm>
+          <a:prstGeom prst="rect">
+            <a:avLst/>
+          </a:prstGeom>
+          <a:ln w="12700">
+            <a:prstDash val="sysDot"/>
+          </a:ln>
+        </p:spPr>
+        <p:style>
+          <a:lnRef idx="2">
+            <a:schemeClr val="dk1"/>
+          </a:lnRef>
+          <a:fillRef idx="1">
+            <a:schemeClr val="lt1"/>
+          </a:fillRef>
+          <a:effectRef idx="0">
+            <a:schemeClr val="dk1"/>
+          </a:effectRef>
+          <a:fontRef idx="minor">
+            <a:schemeClr val="dk1"/>
+          </a:fontRef>
+        </p:style>
+        <p:txBody>
+          <a:bodyPr rtlCol="0" anchor="ctr"/>
+          <a:p>
+            <a:pPr algn="ctr"/>
+            <a:endParaRPr lang="zh-CN" altLang="en-US"/>
+          </a:p>
+        </p:txBody>
+      </p:sp>
+      <p:sp>
+        <p:nvSpPr>
+          <p:cNvPr id="10" name="TextBox 15"/>
+          <p:cNvSpPr txBox="1"/>
+          <p:nvPr/>
+        </p:nvSpPr>
+        <p:spPr>
+          <a:xfrm>
+            <a:off x="2112796" y="215842"/>
+            <a:ext cx="1506552" cy="306705"/>
+          </a:xfrm>
+          <a:prstGeom prst="rect">
+            <a:avLst/>
+          </a:prstGeom>
+          <a:noFill/>
+        </p:spPr>
+        <p:txBody>
+          <a:bodyPr wrap="square" rtlCol="0">
+            <a:spAutoFit/>
+          </a:bodyPr>
+          <a:p>
+            <a:pPr algn="ctr"/>
+            <a:r>
+              <a:rPr lang="en-US" sz="1400" dirty="0"/>
+              <a:t>intranet</a:t>
+            </a:r>
+            <a:endParaRPr lang="en-US" sz="1400" dirty="0"/>
+          </a:p>
+        </p:txBody>
+      </p:sp>
+      <p:sp>
+        <p:nvSpPr>
+          <p:cNvPr id="11" name="TextBox 15"/>
+          <p:cNvSpPr txBox="1"/>
+          <p:nvPr/>
+        </p:nvSpPr>
+        <p:spPr>
+          <a:xfrm>
+            <a:off x="8469146" y="215842"/>
+            <a:ext cx="1506552" cy="306705"/>
+          </a:xfrm>
+          <a:prstGeom prst="rect">
+            <a:avLst/>
+          </a:prstGeom>
+          <a:noFill/>
+        </p:spPr>
+        <p:txBody>
+          <a:bodyPr wrap="square" rtlCol="0">
+            <a:spAutoFit/>
+          </a:bodyPr>
+          <a:p>
+            <a:pPr algn="ctr"/>
+            <a:r>
+              <a:rPr lang="en-US" sz="1400" dirty="0"/>
+              <a:t>internet</a:t>
+            </a:r>
+            <a:endParaRPr lang="en-US" sz="1400" dirty="0"/>
+          </a:p>
+        </p:txBody>
+      </p:sp>
+      <p:sp>
+        <p:nvSpPr>
+          <p:cNvPr id="13" name="TextBox 15"/>
+          <p:cNvSpPr txBox="1"/>
+          <p:nvPr/>
+        </p:nvSpPr>
+        <p:spPr>
+          <a:xfrm>
+            <a:off x="139851" y="1050232"/>
+            <a:ext cx="1506552" cy="306705"/>
+          </a:xfrm>
+          <a:prstGeom prst="rect">
+            <a:avLst/>
+          </a:prstGeom>
+          <a:noFill/>
+        </p:spPr>
+        <p:txBody>
+          <a:bodyPr wrap="square" rtlCol="0">
+            <a:spAutoFit/>
+          </a:bodyPr>
+          <a:p>
+            <a:pPr algn="ctr"/>
+            <a:r>
+              <a:rPr lang="en-US" sz="1400" dirty="0"/>
+              <a:t>Shenzhen</a:t>
+            </a:r>
+            <a:endParaRPr lang="en-US" sz="1400" dirty="0"/>
+          </a:p>
+        </p:txBody>
+      </p:sp>
+      <p:sp>
+        <p:nvSpPr>
+          <p:cNvPr id="15" name="TextBox 15"/>
+          <p:cNvSpPr txBox="1"/>
+          <p:nvPr/>
+        </p:nvSpPr>
+        <p:spPr>
+          <a:xfrm>
+            <a:off x="10598301" y="4091882"/>
+            <a:ext cx="1506552" cy="306705"/>
+          </a:xfrm>
+          <a:prstGeom prst="rect">
+            <a:avLst/>
+          </a:prstGeom>
+          <a:noFill/>
+        </p:spPr>
+        <p:txBody>
+          <a:bodyPr wrap="square" rtlCol="0">
+            <a:spAutoFit/>
+          </a:bodyPr>
+          <a:p>
+            <a:pPr algn="ctr"/>
+            <a:r>
+              <a:rPr lang="en-US" sz="1400" dirty="0"/>
+              <a:t>Region 1</a:t>
+            </a:r>
+            <a:endParaRPr lang="en-US" sz="1400" dirty="0"/>
+          </a:p>
+        </p:txBody>
+      </p:sp>
+      <p:sp>
+        <p:nvSpPr>
+          <p:cNvPr id="16" name="TextBox 15"/>
+          <p:cNvSpPr txBox="1"/>
+          <p:nvPr/>
+        </p:nvSpPr>
+        <p:spPr>
+          <a:xfrm>
+            <a:off x="10472571" y="1050232"/>
+            <a:ext cx="1506552" cy="306705"/>
+          </a:xfrm>
+          <a:prstGeom prst="rect">
+            <a:avLst/>
+          </a:prstGeom>
+          <a:noFill/>
+        </p:spPr>
+        <p:txBody>
+          <a:bodyPr wrap="square" rtlCol="0">
+            <a:spAutoFit/>
+          </a:bodyPr>
+          <a:p>
+            <a:pPr algn="ctr"/>
+            <a:r>
+              <a:rPr lang="en-US" sz="1400" dirty="0"/>
+              <a:t>Region N</a:t>
+            </a:r>
+            <a:endParaRPr lang="en-US" sz="1400" dirty="0"/>
+          </a:p>
+        </p:txBody>
+      </p:sp>
+      <p:pic>
+        <p:nvPicPr>
+          <p:cNvPr id="17" name="图片 16" descr="Amazon-EC2_Instance_light-bg@4x"/>
+          <p:cNvPicPr>
+            <a:picLocks noChangeAspect="1"/>
+          </p:cNvPicPr>
+          <p:nvPr/>
+        </p:nvPicPr>
+        <p:blipFill>
+          <a:blip r:embed="rId1"/>
+          <a:stretch>
+            <a:fillRect/>
+          </a:stretch>
+        </p:blipFill>
+        <p:spPr>
+          <a:xfrm>
+            <a:off x="4508500" y="4093210"/>
+            <a:ext cx="635000" cy="635000"/>
+          </a:xfrm>
+          <a:prstGeom prst="rect">
+            <a:avLst/>
+          </a:prstGeom>
+        </p:spPr>
+      </p:pic>
+      <p:sp>
+        <p:nvSpPr>
+          <p:cNvPr id="18" name="TextBox 15"/>
+          <p:cNvSpPr txBox="1"/>
+          <p:nvPr/>
+        </p:nvSpPr>
+        <p:spPr>
+          <a:xfrm>
+            <a:off x="4073041" y="4728152"/>
+            <a:ext cx="1506552" cy="306705"/>
+          </a:xfrm>
+          <a:prstGeom prst="rect">
+            <a:avLst/>
+          </a:prstGeom>
+          <a:noFill/>
+        </p:spPr>
+        <p:txBody>
+          <a:bodyPr wrap="square" rtlCol="0">
+            <a:spAutoFit/>
+          </a:bodyPr>
+          <a:p>
+            <a:pPr algn="ctr"/>
+            <a:r>
+              <a:rPr lang="en-US" sz="1400" dirty="0"/>
+              <a:t>Harbor</a:t>
+            </a:r>
+            <a:endParaRPr lang="en-US" sz="1400" dirty="0"/>
+          </a:p>
+        </p:txBody>
+      </p:sp>
+      <p:pic>
+        <p:nvPicPr>
+          <p:cNvPr id="19" name="图片 18"/>
+          <p:cNvPicPr>
+            <a:picLocks noChangeAspect="1"/>
+          </p:cNvPicPr>
+          <p:nvPr>
+            <p:custDataLst>
+              <p:tags r:id="rId2"/>
+            </p:custDataLst>
+          </p:nvPr>
+        </p:nvPicPr>
+        <p:blipFill>
+          <a:blip r:embed="rId3"/>
+          <a:stretch>
+            <a:fillRect/>
+          </a:stretch>
+        </p:blipFill>
+        <p:spPr>
+          <a:xfrm>
+            <a:off x="1080135" y="4036060"/>
+            <a:ext cx="1026160" cy="1026160"/>
+          </a:xfrm>
+          <a:prstGeom prst="rect">
+            <a:avLst/>
+          </a:prstGeom>
+        </p:spPr>
+      </p:pic>
+      <p:sp>
+        <p:nvSpPr>
+          <p:cNvPr id="20" name="TextBox 15"/>
+          <p:cNvSpPr txBox="1"/>
+          <p:nvPr/>
+        </p:nvSpPr>
+        <p:spPr>
+          <a:xfrm>
+            <a:off x="601980" y="5013325"/>
+            <a:ext cx="1983105" cy="306705"/>
+          </a:xfrm>
+          <a:prstGeom prst="rect">
+            <a:avLst/>
+          </a:prstGeom>
+          <a:noFill/>
+        </p:spPr>
+        <p:txBody>
+          <a:bodyPr wrap="square" rtlCol="0">
+            <a:spAutoFit/>
+          </a:bodyPr>
+          <a:p>
+            <a:pPr algn="ctr"/>
+            <a:r>
+              <a:rPr lang="en-US" sz="1400" dirty="0"/>
+              <a:t>Continuous Integration</a:t>
+            </a:r>
+            <a:endParaRPr lang="en-US" sz="1400" dirty="0"/>
+          </a:p>
+        </p:txBody>
+      </p:sp>
+      <p:cxnSp>
+        <p:nvCxnSpPr>
+          <p:cNvPr id="21" name="直接箭头连接符 20"/>
+          <p:cNvCxnSpPr/>
+          <p:nvPr/>
+        </p:nvCxnSpPr>
+        <p:spPr>
+          <a:xfrm>
+            <a:off x="2129790" y="4407535"/>
+            <a:ext cx="2082800" cy="2540"/>
+          </a:xfrm>
+          <a:prstGeom prst="straightConnector1">
+            <a:avLst/>
+          </a:prstGeom>
+          <a:ln>
+            <a:tailEnd type="arrow"/>
+          </a:ln>
+        </p:spPr>
+        <p:style>
+          <a:lnRef idx="1">
+            <a:schemeClr val="accent1"/>
+          </a:lnRef>
+          <a:fillRef idx="0">
+            <a:schemeClr val="accent1"/>
+          </a:fillRef>
+          <a:effectRef idx="0">
+            <a:schemeClr val="accent1"/>
+          </a:effectRef>
+          <a:fontRef idx="minor">
+            <a:schemeClr val="tx1"/>
+          </a:fontRef>
+        </p:style>
+      </p:cxnSp>
+      <p:sp>
+        <p:nvSpPr>
+          <p:cNvPr id="22" name="TextBox 15"/>
+          <p:cNvSpPr txBox="1"/>
+          <p:nvPr/>
+        </p:nvSpPr>
+        <p:spPr>
+          <a:xfrm>
+            <a:off x="2418231" y="4060132"/>
+            <a:ext cx="1506552" cy="306705"/>
+          </a:xfrm>
+          <a:prstGeom prst="rect">
+            <a:avLst/>
+          </a:prstGeom>
+          <a:noFill/>
+        </p:spPr>
+        <p:txBody>
+          <a:bodyPr wrap="square" rtlCol="0">
+            <a:spAutoFit/>
+          </a:bodyPr>
+          <a:p>
+            <a:pPr algn="ctr"/>
+            <a:r>
+              <a:rPr lang="en-US" sz="1400" dirty="0"/>
+              <a:t>push</a:t>
+            </a:r>
+            <a:endParaRPr lang="en-US" sz="1400" dirty="0"/>
+          </a:p>
+        </p:txBody>
+      </p:sp>
+      <p:pic>
+        <p:nvPicPr>
+          <p:cNvPr id="23" name="图片 22"/>
+          <p:cNvPicPr>
+            <a:picLocks noChangeAspect="1"/>
+          </p:cNvPicPr>
+          <p:nvPr>
+            <p:custDataLst>
+              <p:tags r:id="rId4"/>
+            </p:custDataLst>
+          </p:nvPr>
+        </p:nvPicPr>
+        <p:blipFill>
+          <a:blip r:embed="rId3"/>
+          <a:stretch>
+            <a:fillRect/>
+          </a:stretch>
+        </p:blipFill>
+        <p:spPr>
+          <a:xfrm>
+            <a:off x="9834880" y="4036060"/>
+            <a:ext cx="1026160" cy="1026160"/>
+          </a:xfrm>
+          <a:prstGeom prst="rect">
+            <a:avLst/>
+          </a:prstGeom>
+        </p:spPr>
+      </p:pic>
+      <p:sp>
+        <p:nvSpPr>
+          <p:cNvPr id="24" name="TextBox 15"/>
+          <p:cNvSpPr txBox="1"/>
+          <p:nvPr/>
+        </p:nvSpPr>
+        <p:spPr>
+          <a:xfrm>
+            <a:off x="9356090" y="5062220"/>
+            <a:ext cx="1983105" cy="306705"/>
+          </a:xfrm>
+          <a:prstGeom prst="rect">
+            <a:avLst/>
+          </a:prstGeom>
+          <a:noFill/>
+        </p:spPr>
+        <p:txBody>
+          <a:bodyPr wrap="square" rtlCol="0">
+            <a:spAutoFit/>
+          </a:bodyPr>
+          <a:p>
+            <a:pPr algn="ctr"/>
+            <a:r>
+              <a:rPr lang="en-US" sz="1400" dirty="0"/>
+              <a:t>Continuous Integration</a:t>
+            </a:r>
+            <a:endParaRPr lang="en-US" sz="1400" dirty="0"/>
+          </a:p>
+        </p:txBody>
+      </p:sp>
+      <p:cxnSp>
+        <p:nvCxnSpPr>
+          <p:cNvPr id="27" name="直接箭头连接符 26"/>
+          <p:cNvCxnSpPr/>
+          <p:nvPr/>
+        </p:nvCxnSpPr>
+        <p:spPr>
+          <a:xfrm flipH="1" flipV="1">
+            <a:off x="7809230" y="4395470"/>
+            <a:ext cx="1968500" cy="12065"/>
+          </a:xfrm>
+          <a:prstGeom prst="straightConnector1">
+            <a:avLst/>
+          </a:prstGeom>
+          <a:ln>
+            <a:tailEnd type="arrow"/>
+          </a:ln>
+        </p:spPr>
+        <p:style>
+          <a:lnRef idx="1">
+            <a:schemeClr val="accent1"/>
+          </a:lnRef>
+          <a:fillRef idx="0">
+            <a:schemeClr val="accent1"/>
+          </a:fillRef>
+          <a:effectRef idx="0">
+            <a:schemeClr val="accent1"/>
+          </a:effectRef>
+          <a:fontRef idx="minor">
+            <a:schemeClr val="tx1"/>
+          </a:fontRef>
+        </p:style>
+      </p:cxnSp>
+      <p:sp>
+        <p:nvSpPr>
+          <p:cNvPr id="28" name="TextBox 15"/>
+          <p:cNvSpPr txBox="1"/>
+          <p:nvPr/>
+        </p:nvSpPr>
+        <p:spPr>
+          <a:xfrm>
+            <a:off x="8159901" y="4060132"/>
+            <a:ext cx="1506552" cy="306705"/>
+          </a:xfrm>
+          <a:prstGeom prst="rect">
+            <a:avLst/>
+          </a:prstGeom>
+          <a:noFill/>
+        </p:spPr>
+        <p:txBody>
+          <a:bodyPr wrap="square" rtlCol="0">
+            <a:spAutoFit/>
+          </a:bodyPr>
+          <a:p>
+            <a:pPr algn="ctr"/>
+            <a:r>
+              <a:rPr lang="en-US" sz="1400" dirty="0"/>
+              <a:t>push</a:t>
+            </a:r>
+            <a:endParaRPr lang="en-US" sz="1400" dirty="0"/>
+          </a:p>
+        </p:txBody>
+      </p:sp>
+      <p:pic>
+        <p:nvPicPr>
+          <p:cNvPr id="29" name="图片 28" descr="Amazon-EC2_Instance_light-bg@4x"/>
+          <p:cNvPicPr>
+            <a:picLocks noChangeAspect="1"/>
+          </p:cNvPicPr>
+          <p:nvPr/>
+        </p:nvPicPr>
+        <p:blipFill>
+          <a:blip r:embed="rId1"/>
+          <a:stretch>
+            <a:fillRect/>
+          </a:stretch>
+        </p:blipFill>
+        <p:spPr>
+          <a:xfrm>
+            <a:off x="6880860" y="4093210"/>
+            <a:ext cx="635000" cy="635000"/>
+          </a:xfrm>
+          <a:prstGeom prst="rect">
+            <a:avLst/>
+          </a:prstGeom>
+        </p:spPr>
+      </p:pic>
+      <p:sp>
+        <p:nvSpPr>
+          <p:cNvPr id="30" name="TextBox 15"/>
+          <p:cNvSpPr txBox="1"/>
+          <p:nvPr/>
+        </p:nvSpPr>
+        <p:spPr>
+          <a:xfrm>
+            <a:off x="6445401" y="4728152"/>
+            <a:ext cx="1506552" cy="306705"/>
+          </a:xfrm>
+          <a:prstGeom prst="rect">
+            <a:avLst/>
+          </a:prstGeom>
+          <a:noFill/>
+        </p:spPr>
+        <p:txBody>
+          <a:bodyPr wrap="square" rtlCol="0">
+            <a:spAutoFit/>
+          </a:bodyPr>
+          <a:p>
+            <a:pPr algn="ctr"/>
+            <a:r>
+              <a:rPr lang="en-US" sz="1400" dirty="0"/>
+              <a:t>Harbor</a:t>
+            </a:r>
+            <a:endParaRPr lang="en-US" sz="1400" dirty="0"/>
+          </a:p>
+        </p:txBody>
+      </p:sp>
+      <p:sp>
+        <p:nvSpPr>
+          <p:cNvPr id="12" name="TextBox 15"/>
+          <p:cNvSpPr txBox="1"/>
+          <p:nvPr/>
+        </p:nvSpPr>
+        <p:spPr>
+          <a:xfrm>
+            <a:off x="-91289" y="4034732"/>
+            <a:ext cx="1506552" cy="306705"/>
+          </a:xfrm>
+          <a:prstGeom prst="rect">
+            <a:avLst/>
+          </a:prstGeom>
+          <a:noFill/>
+        </p:spPr>
+        <p:txBody>
+          <a:bodyPr wrap="square" rtlCol="0">
+            <a:spAutoFit/>
+          </a:bodyPr>
+          <a:p>
+            <a:pPr algn="ctr"/>
+            <a:r>
+              <a:rPr lang="en-US" sz="1400" dirty="0"/>
+              <a:t>Beijing</a:t>
+            </a:r>
+            <a:endParaRPr lang="en-US" sz="1400" dirty="0"/>
+          </a:p>
+        </p:txBody>
+      </p:sp>
+      <p:cxnSp>
+        <p:nvCxnSpPr>
+          <p:cNvPr id="31" name="直接箭头连接符 30"/>
+          <p:cNvCxnSpPr/>
+          <p:nvPr/>
+        </p:nvCxnSpPr>
+        <p:spPr>
+          <a:xfrm>
+            <a:off x="5260340" y="4332605"/>
+            <a:ext cx="1504950" cy="15240"/>
+          </a:xfrm>
+          <a:prstGeom prst="straightConnector1">
+            <a:avLst/>
+          </a:prstGeom>
+          <a:ln>
+            <a:tailEnd type="arrow"/>
+          </a:ln>
+        </p:spPr>
+        <p:style>
+          <a:lnRef idx="1">
+            <a:schemeClr val="accent1"/>
+          </a:lnRef>
+          <a:fillRef idx="0">
+            <a:schemeClr val="accent1"/>
+          </a:fillRef>
+          <a:effectRef idx="0">
+            <a:schemeClr val="accent1"/>
+          </a:effectRef>
+          <a:fontRef idx="minor">
+            <a:schemeClr val="tx1"/>
+          </a:fontRef>
+        </p:style>
+      </p:cxnSp>
+      <p:cxnSp>
+        <p:nvCxnSpPr>
+          <p:cNvPr id="32" name="直接箭头连接符 31"/>
+          <p:cNvCxnSpPr/>
+          <p:nvPr/>
+        </p:nvCxnSpPr>
+        <p:spPr>
+          <a:xfrm flipH="1">
+            <a:off x="5215890" y="4526280"/>
+            <a:ext cx="1565275" cy="0"/>
+          </a:xfrm>
+          <a:prstGeom prst="straightConnector1">
+            <a:avLst/>
+          </a:prstGeom>
+          <a:ln>
+            <a:tailEnd type="arrow"/>
+          </a:ln>
+        </p:spPr>
+        <p:style>
+          <a:lnRef idx="1">
+            <a:schemeClr val="accent1"/>
+          </a:lnRef>
+          <a:fillRef idx="0">
+            <a:schemeClr val="accent1"/>
+          </a:fillRef>
+          <a:effectRef idx="0">
+            <a:schemeClr val="accent1"/>
+          </a:effectRef>
+          <a:fontRef idx="minor">
+            <a:schemeClr val="tx1"/>
+          </a:fontRef>
+        </p:style>
+      </p:cxnSp>
+      <p:pic>
+        <p:nvPicPr>
+          <p:cNvPr id="42" name="Graphic 7"/>
+          <p:cNvPicPr>
+            <a:picLocks noChangeAspect="1"/>
+          </p:cNvPicPr>
+          <p:nvPr/>
+        </p:nvPicPr>
+        <p:blipFill>
+          <a:blip r:embed="rId5">
+            <a:extLst>
+              <a:ext uri="{96DAC541-7B7A-43D3-8B79-37D633B846F1}">
+                <asvg:svgBlip xmlns:asvg="http://schemas.microsoft.com/office/drawing/2016/SVG/main" r:embed="rId6"/>
+              </a:ext>
+            </a:extLst>
+          </a:blip>
+          <a:stretch>
+            <a:fillRect/>
+          </a:stretch>
+        </p:blipFill>
+        <p:spPr>
+          <a:xfrm>
+            <a:off x="1359217" y="5696185"/>
+            <a:ext cx="469900" cy="469900"/>
+          </a:xfrm>
+          <a:prstGeom prst="rect">
+            <a:avLst/>
+          </a:prstGeom>
+        </p:spPr>
+      </p:pic>
+      <p:sp>
+        <p:nvSpPr>
+          <p:cNvPr id="43" name="TextBox 15"/>
+          <p:cNvSpPr txBox="1"/>
+          <p:nvPr/>
+        </p:nvSpPr>
+        <p:spPr>
+          <a:xfrm>
+            <a:off x="100330" y="6165850"/>
+            <a:ext cx="2987040" cy="306705"/>
+          </a:xfrm>
+          <a:prstGeom prst="rect">
+            <a:avLst/>
+          </a:prstGeom>
+          <a:noFill/>
+        </p:spPr>
+        <p:txBody>
+          <a:bodyPr wrap="square" rtlCol="0">
+            <a:spAutoFit/>
+          </a:bodyPr>
+          <a:p>
+            <a:pPr algn="ctr"/>
+            <a:r>
+              <a:rPr lang="en-US" sz="1400" dirty="0"/>
+              <a:t>S3 docker images bucket</a:t>
+            </a:r>
+            <a:endParaRPr lang="en-US" sz="1400" dirty="0"/>
+          </a:p>
+        </p:txBody>
+      </p:sp>
+      <p:cxnSp>
+        <p:nvCxnSpPr>
+          <p:cNvPr id="44" name="直接箭头连接符 43"/>
+          <p:cNvCxnSpPr/>
+          <p:nvPr/>
+        </p:nvCxnSpPr>
+        <p:spPr>
+          <a:xfrm flipH="1">
+            <a:off x="1846580" y="4720590"/>
+            <a:ext cx="2638425" cy="998220"/>
+          </a:xfrm>
+          <a:prstGeom prst="straightConnector1">
+            <a:avLst/>
+          </a:prstGeom>
+          <a:ln>
+            <a:tailEnd type="arrow"/>
+          </a:ln>
+        </p:spPr>
+        <p:style>
+          <a:lnRef idx="1">
+            <a:schemeClr val="accent1"/>
+          </a:lnRef>
+          <a:fillRef idx="0">
+            <a:schemeClr val="accent1"/>
+          </a:fillRef>
+          <a:effectRef idx="0">
+            <a:schemeClr val="accent1"/>
+          </a:effectRef>
+          <a:fontRef idx="minor">
+            <a:schemeClr val="tx1"/>
+          </a:fontRef>
+        </p:style>
+      </p:cxnSp>
+      <p:pic>
+        <p:nvPicPr>
+          <p:cNvPr id="45" name="Graphic 7"/>
+          <p:cNvPicPr>
+            <a:picLocks noChangeAspect="1"/>
+          </p:cNvPicPr>
+          <p:nvPr/>
+        </p:nvPicPr>
+        <p:blipFill>
+          <a:blip r:embed="rId5">
+            <a:extLst>
+              <a:ext uri="{96DAC541-7B7A-43D3-8B79-37D633B846F1}">
+                <asvg:svgBlip xmlns:asvg="http://schemas.microsoft.com/office/drawing/2016/SVG/main" r:embed="rId6"/>
+              </a:ext>
+            </a:extLst>
+          </a:blip>
+          <a:stretch>
+            <a:fillRect/>
+          </a:stretch>
+        </p:blipFill>
+        <p:spPr>
+          <a:xfrm>
+            <a:off x="10523537" y="5588235"/>
+            <a:ext cx="469900" cy="469900"/>
+          </a:xfrm>
+          <a:prstGeom prst="rect">
+            <a:avLst/>
+          </a:prstGeom>
+        </p:spPr>
+      </p:pic>
+      <p:sp>
+        <p:nvSpPr>
+          <p:cNvPr id="46" name="TextBox 15"/>
+          <p:cNvSpPr txBox="1"/>
+          <p:nvPr/>
+        </p:nvSpPr>
+        <p:spPr>
+          <a:xfrm>
+            <a:off x="8159750" y="6054725"/>
+            <a:ext cx="5197475" cy="521970"/>
+          </a:xfrm>
+          <a:prstGeom prst="rect">
+            <a:avLst/>
+          </a:prstGeom>
+          <a:noFill/>
+        </p:spPr>
+        <p:txBody>
+          <a:bodyPr wrap="square" rtlCol="0">
+            <a:spAutoFit/>
+          </a:bodyPr>
+          <a:p>
+            <a:pPr algn="ctr"/>
+            <a:r>
+              <a:rPr lang="en-US" sz="1400" dirty="0">
+                <a:sym typeface="+mn-ea"/>
+              </a:rPr>
+              <a:t>Amazon S3 </a:t>
+            </a:r>
+            <a:endParaRPr lang="en-US" sz="1400" dirty="0">
+              <a:sym typeface="+mn-ea"/>
+            </a:endParaRPr>
+          </a:p>
+          <a:p>
+            <a:pPr algn="ctr"/>
+            <a:r>
+              <a:rPr lang="en-US" sz="1400" dirty="0">
+                <a:sym typeface="+mn-ea"/>
+              </a:rPr>
+              <a:t>docker images bucket</a:t>
+            </a:r>
+            <a:endParaRPr lang="en-US" sz="1400" dirty="0"/>
+          </a:p>
+        </p:txBody>
+      </p:sp>
+      <p:cxnSp>
+        <p:nvCxnSpPr>
+          <p:cNvPr id="47" name="直接箭头连接符 46"/>
+          <p:cNvCxnSpPr/>
+          <p:nvPr/>
+        </p:nvCxnSpPr>
+        <p:spPr>
+          <a:xfrm>
+            <a:off x="7586345" y="4660900"/>
+            <a:ext cx="2414905" cy="1013460"/>
+          </a:xfrm>
+          <a:prstGeom prst="straightConnector1">
+            <a:avLst/>
+          </a:prstGeom>
+          <a:ln>
+            <a:tailEnd type="arrow"/>
+          </a:ln>
+        </p:spPr>
+        <p:style>
+          <a:lnRef idx="1">
+            <a:schemeClr val="accent1"/>
+          </a:lnRef>
+          <a:fillRef idx="0">
+            <a:schemeClr val="accent1"/>
+          </a:fillRef>
+          <a:effectRef idx="0">
+            <a:schemeClr val="accent1"/>
+          </a:effectRef>
+          <a:fontRef idx="minor">
+            <a:schemeClr val="tx1"/>
+          </a:fontRef>
+        </p:style>
+      </p:cxnSp>
+      <p:pic>
+        <p:nvPicPr>
+          <p:cNvPr id="48" name="图片 47" descr="Amazon-RDS_PostgreSQL_instance_light-bg@4x"/>
+          <p:cNvPicPr>
+            <a:picLocks noChangeAspect="1"/>
+          </p:cNvPicPr>
+          <p:nvPr/>
+        </p:nvPicPr>
+        <p:blipFill>
+          <a:blip r:embed="rId7"/>
+          <a:stretch>
+            <a:fillRect/>
+          </a:stretch>
+        </p:blipFill>
+        <p:spPr>
+          <a:xfrm>
+            <a:off x="7348855" y="5422265"/>
+            <a:ext cx="635000" cy="635000"/>
+          </a:xfrm>
+          <a:prstGeom prst="rect">
+            <a:avLst/>
+          </a:prstGeom>
+        </p:spPr>
+      </p:pic>
+      <p:sp>
+        <p:nvSpPr>
+          <p:cNvPr id="49" name="TextBox 15"/>
+          <p:cNvSpPr txBox="1"/>
+          <p:nvPr/>
+        </p:nvSpPr>
+        <p:spPr>
+          <a:xfrm>
+            <a:off x="5499735" y="6057265"/>
+            <a:ext cx="4333240" cy="521970"/>
+          </a:xfrm>
+          <a:prstGeom prst="rect">
+            <a:avLst/>
+          </a:prstGeom>
+          <a:noFill/>
+        </p:spPr>
+        <p:txBody>
+          <a:bodyPr wrap="square" rtlCol="0">
+            <a:spAutoFit/>
+          </a:bodyPr>
+          <a:p>
+            <a:pPr algn="ctr"/>
+            <a:r>
+              <a:rPr lang="en-US" sz="1400" dirty="0"/>
+              <a:t>Amazon Aurora </a:t>
+            </a:r>
+            <a:endParaRPr lang="en-US" sz="1400" dirty="0"/>
+          </a:p>
+          <a:p>
+            <a:pPr algn="ctr"/>
+            <a:r>
+              <a:rPr lang="en-US" sz="1400" dirty="0"/>
+              <a:t>PostgreSQL Serverless</a:t>
+            </a:r>
+            <a:endParaRPr lang="en-US" sz="1400" dirty="0"/>
+          </a:p>
+        </p:txBody>
+      </p:sp>
+      <p:cxnSp>
+        <p:nvCxnSpPr>
+          <p:cNvPr id="50" name="直接箭头连接符 49"/>
+          <p:cNvCxnSpPr/>
+          <p:nvPr/>
+        </p:nvCxnSpPr>
+        <p:spPr>
+          <a:xfrm>
+            <a:off x="7435850" y="5067935"/>
+            <a:ext cx="15240" cy="268605"/>
+          </a:xfrm>
+          <a:prstGeom prst="straightConnector1">
+            <a:avLst/>
+          </a:prstGeom>
+          <a:ln>
+            <a:tailEnd type="arrow"/>
+          </a:ln>
+        </p:spPr>
+        <p:style>
+          <a:lnRef idx="1">
+            <a:schemeClr val="accent1"/>
+          </a:lnRef>
+          <a:fillRef idx="0">
+            <a:schemeClr val="accent1"/>
+          </a:fillRef>
+          <a:effectRef idx="0">
+            <a:schemeClr val="accent1"/>
+          </a:effectRef>
+          <a:fontRef idx="minor">
+            <a:schemeClr val="tx1"/>
+          </a:fontRef>
+        </p:style>
+      </p:cxnSp>
+      <p:cxnSp>
+        <p:nvCxnSpPr>
+          <p:cNvPr id="51" name="直接箭头连接符 50"/>
+          <p:cNvCxnSpPr/>
+          <p:nvPr/>
+        </p:nvCxnSpPr>
+        <p:spPr>
+          <a:xfrm>
+            <a:off x="5155565" y="4770120"/>
+            <a:ext cx="1982470" cy="670560"/>
+          </a:xfrm>
+          <a:prstGeom prst="straightConnector1">
+            <a:avLst/>
+          </a:prstGeom>
+          <a:ln w="12700">
+            <a:solidFill>
+              <a:schemeClr val="accent1"/>
+            </a:solidFill>
+            <a:prstDash val="sysDot"/>
+            <a:tailEnd type="arrow"/>
+          </a:ln>
+        </p:spPr>
+        <p:style>
+          <a:lnRef idx="1">
+            <a:schemeClr val="accent1"/>
+          </a:lnRef>
+          <a:fillRef idx="0">
+            <a:schemeClr val="accent1"/>
+          </a:fillRef>
+          <a:effectRef idx="0">
+            <a:schemeClr val="accent1"/>
+          </a:effectRef>
+          <a:fontRef idx="minor">
+            <a:schemeClr val="tx1"/>
+          </a:fontRef>
+        </p:style>
+      </p:cxnSp>
+      <p:pic>
+        <p:nvPicPr>
+          <p:cNvPr id="52" name="图片 51"/>
+          <p:cNvPicPr>
+            <a:picLocks noChangeAspect="1"/>
+          </p:cNvPicPr>
+          <p:nvPr/>
+        </p:nvPicPr>
+        <p:blipFill>
+          <a:blip r:embed="rId8"/>
+          <a:stretch>
+            <a:fillRect/>
+          </a:stretch>
+        </p:blipFill>
+        <p:spPr>
+          <a:xfrm>
+            <a:off x="7105650" y="1130935"/>
+            <a:ext cx="1216025" cy="890270"/>
+          </a:xfrm>
+          <a:prstGeom prst="rect">
+            <a:avLst/>
+          </a:prstGeom>
+        </p:spPr>
+      </p:pic>
+      <p:sp>
+        <p:nvSpPr>
+          <p:cNvPr id="53" name="TextBox 15"/>
+          <p:cNvSpPr txBox="1"/>
+          <p:nvPr/>
+        </p:nvSpPr>
+        <p:spPr>
+          <a:xfrm>
+            <a:off x="6950226" y="2139892"/>
+            <a:ext cx="1506552" cy="306705"/>
+          </a:xfrm>
+          <a:prstGeom prst="rect">
+            <a:avLst/>
+          </a:prstGeom>
+          <a:noFill/>
+        </p:spPr>
+        <p:txBody>
+          <a:bodyPr wrap="square" rtlCol="0">
+            <a:spAutoFit/>
+          </a:bodyPr>
+          <a:p>
+            <a:pPr algn="ctr"/>
+            <a:r>
+              <a:rPr lang="en-US" sz="1400" dirty="0"/>
+              <a:t>Docker Registry</a:t>
+            </a:r>
+            <a:endParaRPr lang="en-US" sz="1400" dirty="0"/>
+          </a:p>
+        </p:txBody>
+      </p:sp>
+      <p:pic>
+        <p:nvPicPr>
+          <p:cNvPr id="54" name="Graphic 7"/>
+          <p:cNvPicPr>
+            <a:picLocks noChangeAspect="1"/>
+          </p:cNvPicPr>
+          <p:nvPr/>
+        </p:nvPicPr>
+        <p:blipFill>
+          <a:blip r:embed="rId5">
+            <a:extLst>
+              <a:ext uri="{96DAC541-7B7A-43D3-8B79-37D633B846F1}">
+                <asvg:svgBlip xmlns:asvg="http://schemas.microsoft.com/office/drawing/2016/SVG/main" r:embed="rId6"/>
+              </a:ext>
+            </a:extLst>
+          </a:blip>
+          <a:stretch>
+            <a:fillRect/>
+          </a:stretch>
+        </p:blipFill>
+        <p:spPr>
+          <a:xfrm>
+            <a:off x="10568622" y="2702160"/>
+            <a:ext cx="469900" cy="469900"/>
+          </a:xfrm>
+          <a:prstGeom prst="rect">
+            <a:avLst/>
+          </a:prstGeom>
+        </p:spPr>
+      </p:pic>
+      <p:sp>
+        <p:nvSpPr>
+          <p:cNvPr id="55" name="TextBox 15"/>
+          <p:cNvSpPr txBox="1"/>
+          <p:nvPr/>
+        </p:nvSpPr>
+        <p:spPr>
+          <a:xfrm>
+            <a:off x="8204835" y="3168650"/>
+            <a:ext cx="5197475" cy="521970"/>
+          </a:xfrm>
+          <a:prstGeom prst="rect">
+            <a:avLst/>
+          </a:prstGeom>
+          <a:noFill/>
+        </p:spPr>
+        <p:txBody>
+          <a:bodyPr wrap="square" rtlCol="0">
+            <a:spAutoFit/>
+          </a:bodyPr>
+          <a:p>
+            <a:pPr algn="ctr"/>
+            <a:r>
+              <a:rPr lang="en-US" sz="1400" dirty="0">
+                <a:sym typeface="+mn-ea"/>
+              </a:rPr>
+              <a:t>Amazon S3 </a:t>
+            </a:r>
+            <a:endParaRPr lang="en-US" sz="1400" dirty="0">
+              <a:sym typeface="+mn-ea"/>
+            </a:endParaRPr>
+          </a:p>
+          <a:p>
+            <a:pPr algn="ctr"/>
+            <a:r>
+              <a:rPr lang="en-US" sz="1400" dirty="0">
+                <a:sym typeface="+mn-ea"/>
+              </a:rPr>
+              <a:t>docker images bucket</a:t>
+            </a:r>
+            <a:endParaRPr lang="en-US" sz="1400" dirty="0"/>
+          </a:p>
+        </p:txBody>
+      </p:sp>
+      <p:cxnSp>
+        <p:nvCxnSpPr>
+          <p:cNvPr id="56" name="直接箭头连接符 55"/>
+          <p:cNvCxnSpPr/>
+          <p:nvPr/>
+        </p:nvCxnSpPr>
+        <p:spPr>
+          <a:xfrm>
+            <a:off x="8449310" y="1938020"/>
+            <a:ext cx="1982470" cy="745490"/>
+          </a:xfrm>
+          <a:prstGeom prst="straightConnector1">
+            <a:avLst/>
+          </a:prstGeom>
+          <a:ln>
+            <a:tailEnd type="arrow"/>
+          </a:ln>
+        </p:spPr>
+        <p:style>
+          <a:lnRef idx="1">
+            <a:schemeClr val="accent1"/>
+          </a:lnRef>
+          <a:fillRef idx="0">
+            <a:schemeClr val="accent1"/>
+          </a:fillRef>
+          <a:effectRef idx="0">
+            <a:schemeClr val="accent1"/>
+          </a:effectRef>
+          <a:fontRef idx="minor">
+            <a:schemeClr val="tx1"/>
+          </a:fontRef>
+        </p:style>
+      </p:cxnSp>
+      <p:cxnSp>
+        <p:nvCxnSpPr>
+          <p:cNvPr id="57" name="直接箭头连接符 56"/>
+          <p:cNvCxnSpPr/>
+          <p:nvPr/>
+        </p:nvCxnSpPr>
+        <p:spPr>
+          <a:xfrm flipV="1">
+            <a:off x="7331710" y="2474595"/>
+            <a:ext cx="0" cy="1579880"/>
+          </a:xfrm>
+          <a:prstGeom prst="straightConnector1">
+            <a:avLst/>
+          </a:prstGeom>
+          <a:ln>
+            <a:tailEnd type="arrow"/>
+          </a:ln>
+        </p:spPr>
+        <p:style>
+          <a:lnRef idx="1">
+            <a:schemeClr val="accent1"/>
+          </a:lnRef>
+          <a:fillRef idx="0">
+            <a:schemeClr val="accent1"/>
+          </a:fillRef>
+          <a:effectRef idx="0">
+            <a:schemeClr val="accent1"/>
+          </a:effectRef>
+          <a:fontRef idx="minor">
+            <a:schemeClr val="tx1"/>
+          </a:fontRef>
+        </p:style>
+      </p:cxnSp>
+      <p:sp>
+        <p:nvSpPr>
+          <p:cNvPr id="58" name="TextBox 15"/>
+          <p:cNvSpPr txBox="1"/>
+          <p:nvPr/>
+        </p:nvSpPr>
+        <p:spPr>
+          <a:xfrm>
+            <a:off x="6995946" y="3008572"/>
+            <a:ext cx="1506552" cy="306705"/>
+          </a:xfrm>
+          <a:prstGeom prst="rect">
+            <a:avLst/>
+          </a:prstGeom>
+          <a:noFill/>
+        </p:spPr>
+        <p:txBody>
+          <a:bodyPr wrap="square" rtlCol="0">
+            <a:spAutoFit/>
+          </a:bodyPr>
+          <a:p>
+            <a:pPr algn="ctr"/>
+            <a:r>
+              <a:rPr lang="en-US" sz="1400" dirty="0"/>
+              <a:t>replicate</a:t>
+            </a:r>
+            <a:endParaRPr lang="en-US" sz="1400" dirty="0"/>
+          </a:p>
+        </p:txBody>
+      </p:sp>
+      <p:pic>
+        <p:nvPicPr>
+          <p:cNvPr id="59" name="Graphic 7"/>
+          <p:cNvPicPr>
+            <a:picLocks noChangeAspect="1"/>
+          </p:cNvPicPr>
+          <p:nvPr/>
+        </p:nvPicPr>
+        <p:blipFill>
+          <a:blip r:embed="rId5">
+            <a:extLst>
+              <a:ext uri="{96DAC541-7B7A-43D3-8B79-37D633B846F1}">
+                <asvg:svgBlip xmlns:asvg="http://schemas.microsoft.com/office/drawing/2016/SVG/main" r:embed="rId6"/>
+              </a:ext>
+            </a:extLst>
+          </a:blip>
+          <a:stretch>
+            <a:fillRect/>
+          </a:stretch>
+        </p:blipFill>
+        <p:spPr>
+          <a:xfrm>
+            <a:off x="1401127" y="2855830"/>
+            <a:ext cx="469900" cy="469900"/>
+          </a:xfrm>
+          <a:prstGeom prst="rect">
+            <a:avLst/>
+          </a:prstGeom>
+        </p:spPr>
+      </p:pic>
+      <p:sp>
+        <p:nvSpPr>
+          <p:cNvPr id="60" name="TextBox 15"/>
+          <p:cNvSpPr txBox="1"/>
+          <p:nvPr/>
+        </p:nvSpPr>
+        <p:spPr>
+          <a:xfrm>
+            <a:off x="142240" y="3325495"/>
+            <a:ext cx="2987040" cy="306705"/>
+          </a:xfrm>
+          <a:prstGeom prst="rect">
+            <a:avLst/>
+          </a:prstGeom>
+          <a:noFill/>
+        </p:spPr>
+        <p:txBody>
+          <a:bodyPr wrap="square" rtlCol="0">
+            <a:spAutoFit/>
+          </a:bodyPr>
+          <a:p>
+            <a:pPr algn="ctr"/>
+            <a:r>
+              <a:rPr lang="en-US" sz="1400" dirty="0"/>
+              <a:t>S3 docker images bucket</a:t>
+            </a:r>
+            <a:endParaRPr lang="en-US" sz="1400" dirty="0"/>
+          </a:p>
+        </p:txBody>
+      </p:sp>
+      <p:pic>
+        <p:nvPicPr>
+          <p:cNvPr id="61" name="图片 60"/>
+          <p:cNvPicPr>
+            <a:picLocks noChangeAspect="1"/>
+          </p:cNvPicPr>
+          <p:nvPr/>
+        </p:nvPicPr>
+        <p:blipFill>
+          <a:blip r:embed="rId8"/>
+          <a:stretch>
+            <a:fillRect/>
+          </a:stretch>
+        </p:blipFill>
+        <p:spPr>
+          <a:xfrm>
+            <a:off x="3834765" y="1130935"/>
+            <a:ext cx="1216025" cy="890270"/>
+          </a:xfrm>
+          <a:prstGeom prst="rect">
+            <a:avLst/>
+          </a:prstGeom>
+        </p:spPr>
+      </p:pic>
+      <p:sp>
+        <p:nvSpPr>
+          <p:cNvPr id="62" name="TextBox 15"/>
+          <p:cNvSpPr txBox="1"/>
+          <p:nvPr/>
+        </p:nvSpPr>
+        <p:spPr>
+          <a:xfrm>
+            <a:off x="3679341" y="2139892"/>
+            <a:ext cx="1506552" cy="306705"/>
+          </a:xfrm>
+          <a:prstGeom prst="rect">
+            <a:avLst/>
+          </a:prstGeom>
+          <a:noFill/>
+        </p:spPr>
+        <p:txBody>
+          <a:bodyPr wrap="square" rtlCol="0">
+            <a:spAutoFit/>
+          </a:bodyPr>
+          <a:p>
+            <a:pPr algn="ctr"/>
+            <a:r>
+              <a:rPr lang="en-US" sz="1400" dirty="0"/>
+              <a:t>Docker Registry</a:t>
+            </a:r>
+            <a:endParaRPr lang="en-US" sz="1400" dirty="0"/>
+          </a:p>
+        </p:txBody>
+      </p:sp>
+      <p:cxnSp>
+        <p:nvCxnSpPr>
+          <p:cNvPr id="63" name="直接箭头连接符 62"/>
+          <p:cNvCxnSpPr/>
+          <p:nvPr/>
+        </p:nvCxnSpPr>
+        <p:spPr>
+          <a:xfrm flipV="1">
+            <a:off x="4844415" y="2474595"/>
+            <a:ext cx="0" cy="1579880"/>
+          </a:xfrm>
+          <a:prstGeom prst="straightConnector1">
+            <a:avLst/>
+          </a:prstGeom>
+          <a:ln>
+            <a:tailEnd type="arrow"/>
+          </a:ln>
+        </p:spPr>
+        <p:style>
+          <a:lnRef idx="1">
+            <a:schemeClr val="accent1"/>
+          </a:lnRef>
+          <a:fillRef idx="0">
+            <a:schemeClr val="accent1"/>
+          </a:fillRef>
+          <a:effectRef idx="0">
+            <a:schemeClr val="accent1"/>
+          </a:effectRef>
+          <a:fontRef idx="minor">
+            <a:schemeClr val="tx1"/>
+          </a:fontRef>
+        </p:style>
+      </p:cxnSp>
+      <p:sp>
+        <p:nvSpPr>
+          <p:cNvPr id="64" name="TextBox 15"/>
+          <p:cNvSpPr txBox="1"/>
+          <p:nvPr/>
+        </p:nvSpPr>
+        <p:spPr>
+          <a:xfrm>
+            <a:off x="3676166" y="3008572"/>
+            <a:ext cx="1506552" cy="306705"/>
+          </a:xfrm>
+          <a:prstGeom prst="rect">
+            <a:avLst/>
+          </a:prstGeom>
+          <a:noFill/>
+        </p:spPr>
+        <p:txBody>
+          <a:bodyPr wrap="square" rtlCol="0">
+            <a:spAutoFit/>
+          </a:bodyPr>
+          <a:p>
+            <a:pPr algn="ctr"/>
+            <a:r>
+              <a:rPr lang="en-US" sz="1400" dirty="0"/>
+              <a:t>replicate</a:t>
+            </a:r>
+            <a:endParaRPr lang="en-US" sz="1400" dirty="0"/>
+          </a:p>
+        </p:txBody>
+      </p:sp>
+      <p:cxnSp>
+        <p:nvCxnSpPr>
+          <p:cNvPr id="65" name="直接箭头连接符 64"/>
+          <p:cNvCxnSpPr/>
+          <p:nvPr/>
+        </p:nvCxnSpPr>
+        <p:spPr>
+          <a:xfrm flipH="1">
+            <a:off x="1921510" y="1878330"/>
+            <a:ext cx="1773555" cy="969010"/>
+          </a:xfrm>
+          <a:prstGeom prst="straightConnector1">
+            <a:avLst/>
+          </a:prstGeom>
+          <a:ln>
+            <a:tailEnd type="arrow"/>
+          </a:ln>
+        </p:spPr>
+        <p:style>
+          <a:lnRef idx="1">
+            <a:schemeClr val="accent1"/>
+          </a:lnRef>
+          <a:fillRef idx="0">
+            <a:schemeClr val="accent1"/>
+          </a:fillRef>
+          <a:effectRef idx="0">
+            <a:schemeClr val="accent1"/>
+          </a:effectRef>
+          <a:fontRef idx="minor">
+            <a:schemeClr val="tx1"/>
+          </a:fontRef>
+        </p:style>
+      </p:cxnSp>
+      <p:pic>
+        <p:nvPicPr>
+          <p:cNvPr id="66" name="图片 65" descr="Amazon-RDS_PostgreSQL_instance_light-bg@4x"/>
+          <p:cNvPicPr>
+            <a:picLocks noChangeAspect="1"/>
+          </p:cNvPicPr>
+          <p:nvPr/>
+        </p:nvPicPr>
+        <p:blipFill>
+          <a:blip r:embed="rId7"/>
+          <a:stretch>
+            <a:fillRect/>
+          </a:stretch>
+        </p:blipFill>
+        <p:spPr>
+          <a:xfrm>
+            <a:off x="4466590" y="5572125"/>
+            <a:ext cx="635000" cy="635000"/>
+          </a:xfrm>
+          <a:prstGeom prst="rect">
+            <a:avLst/>
+          </a:prstGeom>
+        </p:spPr>
+      </p:pic>
+      <p:sp>
+        <p:nvSpPr>
+          <p:cNvPr id="67" name="TextBox 15"/>
+          <p:cNvSpPr txBox="1"/>
+          <p:nvPr/>
+        </p:nvSpPr>
+        <p:spPr>
+          <a:xfrm>
+            <a:off x="2617470" y="6207125"/>
+            <a:ext cx="4333240" cy="306705"/>
+          </a:xfrm>
+          <a:prstGeom prst="rect">
+            <a:avLst/>
+          </a:prstGeom>
+          <a:noFill/>
+        </p:spPr>
+        <p:txBody>
+          <a:bodyPr wrap="square" rtlCol="0">
+            <a:spAutoFit/>
+          </a:bodyPr>
+          <a:p>
+            <a:pPr algn="ctr"/>
+            <a:r>
+              <a:rPr lang="en-US" sz="1400" dirty="0"/>
+              <a:t>PostgreSQL</a:t>
+            </a:r>
+            <a:endParaRPr lang="en-US" sz="1400" dirty="0"/>
+          </a:p>
+        </p:txBody>
+      </p:sp>
+      <p:cxnSp>
+        <p:nvCxnSpPr>
+          <p:cNvPr id="68" name="直接箭头连接符 67"/>
+          <p:cNvCxnSpPr/>
+          <p:nvPr/>
+        </p:nvCxnSpPr>
+        <p:spPr>
+          <a:xfrm>
+            <a:off x="4836795" y="5085715"/>
+            <a:ext cx="5080" cy="369570"/>
+          </a:xfrm>
+          <a:prstGeom prst="straightConnector1">
+            <a:avLst/>
+          </a:prstGeom>
+          <a:ln>
+            <a:tailEnd type="arrow"/>
+          </a:ln>
+        </p:spPr>
+        <p:style>
+          <a:lnRef idx="1">
+            <a:schemeClr val="accent1"/>
+          </a:lnRef>
+          <a:fillRef idx="0">
+            <a:schemeClr val="accent1"/>
+          </a:fillRef>
+          <a:effectRef idx="0">
+            <a:schemeClr val="accent1"/>
+          </a:effectRef>
+          <a:fontRef idx="minor">
+            <a:schemeClr val="tx1"/>
+          </a:fontRef>
+        </p:style>
+      </p:cxnSp>
+      <p:sp>
+        <p:nvSpPr>
+          <p:cNvPr id="70" name="TextBox 15"/>
+          <p:cNvSpPr txBox="1"/>
+          <p:nvPr/>
+        </p:nvSpPr>
+        <p:spPr>
+          <a:xfrm>
+            <a:off x="5304941" y="5008822"/>
+            <a:ext cx="1506552" cy="306705"/>
+          </a:xfrm>
+          <a:prstGeom prst="rect">
+            <a:avLst/>
+          </a:prstGeom>
+          <a:noFill/>
+        </p:spPr>
+        <p:txBody>
+          <a:bodyPr wrap="square" rtlCol="0">
+            <a:spAutoFit/>
+          </a:bodyPr>
+          <a:p>
+            <a:pPr algn="ctr"/>
+            <a:r>
+              <a:rPr lang="zh-CN" altLang="en-US" sz="1400" dirty="0"/>
+              <a:t>？</a:t>
+            </a:r>
+            <a:endParaRPr lang="zh-CN" altLang="en-US" sz="1400" dirty="0"/>
+          </a:p>
+        </p:txBody>
+      </p:sp>
+    </p:spTree>
+    <p:custDataLst>
+      <p:tags r:id="rId9"/>
     </p:custDataLst>
   </p:cSld>
   <p:clrMapOvr>
@@ -6296,6 +10014,46 @@
 </p:tagLst>
 </file>
 
+<file path=ppt/tags/tag64.xml><?xml version="1.0" encoding="utf-8"?>
+<p:tagLst xmlns:p="http://schemas.openxmlformats.org/presentationml/2006/main">
+  <p:tag name="KSO_WM_BEAUTIFY_FLAG" val="#wm#"/>
+  <p:tag name="KSO_WM_TEMPLATE_CATEGORY" val="custom"/>
+  <p:tag name="KSO_WM_TEMPLATE_INDEX" val="20205176"/>
+</p:tagLst>
+</file>
+
+<file path=ppt/tags/tag65.xml><?xml version="1.0" encoding="utf-8"?>
+<p:tagLst xmlns:p="http://schemas.openxmlformats.org/presentationml/2006/main">
+  <p:tag name="KSO_WM_UNIT_PLACING_PICTURE_USER_VIEWPORT" val="{&quot;height&quot;:3375,&quot;width&quot;:3375}"/>
+</p:tagLst>
+</file>
+
+<file path=ppt/tags/tag66.xml><?xml version="1.0" encoding="utf-8"?>
+<p:tagLst xmlns:p="http://schemas.openxmlformats.org/presentationml/2006/main">
+  <p:tag name="KSO_WM_UNIT_PLACING_PICTURE_USER_VIEWPORT" val="{&quot;height&quot;:3375,&quot;width&quot;:3375}"/>
+</p:tagLst>
+</file>
+
+<file path=ppt/tags/tag67.xml><?xml version="1.0" encoding="utf-8"?>
+<p:tagLst xmlns:p="http://schemas.openxmlformats.org/presentationml/2006/main">
+  <p:tag name="KSO_WM_UNIT_PLACING_PICTURE_USER_VIEWPORT" val="{&quot;height&quot;:3375,&quot;width&quot;:3375}"/>
+</p:tagLst>
+</file>
+
+<file path=ppt/tags/tag68.xml><?xml version="1.0" encoding="utf-8"?>
+<p:tagLst xmlns:p="http://schemas.openxmlformats.org/presentationml/2006/main">
+  <p:tag name="KSO_WM_BEAUTIFY_FLAG" val="#wm#"/>
+  <p:tag name="KSO_WM_TEMPLATE_CATEGORY" val="custom"/>
+  <p:tag name="KSO_WM_TEMPLATE_INDEX" val="20205176"/>
+</p:tagLst>
+</file>
+
+<file path=ppt/tags/tag69.xml><?xml version="1.0" encoding="utf-8"?>
+<p:tagLst xmlns:p="http://schemas.openxmlformats.org/presentationml/2006/main">
+  <p:tag name="KSO_WM_UNIT_PLACING_PICTURE_USER_VIEWPORT" val="{&quot;height&quot;:3375,&quot;width&quot;:3375}"/>
+</p:tagLst>
+</file>
+
 <file path=ppt/tags/tag7.xml><?xml version="1.0" encoding="utf-8"?>
 <p:tagLst xmlns:p="http://schemas.openxmlformats.org/presentationml/2006/main">
   <p:tag name="KSO_WM_UNIT_HIGHLIGHT" val="0"/>
@@ -6306,6 +10064,20 @@
   <p:tag name="KSO_WM_UNIT_LAYERLEVEL" val="1"/>
   <p:tag name="KSO_WM_TAG_VERSION" val="1.0"/>
   <p:tag name="KSO_WM_BEAUTIFY_FLAG" val="#wm#"/>
+</p:tagLst>
+</file>
+
+<file path=ppt/tags/tag70.xml><?xml version="1.0" encoding="utf-8"?>
+<p:tagLst xmlns:p="http://schemas.openxmlformats.org/presentationml/2006/main">
+  <p:tag name="KSO_WM_UNIT_PLACING_PICTURE_USER_VIEWPORT" val="{&quot;height&quot;:3375,&quot;width&quot;:3375}"/>
+</p:tagLst>
+</file>
+
+<file path=ppt/tags/tag71.xml><?xml version="1.0" encoding="utf-8"?>
+<p:tagLst xmlns:p="http://schemas.openxmlformats.org/presentationml/2006/main">
+  <p:tag name="KSO_WM_BEAUTIFY_FLAG" val="#wm#"/>
+  <p:tag name="KSO_WM_TEMPLATE_CATEGORY" val="custom"/>
+  <p:tag name="KSO_WM_TEMPLATE_INDEX" val="20205176"/>
 </p:tagLst>
 </file>
 

--- a/harbor_img/architecture.pptx
+++ b/harbor_img/architecture.pptx
@@ -5,16 +5,17 @@
     <p:sldMasterId id="2147483648" r:id="rId1"/>
   </p:sldMasterIdLst>
   <p:notesMasterIdLst>
-    <p:notesMasterId r:id="rId7"/>
+    <p:notesMasterId r:id="rId8"/>
   </p:notesMasterIdLst>
   <p:handoutMasterIdLst>
-    <p:handoutMasterId r:id="rId8"/>
+    <p:handoutMasterId r:id="rId9"/>
   </p:handoutMasterIdLst>
   <p:sldIdLst>
     <p:sldId id="409" r:id="rId3"/>
     <p:sldId id="410" r:id="rId4"/>
-    <p:sldId id="411" r:id="rId5"/>
-    <p:sldId id="412" r:id="rId6"/>
+    <p:sldId id="415" r:id="rId5"/>
+    <p:sldId id="414" r:id="rId6"/>
+    <p:sldId id="413" r:id="rId7"/>
   </p:sldIdLst>
   <p:sldSz cx="12192000" cy="6858000"/>
   <p:notesSz cx="6858000" cy="9144000"/>
@@ -4915,7 +4916,7 @@
         </p:blipFill>
         <p:spPr>
           <a:xfrm>
-            <a:off x="3870642" y="5285340"/>
+            <a:off x="3870642" y="5552040"/>
             <a:ext cx="469900" cy="469900"/>
           </a:xfrm>
           <a:prstGeom prst="rect">
@@ -4931,8 +4932,8 @@
         </p:nvSpPr>
         <p:spPr>
           <a:xfrm>
-            <a:off x="3352316" y="6007042"/>
-            <a:ext cx="1506552" cy="737235"/>
+            <a:off x="3121660" y="5984240"/>
+            <a:ext cx="1967230" cy="922020"/>
           </a:xfrm>
           <a:prstGeom prst="rect">
             <a:avLst/>
@@ -4946,18 +4947,18 @@
           <a:p>
             <a:pPr algn="ctr"/>
             <a:r>
-              <a:rPr lang="en-US" sz="1400" dirty="0"/>
+              <a:rPr lang="en-US" b="1" dirty="0"/>
               <a:t>Amazon S3 </a:t>
             </a:r>
-            <a:endParaRPr lang="en-US" sz="1400" dirty="0"/>
+            <a:endParaRPr lang="en-US" b="1" dirty="0"/>
           </a:p>
           <a:p>
             <a:pPr algn="ctr"/>
             <a:r>
-              <a:rPr lang="en-US" sz="1400" dirty="0"/>
+              <a:rPr lang="en-US" b="1" dirty="0"/>
               <a:t>docker images bucket</a:t>
             </a:r>
-            <a:endParaRPr lang="en-US" sz="1400" dirty="0"/>
+            <a:endParaRPr lang="en-US" b="1" dirty="0"/>
           </a:p>
         </p:txBody>
       </p:sp>
@@ -4977,7 +4978,7 @@
         </p:blipFill>
         <p:spPr>
           <a:xfrm>
-            <a:off x="6203950" y="5202555"/>
+            <a:off x="6203950" y="5431155"/>
             <a:ext cx="635000" cy="635000"/>
           </a:xfrm>
           <a:prstGeom prst="rect">
@@ -4993,8 +4994,8 @@
         </p:nvSpPr>
         <p:spPr>
           <a:xfrm>
-            <a:off x="5768491" y="6007042"/>
-            <a:ext cx="1506552" cy="737235"/>
+            <a:off x="5513705" y="5984240"/>
+            <a:ext cx="2016125" cy="922020"/>
           </a:xfrm>
           <a:prstGeom prst="rect">
             <a:avLst/>
@@ -5008,10 +5009,10 @@
           <a:p>
             <a:pPr algn="ctr"/>
             <a:r>
-              <a:rPr lang="en-US" sz="1400" dirty="0"/>
+              <a:rPr lang="en-US" b="1" dirty="0"/>
               <a:t>Amazon Aurora PostgreSQL Serverless</a:t>
             </a:r>
-            <a:endParaRPr lang="en-US" sz="1400" dirty="0"/>
+            <a:endParaRPr lang="en-US" b="1" dirty="0"/>
           </a:p>
         </p:txBody>
       </p:sp>
@@ -5031,7 +5032,7 @@
         </p:blipFill>
         <p:spPr>
           <a:xfrm>
-            <a:off x="4869815" y="3064510"/>
+            <a:off x="4869815" y="2660650"/>
             <a:ext cx="783590" cy="783590"/>
           </a:xfrm>
           <a:prstGeom prst="rect">
@@ -5047,8 +5048,8 @@
         </p:nvSpPr>
         <p:spPr>
           <a:xfrm>
-            <a:off x="4508651" y="3868997"/>
-            <a:ext cx="1506552" cy="306705"/>
+            <a:off x="4509286" y="3330517"/>
+            <a:ext cx="1506552" cy="368300"/>
           </a:xfrm>
           <a:prstGeom prst="rect">
             <a:avLst/>
@@ -5062,10 +5063,10 @@
           <a:p>
             <a:pPr algn="ctr"/>
             <a:r>
-              <a:rPr lang="en-US" sz="1400" dirty="0"/>
+              <a:rPr lang="en-US" b="1" dirty="0"/>
               <a:t>Redis</a:t>
             </a:r>
-            <a:endParaRPr lang="en-US" sz="1400" dirty="0"/>
+            <a:endParaRPr lang="en-US" b="1" dirty="0"/>
           </a:p>
         </p:txBody>
       </p:sp>
@@ -5085,7 +5086,7 @@
         </p:blipFill>
         <p:spPr>
           <a:xfrm>
-            <a:off x="2453640" y="3138805"/>
+            <a:off x="2453640" y="2734945"/>
             <a:ext cx="635000" cy="635000"/>
           </a:xfrm>
           <a:prstGeom prst="rect">
@@ -5101,8 +5102,8 @@
         </p:nvSpPr>
         <p:spPr>
           <a:xfrm>
-            <a:off x="2017546" y="3932497"/>
-            <a:ext cx="1506552" cy="306705"/>
+            <a:off x="2017546" y="3330517"/>
+            <a:ext cx="1506552" cy="368300"/>
           </a:xfrm>
           <a:prstGeom prst="rect">
             <a:avLst/>
@@ -5116,10 +5117,10 @@
           <a:p>
             <a:pPr algn="ctr"/>
             <a:r>
-              <a:rPr lang="en-US" sz="1400" dirty="0"/>
+              <a:rPr lang="en-US" b="1" dirty="0"/>
               <a:t>Harbor</a:t>
             </a:r>
-            <a:endParaRPr lang="en-US" sz="1400" dirty="0"/>
+            <a:endParaRPr lang="en-US" b="1" dirty="0"/>
           </a:p>
         </p:txBody>
       </p:sp>
@@ -5139,7 +5140,7 @@
         </p:blipFill>
         <p:spPr>
           <a:xfrm>
-            <a:off x="7275195" y="3138805"/>
+            <a:off x="7275195" y="2734945"/>
             <a:ext cx="635000" cy="635000"/>
           </a:xfrm>
           <a:prstGeom prst="rect">
@@ -5155,8 +5156,8 @@
         </p:nvSpPr>
         <p:spPr>
           <a:xfrm>
-            <a:off x="6839101" y="3932497"/>
-            <a:ext cx="1506552" cy="306705"/>
+            <a:off x="6839736" y="3330517"/>
+            <a:ext cx="1506552" cy="368300"/>
           </a:xfrm>
           <a:prstGeom prst="rect">
             <a:avLst/>
@@ -5170,28 +5171,31 @@
           <a:p>
             <a:pPr algn="ctr"/>
             <a:r>
-              <a:rPr lang="en-US" sz="1400" dirty="0"/>
+              <a:rPr lang="en-US" b="1" dirty="0"/>
               <a:t>Harbor</a:t>
             </a:r>
-            <a:endParaRPr lang="en-US" sz="1400" dirty="0"/>
+            <a:endParaRPr lang="en-US" b="1" dirty="0"/>
           </a:p>
         </p:txBody>
       </p:sp>
       <p:cxnSp>
         <p:nvCxnSpPr>
           <p:cNvPr id="18" name="直接箭头连接符 17"/>
-          <p:cNvCxnSpPr/>
+          <p:cNvCxnSpPr>
+            <a:stCxn id="14" idx="2"/>
+            <a:endCxn id="8" idx="0"/>
+          </p:cNvCxnSpPr>
           <p:nvPr/>
         </p:nvCxnSpPr>
         <p:spPr>
           <a:xfrm>
-            <a:off x="2601595" y="4197985"/>
-            <a:ext cx="1229360" cy="1054735"/>
+            <a:off x="2771140" y="3698875"/>
+            <a:ext cx="1334135" cy="1852930"/>
           </a:xfrm>
           <a:prstGeom prst="straightConnector1">
             <a:avLst/>
           </a:prstGeom>
-          <a:ln>
+          <a:ln w="38100">
             <a:tailEnd type="arrow"/>
           </a:ln>
         </p:spPr>
@@ -5213,18 +5217,21 @@
       <p:cxnSp>
         <p:nvCxnSpPr>
           <p:cNvPr id="19" name="直接箭头连接符 18"/>
-          <p:cNvCxnSpPr/>
+          <p:cNvCxnSpPr>
+            <a:stCxn id="17" idx="2"/>
+            <a:endCxn id="6" idx="0"/>
+          </p:cNvCxnSpPr>
           <p:nvPr/>
         </p:nvCxnSpPr>
         <p:spPr>
           <a:xfrm flipH="1">
-            <a:off x="6877050" y="4245610"/>
-            <a:ext cx="864235" cy="927735"/>
+            <a:off x="6521450" y="3698875"/>
+            <a:ext cx="1071880" cy="1732280"/>
           </a:xfrm>
           <a:prstGeom prst="straightConnector1">
             <a:avLst/>
           </a:prstGeom>
-          <a:ln>
+          <a:ln w="38100">
             <a:tailEnd type="arrow"/>
           </a:ln>
         </p:spPr>
@@ -5246,18 +5253,21 @@
       <p:cxnSp>
         <p:nvCxnSpPr>
           <p:cNvPr id="20" name="直接箭头连接符 19"/>
-          <p:cNvCxnSpPr/>
+          <p:cNvCxnSpPr>
+            <a:stCxn id="17" idx="2"/>
+            <a:endCxn id="8" idx="0"/>
+          </p:cNvCxnSpPr>
           <p:nvPr/>
         </p:nvCxnSpPr>
         <p:spPr>
           <a:xfrm flipH="1">
-            <a:off x="4378325" y="4245610"/>
-            <a:ext cx="3014345" cy="999490"/>
+            <a:off x="4105275" y="3698875"/>
+            <a:ext cx="3488055" cy="1852930"/>
           </a:xfrm>
           <a:prstGeom prst="straightConnector1">
             <a:avLst/>
           </a:prstGeom>
-          <a:ln>
+          <a:ln w="38100">
             <a:tailEnd type="arrow"/>
           </a:ln>
         </p:spPr>
@@ -5284,13 +5294,13 @@
         </p:nvCxnSpPr>
         <p:spPr>
           <a:xfrm>
-            <a:off x="2966085" y="4237355"/>
-            <a:ext cx="3141345" cy="944245"/>
+            <a:off x="2771140" y="3698875"/>
+            <a:ext cx="3661410" cy="1675765"/>
           </a:xfrm>
           <a:prstGeom prst="straightConnector1">
             <a:avLst/>
           </a:prstGeom>
-          <a:ln>
+          <a:ln w="38100">
             <a:tailEnd type="arrow"/>
           </a:ln>
         </p:spPr>
@@ -5312,18 +5322,21 @@
       <p:cxnSp>
         <p:nvCxnSpPr>
           <p:cNvPr id="22" name="直接箭头连接符 21"/>
-          <p:cNvCxnSpPr/>
+          <p:cNvCxnSpPr>
+            <a:stCxn id="13" idx="3"/>
+            <a:endCxn id="11" idx="1"/>
+          </p:cNvCxnSpPr>
           <p:nvPr/>
         </p:nvCxnSpPr>
         <p:spPr>
           <a:xfrm>
-            <a:off x="3283585" y="3491865"/>
-            <a:ext cx="1490980" cy="0"/>
+            <a:off x="3088640" y="3060065"/>
+            <a:ext cx="1781175" cy="0"/>
           </a:xfrm>
           <a:prstGeom prst="straightConnector1">
             <a:avLst/>
           </a:prstGeom>
-          <a:ln>
+          <a:ln w="38100">
             <a:tailEnd type="arrow"/>
           </a:ln>
         </p:spPr>
@@ -5345,18 +5358,21 @@
       <p:cxnSp>
         <p:nvCxnSpPr>
           <p:cNvPr id="23" name="直接箭头连接符 22"/>
-          <p:cNvCxnSpPr/>
+          <p:cNvCxnSpPr>
+            <a:stCxn id="15" idx="1"/>
+            <a:endCxn id="11" idx="3"/>
+          </p:cNvCxnSpPr>
           <p:nvPr/>
         </p:nvCxnSpPr>
         <p:spPr>
           <a:xfrm flipH="1">
-            <a:off x="5789930" y="3452495"/>
-            <a:ext cx="1341120" cy="0"/>
+            <a:off x="5653405" y="3060065"/>
+            <a:ext cx="1621790" cy="0"/>
           </a:xfrm>
           <a:prstGeom prst="straightConnector1">
             <a:avLst/>
           </a:prstGeom>
-          <a:ln>
+          <a:ln w="38100">
             <a:tailEnd type="arrow"/>
           </a:ln>
         </p:spPr>
@@ -5391,7 +5407,7 @@
         </p:blipFill>
         <p:spPr>
           <a:xfrm>
-            <a:off x="4796790" y="460375"/>
+            <a:off x="4796790" y="33655"/>
             <a:ext cx="929640" cy="929640"/>
           </a:xfrm>
           <a:prstGeom prst="rect">
@@ -5407,8 +5423,8 @@
         </p:nvSpPr>
         <p:spPr>
           <a:xfrm>
-            <a:off x="4508651" y="1608397"/>
-            <a:ext cx="1506552" cy="306705"/>
+            <a:off x="4126865" y="948055"/>
+            <a:ext cx="2270760" cy="368300"/>
           </a:xfrm>
           <a:prstGeom prst="rect">
             <a:avLst/>
@@ -5422,28 +5438,31 @@
           <a:p>
             <a:pPr algn="ctr"/>
             <a:r>
-              <a:rPr lang="en-US" sz="1400" dirty="0"/>
+              <a:rPr lang="en-US" b="1" dirty="0"/>
               <a:t>Load Balancing</a:t>
             </a:r>
-            <a:endParaRPr lang="en-US" sz="1400" dirty="0"/>
+            <a:endParaRPr lang="en-US" b="1" dirty="0"/>
           </a:p>
         </p:txBody>
       </p:sp>
       <p:cxnSp>
         <p:nvCxnSpPr>
           <p:cNvPr id="26" name="直接箭头连接符 25"/>
-          <p:cNvCxnSpPr/>
+          <p:cNvCxnSpPr>
+            <a:stCxn id="25" idx="2"/>
+            <a:endCxn id="13" idx="0"/>
+          </p:cNvCxnSpPr>
           <p:nvPr/>
         </p:nvCxnSpPr>
         <p:spPr>
           <a:xfrm flipH="1">
-            <a:off x="2807335" y="1976755"/>
-            <a:ext cx="2038985" cy="1070610"/>
+            <a:off x="2771140" y="1316355"/>
+            <a:ext cx="2491105" cy="1418590"/>
           </a:xfrm>
           <a:prstGeom prst="straightConnector1">
             <a:avLst/>
           </a:prstGeom>
-          <a:ln>
+          <a:ln w="38100">
             <a:tailEnd type="arrow"/>
           </a:ln>
         </p:spPr>
@@ -5465,18 +5484,21 @@
       <p:cxnSp>
         <p:nvCxnSpPr>
           <p:cNvPr id="27" name="直接箭头连接符 26"/>
-          <p:cNvCxnSpPr/>
+          <p:cNvCxnSpPr>
+            <a:stCxn id="25" idx="2"/>
+            <a:endCxn id="15" idx="0"/>
+          </p:cNvCxnSpPr>
           <p:nvPr/>
         </p:nvCxnSpPr>
         <p:spPr>
           <a:xfrm>
-            <a:off x="5575935" y="1960880"/>
-            <a:ext cx="1935480" cy="1031240"/>
+            <a:off x="5262245" y="1316355"/>
+            <a:ext cx="2330450" cy="1418590"/>
           </a:xfrm>
           <a:prstGeom prst="straightConnector1">
             <a:avLst/>
           </a:prstGeom>
-          <a:ln>
+          <a:ln w="38100">
             <a:tailEnd type="arrow"/>
           </a:ln>
         </p:spPr>
@@ -5530,13 +5552,13 @@
         </p:nvSpPr>
         <p:spPr>
           <a:xfrm>
-            <a:off x="1290955" y="944880"/>
-            <a:ext cx="2707005" cy="5447030"/>
-          </a:xfrm>
-          <a:prstGeom prst="rect">
-            <a:avLst/>
-          </a:prstGeom>
-          <a:ln w="12700">
+            <a:off x="1291590" y="944880"/>
+            <a:ext cx="2707005" cy="4847590"/>
+          </a:xfrm>
+          <a:prstGeom prst="rect">
+            <a:avLst/>
+          </a:prstGeom>
+          <a:ln w="38100">
             <a:prstDash val="sysDot"/>
           </a:ln>
         </p:spPr>
@@ -5571,12 +5593,12 @@
         <p:spPr>
           <a:xfrm>
             <a:off x="4944745" y="944880"/>
-            <a:ext cx="2707005" cy="5447030"/>
-          </a:xfrm>
-          <a:prstGeom prst="rect">
-            <a:avLst/>
-          </a:prstGeom>
-          <a:ln w="12700">
+            <a:ext cx="2707005" cy="4847590"/>
+          </a:xfrm>
+          <a:prstGeom prst="rect">
+            <a:avLst/>
+          </a:prstGeom>
+          <a:ln w="38100">
             <a:prstDash val="sysDot"/>
           </a:ln>
         </p:spPr>
@@ -5610,13 +5632,13 @@
         </p:nvSpPr>
         <p:spPr>
           <a:xfrm>
-            <a:off x="8599805" y="944880"/>
-            <a:ext cx="2707005" cy="5447030"/>
-          </a:xfrm>
-          <a:prstGeom prst="rect">
-            <a:avLst/>
-          </a:prstGeom>
-          <a:ln w="12700">
+            <a:off x="8609330" y="944880"/>
+            <a:ext cx="2707005" cy="4847590"/>
+          </a:xfrm>
+          <a:prstGeom prst="rect">
+            <a:avLst/>
+          </a:prstGeom>
+          <a:ln w="38100">
             <a:prstDash val="sysDot"/>
           </a:ln>
         </p:spPr>
@@ -5650,8 +5672,8 @@
         </p:nvSpPr>
         <p:spPr>
           <a:xfrm>
-            <a:off x="1890546" y="366337"/>
-            <a:ext cx="1506552" cy="306705"/>
+            <a:off x="1890546" y="508577"/>
+            <a:ext cx="1506552" cy="398780"/>
           </a:xfrm>
           <a:prstGeom prst="rect">
             <a:avLst/>
@@ -5665,10 +5687,10 @@
           <a:p>
             <a:pPr algn="ctr"/>
             <a:r>
-              <a:rPr lang="en-US" sz="1400" dirty="0"/>
-              <a:t>region 1</a:t>
-            </a:r>
-            <a:endParaRPr lang="en-US" sz="1400" dirty="0"/>
+              <a:rPr lang="en-US" sz="2000" b="1" dirty="0"/>
+              <a:t>Region 1</a:t>
+            </a:r>
+            <a:endParaRPr lang="en-US" sz="2000" b="1" dirty="0"/>
           </a:p>
         </p:txBody>
       </p:sp>
@@ -5680,8 +5702,8 @@
         </p:nvSpPr>
         <p:spPr>
           <a:xfrm>
-            <a:off x="5544971" y="366337"/>
-            <a:ext cx="1506552" cy="306705"/>
+            <a:off x="5544971" y="508577"/>
+            <a:ext cx="1506552" cy="398780"/>
           </a:xfrm>
           <a:prstGeom prst="rect">
             <a:avLst/>
@@ -5695,10 +5717,10 @@
           <a:p>
             <a:pPr algn="ctr"/>
             <a:r>
-              <a:rPr lang="en-US" sz="1400" dirty="0"/>
-              <a:t>region 2</a:t>
-            </a:r>
-            <a:endParaRPr lang="en-US" sz="1400" dirty="0"/>
+              <a:rPr lang="en-US" sz="2000" b="1" dirty="0"/>
+              <a:t>Region 2</a:t>
+            </a:r>
+            <a:endParaRPr lang="en-US" sz="2000" b="1" dirty="0"/>
           </a:p>
         </p:txBody>
       </p:sp>
@@ -5710,8 +5732,8 @@
         </p:nvSpPr>
         <p:spPr>
           <a:xfrm>
-            <a:off x="9200031" y="366337"/>
-            <a:ext cx="1506552" cy="306705"/>
+            <a:off x="9200031" y="508577"/>
+            <a:ext cx="1506552" cy="398780"/>
           </a:xfrm>
           <a:prstGeom prst="rect">
             <a:avLst/>
@@ -5725,10 +5747,10 @@
           <a:p>
             <a:pPr algn="ctr"/>
             <a:r>
-              <a:rPr lang="en-US" sz="1400" dirty="0"/>
-              <a:t>region N</a:t>
-            </a:r>
-            <a:endParaRPr lang="en-US" sz="1400" dirty="0"/>
+              <a:rPr lang="en-US" sz="2000" b="1" dirty="0"/>
+              <a:t>Region N</a:t>
+            </a:r>
+            <a:endParaRPr lang="en-US" sz="2000" b="1" dirty="0"/>
           </a:p>
         </p:txBody>
       </p:sp>
@@ -5741,7 +5763,7 @@
         <p:spPr>
           <a:xfrm>
             <a:off x="7365516" y="3075882"/>
-            <a:ext cx="1506552" cy="306705"/>
+            <a:ext cx="1506552" cy="398780"/>
           </a:xfrm>
           <a:prstGeom prst="rect">
             <a:avLst/>
@@ -5755,10 +5777,10 @@
           <a:p>
             <a:pPr algn="ctr"/>
             <a:r>
-              <a:rPr lang="en-US" altLang="zh-CN" sz="1400" dirty="0"/>
+              <a:rPr lang="en-US" altLang="zh-CN" sz="2000" b="1" dirty="0"/>
               <a:t>......</a:t>
             </a:r>
-            <a:endParaRPr lang="en-US" altLang="zh-CN" sz="1400" dirty="0"/>
+            <a:endParaRPr lang="en-US" altLang="zh-CN" sz="2000" b="1" dirty="0"/>
           </a:p>
         </p:txBody>
       </p:sp>
@@ -5784,7 +5806,7 @@
         </p:blipFill>
         <p:spPr>
           <a:xfrm>
-            <a:off x="1808797" y="4932915"/>
+            <a:off x="1805622" y="3875640"/>
             <a:ext cx="469900" cy="469900"/>
           </a:xfrm>
           <a:prstGeom prst="rect">
@@ -5800,8 +5822,8 @@
         </p:nvSpPr>
         <p:spPr>
           <a:xfrm>
-            <a:off x="1290471" y="5654617"/>
-            <a:ext cx="1506552" cy="737235"/>
+            <a:off x="1287296" y="4481772"/>
+            <a:ext cx="1506552" cy="1198880"/>
           </a:xfrm>
           <a:prstGeom prst="rect">
             <a:avLst/>
@@ -5815,18 +5837,18 @@
           <a:p>
             <a:pPr algn="ctr"/>
             <a:r>
-              <a:rPr lang="en-US" sz="1400" dirty="0"/>
+              <a:rPr lang="en-US" b="1" dirty="0"/>
               <a:t>Amazon S3 </a:t>
             </a:r>
-            <a:endParaRPr lang="en-US" sz="1400" dirty="0"/>
+            <a:endParaRPr lang="en-US" b="1" dirty="0"/>
           </a:p>
           <a:p>
             <a:pPr algn="ctr"/>
             <a:r>
-              <a:rPr lang="en-US" sz="1400" dirty="0"/>
+              <a:rPr lang="en-US" b="1" dirty="0"/>
               <a:t>docker images bucket</a:t>
             </a:r>
-            <a:endParaRPr lang="en-US" sz="1400" dirty="0"/>
+            <a:endParaRPr lang="en-US" b="1" dirty="0"/>
           </a:p>
         </p:txBody>
       </p:sp>
@@ -5846,7 +5868,7 @@
         </p:blipFill>
         <p:spPr>
           <a:xfrm>
-            <a:off x="2926080" y="4850130"/>
+            <a:off x="2922905" y="3792855"/>
             <a:ext cx="635000" cy="635000"/>
           </a:xfrm>
           <a:prstGeom prst="rect">
@@ -5862,8 +5884,8 @@
         </p:nvSpPr>
         <p:spPr>
           <a:xfrm>
-            <a:off x="2490621" y="5654617"/>
-            <a:ext cx="1506552" cy="737235"/>
+            <a:off x="2487446" y="4481772"/>
+            <a:ext cx="1506552" cy="1198880"/>
           </a:xfrm>
           <a:prstGeom prst="rect">
             <a:avLst/>
@@ -5877,37 +5899,13 @@
           <a:p>
             <a:pPr algn="ctr"/>
             <a:r>
-              <a:rPr lang="en-US" sz="1400" dirty="0"/>
+              <a:rPr lang="en-US" b="1" dirty="0"/>
               <a:t>Amazon Aurora PostgreSQL Serverless</a:t>
             </a:r>
-            <a:endParaRPr lang="en-US" sz="1400" dirty="0"/>
-          </a:p>
-        </p:txBody>
-      </p:sp>
-      <p:pic>
-        <p:nvPicPr>
-          <p:cNvPr id="14" name="图片 13" descr="Amazon-EC2_Instance_light-bg@4x"/>
-          <p:cNvPicPr>
-            <a:picLocks noChangeAspect="1"/>
-          </p:cNvPicPr>
-          <p:nvPr/>
-        </p:nvPicPr>
-        <p:blipFill>
-          <a:blip r:embed="rId4"/>
-          <a:stretch>
-            <a:fillRect/>
-          </a:stretch>
-        </p:blipFill>
-        <p:spPr>
-          <a:xfrm>
-            <a:off x="2326640" y="1170940"/>
-            <a:ext cx="635000" cy="635000"/>
-          </a:xfrm>
-          <a:prstGeom prst="rect">
-            <a:avLst/>
-          </a:prstGeom>
-        </p:spPr>
-      </p:pic>
+            <a:endParaRPr lang="en-US" b="1" dirty="0"/>
+          </a:p>
+        </p:txBody>
+      </p:sp>
       <p:sp>
         <p:nvSpPr>
           <p:cNvPr id="15" name="TextBox 15"/>
@@ -5916,8 +5914,8 @@
         </p:nvSpPr>
         <p:spPr>
           <a:xfrm>
-            <a:off x="1890546" y="1964632"/>
-            <a:ext cx="1506552" cy="306705"/>
+            <a:off x="1891816" y="1761432"/>
+            <a:ext cx="1506552" cy="368300"/>
           </a:xfrm>
           <a:prstGeom prst="rect">
             <a:avLst/>
@@ -5931,28 +5929,30 @@
           <a:p>
             <a:pPr algn="ctr"/>
             <a:r>
-              <a:rPr lang="en-US" sz="1400" dirty="0"/>
+              <a:rPr lang="en-US" b="1" dirty="0"/>
               <a:t>Harbor</a:t>
             </a:r>
-            <a:endParaRPr lang="en-US" sz="1400" dirty="0"/>
+            <a:endParaRPr lang="en-US" b="1" dirty="0"/>
           </a:p>
         </p:txBody>
       </p:sp>
       <p:cxnSp>
         <p:nvCxnSpPr>
           <p:cNvPr id="18" name="直接箭头连接符 17"/>
-          <p:cNvCxnSpPr/>
+          <p:cNvCxnSpPr>
+            <a:stCxn id="15" idx="2"/>
+          </p:cNvCxnSpPr>
           <p:nvPr/>
         </p:nvCxnSpPr>
         <p:spPr>
           <a:xfrm flipH="1">
-            <a:off x="2085975" y="2230120"/>
-            <a:ext cx="388620" cy="2375535"/>
+            <a:off x="2044065" y="2129790"/>
+            <a:ext cx="601345" cy="1584325"/>
           </a:xfrm>
           <a:prstGeom prst="straightConnector1">
             <a:avLst/>
           </a:prstGeom>
-          <a:ln>
+          <a:ln w="38100">
             <a:tailEnd type="arrow"/>
           </a:ln>
         </p:spPr>
@@ -5974,18 +5974,20 @@
       <p:cxnSp>
         <p:nvCxnSpPr>
           <p:cNvPr id="21" name="直接箭头连接符 20"/>
-          <p:cNvCxnSpPr/>
+          <p:cNvCxnSpPr>
+            <a:stCxn id="15" idx="2"/>
+          </p:cNvCxnSpPr>
           <p:nvPr/>
         </p:nvCxnSpPr>
         <p:spPr>
           <a:xfrm>
-            <a:off x="2839085" y="2269490"/>
-            <a:ext cx="334645" cy="2380615"/>
+            <a:off x="2645410" y="2129790"/>
+            <a:ext cx="549275" cy="1574800"/>
           </a:xfrm>
           <a:prstGeom prst="straightConnector1">
             <a:avLst/>
           </a:prstGeom>
-          <a:ln>
+          <a:ln w="38100">
             <a:tailEnd type="arrow"/>
           </a:ln>
         </p:spPr>
@@ -6026,7 +6028,7 @@
         </p:blipFill>
         <p:spPr>
           <a:xfrm>
-            <a:off x="6016307" y="4932915"/>
+            <a:off x="6011227" y="3875640"/>
             <a:ext cx="469900" cy="469900"/>
           </a:xfrm>
           <a:prstGeom prst="rect">
@@ -6042,8 +6044,8 @@
         </p:nvSpPr>
         <p:spPr>
           <a:xfrm>
-            <a:off x="5497981" y="5654617"/>
-            <a:ext cx="1506552" cy="737235"/>
+            <a:off x="5380990" y="4481830"/>
+            <a:ext cx="1729740" cy="1198880"/>
           </a:xfrm>
           <a:prstGeom prst="rect">
             <a:avLst/>
@@ -6057,24 +6059,316 @@
           <a:p>
             <a:pPr algn="ctr"/>
             <a:r>
-              <a:rPr lang="en-US" sz="1400" dirty="0"/>
-              <a:t>Amazon S3 </a:t>
-            </a:r>
-            <a:endParaRPr lang="en-US" sz="1400" dirty="0"/>
-          </a:p>
-          <a:p>
-            <a:pPr algn="ctr"/>
-            <a:r>
-              <a:rPr lang="en-US" sz="1400" dirty="0"/>
-              <a:t>docker images bucket</a:t>
-            </a:r>
-            <a:endParaRPr lang="en-US" sz="1400" dirty="0"/>
+              <a:rPr lang="en-US" b="1" dirty="0"/>
+              <a:t>Amazon S3 docker images bucket</a:t>
+            </a:r>
+            <a:endParaRPr lang="en-US" b="1" dirty="0"/>
           </a:p>
         </p:txBody>
       </p:sp>
       <p:pic>
         <p:nvPicPr>
-          <p:cNvPr id="20" name="Graphic 7"/>
+          <p:cNvPr id="24" name="图片 23"/>
+          <p:cNvPicPr>
+            <a:picLocks noChangeAspect="1"/>
+          </p:cNvPicPr>
+          <p:nvPr/>
+        </p:nvPicPr>
+        <p:blipFill>
+          <a:blip r:embed="rId4"/>
+          <a:stretch>
+            <a:fillRect/>
+          </a:stretch>
+        </p:blipFill>
+        <p:spPr>
+          <a:xfrm>
+            <a:off x="5816600" y="2261870"/>
+            <a:ext cx="869315" cy="636270"/>
+          </a:xfrm>
+          <a:prstGeom prst="rect">
+            <a:avLst/>
+          </a:prstGeom>
+        </p:spPr>
+      </p:pic>
+      <p:sp>
+        <p:nvSpPr>
+          <p:cNvPr id="26" name="TextBox 15"/>
+          <p:cNvSpPr txBox="1"/>
+          <p:nvPr/>
+        </p:nvSpPr>
+        <p:spPr>
+          <a:xfrm>
+            <a:off x="5260340" y="2898140"/>
+            <a:ext cx="1971675" cy="368300"/>
+          </a:xfrm>
+          <a:prstGeom prst="rect">
+            <a:avLst/>
+          </a:prstGeom>
+          <a:noFill/>
+        </p:spPr>
+        <p:txBody>
+          <a:bodyPr wrap="square" rtlCol="0">
+            <a:spAutoFit/>
+          </a:bodyPr>
+          <a:p>
+            <a:pPr algn="ctr"/>
+            <a:r>
+              <a:rPr lang="en-US" b="1" dirty="0"/>
+              <a:t>Docker Registry</a:t>
+            </a:r>
+            <a:endParaRPr lang="en-US" b="1" dirty="0"/>
+          </a:p>
+        </p:txBody>
+      </p:sp>
+      <p:cxnSp>
+        <p:nvCxnSpPr>
+          <p:cNvPr id="29" name="直接箭头连接符 28"/>
+          <p:cNvCxnSpPr>
+            <a:stCxn id="26" idx="2"/>
+          </p:cNvCxnSpPr>
+          <p:nvPr/>
+        </p:nvCxnSpPr>
+        <p:spPr>
+          <a:xfrm>
+            <a:off x="6246495" y="3266440"/>
+            <a:ext cx="1270" cy="504190"/>
+          </a:xfrm>
+          <a:prstGeom prst="straightConnector1">
+            <a:avLst/>
+          </a:prstGeom>
+          <a:ln w="38100">
+            <a:solidFill>
+              <a:schemeClr val="accent1"/>
+            </a:solidFill>
+            <a:tailEnd type="arrow"/>
+          </a:ln>
+        </p:spPr>
+        <p:style>
+          <a:lnRef idx="1">
+            <a:schemeClr val="accent1"/>
+          </a:lnRef>
+          <a:fillRef idx="0">
+            <a:schemeClr val="accent1"/>
+          </a:fillRef>
+          <a:effectRef idx="0">
+            <a:schemeClr val="accent1"/>
+          </a:effectRef>
+          <a:fontRef idx="minor">
+            <a:schemeClr val="tx1"/>
+          </a:fontRef>
+        </p:style>
+      </p:cxnSp>
+      <p:cxnSp>
+        <p:nvCxnSpPr>
+          <p:cNvPr id="31" name="直接箭头连接符 30"/>
+          <p:cNvCxnSpPr/>
+          <p:nvPr/>
+        </p:nvCxnSpPr>
+        <p:spPr>
+          <a:xfrm>
+            <a:off x="9965690" y="1526540"/>
+            <a:ext cx="9525" cy="675005"/>
+          </a:xfrm>
+          <a:prstGeom prst="straightConnector1">
+            <a:avLst/>
+          </a:prstGeom>
+          <a:ln w="38100">
+            <a:solidFill>
+              <a:schemeClr val="accent1"/>
+            </a:solidFill>
+            <a:tailEnd type="arrow"/>
+          </a:ln>
+        </p:spPr>
+        <p:style>
+          <a:lnRef idx="1">
+            <a:schemeClr val="accent1"/>
+          </a:lnRef>
+          <a:fillRef idx="0">
+            <a:schemeClr val="accent1"/>
+          </a:fillRef>
+          <a:effectRef idx="0">
+            <a:schemeClr val="accent1"/>
+          </a:effectRef>
+          <a:fontRef idx="minor">
+            <a:schemeClr val="tx1"/>
+          </a:fontRef>
+        </p:style>
+      </p:cxnSp>
+      <p:cxnSp>
+        <p:nvCxnSpPr>
+          <p:cNvPr id="32" name="直接箭头连接符 31"/>
+          <p:cNvCxnSpPr/>
+          <p:nvPr/>
+        </p:nvCxnSpPr>
+        <p:spPr>
+          <a:xfrm>
+            <a:off x="6244590" y="1535430"/>
+            <a:ext cx="3175" cy="637540"/>
+          </a:xfrm>
+          <a:prstGeom prst="straightConnector1">
+            <a:avLst/>
+          </a:prstGeom>
+          <a:ln w="38100">
+            <a:tailEnd type="arrow"/>
+          </a:ln>
+        </p:spPr>
+        <p:style>
+          <a:lnRef idx="1">
+            <a:schemeClr val="accent1"/>
+          </a:lnRef>
+          <a:fillRef idx="0">
+            <a:schemeClr val="accent1"/>
+          </a:fillRef>
+          <a:effectRef idx="0">
+            <a:schemeClr val="accent1"/>
+          </a:effectRef>
+          <a:fontRef idx="minor">
+            <a:schemeClr val="tx1"/>
+          </a:fontRef>
+        </p:style>
+      </p:cxnSp>
+      <p:sp>
+        <p:nvSpPr>
+          <p:cNvPr id="33" name="TextBox 15"/>
+          <p:cNvSpPr txBox="1"/>
+          <p:nvPr/>
+        </p:nvSpPr>
+        <p:spPr>
+          <a:xfrm>
+            <a:off x="3720616" y="1186757"/>
+            <a:ext cx="1506552" cy="337185"/>
+          </a:xfrm>
+          <a:prstGeom prst="rect">
+            <a:avLst/>
+          </a:prstGeom>
+          <a:noFill/>
+        </p:spPr>
+        <p:txBody>
+          <a:bodyPr wrap="square" rtlCol="0">
+            <a:spAutoFit/>
+          </a:bodyPr>
+          <a:p>
+            <a:pPr algn="ctr"/>
+            <a:r>
+              <a:rPr lang="en-US" sz="1600" b="1" dirty="0"/>
+              <a:t>replicate</a:t>
+            </a:r>
+            <a:endParaRPr lang="en-US" sz="1600" b="1" dirty="0"/>
+          </a:p>
+        </p:txBody>
+      </p:sp>
+      <p:pic>
+        <p:nvPicPr>
+          <p:cNvPr id="3" name="图片 2" descr="Amazon-EC2_Instances_light-bg@4x"/>
+          <p:cNvPicPr>
+            <a:picLocks noChangeAspect="1"/>
+          </p:cNvPicPr>
+          <p:nvPr/>
+        </p:nvPicPr>
+        <p:blipFill>
+          <a:blip r:embed="rId5"/>
+          <a:stretch>
+            <a:fillRect/>
+          </a:stretch>
+        </p:blipFill>
+        <p:spPr>
+          <a:xfrm>
+            <a:off x="2327275" y="1170940"/>
+            <a:ext cx="635000" cy="635000"/>
+          </a:xfrm>
+          <a:prstGeom prst="rect">
+            <a:avLst/>
+          </a:prstGeom>
+        </p:spPr>
+      </p:pic>
+      <p:cxnSp>
+        <p:nvCxnSpPr>
+          <p:cNvPr id="4" name="直接连接符 3"/>
+          <p:cNvCxnSpPr/>
+          <p:nvPr/>
+        </p:nvCxnSpPr>
+        <p:spPr>
+          <a:xfrm>
+            <a:off x="3084830" y="1535430"/>
+            <a:ext cx="6890385" cy="635"/>
+          </a:xfrm>
+          <a:prstGeom prst="line">
+            <a:avLst/>
+          </a:prstGeom>
+          <a:ln w="38100"/>
+        </p:spPr>
+        <p:style>
+          <a:lnRef idx="1">
+            <a:schemeClr val="accent1"/>
+          </a:lnRef>
+          <a:fillRef idx="0">
+            <a:schemeClr val="accent1"/>
+          </a:fillRef>
+          <a:effectRef idx="0">
+            <a:schemeClr val="accent1"/>
+          </a:effectRef>
+          <a:fontRef idx="minor">
+            <a:schemeClr val="tx1"/>
+          </a:fontRef>
+        </p:style>
+      </p:cxnSp>
+      <p:pic>
+        <p:nvPicPr>
+          <p:cNvPr id="23" name="图片 22"/>
+          <p:cNvPicPr>
+            <a:picLocks noChangeAspect="1"/>
+          </p:cNvPicPr>
+          <p:nvPr/>
+        </p:nvPicPr>
+        <p:blipFill>
+          <a:blip r:embed="rId4"/>
+          <a:stretch>
+            <a:fillRect/>
+          </a:stretch>
+        </p:blipFill>
+        <p:spPr>
+          <a:xfrm>
+            <a:off x="9524365" y="2261870"/>
+            <a:ext cx="869315" cy="636270"/>
+          </a:xfrm>
+          <a:prstGeom prst="rect">
+            <a:avLst/>
+          </a:prstGeom>
+        </p:spPr>
+      </p:pic>
+      <p:sp>
+        <p:nvSpPr>
+          <p:cNvPr id="35" name="TextBox 15"/>
+          <p:cNvSpPr txBox="1"/>
+          <p:nvPr/>
+        </p:nvSpPr>
+        <p:spPr>
+          <a:xfrm>
+            <a:off x="8968105" y="2898140"/>
+            <a:ext cx="1971675" cy="368300"/>
+          </a:xfrm>
+          <a:prstGeom prst="rect">
+            <a:avLst/>
+          </a:prstGeom>
+          <a:noFill/>
+        </p:spPr>
+        <p:txBody>
+          <a:bodyPr wrap="square" rtlCol="0">
+            <a:spAutoFit/>
+          </a:bodyPr>
+          <a:p>
+            <a:pPr algn="ctr"/>
+            <a:r>
+              <a:rPr lang="en-US" b="1" dirty="0"/>
+              <a:t>Docker Registry</a:t>
+            </a:r>
+            <a:endParaRPr lang="en-US" b="1" dirty="0"/>
+          </a:p>
+        </p:txBody>
+      </p:sp>
+      <p:pic>
+        <p:nvPicPr>
+          <p:cNvPr id="36" name="Graphic 7"/>
           <p:cNvPicPr>
             <a:picLocks noChangeAspect="1"/>
           </p:cNvPicPr>
@@ -6094,7 +6388,7 @@
         </p:blipFill>
         <p:spPr>
           <a:xfrm>
-            <a:off x="9671367" y="4932915"/>
+            <a:off x="9683432" y="3834365"/>
             <a:ext cx="469900" cy="469900"/>
           </a:xfrm>
           <a:prstGeom prst="rect">
@@ -6102,169 +6396,24 @@
           </a:prstGeom>
         </p:spPr>
       </p:pic>
-      <p:sp>
-        <p:nvSpPr>
-          <p:cNvPr id="22" name="TextBox 15"/>
-          <p:cNvSpPr txBox="1"/>
-          <p:nvPr/>
-        </p:nvSpPr>
-        <p:spPr>
-          <a:xfrm>
-            <a:off x="9153041" y="5654617"/>
-            <a:ext cx="1506552" cy="737235"/>
-          </a:xfrm>
-          <a:prstGeom prst="rect">
-            <a:avLst/>
-          </a:prstGeom>
-          <a:noFill/>
-        </p:spPr>
-        <p:txBody>
-          <a:bodyPr wrap="square" rtlCol="0">
-            <a:spAutoFit/>
-          </a:bodyPr>
-          <a:p>
-            <a:pPr algn="ctr"/>
-            <a:r>
-              <a:rPr lang="en-US" sz="1400" dirty="0"/>
-              <a:t>Amazon S3 </a:t>
-            </a:r>
-            <a:endParaRPr lang="en-US" sz="1400" dirty="0"/>
-          </a:p>
-          <a:p>
-            <a:pPr algn="ctr"/>
-            <a:r>
-              <a:rPr lang="en-US" sz="1400" dirty="0"/>
-              <a:t>docker images bucket</a:t>
-            </a:r>
-            <a:endParaRPr lang="en-US" sz="1400" dirty="0"/>
-          </a:p>
-        </p:txBody>
-      </p:sp>
-      <p:pic>
-        <p:nvPicPr>
-          <p:cNvPr id="24" name="图片 23"/>
-          <p:cNvPicPr>
-            <a:picLocks noChangeAspect="1"/>
-          </p:cNvPicPr>
-          <p:nvPr/>
-        </p:nvPicPr>
-        <p:blipFill>
-          <a:blip r:embed="rId5"/>
-          <a:stretch>
-            <a:fillRect/>
-          </a:stretch>
-        </p:blipFill>
-        <p:spPr>
-          <a:xfrm>
-            <a:off x="5652770" y="2638425"/>
-            <a:ext cx="1216025" cy="890270"/>
-          </a:xfrm>
-          <a:prstGeom prst="rect">
-            <a:avLst/>
-          </a:prstGeom>
-        </p:spPr>
-      </p:pic>
-      <p:sp>
-        <p:nvSpPr>
-          <p:cNvPr id="26" name="TextBox 15"/>
-          <p:cNvSpPr txBox="1"/>
-          <p:nvPr/>
-        </p:nvSpPr>
-        <p:spPr>
-          <a:xfrm>
-            <a:off x="5497346" y="3647382"/>
-            <a:ext cx="1506552" cy="306705"/>
-          </a:xfrm>
-          <a:prstGeom prst="rect">
-            <a:avLst/>
-          </a:prstGeom>
-          <a:noFill/>
-        </p:spPr>
-        <p:txBody>
-          <a:bodyPr wrap="square" rtlCol="0">
-            <a:spAutoFit/>
-          </a:bodyPr>
-          <a:p>
-            <a:pPr algn="ctr"/>
-            <a:r>
-              <a:rPr lang="en-US" sz="1400" dirty="0"/>
-              <a:t>Docker Registry</a:t>
-            </a:r>
-            <a:endParaRPr lang="en-US" sz="1400" dirty="0"/>
-          </a:p>
-        </p:txBody>
-      </p:sp>
-      <p:pic>
-        <p:nvPicPr>
-          <p:cNvPr id="27" name="图片 26"/>
-          <p:cNvPicPr>
-            <a:picLocks noChangeAspect="1"/>
-          </p:cNvPicPr>
-          <p:nvPr/>
-        </p:nvPicPr>
-        <p:blipFill>
-          <a:blip r:embed="rId5"/>
-          <a:stretch>
-            <a:fillRect/>
-          </a:stretch>
-        </p:blipFill>
-        <p:spPr>
-          <a:xfrm>
-            <a:off x="9355455" y="2638425"/>
-            <a:ext cx="1216025" cy="890270"/>
-          </a:xfrm>
-          <a:prstGeom prst="rect">
-            <a:avLst/>
-          </a:prstGeom>
-        </p:spPr>
-      </p:pic>
-      <p:sp>
-        <p:nvSpPr>
-          <p:cNvPr id="28" name="TextBox 15"/>
-          <p:cNvSpPr txBox="1"/>
-          <p:nvPr/>
-        </p:nvSpPr>
-        <p:spPr>
-          <a:xfrm>
-            <a:off x="9200031" y="3647382"/>
-            <a:ext cx="1506552" cy="306705"/>
-          </a:xfrm>
-          <a:prstGeom prst="rect">
-            <a:avLst/>
-          </a:prstGeom>
-          <a:noFill/>
-        </p:spPr>
-        <p:txBody>
-          <a:bodyPr wrap="square" rtlCol="0">
-            <a:spAutoFit/>
-          </a:bodyPr>
-          <a:p>
-            <a:pPr algn="ctr"/>
-            <a:r>
-              <a:rPr lang="en-US" sz="1400" dirty="0"/>
-              <a:t>Docker Registry</a:t>
-            </a:r>
-            <a:endParaRPr lang="en-US" sz="1400" dirty="0"/>
-          </a:p>
-        </p:txBody>
-      </p:sp>
       <p:cxnSp>
         <p:nvCxnSpPr>
-          <p:cNvPr id="29" name="直接箭头连接符 28"/>
-          <p:cNvCxnSpPr>
-            <a:stCxn id="26" idx="2"/>
-          </p:cNvCxnSpPr>
+          <p:cNvPr id="38" name="直接箭头连接符 37"/>
+          <p:cNvCxnSpPr/>
           <p:nvPr/>
         </p:nvCxnSpPr>
         <p:spPr>
-          <a:xfrm flipH="1">
-            <a:off x="6244590" y="3954145"/>
-            <a:ext cx="6350" cy="829945"/>
+          <a:xfrm>
+            <a:off x="9918700" y="3225165"/>
+            <a:ext cx="1270" cy="504190"/>
           </a:xfrm>
           <a:prstGeom prst="straightConnector1">
             <a:avLst/>
           </a:prstGeom>
-          <a:ln>
+          <a:ln w="38100">
+            <a:solidFill>
+              <a:schemeClr val="accent1"/>
+            </a:solidFill>
             <a:tailEnd type="arrow"/>
           </a:ln>
         </p:spPr>
@@ -6283,115 +6432,16 @@
           </a:fontRef>
         </p:style>
       </p:cxnSp>
-      <p:cxnSp>
-        <p:nvCxnSpPr>
-          <p:cNvPr id="30" name="直接箭头连接符 29"/>
-          <p:cNvCxnSpPr/>
-          <p:nvPr/>
-        </p:nvCxnSpPr>
-        <p:spPr>
-          <a:xfrm flipH="1">
-            <a:off x="9949815" y="3954145"/>
-            <a:ext cx="6350" cy="829945"/>
-          </a:xfrm>
-          <a:prstGeom prst="straightConnector1">
-            <a:avLst/>
-          </a:prstGeom>
-          <a:ln>
-            <a:tailEnd type="arrow"/>
-          </a:ln>
-        </p:spPr>
-        <p:style>
-          <a:lnRef idx="1">
-            <a:schemeClr val="accent1"/>
-          </a:lnRef>
-          <a:fillRef idx="0">
-            <a:schemeClr val="accent1"/>
-          </a:fillRef>
-          <a:effectRef idx="0">
-            <a:schemeClr val="accent1"/>
-          </a:effectRef>
-          <a:fontRef idx="minor">
-            <a:schemeClr val="tx1"/>
-          </a:fontRef>
-        </p:style>
-      </p:cxnSp>
-      <p:cxnSp>
-        <p:nvCxnSpPr>
-          <p:cNvPr id="31" name="直接箭头连接符 30"/>
-          <p:cNvCxnSpPr/>
-          <p:nvPr/>
-        </p:nvCxnSpPr>
-        <p:spPr>
-          <a:xfrm>
-            <a:off x="3054985" y="1266825"/>
-            <a:ext cx="6751320" cy="1252220"/>
-          </a:xfrm>
-          <a:prstGeom prst="straightConnector1">
-            <a:avLst/>
-          </a:prstGeom>
-          <a:ln>
-            <a:tailEnd type="arrow"/>
-          </a:ln>
-        </p:spPr>
-        <p:style>
-          <a:lnRef idx="1">
-            <a:schemeClr val="accent1"/>
-          </a:lnRef>
-          <a:fillRef idx="0">
-            <a:schemeClr val="accent1"/>
-          </a:fillRef>
-          <a:effectRef idx="0">
-            <a:schemeClr val="accent1"/>
-          </a:effectRef>
-          <a:fontRef idx="minor">
-            <a:schemeClr val="tx1"/>
-          </a:fontRef>
-        </p:style>
-      </p:cxnSp>
-      <p:cxnSp>
-        <p:nvCxnSpPr>
-          <p:cNvPr id="32" name="直接箭头连接符 31"/>
-          <p:cNvCxnSpPr/>
-          <p:nvPr/>
-        </p:nvCxnSpPr>
-        <p:spPr>
-          <a:xfrm>
-            <a:off x="3084830" y="1535430"/>
-            <a:ext cx="3040380" cy="953770"/>
-          </a:xfrm>
-          <a:prstGeom prst="straightConnector1">
-            <a:avLst/>
-          </a:prstGeom>
-          <a:ln>
-            <a:tailEnd type="arrow"/>
-          </a:ln>
-        </p:spPr>
-        <p:style>
-          <a:lnRef idx="1">
-            <a:schemeClr val="accent1"/>
-          </a:lnRef>
-          <a:fillRef idx="0">
-            <a:schemeClr val="accent1"/>
-          </a:fillRef>
-          <a:effectRef idx="0">
-            <a:schemeClr val="accent1"/>
-          </a:effectRef>
-          <a:fontRef idx="minor">
-            <a:schemeClr val="tx1"/>
-          </a:fontRef>
-        </p:style>
-      </p:cxnSp>
-      <p:sp>
-        <p:nvSpPr>
-          <p:cNvPr id="33" name="TextBox 15"/>
+      <p:sp>
+        <p:nvSpPr>
+          <p:cNvPr id="39" name="TextBox 15"/>
           <p:cNvSpPr txBox="1"/>
           <p:nvPr/>
         </p:nvSpPr>
         <p:spPr>
           <a:xfrm>
-            <a:off x="3686961" y="1558867"/>
-            <a:ext cx="1506552" cy="306705"/>
+            <a:off x="9088120" y="4481830"/>
+            <a:ext cx="1729740" cy="1198880"/>
           </a:xfrm>
           <a:prstGeom prst="rect">
             <a:avLst/>
@@ -6405,40 +6455,10 @@
           <a:p>
             <a:pPr algn="ctr"/>
             <a:r>
-              <a:rPr lang="en-US" sz="1400" dirty="0"/>
-              <a:t>replicate</a:t>
-            </a:r>
-            <a:endParaRPr lang="en-US" sz="1400" dirty="0"/>
-          </a:p>
-        </p:txBody>
-      </p:sp>
-      <p:sp>
-        <p:nvSpPr>
-          <p:cNvPr id="34" name="TextBox 15"/>
-          <p:cNvSpPr txBox="1"/>
-          <p:nvPr/>
-        </p:nvSpPr>
-        <p:spPr>
-          <a:xfrm>
-            <a:off x="7365516" y="1842077"/>
-            <a:ext cx="1506552" cy="306705"/>
-          </a:xfrm>
-          <a:prstGeom prst="rect">
-            <a:avLst/>
-          </a:prstGeom>
-          <a:noFill/>
-        </p:spPr>
-        <p:txBody>
-          <a:bodyPr wrap="square" rtlCol="0">
-            <a:spAutoFit/>
-          </a:bodyPr>
-          <a:p>
-            <a:pPr algn="ctr"/>
-            <a:r>
-              <a:rPr lang="en-US" sz="1400" dirty="0"/>
-              <a:t>replicate</a:t>
-            </a:r>
-            <a:endParaRPr lang="en-US" sz="1400" dirty="0"/>
+              <a:rPr lang="en-US" b="1" dirty="0"/>
+              <a:t>Amazon S3 docker images bucket</a:t>
+            </a:r>
+            <a:endParaRPr lang="en-US" b="1" dirty="0"/>
           </a:p>
         </p:txBody>
       </p:sp>
@@ -6477,13 +6497,13 @@
         </p:nvSpPr>
         <p:spPr>
           <a:xfrm>
-            <a:off x="1085850" y="810260"/>
-            <a:ext cx="4678680" cy="5581650"/>
-          </a:xfrm>
-          <a:prstGeom prst="rect">
-            <a:avLst/>
-          </a:prstGeom>
-          <a:ln w="12700">
+            <a:off x="1291590" y="944880"/>
+            <a:ext cx="2707005" cy="4847590"/>
+          </a:xfrm>
+          <a:prstGeom prst="rect">
+            <a:avLst/>
+          </a:prstGeom>
+          <a:ln w="38100">
             <a:prstDash val="sysDot"/>
           </a:ln>
         </p:spPr>
@@ -6511,19 +6531,19 @@
       </p:sp>
       <p:sp>
         <p:nvSpPr>
-          <p:cNvPr id="7" name="矩形 6"/>
+          <p:cNvPr id="6" name="矩形 5"/>
           <p:cNvSpPr/>
           <p:nvPr/>
         </p:nvSpPr>
         <p:spPr>
           <a:xfrm>
-            <a:off x="6598920" y="810260"/>
-            <a:ext cx="5135245" cy="5581650"/>
-          </a:xfrm>
-          <a:prstGeom prst="rect">
-            <a:avLst/>
-          </a:prstGeom>
-          <a:ln w="12700">
+            <a:off x="4944745" y="944880"/>
+            <a:ext cx="2707005" cy="4847590"/>
+          </a:xfrm>
+          <a:prstGeom prst="rect">
+            <a:avLst/>
+          </a:prstGeom>
+          <a:ln w="38100">
             <a:prstDash val="sysDot"/>
           </a:ln>
         </p:spPr>
@@ -6551,14 +6571,54 @@
       </p:sp>
       <p:sp>
         <p:nvSpPr>
+          <p:cNvPr id="7" name="矩形 6"/>
+          <p:cNvSpPr/>
+          <p:nvPr/>
+        </p:nvSpPr>
+        <p:spPr>
+          <a:xfrm>
+            <a:off x="8609330" y="944880"/>
+            <a:ext cx="2707005" cy="4847590"/>
+          </a:xfrm>
+          <a:prstGeom prst="rect">
+            <a:avLst/>
+          </a:prstGeom>
+          <a:ln w="38100">
+            <a:prstDash val="sysDot"/>
+          </a:ln>
+        </p:spPr>
+        <p:style>
+          <a:lnRef idx="2">
+            <a:schemeClr val="dk1"/>
+          </a:lnRef>
+          <a:fillRef idx="1">
+            <a:schemeClr val="lt1"/>
+          </a:fillRef>
+          <a:effectRef idx="0">
+            <a:schemeClr val="dk1"/>
+          </a:effectRef>
+          <a:fontRef idx="minor">
+            <a:schemeClr val="dk1"/>
+          </a:fontRef>
+        </p:style>
+        <p:txBody>
+          <a:bodyPr rtlCol="0" anchor="ctr"/>
+          <a:p>
+            <a:pPr algn="ctr"/>
+            <a:endParaRPr lang="zh-CN" altLang="en-US"/>
+          </a:p>
+        </p:txBody>
+      </p:sp>
+      <p:sp>
+        <p:nvSpPr>
           <p:cNvPr id="25" name="TextBox 15"/>
           <p:cNvSpPr txBox="1"/>
           <p:nvPr/>
         </p:nvSpPr>
         <p:spPr>
           <a:xfrm>
-            <a:off x="3657751" y="366337"/>
-            <a:ext cx="1506552" cy="306705"/>
+            <a:off x="1890546" y="508577"/>
+            <a:ext cx="1506552" cy="398780"/>
           </a:xfrm>
           <a:prstGeom prst="rect">
             <a:avLst/>
@@ -6572,23 +6632,23 @@
           <a:p>
             <a:pPr algn="ctr"/>
             <a:r>
-              <a:rPr lang="en-US" sz="1400" dirty="0"/>
-              <a:t>region 1</a:t>
-            </a:r>
-            <a:endParaRPr lang="en-US" sz="1400" dirty="0"/>
-          </a:p>
-        </p:txBody>
-      </p:sp>
-      <p:sp>
-        <p:nvSpPr>
-          <p:cNvPr id="9" name="TextBox 15"/>
+              <a:rPr lang="en-US" sz="2000" b="1" dirty="0"/>
+              <a:t>Beijing</a:t>
+            </a:r>
+            <a:endParaRPr lang="en-US" sz="2000" b="1" dirty="0"/>
+          </a:p>
+        </p:txBody>
+      </p:sp>
+      <p:sp>
+        <p:nvSpPr>
+          <p:cNvPr id="8" name="TextBox 15"/>
           <p:cNvSpPr txBox="1"/>
           <p:nvPr/>
         </p:nvSpPr>
         <p:spPr>
           <a:xfrm>
-            <a:off x="7199146" y="366337"/>
-            <a:ext cx="1506552" cy="306705"/>
+            <a:off x="5544971" y="508577"/>
+            <a:ext cx="1506552" cy="398780"/>
           </a:xfrm>
           <a:prstGeom prst="rect">
             <a:avLst/>
@@ -6602,10 +6662,70 @@
           <a:p>
             <a:pPr algn="ctr"/>
             <a:r>
-              <a:rPr lang="en-US" sz="1400" dirty="0"/>
-              <a:t>region N</a:t>
-            </a:r>
-            <a:endParaRPr lang="en-US" sz="1400" dirty="0"/>
+              <a:rPr lang="en-US" sz="2000" b="1" dirty="0"/>
+              <a:t>Shenzhen</a:t>
+            </a:r>
+            <a:endParaRPr lang="en-US" sz="2000" b="1" dirty="0"/>
+          </a:p>
+        </p:txBody>
+      </p:sp>
+      <p:sp>
+        <p:nvSpPr>
+          <p:cNvPr id="9" name="TextBox 15"/>
+          <p:cNvSpPr txBox="1"/>
+          <p:nvPr/>
+        </p:nvSpPr>
+        <p:spPr>
+          <a:xfrm>
+            <a:off x="9200031" y="508577"/>
+            <a:ext cx="1506552" cy="398780"/>
+          </a:xfrm>
+          <a:prstGeom prst="rect">
+            <a:avLst/>
+          </a:prstGeom>
+          <a:noFill/>
+        </p:spPr>
+        <p:txBody>
+          <a:bodyPr wrap="square" rtlCol="0">
+            <a:spAutoFit/>
+          </a:bodyPr>
+          <a:p>
+            <a:pPr algn="ctr"/>
+            <a:r>
+              <a:rPr lang="en-US" sz="2000" b="1" dirty="0"/>
+              <a:t>Dalian</a:t>
+            </a:r>
+            <a:endParaRPr lang="en-US" sz="2000" b="1" dirty="0"/>
+          </a:p>
+        </p:txBody>
+      </p:sp>
+      <p:sp>
+        <p:nvSpPr>
+          <p:cNvPr id="10" name="TextBox 15"/>
+          <p:cNvSpPr txBox="1"/>
+          <p:nvPr/>
+        </p:nvSpPr>
+        <p:spPr>
+          <a:xfrm>
+            <a:off x="7365516" y="3075882"/>
+            <a:ext cx="1506552" cy="398780"/>
+          </a:xfrm>
+          <a:prstGeom prst="rect">
+            <a:avLst/>
+          </a:prstGeom>
+          <a:noFill/>
+        </p:spPr>
+        <p:txBody>
+          <a:bodyPr wrap="square" rtlCol="0">
+            <a:spAutoFit/>
+          </a:bodyPr>
+          <a:p>
+            <a:pPr algn="ctr"/>
+            <a:r>
+              <a:rPr lang="en-US" altLang="zh-CN" sz="2000" b="1" dirty="0"/>
+              <a:t>......</a:t>
+            </a:r>
+            <a:endParaRPr lang="en-US" altLang="zh-CN" sz="2000" b="1" dirty="0"/>
           </a:p>
         </p:txBody>
       </p:sp>
@@ -6631,7 +6751,7 @@
         </p:blipFill>
         <p:spPr>
           <a:xfrm>
-            <a:off x="3576002" y="4932915"/>
+            <a:off x="1608137" y="1961115"/>
             <a:ext cx="469900" cy="469900"/>
           </a:xfrm>
           <a:prstGeom prst="rect">
@@ -6647,8 +6767,8 @@
         </p:nvSpPr>
         <p:spPr>
           <a:xfrm>
-            <a:off x="3057676" y="5654617"/>
-            <a:ext cx="1506552" cy="737235"/>
+            <a:off x="893445" y="2454910"/>
+            <a:ext cx="1899285" cy="645160"/>
           </a:xfrm>
           <a:prstGeom prst="rect">
             <a:avLst/>
@@ -6662,144 +6782,35 @@
           <a:p>
             <a:pPr algn="ctr"/>
             <a:r>
-              <a:rPr lang="en-US" sz="1400" dirty="0"/>
-              <a:t>Amazon S3 </a:t>
-            </a:r>
-            <a:endParaRPr lang="en-US" sz="1400" dirty="0"/>
+              <a:rPr lang="en-US" b="1" dirty="0"/>
+              <a:t>Local S3 </a:t>
+            </a:r>
+            <a:endParaRPr lang="en-US" b="1" dirty="0"/>
           </a:p>
           <a:p>
             <a:pPr algn="ctr"/>
-            <a:r>
-              <a:rPr lang="en-US" sz="1400" dirty="0"/>
-              <a:t>docker images bucket</a:t>
-            </a:r>
-            <a:endParaRPr lang="en-US" sz="1400" dirty="0"/>
-          </a:p>
-        </p:txBody>
-      </p:sp>
-      <p:pic>
-        <p:nvPicPr>
-          <p:cNvPr id="12" name="图片 11" descr="Amazon-RDS_PostgreSQL_instance_light-bg@4x"/>
-          <p:cNvPicPr>
-            <a:picLocks noChangeAspect="1"/>
-          </p:cNvPicPr>
-          <p:nvPr/>
-        </p:nvPicPr>
-        <p:blipFill>
-          <a:blip r:embed="rId3"/>
-          <a:stretch>
-            <a:fillRect/>
-          </a:stretch>
-        </p:blipFill>
-        <p:spPr>
-          <a:xfrm>
-            <a:off x="4693285" y="4850130"/>
-            <a:ext cx="635000" cy="635000"/>
-          </a:xfrm>
-          <a:prstGeom prst="rect">
-            <a:avLst/>
-          </a:prstGeom>
-        </p:spPr>
-      </p:pic>
-      <p:sp>
-        <p:nvSpPr>
-          <p:cNvPr id="13" name="TextBox 15"/>
-          <p:cNvSpPr txBox="1"/>
-          <p:nvPr/>
-        </p:nvSpPr>
-        <p:spPr>
-          <a:xfrm>
-            <a:off x="4257826" y="5654617"/>
-            <a:ext cx="1506552" cy="737235"/>
-          </a:xfrm>
-          <a:prstGeom prst="rect">
-            <a:avLst/>
-          </a:prstGeom>
-          <a:noFill/>
-        </p:spPr>
-        <p:txBody>
-          <a:bodyPr wrap="square" rtlCol="0">
-            <a:spAutoFit/>
-          </a:bodyPr>
-          <a:p>
-            <a:pPr algn="ctr"/>
-            <a:r>
-              <a:rPr lang="en-US" sz="1400" dirty="0"/>
-              <a:t>Amazon Aurora PostgreSQL Serverless</a:t>
-            </a:r>
-            <a:endParaRPr lang="en-US" sz="1400" dirty="0"/>
-          </a:p>
-        </p:txBody>
-      </p:sp>
-      <p:pic>
-        <p:nvPicPr>
-          <p:cNvPr id="14" name="图片 13" descr="Amazon-EC2_Instance_light-bg@4x"/>
-          <p:cNvPicPr>
-            <a:picLocks noChangeAspect="1"/>
-          </p:cNvPicPr>
-          <p:nvPr/>
-        </p:nvPicPr>
-        <p:blipFill>
-          <a:blip r:embed="rId4"/>
-          <a:stretch>
-            <a:fillRect/>
-          </a:stretch>
-        </p:blipFill>
-        <p:spPr>
-          <a:xfrm>
-            <a:off x="4093845" y="1170940"/>
-            <a:ext cx="635000" cy="635000"/>
-          </a:xfrm>
-          <a:prstGeom prst="rect">
-            <a:avLst/>
-          </a:prstGeom>
-        </p:spPr>
-      </p:pic>
-      <p:sp>
-        <p:nvSpPr>
-          <p:cNvPr id="15" name="TextBox 15"/>
-          <p:cNvSpPr txBox="1"/>
-          <p:nvPr/>
-        </p:nvSpPr>
-        <p:spPr>
-          <a:xfrm>
-            <a:off x="3657751" y="1964632"/>
-            <a:ext cx="1506552" cy="306705"/>
-          </a:xfrm>
-          <a:prstGeom prst="rect">
-            <a:avLst/>
-          </a:prstGeom>
-          <a:noFill/>
-        </p:spPr>
-        <p:txBody>
-          <a:bodyPr wrap="square" rtlCol="0">
-            <a:spAutoFit/>
-          </a:bodyPr>
-          <a:p>
-            <a:pPr algn="ctr"/>
-            <a:r>
-              <a:rPr lang="en-US" sz="1400" dirty="0"/>
-              <a:t>Harbor</a:t>
-            </a:r>
-            <a:endParaRPr lang="en-US" sz="1400" dirty="0"/>
+            <a:endParaRPr lang="en-US" b="1" dirty="0"/>
           </a:p>
         </p:txBody>
       </p:sp>
       <p:cxnSp>
         <p:nvCxnSpPr>
           <p:cNvPr id="18" name="直接箭头连接符 17"/>
-          <p:cNvCxnSpPr/>
+          <p:cNvCxnSpPr>
+            <a:stCxn id="2" idx="1"/>
+            <a:endCxn id="11" idx="3"/>
+          </p:cNvCxnSpPr>
           <p:nvPr/>
         </p:nvCxnSpPr>
         <p:spPr>
           <a:xfrm flipH="1">
-            <a:off x="3853180" y="2230120"/>
-            <a:ext cx="388620" cy="2375535"/>
+            <a:off x="2077720" y="2195830"/>
+            <a:ext cx="1103630" cy="0"/>
           </a:xfrm>
           <a:prstGeom prst="straightConnector1">
             <a:avLst/>
           </a:prstGeom>
-          <a:ln>
+          <a:ln w="38100">
             <a:tailEnd type="arrow"/>
           </a:ln>
         </p:spPr>
@@ -6821,18 +6832,21 @@
       <p:cxnSp>
         <p:nvCxnSpPr>
           <p:cNvPr id="21" name="直接箭头连接符 20"/>
-          <p:cNvCxnSpPr/>
+          <p:cNvCxnSpPr>
+            <a:stCxn id="15" idx="2"/>
+            <a:endCxn id="12" idx="0"/>
+          </p:cNvCxnSpPr>
           <p:nvPr/>
         </p:nvCxnSpPr>
         <p:spPr>
-          <a:xfrm>
-            <a:off x="4606290" y="2269490"/>
-            <a:ext cx="334645" cy="2380615"/>
+          <a:xfrm flipH="1">
+            <a:off x="2116455" y="2823210"/>
+            <a:ext cx="1382395" cy="1289685"/>
           </a:xfrm>
           <a:prstGeom prst="straightConnector1">
             <a:avLst/>
           </a:prstGeom>
-          <a:ln>
+          <a:ln w="38100">
             <a:tailEnd type="arrow"/>
           </a:ln>
         </p:spPr>
@@ -6853,7 +6867,362 @@
       </p:cxnSp>
       <p:pic>
         <p:nvPicPr>
-          <p:cNvPr id="20" name="Graphic 7"/>
+          <p:cNvPr id="41" name="图片 40" descr="Amazon-EC2_Instance_light-bg@4x"/>
+          <p:cNvPicPr>
+            <a:picLocks noChangeAspect="1"/>
+          </p:cNvPicPr>
+          <p:nvPr/>
+        </p:nvPicPr>
+        <p:blipFill>
+          <a:blip r:embed="rId3"/>
+          <a:stretch>
+            <a:fillRect/>
+          </a:stretch>
+        </p:blipFill>
+        <p:spPr>
+          <a:xfrm>
+            <a:off x="6783705" y="1878330"/>
+            <a:ext cx="635000" cy="635000"/>
+          </a:xfrm>
+          <a:prstGeom prst="rect">
+            <a:avLst/>
+          </a:prstGeom>
+        </p:spPr>
+      </p:pic>
+      <p:sp>
+        <p:nvSpPr>
+          <p:cNvPr id="15" name="TextBox 15"/>
+          <p:cNvSpPr txBox="1"/>
+          <p:nvPr/>
+        </p:nvSpPr>
+        <p:spPr>
+          <a:xfrm>
+            <a:off x="2745105" y="2454910"/>
+            <a:ext cx="1506855" cy="368300"/>
+          </a:xfrm>
+          <a:prstGeom prst="rect">
+            <a:avLst/>
+          </a:prstGeom>
+          <a:noFill/>
+        </p:spPr>
+        <p:txBody>
+          <a:bodyPr wrap="square" rtlCol="0">
+            <a:spAutoFit/>
+          </a:bodyPr>
+          <a:p>
+            <a:pPr algn="ctr"/>
+            <a:r>
+              <a:rPr lang="en-US" b="1" dirty="0"/>
+              <a:t>Harbor</a:t>
+            </a:r>
+            <a:endParaRPr lang="en-US" b="1" dirty="0"/>
+          </a:p>
+        </p:txBody>
+      </p:sp>
+      <p:pic>
+        <p:nvPicPr>
+          <p:cNvPr id="2" name="图片 1" descr="Amazon-EC2_Instance_light-bg@4x"/>
+          <p:cNvPicPr>
+            <a:picLocks noChangeAspect="1"/>
+          </p:cNvPicPr>
+          <p:nvPr/>
+        </p:nvPicPr>
+        <p:blipFill>
+          <a:blip r:embed="rId3"/>
+          <a:stretch>
+            <a:fillRect/>
+          </a:stretch>
+        </p:blipFill>
+        <p:spPr>
+          <a:xfrm>
+            <a:off x="3181350" y="1878330"/>
+            <a:ext cx="635000" cy="635000"/>
+          </a:xfrm>
+          <a:prstGeom prst="rect">
+            <a:avLst/>
+          </a:prstGeom>
+        </p:spPr>
+      </p:pic>
+      <p:sp>
+        <p:nvSpPr>
+          <p:cNvPr id="33" name="TextBox 15"/>
+          <p:cNvSpPr txBox="1"/>
+          <p:nvPr/>
+        </p:nvSpPr>
+        <p:spPr>
+          <a:xfrm>
+            <a:off x="3720465" y="1186815"/>
+            <a:ext cx="1506855" cy="337185"/>
+          </a:xfrm>
+          <a:prstGeom prst="rect">
+            <a:avLst/>
+          </a:prstGeom>
+          <a:noFill/>
+        </p:spPr>
+        <p:txBody>
+          <a:bodyPr wrap="square" rtlCol="0">
+            <a:spAutoFit/>
+          </a:bodyPr>
+          <a:p>
+            <a:pPr algn="ctr"/>
+            <a:r>
+              <a:rPr lang="en-US" sz="1600" b="1" dirty="0"/>
+              <a:t>replicate</a:t>
+            </a:r>
+            <a:endParaRPr lang="en-US" sz="1600" b="1" dirty="0"/>
+          </a:p>
+        </p:txBody>
+      </p:sp>
+      <p:cxnSp>
+        <p:nvCxnSpPr>
+          <p:cNvPr id="31" name="直接箭头连接符 30"/>
+          <p:cNvCxnSpPr/>
+          <p:nvPr/>
+        </p:nvCxnSpPr>
+        <p:spPr>
+          <a:xfrm>
+            <a:off x="10819130" y="1153160"/>
+            <a:ext cx="9525" cy="675005"/>
+          </a:xfrm>
+          <a:prstGeom prst="straightConnector1">
+            <a:avLst/>
+          </a:prstGeom>
+          <a:ln w="38100">
+            <a:solidFill>
+              <a:schemeClr val="accent1"/>
+            </a:solidFill>
+            <a:tailEnd type="arrow"/>
+          </a:ln>
+        </p:spPr>
+        <p:style>
+          <a:lnRef idx="1">
+            <a:schemeClr val="accent1"/>
+          </a:lnRef>
+          <a:fillRef idx="0">
+            <a:schemeClr val="accent1"/>
+          </a:fillRef>
+          <a:effectRef idx="0">
+            <a:schemeClr val="accent1"/>
+          </a:effectRef>
+          <a:fontRef idx="minor">
+            <a:schemeClr val="tx1"/>
+          </a:fontRef>
+        </p:style>
+      </p:cxnSp>
+      <p:cxnSp>
+        <p:nvCxnSpPr>
+          <p:cNvPr id="32" name="直接箭头连接符 31"/>
+          <p:cNvCxnSpPr/>
+          <p:nvPr/>
+        </p:nvCxnSpPr>
+        <p:spPr>
+          <a:xfrm>
+            <a:off x="7098030" y="1162050"/>
+            <a:ext cx="3175" cy="637540"/>
+          </a:xfrm>
+          <a:prstGeom prst="straightConnector1">
+            <a:avLst/>
+          </a:prstGeom>
+          <a:ln w="38100">
+            <a:tailEnd type="arrow"/>
+          </a:ln>
+        </p:spPr>
+        <p:style>
+          <a:lnRef idx="1">
+            <a:schemeClr val="accent1"/>
+          </a:lnRef>
+          <a:fillRef idx="0">
+            <a:schemeClr val="accent1"/>
+          </a:fillRef>
+          <a:effectRef idx="0">
+            <a:schemeClr val="accent1"/>
+          </a:effectRef>
+          <a:fontRef idx="minor">
+            <a:schemeClr val="tx1"/>
+          </a:fontRef>
+        </p:style>
+      </p:cxnSp>
+      <p:cxnSp>
+        <p:nvCxnSpPr>
+          <p:cNvPr id="4" name="直接连接符 3"/>
+          <p:cNvCxnSpPr/>
+          <p:nvPr/>
+        </p:nvCxnSpPr>
+        <p:spPr>
+          <a:xfrm flipV="1">
+            <a:off x="3473450" y="1162685"/>
+            <a:ext cx="7355205" cy="6350"/>
+          </a:xfrm>
+          <a:prstGeom prst="line">
+            <a:avLst/>
+          </a:prstGeom>
+          <a:ln w="38100"/>
+        </p:spPr>
+        <p:style>
+          <a:lnRef idx="1">
+            <a:schemeClr val="accent1"/>
+          </a:lnRef>
+          <a:fillRef idx="0">
+            <a:schemeClr val="accent1"/>
+          </a:fillRef>
+          <a:effectRef idx="0">
+            <a:schemeClr val="accent1"/>
+          </a:effectRef>
+          <a:fontRef idx="minor">
+            <a:schemeClr val="tx1"/>
+          </a:fontRef>
+        </p:style>
+      </p:cxnSp>
+      <p:cxnSp>
+        <p:nvCxnSpPr>
+          <p:cNvPr id="30" name="直接箭头连接符 29"/>
+          <p:cNvCxnSpPr/>
+          <p:nvPr/>
+        </p:nvCxnSpPr>
+        <p:spPr>
+          <a:xfrm>
+            <a:off x="3495675" y="1186815"/>
+            <a:ext cx="3175" cy="637540"/>
+          </a:xfrm>
+          <a:prstGeom prst="straightConnector1">
+            <a:avLst/>
+          </a:prstGeom>
+          <a:ln w="38100">
+            <a:tailEnd type="arrow"/>
+          </a:ln>
+        </p:spPr>
+        <p:style>
+          <a:lnRef idx="1">
+            <a:schemeClr val="accent1"/>
+          </a:lnRef>
+          <a:fillRef idx="0">
+            <a:schemeClr val="accent1"/>
+          </a:fillRef>
+          <a:effectRef idx="0">
+            <a:schemeClr val="accent1"/>
+          </a:effectRef>
+          <a:fontRef idx="minor">
+            <a:schemeClr val="tx1"/>
+          </a:fontRef>
+        </p:style>
+      </p:cxnSp>
+      <p:sp>
+        <p:nvSpPr>
+          <p:cNvPr id="34" name="TextBox 15"/>
+          <p:cNvSpPr txBox="1"/>
+          <p:nvPr/>
+        </p:nvSpPr>
+        <p:spPr>
+          <a:xfrm>
+            <a:off x="7372985" y="1186815"/>
+            <a:ext cx="1506855" cy="337185"/>
+          </a:xfrm>
+          <a:prstGeom prst="rect">
+            <a:avLst/>
+          </a:prstGeom>
+          <a:noFill/>
+        </p:spPr>
+        <p:txBody>
+          <a:bodyPr wrap="square" rtlCol="0">
+            <a:spAutoFit/>
+          </a:bodyPr>
+          <a:p>
+            <a:pPr algn="ctr"/>
+            <a:r>
+              <a:rPr lang="en-US" sz="1600" b="1" dirty="0"/>
+              <a:t>replicate</a:t>
+            </a:r>
+            <a:endParaRPr lang="en-US" sz="1600" b="1" dirty="0"/>
+          </a:p>
+        </p:txBody>
+      </p:sp>
+      <p:sp>
+        <p:nvSpPr>
+          <p:cNvPr id="37" name="TextBox 15"/>
+          <p:cNvSpPr txBox="1"/>
+          <p:nvPr/>
+        </p:nvSpPr>
+        <p:spPr>
+          <a:xfrm>
+            <a:off x="6347460" y="2454910"/>
+            <a:ext cx="1506855" cy="368300"/>
+          </a:xfrm>
+          <a:prstGeom prst="rect">
+            <a:avLst/>
+          </a:prstGeom>
+          <a:noFill/>
+        </p:spPr>
+        <p:txBody>
+          <a:bodyPr wrap="square" rtlCol="0">
+            <a:spAutoFit/>
+          </a:bodyPr>
+          <a:p>
+            <a:pPr algn="ctr"/>
+            <a:r>
+              <a:rPr lang="en-US" b="1" dirty="0"/>
+              <a:t>Harbor</a:t>
+            </a:r>
+            <a:endParaRPr lang="en-US" b="1" dirty="0"/>
+          </a:p>
+        </p:txBody>
+      </p:sp>
+      <p:sp>
+        <p:nvSpPr>
+          <p:cNvPr id="42" name="TextBox 15"/>
+          <p:cNvSpPr txBox="1"/>
+          <p:nvPr/>
+        </p:nvSpPr>
+        <p:spPr>
+          <a:xfrm>
+            <a:off x="10070465" y="2454910"/>
+            <a:ext cx="1506855" cy="368300"/>
+          </a:xfrm>
+          <a:prstGeom prst="rect">
+            <a:avLst/>
+          </a:prstGeom>
+          <a:noFill/>
+        </p:spPr>
+        <p:txBody>
+          <a:bodyPr wrap="square" rtlCol="0">
+            <a:spAutoFit/>
+          </a:bodyPr>
+          <a:p>
+            <a:pPr algn="ctr"/>
+            <a:r>
+              <a:rPr lang="en-US" b="1" dirty="0"/>
+              <a:t>Harbor</a:t>
+            </a:r>
+            <a:endParaRPr lang="en-US" b="1" dirty="0"/>
+          </a:p>
+        </p:txBody>
+      </p:sp>
+      <p:pic>
+        <p:nvPicPr>
+          <p:cNvPr id="43" name="图片 42" descr="Amazon-EC2_Instance_light-bg@4x"/>
+          <p:cNvPicPr>
+            <a:picLocks noChangeAspect="1"/>
+          </p:cNvPicPr>
+          <p:nvPr/>
+        </p:nvPicPr>
+        <p:blipFill>
+          <a:blip r:embed="rId3"/>
+          <a:stretch>
+            <a:fillRect/>
+          </a:stretch>
+        </p:blipFill>
+        <p:spPr>
+          <a:xfrm>
+            <a:off x="10506710" y="1878330"/>
+            <a:ext cx="635000" cy="635000"/>
+          </a:xfrm>
+          <a:prstGeom prst="rect">
+            <a:avLst/>
+          </a:prstGeom>
+        </p:spPr>
+      </p:pic>
+      <p:pic>
+        <p:nvPicPr>
+          <p:cNvPr id="44" name="Graphic 7"/>
           <p:cNvPicPr>
             <a:picLocks noChangeAspect="1"/>
           </p:cNvPicPr>
@@ -6873,7 +7242,7 @@
         </p:blipFill>
         <p:spPr>
           <a:xfrm>
-            <a:off x="7670482" y="4932915"/>
+            <a:off x="5261292" y="1959845"/>
             <a:ext cx="469900" cy="469900"/>
           </a:xfrm>
           <a:prstGeom prst="rect">
@@ -6883,14 +7252,14 @@
       </p:pic>
       <p:sp>
         <p:nvSpPr>
-          <p:cNvPr id="22" name="TextBox 15"/>
+          <p:cNvPr id="45" name="TextBox 15"/>
           <p:cNvSpPr txBox="1"/>
           <p:nvPr/>
         </p:nvSpPr>
         <p:spPr>
           <a:xfrm>
-            <a:off x="7152156" y="5654617"/>
-            <a:ext cx="1506552" cy="737235"/>
+            <a:off x="4546600" y="2453640"/>
+            <a:ext cx="1899285" cy="645160"/>
           </a:xfrm>
           <a:prstGeom prst="rect">
             <a:avLst/>
@@ -6904,92 +7273,35 @@
           <a:p>
             <a:pPr algn="ctr"/>
             <a:r>
-              <a:rPr lang="en-US" sz="1400" dirty="0"/>
-              <a:t>Amazon S3 </a:t>
-            </a:r>
-            <a:endParaRPr lang="en-US" sz="1400" dirty="0"/>
+              <a:rPr lang="en-US" b="1" dirty="0"/>
+              <a:t>Local S3 </a:t>
+            </a:r>
+            <a:endParaRPr lang="en-US" b="1" dirty="0"/>
           </a:p>
           <a:p>
             <a:pPr algn="ctr"/>
-            <a:r>
-              <a:rPr lang="en-US" sz="1400" dirty="0"/>
-              <a:t>docker images bucket</a:t>
-            </a:r>
-            <a:endParaRPr lang="en-US" sz="1400" dirty="0"/>
-          </a:p>
-        </p:txBody>
-      </p:sp>
-      <p:pic>
-        <p:nvPicPr>
-          <p:cNvPr id="27" name="图片 26"/>
-          <p:cNvPicPr>
-            <a:picLocks noChangeAspect="1"/>
-          </p:cNvPicPr>
-          <p:nvPr/>
-        </p:nvPicPr>
-        <p:blipFill>
-          <a:blip r:embed="rId5"/>
-          <a:stretch>
-            <a:fillRect/>
-          </a:stretch>
-        </p:blipFill>
-        <p:spPr>
-          <a:xfrm>
-            <a:off x="7353935" y="955675"/>
-            <a:ext cx="1216025" cy="890270"/>
-          </a:xfrm>
-          <a:prstGeom prst="rect">
-            <a:avLst/>
-          </a:prstGeom>
-        </p:spPr>
-      </p:pic>
-      <p:sp>
-        <p:nvSpPr>
-          <p:cNvPr id="28" name="TextBox 15"/>
-          <p:cNvSpPr txBox="1"/>
-          <p:nvPr/>
-        </p:nvSpPr>
-        <p:spPr>
-          <a:xfrm>
-            <a:off x="7198511" y="1964632"/>
-            <a:ext cx="1506552" cy="306705"/>
-          </a:xfrm>
-          <a:prstGeom prst="rect">
-            <a:avLst/>
-          </a:prstGeom>
-          <a:noFill/>
-        </p:spPr>
-        <p:txBody>
-          <a:bodyPr wrap="square" rtlCol="0">
-            <a:spAutoFit/>
-          </a:bodyPr>
-          <a:p>
-            <a:pPr algn="ctr"/>
-            <a:r>
-              <a:rPr lang="en-US" sz="1400" dirty="0"/>
-              <a:t>Docker Registry</a:t>
-            </a:r>
-            <a:endParaRPr lang="en-US" sz="1400" dirty="0"/>
+            <a:endParaRPr lang="en-US" b="1" dirty="0"/>
           </a:p>
         </p:txBody>
       </p:sp>
       <p:cxnSp>
         <p:nvCxnSpPr>
-          <p:cNvPr id="30" name="直接箭头连接符 29"/>
+          <p:cNvPr id="46" name="直接箭头连接符 45"/>
           <p:cNvCxnSpPr>
-            <a:stCxn id="28" idx="2"/>
+            <a:stCxn id="41" idx="1"/>
+            <a:endCxn id="44" idx="3"/>
           </p:cNvCxnSpPr>
           <p:nvPr/>
         </p:nvCxnSpPr>
         <p:spPr>
-          <a:xfrm flipH="1">
-            <a:off x="7948930" y="2271395"/>
-            <a:ext cx="3175" cy="2512695"/>
+          <a:xfrm flipH="1" flipV="1">
+            <a:off x="5730875" y="2194560"/>
+            <a:ext cx="1052830" cy="1270"/>
           </a:xfrm>
           <a:prstGeom prst="straightConnector1">
             <a:avLst/>
           </a:prstGeom>
-          <a:ln>
+          <a:ln w="38100">
             <a:tailEnd type="arrow"/>
           </a:ln>
         </p:spPr>
@@ -7010,19 +7322,22 @@
       </p:cxnSp>
       <p:cxnSp>
         <p:nvCxnSpPr>
-          <p:cNvPr id="31" name="直接箭头连接符 30"/>
-          <p:cNvCxnSpPr/>
+          <p:cNvPr id="49" name="直接箭头连接符 48"/>
+          <p:cNvCxnSpPr>
+            <a:stCxn id="37" idx="2"/>
+            <a:endCxn id="47" idx="0"/>
+          </p:cNvCxnSpPr>
           <p:nvPr/>
         </p:nvCxnSpPr>
         <p:spPr>
-          <a:xfrm>
-            <a:off x="4918075" y="1386205"/>
-            <a:ext cx="2250440" cy="0"/>
+          <a:xfrm flipH="1">
+            <a:off x="5794375" y="2823210"/>
+            <a:ext cx="1306830" cy="1289685"/>
           </a:xfrm>
           <a:prstGeom prst="straightConnector1">
             <a:avLst/>
           </a:prstGeom>
-          <a:ln>
+          <a:ln w="38100">
             <a:tailEnd type="arrow"/>
           </a:ln>
         </p:spPr>
@@ -7041,58 +7356,30 @@
           </a:fontRef>
         </p:style>
       </p:cxnSp>
-      <p:sp>
-        <p:nvSpPr>
-          <p:cNvPr id="34" name="TextBox 15"/>
-          <p:cNvSpPr txBox="1"/>
-          <p:nvPr/>
-        </p:nvSpPr>
-        <p:spPr>
-          <a:xfrm>
-            <a:off x="5430671" y="1081982"/>
-            <a:ext cx="1506552" cy="306705"/>
-          </a:xfrm>
-          <a:prstGeom prst="rect">
-            <a:avLst/>
-          </a:prstGeom>
-          <a:noFill/>
-        </p:spPr>
-        <p:txBody>
-          <a:bodyPr wrap="square" rtlCol="0">
-            <a:spAutoFit/>
-          </a:bodyPr>
-          <a:p>
-            <a:pPr algn="ctr"/>
-            <a:r>
-              <a:rPr lang="en-US" sz="1400" dirty="0"/>
-              <a:t>replicate</a:t>
-            </a:r>
-            <a:endParaRPr lang="en-US" sz="1400" dirty="0"/>
-          </a:p>
-        </p:txBody>
-      </p:sp>
       <p:pic>
         <p:nvPicPr>
-          <p:cNvPr id="4" name="图片 3"/>
+          <p:cNvPr id="50" name="Graphic 7"/>
           <p:cNvPicPr>
             <a:picLocks noChangeAspect="1"/>
           </p:cNvPicPr>
-          <p:nvPr>
-            <p:custDataLst>
-              <p:tags r:id="rId6"/>
-            </p:custDataLst>
-          </p:nvPr>
+          <p:nvPr/>
         </p:nvPicPr>
         <p:blipFill>
-          <a:blip r:embed="rId7"/>
+          <a:blip r:embed="rId1">
+            <a:extLst>
+              <a:ext uri="{96DAC541-7B7A-43D3-8B79-37D633B846F1}">
+                <asvg:svgBlip xmlns:asvg="http://schemas.microsoft.com/office/drawing/2016/SVG/main" r:embed="rId2"/>
+              </a:ext>
+            </a:extLst>
+          </a:blip>
           <a:stretch>
             <a:fillRect/>
           </a:stretch>
         </p:blipFill>
         <p:spPr>
           <a:xfrm>
-            <a:off x="1551940" y="4850130"/>
-            <a:ext cx="1026160" cy="1026160"/>
+            <a:off x="8925877" y="1959845"/>
+            <a:ext cx="469900" cy="469900"/>
           </a:xfrm>
           <a:prstGeom prst="rect">
             <a:avLst/>
@@ -7101,14 +7388,14 @@
       </p:pic>
       <p:sp>
         <p:nvSpPr>
-          <p:cNvPr id="6" name="TextBox 15"/>
+          <p:cNvPr id="51" name="TextBox 15"/>
           <p:cNvSpPr txBox="1"/>
           <p:nvPr/>
         </p:nvSpPr>
         <p:spPr>
           <a:xfrm>
-            <a:off x="1073150" y="5866765"/>
-            <a:ext cx="1983105" cy="306705"/>
+            <a:off x="8211185" y="2453640"/>
+            <a:ext cx="1899285" cy="368300"/>
           </a:xfrm>
           <a:prstGeom prst="rect">
             <a:avLst/>
@@ -7122,28 +7409,31 @@
           <a:p>
             <a:pPr algn="ctr"/>
             <a:r>
-              <a:rPr lang="en-US" sz="1400" dirty="0"/>
-              <a:t>Continuous Integration</a:t>
-            </a:r>
-            <a:endParaRPr lang="en-US" sz="1400" dirty="0"/>
+              <a:rPr lang="en-US" b="1" dirty="0"/>
+              <a:t>Local S3 </a:t>
+            </a:r>
+            <a:endParaRPr lang="en-US" b="1" dirty="0"/>
           </a:p>
         </p:txBody>
       </p:sp>
       <p:cxnSp>
         <p:nvCxnSpPr>
-          <p:cNvPr id="8" name="直接箭头连接符 7"/>
-          <p:cNvCxnSpPr/>
+          <p:cNvPr id="52" name="直接箭头连接符 51"/>
+          <p:cNvCxnSpPr>
+            <a:stCxn id="43" idx="1"/>
+            <a:endCxn id="50" idx="3"/>
+          </p:cNvCxnSpPr>
           <p:nvPr/>
         </p:nvCxnSpPr>
         <p:spPr>
-          <a:xfrm flipV="1">
-            <a:off x="2324100" y="1788795"/>
-            <a:ext cx="1744345" cy="2966085"/>
+          <a:xfrm flipH="1" flipV="1">
+            <a:off x="9395460" y="2194560"/>
+            <a:ext cx="1111250" cy="1270"/>
           </a:xfrm>
           <a:prstGeom prst="straightConnector1">
             <a:avLst/>
           </a:prstGeom>
-          <a:ln>
+          <a:ln w="38100">
             <a:tailEnd type="arrow"/>
           </a:ln>
         </p:spPr>
@@ -7162,109 +7452,24 @@
           </a:fontRef>
         </p:style>
       </p:cxnSp>
-      <p:sp>
-        <p:nvSpPr>
-          <p:cNvPr id="10" name="TextBox 15"/>
-          <p:cNvSpPr txBox="1"/>
-          <p:nvPr/>
-        </p:nvSpPr>
-        <p:spPr>
-          <a:xfrm>
-            <a:off x="1946426" y="3272732"/>
-            <a:ext cx="1506552" cy="306705"/>
-          </a:xfrm>
-          <a:prstGeom prst="rect">
-            <a:avLst/>
-          </a:prstGeom>
-          <a:noFill/>
-        </p:spPr>
-        <p:txBody>
-          <a:bodyPr wrap="square" rtlCol="0">
-            <a:spAutoFit/>
-          </a:bodyPr>
-          <a:p>
-            <a:pPr algn="ctr"/>
-            <a:r>
-              <a:rPr lang="en-US" sz="1400" dirty="0"/>
-              <a:t>push</a:t>
-            </a:r>
-            <a:endParaRPr lang="en-US" sz="1400" dirty="0"/>
-          </a:p>
-        </p:txBody>
-      </p:sp>
-      <p:pic>
-        <p:nvPicPr>
-          <p:cNvPr id="17" name="图片 16"/>
-          <p:cNvPicPr>
-            <a:picLocks noChangeAspect="1"/>
-          </p:cNvPicPr>
-          <p:nvPr>
-            <p:custDataLst>
-              <p:tags r:id="rId8"/>
-            </p:custDataLst>
-          </p:nvPr>
-        </p:nvPicPr>
-        <p:blipFill>
-          <a:blip r:embed="rId7"/>
-          <a:stretch>
-            <a:fillRect/>
-          </a:stretch>
-        </p:blipFill>
-        <p:spPr>
-          <a:xfrm>
-            <a:off x="10229850" y="957580"/>
-            <a:ext cx="1026160" cy="1026160"/>
-          </a:xfrm>
-          <a:prstGeom prst="rect">
-            <a:avLst/>
-          </a:prstGeom>
-        </p:spPr>
-      </p:pic>
-      <p:sp>
-        <p:nvSpPr>
-          <p:cNvPr id="19" name="TextBox 15"/>
-          <p:cNvSpPr txBox="1"/>
-          <p:nvPr/>
-        </p:nvSpPr>
-        <p:spPr>
-          <a:xfrm>
-            <a:off x="9609455" y="1962785"/>
-            <a:ext cx="2266315" cy="306705"/>
-          </a:xfrm>
-          <a:prstGeom prst="rect">
-            <a:avLst/>
-          </a:prstGeom>
-          <a:noFill/>
-        </p:spPr>
-        <p:txBody>
-          <a:bodyPr wrap="square" rtlCol="0">
-            <a:spAutoFit/>
-          </a:bodyPr>
-          <a:p>
-            <a:pPr algn="ctr"/>
-            <a:r>
-              <a:rPr lang="en-US" sz="1400" dirty="0"/>
-              <a:t>Continuous Deployment</a:t>
-            </a:r>
-            <a:endParaRPr lang="en-US" sz="1400" dirty="0"/>
-          </a:p>
-        </p:txBody>
-      </p:sp>
       <p:cxnSp>
         <p:nvCxnSpPr>
-          <p:cNvPr id="23" name="直接箭头连接符 22"/>
-          <p:cNvCxnSpPr/>
+          <p:cNvPr id="55" name="直接箭头连接符 54"/>
+          <p:cNvCxnSpPr>
+            <a:stCxn id="42" idx="2"/>
+            <a:endCxn id="53" idx="0"/>
+          </p:cNvCxnSpPr>
           <p:nvPr/>
         </p:nvCxnSpPr>
         <p:spPr>
-          <a:xfrm flipV="1">
-            <a:off x="8877935" y="1356995"/>
-            <a:ext cx="1043305" cy="14605"/>
+          <a:xfrm flipH="1">
+            <a:off x="9458960" y="2823210"/>
+            <a:ext cx="1365250" cy="1289685"/>
           </a:xfrm>
           <a:prstGeom prst="straightConnector1">
             <a:avLst/>
           </a:prstGeom>
-          <a:ln>
+          <a:ln w="38100">
             <a:tailEnd type="arrow"/>
           </a:ln>
         </p:spPr>
@@ -7283,160 +7488,388 @@
           </a:fontRef>
         </p:style>
       </p:cxnSp>
-      <p:sp>
-        <p:nvSpPr>
-          <p:cNvPr id="24" name="TextBox 15"/>
-          <p:cNvSpPr txBox="1"/>
-          <p:nvPr/>
-        </p:nvSpPr>
-        <p:spPr>
-          <a:xfrm>
-            <a:off x="8646311" y="1050232"/>
-            <a:ext cx="1506552" cy="306705"/>
-          </a:xfrm>
-          <a:prstGeom prst="rect">
-            <a:avLst/>
-          </a:prstGeom>
-          <a:noFill/>
-        </p:spPr>
-        <p:txBody>
-          <a:bodyPr wrap="square" rtlCol="0">
-            <a:spAutoFit/>
-          </a:bodyPr>
-          <a:p>
-            <a:pPr algn="ctr"/>
-            <a:r>
-              <a:rPr lang="en-US" sz="1400" dirty="0"/>
-              <a:t>pull</a:t>
-            </a:r>
-            <a:endParaRPr lang="en-US" sz="1400" dirty="0"/>
-          </a:p>
-        </p:txBody>
-      </p:sp>
-      <p:pic>
-        <p:nvPicPr>
-          <p:cNvPr id="26" name="图片 25"/>
-          <p:cNvPicPr>
-            <a:picLocks noChangeAspect="1"/>
-          </p:cNvPicPr>
-          <p:nvPr>
-            <p:custDataLst>
-              <p:tags r:id="rId9"/>
-            </p:custDataLst>
-          </p:nvPr>
-        </p:nvPicPr>
-        <p:blipFill>
-          <a:blip r:embed="rId7"/>
-          <a:stretch>
-            <a:fillRect/>
-          </a:stretch>
-        </p:blipFill>
-        <p:spPr>
-          <a:xfrm>
-            <a:off x="1706245" y="978535"/>
-            <a:ext cx="1026160" cy="1026160"/>
-          </a:xfrm>
-          <a:prstGeom prst="rect">
-            <a:avLst/>
-          </a:prstGeom>
-        </p:spPr>
-      </p:pic>
-      <p:sp>
-        <p:nvSpPr>
-          <p:cNvPr id="29" name="TextBox 15"/>
-          <p:cNvSpPr txBox="1"/>
-          <p:nvPr/>
-        </p:nvSpPr>
-        <p:spPr>
-          <a:xfrm>
-            <a:off x="1085850" y="1983740"/>
-            <a:ext cx="2266315" cy="306705"/>
-          </a:xfrm>
-          <a:prstGeom prst="rect">
-            <a:avLst/>
-          </a:prstGeom>
-          <a:noFill/>
-        </p:spPr>
-        <p:txBody>
-          <a:bodyPr wrap="square" rtlCol="0">
-            <a:spAutoFit/>
-          </a:bodyPr>
-          <a:p>
-            <a:pPr algn="ctr"/>
-            <a:r>
-              <a:rPr lang="en-US" sz="1400" dirty="0"/>
-              <a:t>Continuous Deployment</a:t>
-            </a:r>
-            <a:endParaRPr lang="en-US" sz="1400" dirty="0"/>
-          </a:p>
-        </p:txBody>
-      </p:sp>
-      <p:cxnSp>
-        <p:nvCxnSpPr>
-          <p:cNvPr id="32" name="直接箭头连接符 31"/>
-          <p:cNvCxnSpPr/>
-          <p:nvPr/>
-        </p:nvCxnSpPr>
-        <p:spPr>
-          <a:xfrm flipH="1" flipV="1">
-            <a:off x="2905760" y="1371600"/>
-            <a:ext cx="969010" cy="15240"/>
-          </a:xfrm>
-          <a:prstGeom prst="straightConnector1">
-            <a:avLst/>
-          </a:prstGeom>
-          <a:ln>
-            <a:tailEnd type="arrow"/>
-          </a:ln>
-        </p:spPr>
-        <p:style>
-          <a:lnRef idx="1">
-            <a:schemeClr val="accent1"/>
-          </a:lnRef>
-          <a:fillRef idx="0">
-            <a:schemeClr val="accent1"/>
-          </a:fillRef>
-          <a:effectRef idx="0">
-            <a:schemeClr val="accent1"/>
-          </a:effectRef>
-          <a:fontRef idx="minor">
-            <a:schemeClr val="tx1"/>
-          </a:fontRef>
-        </p:style>
-      </p:cxnSp>
-      <p:sp>
-        <p:nvSpPr>
-          <p:cNvPr id="33" name="TextBox 15"/>
-          <p:cNvSpPr txBox="1"/>
-          <p:nvPr/>
-        </p:nvSpPr>
-        <p:spPr>
-          <a:xfrm>
-            <a:off x="2636671" y="1050232"/>
-            <a:ext cx="1506552" cy="306705"/>
-          </a:xfrm>
-          <a:prstGeom prst="rect">
-            <a:avLst/>
-          </a:prstGeom>
-          <a:noFill/>
-        </p:spPr>
-        <p:txBody>
-          <a:bodyPr wrap="square" rtlCol="0">
-            <a:spAutoFit/>
-          </a:bodyPr>
-          <a:p>
-            <a:pPr algn="ctr"/>
-            <a:r>
-              <a:rPr lang="en-US" sz="1400" dirty="0"/>
-              <a:t>pull</a:t>
-            </a:r>
-            <a:endParaRPr lang="en-US" sz="1400" dirty="0"/>
-          </a:p>
-        </p:txBody>
-      </p:sp>
+      <p:grpSp>
+        <p:nvGrpSpPr>
+          <p:cNvPr id="62" name="组合 61"/>
+          <p:cNvGrpSpPr/>
+          <p:nvPr/>
+        </p:nvGrpSpPr>
+        <p:grpSpPr>
+          <a:xfrm>
+            <a:off x="1367790" y="4112895"/>
+            <a:ext cx="8848725" cy="2233295"/>
+            <a:chOff x="2940" y="6477"/>
+            <a:chExt cx="13935" cy="3517"/>
+          </a:xfrm>
+        </p:grpSpPr>
+        <p:pic>
+          <p:nvPicPr>
+            <p:cNvPr id="12" name="图片 11" descr="Amazon-RDS_PostgreSQL_instance_light-bg@4x"/>
+            <p:cNvPicPr>
+              <a:picLocks noChangeAspect="1"/>
+            </p:cNvPicPr>
+            <p:nvPr/>
+          </p:nvPicPr>
+          <p:blipFill>
+            <a:blip r:embed="rId4"/>
+            <a:stretch>
+              <a:fillRect/>
+            </a:stretch>
+          </p:blipFill>
+          <p:spPr>
+            <a:xfrm>
+              <a:off x="3619" y="6477"/>
+              <a:ext cx="1000" cy="1000"/>
+            </a:xfrm>
+            <a:prstGeom prst="rect">
+              <a:avLst/>
+            </a:prstGeom>
+          </p:spPr>
+        </p:pic>
+        <p:sp>
+          <p:nvSpPr>
+            <p:cNvPr id="13" name="TextBox 15"/>
+            <p:cNvSpPr txBox="1"/>
+            <p:nvPr/>
+          </p:nvSpPr>
+          <p:spPr>
+            <a:xfrm>
+              <a:off x="2940" y="7477"/>
+              <a:ext cx="2373" cy="1016"/>
+            </a:xfrm>
+            <a:prstGeom prst="rect">
+              <a:avLst/>
+            </a:prstGeom>
+            <a:noFill/>
+          </p:spPr>
+          <p:txBody>
+            <a:bodyPr wrap="square" rtlCol="0">
+              <a:spAutoFit/>
+            </a:bodyPr>
+            <a:p>
+              <a:pPr algn="ctr"/>
+              <a:r>
+                <a:rPr lang="en-US" b="1" dirty="0"/>
+                <a:t>Local</a:t>
+              </a:r>
+              <a:endParaRPr lang="en-US" b="1" dirty="0"/>
+            </a:p>
+            <a:p>
+              <a:pPr algn="ctr"/>
+              <a:r>
+                <a:rPr lang="en-US" b="1" dirty="0"/>
+                <a:t>PostgreSQL </a:t>
+              </a:r>
+              <a:endParaRPr lang="en-US" b="1" dirty="0"/>
+            </a:p>
+          </p:txBody>
+        </p:sp>
+        <p:pic>
+          <p:nvPicPr>
+            <p:cNvPr id="47" name="图片 46" descr="Amazon-RDS_PostgreSQL_instance_light-bg@4x"/>
+            <p:cNvPicPr>
+              <a:picLocks noChangeAspect="1"/>
+            </p:cNvPicPr>
+            <p:nvPr/>
+          </p:nvPicPr>
+          <p:blipFill>
+            <a:blip r:embed="rId4"/>
+            <a:stretch>
+              <a:fillRect/>
+            </a:stretch>
+          </p:blipFill>
+          <p:spPr>
+            <a:xfrm>
+              <a:off x="9411" y="6477"/>
+              <a:ext cx="1000" cy="1000"/>
+            </a:xfrm>
+            <a:prstGeom prst="rect">
+              <a:avLst/>
+            </a:prstGeom>
+          </p:spPr>
+        </p:pic>
+        <p:sp>
+          <p:nvSpPr>
+            <p:cNvPr id="48" name="TextBox 15"/>
+            <p:cNvSpPr txBox="1"/>
+            <p:nvPr/>
+          </p:nvSpPr>
+          <p:spPr>
+            <a:xfrm>
+              <a:off x="8732" y="7477"/>
+              <a:ext cx="2373" cy="1016"/>
+            </a:xfrm>
+            <a:prstGeom prst="rect">
+              <a:avLst/>
+            </a:prstGeom>
+            <a:noFill/>
+          </p:spPr>
+          <p:txBody>
+            <a:bodyPr wrap="square" rtlCol="0">
+              <a:spAutoFit/>
+            </a:bodyPr>
+            <a:p>
+              <a:pPr algn="ctr"/>
+              <a:r>
+                <a:rPr lang="en-US" b="1" dirty="0"/>
+                <a:t>Local</a:t>
+              </a:r>
+              <a:endParaRPr lang="en-US" b="1" dirty="0"/>
+            </a:p>
+            <a:p>
+              <a:pPr algn="ctr"/>
+              <a:r>
+                <a:rPr lang="en-US" b="1" dirty="0"/>
+                <a:t>PostgreSQL </a:t>
+              </a:r>
+              <a:endParaRPr lang="en-US" b="1" dirty="0"/>
+            </a:p>
+          </p:txBody>
+        </p:sp>
+        <p:pic>
+          <p:nvPicPr>
+            <p:cNvPr id="53" name="图片 52" descr="Amazon-RDS_PostgreSQL_instance_light-bg@4x"/>
+            <p:cNvPicPr>
+              <a:picLocks noChangeAspect="1"/>
+            </p:cNvPicPr>
+            <p:nvPr/>
+          </p:nvPicPr>
+          <p:blipFill>
+            <a:blip r:embed="rId4"/>
+            <a:stretch>
+              <a:fillRect/>
+            </a:stretch>
+          </p:blipFill>
+          <p:spPr>
+            <a:xfrm>
+              <a:off x="15182" y="6477"/>
+              <a:ext cx="1000" cy="1000"/>
+            </a:xfrm>
+            <a:prstGeom prst="rect">
+              <a:avLst/>
+            </a:prstGeom>
+          </p:spPr>
+        </p:pic>
+        <p:sp>
+          <p:nvSpPr>
+            <p:cNvPr id="54" name="TextBox 15"/>
+            <p:cNvSpPr txBox="1"/>
+            <p:nvPr/>
+          </p:nvSpPr>
+          <p:spPr>
+            <a:xfrm>
+              <a:off x="14503" y="7477"/>
+              <a:ext cx="2373" cy="1016"/>
+            </a:xfrm>
+            <a:prstGeom prst="rect">
+              <a:avLst/>
+            </a:prstGeom>
+            <a:noFill/>
+          </p:spPr>
+          <p:txBody>
+            <a:bodyPr wrap="square" rtlCol="0">
+              <a:spAutoFit/>
+            </a:bodyPr>
+            <a:p>
+              <a:pPr algn="ctr"/>
+              <a:r>
+                <a:rPr lang="en-US" b="1" dirty="0"/>
+                <a:t>Local</a:t>
+              </a:r>
+              <a:endParaRPr lang="en-US" b="1" dirty="0"/>
+            </a:p>
+            <a:p>
+              <a:pPr algn="ctr"/>
+              <a:r>
+                <a:rPr lang="en-US" b="1" dirty="0"/>
+                <a:t>PostgreSQL </a:t>
+              </a:r>
+              <a:endParaRPr lang="en-US" b="1" dirty="0"/>
+            </a:p>
+          </p:txBody>
+        </p:sp>
+        <p:grpSp>
+          <p:nvGrpSpPr>
+            <p:cNvPr id="60" name="组合 59"/>
+            <p:cNvGrpSpPr/>
+            <p:nvPr/>
+          </p:nvGrpSpPr>
+          <p:grpSpPr>
+            <a:xfrm flipV="1">
+              <a:off x="4099" y="8416"/>
+              <a:ext cx="11582" cy="1062"/>
+              <a:chOff x="5670" y="2016"/>
+              <a:chExt cx="11582" cy="1062"/>
+            </a:xfrm>
+          </p:grpSpPr>
+          <p:cxnSp>
+            <p:nvCxnSpPr>
+              <p:cNvPr id="56" name="直接箭头连接符 55"/>
+              <p:cNvCxnSpPr/>
+              <p:nvPr/>
+            </p:nvCxnSpPr>
+            <p:spPr>
+              <a:xfrm>
+                <a:off x="17238" y="2016"/>
+                <a:ext cx="15" cy="1063"/>
+              </a:xfrm>
+              <a:prstGeom prst="straightConnector1">
+                <a:avLst/>
+              </a:prstGeom>
+              <a:ln w="38100">
+                <a:solidFill>
+                  <a:schemeClr val="accent1"/>
+                </a:solidFill>
+                <a:tailEnd type="arrow"/>
+              </a:ln>
+            </p:spPr>
+            <p:style>
+              <a:lnRef idx="1">
+                <a:schemeClr val="accent1"/>
+              </a:lnRef>
+              <a:fillRef idx="0">
+                <a:schemeClr val="accent1"/>
+              </a:fillRef>
+              <a:effectRef idx="0">
+                <a:schemeClr val="accent1"/>
+              </a:effectRef>
+              <a:fontRef idx="minor">
+                <a:schemeClr val="tx1"/>
+              </a:fontRef>
+            </p:style>
+          </p:cxnSp>
+          <p:cxnSp>
+            <p:nvCxnSpPr>
+              <p:cNvPr id="57" name="直接箭头连接符 56"/>
+              <p:cNvCxnSpPr/>
+              <p:nvPr/>
+            </p:nvCxnSpPr>
+            <p:spPr>
+              <a:xfrm>
+                <a:off x="11378" y="2030"/>
+                <a:ext cx="5" cy="1004"/>
+              </a:xfrm>
+              <a:prstGeom prst="straightConnector1">
+                <a:avLst/>
+              </a:prstGeom>
+              <a:ln w="38100">
+                <a:tailEnd type="arrow"/>
+              </a:ln>
+            </p:spPr>
+            <p:style>
+              <a:lnRef idx="1">
+                <a:schemeClr val="accent1"/>
+              </a:lnRef>
+              <a:fillRef idx="0">
+                <a:schemeClr val="accent1"/>
+              </a:fillRef>
+              <a:effectRef idx="0">
+                <a:schemeClr val="accent1"/>
+              </a:effectRef>
+              <a:fontRef idx="minor">
+                <a:schemeClr val="tx1"/>
+              </a:fontRef>
+            </p:style>
+          </p:cxnSp>
+          <p:cxnSp>
+            <p:nvCxnSpPr>
+              <p:cNvPr id="58" name="直接连接符 57"/>
+              <p:cNvCxnSpPr/>
+              <p:nvPr/>
+            </p:nvCxnSpPr>
+            <p:spPr>
+              <a:xfrm flipV="1">
+                <a:off x="5670" y="2031"/>
+                <a:ext cx="11583" cy="10"/>
+              </a:xfrm>
+              <a:prstGeom prst="line">
+                <a:avLst/>
+              </a:prstGeom>
+              <a:ln w="38100"/>
+            </p:spPr>
+            <p:style>
+              <a:lnRef idx="1">
+                <a:schemeClr val="accent1"/>
+              </a:lnRef>
+              <a:fillRef idx="0">
+                <a:schemeClr val="accent1"/>
+              </a:fillRef>
+              <a:effectRef idx="0">
+                <a:schemeClr val="accent1"/>
+              </a:effectRef>
+              <a:fontRef idx="minor">
+                <a:schemeClr val="tx1"/>
+              </a:fontRef>
+            </p:style>
+          </p:cxnSp>
+          <p:cxnSp>
+            <p:nvCxnSpPr>
+              <p:cNvPr id="59" name="直接箭头连接符 58"/>
+              <p:cNvCxnSpPr/>
+              <p:nvPr/>
+            </p:nvCxnSpPr>
+            <p:spPr>
+              <a:xfrm>
+                <a:off x="5705" y="2069"/>
+                <a:ext cx="5" cy="1004"/>
+              </a:xfrm>
+              <a:prstGeom prst="straightConnector1">
+                <a:avLst/>
+              </a:prstGeom>
+              <a:ln w="38100">
+                <a:tailEnd type="arrow"/>
+              </a:ln>
+            </p:spPr>
+            <p:style>
+              <a:lnRef idx="1">
+                <a:schemeClr val="accent1"/>
+              </a:lnRef>
+              <a:fillRef idx="0">
+                <a:schemeClr val="accent1"/>
+              </a:fillRef>
+              <a:effectRef idx="0">
+                <a:schemeClr val="accent1"/>
+              </a:effectRef>
+              <a:fontRef idx="minor">
+                <a:schemeClr val="tx1"/>
+              </a:fontRef>
+            </p:style>
+          </p:cxnSp>
+        </p:grpSp>
+        <p:sp>
+          <p:nvSpPr>
+            <p:cNvPr id="61" name="TextBox 15"/>
+            <p:cNvSpPr txBox="1"/>
+            <p:nvPr/>
+          </p:nvSpPr>
+          <p:spPr>
+            <a:xfrm>
+              <a:off x="8623" y="9464"/>
+              <a:ext cx="2373" cy="531"/>
+            </a:xfrm>
+            <a:prstGeom prst="rect">
+              <a:avLst/>
+            </a:prstGeom>
+            <a:noFill/>
+          </p:spPr>
+          <p:txBody>
+            <a:bodyPr wrap="square" rtlCol="0">
+              <a:spAutoFit/>
+            </a:bodyPr>
+            <a:p>
+              <a:pPr algn="ctr"/>
+              <a:r>
+                <a:rPr lang="en-US" sz="1600" b="1" dirty="0"/>
+                <a:t>replicate</a:t>
+              </a:r>
+              <a:endParaRPr lang="en-US" sz="1600" b="1" dirty="0"/>
+            </a:p>
+          </p:txBody>
+        </p:sp>
+      </p:grpSp>
     </p:spTree>
     <p:custDataLst>
-      <p:tags r:id="rId10"/>
+      <p:tags r:id="rId5"/>
     </p:custDataLst>
   </p:cSld>
   <p:clrMapOvr>
@@ -7463,34 +7896,42 @@
       <p:grpSpPr/>
       <p:sp>
         <p:nvSpPr>
-          <p:cNvPr id="5" name="矩形 4"/>
+          <p:cNvPr id="30" name="矩形 29"/>
           <p:cNvSpPr/>
           <p:nvPr/>
         </p:nvSpPr>
         <p:spPr>
           <a:xfrm>
-            <a:off x="6466205" y="780415"/>
-            <a:ext cx="5513070" cy="5939155"/>
-          </a:xfrm>
-          <a:prstGeom prst="rect">
-            <a:avLst/>
-          </a:prstGeom>
-          <a:ln w="12700">
+            <a:off x="215265" y="405765"/>
+            <a:ext cx="5234305" cy="6371590"/>
+          </a:xfrm>
+          <a:prstGeom prst="rect">
+            <a:avLst/>
+          </a:prstGeom>
+          <a:solidFill>
+            <a:schemeClr val="bg1"/>
+          </a:solidFill>
+          <a:ln w="38100">
+            <a:solidFill>
+              <a:schemeClr val="tx2"/>
+            </a:solidFill>
             <a:prstDash val="sysDot"/>
           </a:ln>
         </p:spPr>
         <p:style>
           <a:lnRef idx="2">
-            <a:schemeClr val="dk1"/>
+            <a:schemeClr val="accent1">
+              <a:shade val="50000"/>
+            </a:schemeClr>
           </a:lnRef>
           <a:fillRef idx="1">
-            <a:schemeClr val="lt1"/>
+            <a:schemeClr val="accent1"/>
           </a:fillRef>
           <a:effectRef idx="0">
-            <a:schemeClr val="dk1"/>
+            <a:schemeClr val="accent1"/>
           </a:effectRef>
           <a:fontRef idx="minor">
-            <a:schemeClr val="dk1"/>
+            <a:schemeClr val="lt1"/>
           </a:fontRef>
         </p:style>
         <p:txBody>
@@ -7503,34 +7944,39 @@
       </p:sp>
       <p:sp>
         <p:nvSpPr>
-          <p:cNvPr id="4" name="矩形 3"/>
+          <p:cNvPr id="6" name="矩形 5"/>
           <p:cNvSpPr/>
           <p:nvPr/>
         </p:nvSpPr>
         <p:spPr>
           <a:xfrm>
-            <a:off x="139700" y="780415"/>
-            <a:ext cx="5454015" cy="5939155"/>
-          </a:xfrm>
-          <a:prstGeom prst="rect">
-            <a:avLst/>
-          </a:prstGeom>
-          <a:ln w="12700">
+            <a:off x="387985" y="598805"/>
+            <a:ext cx="4888230" cy="1825625"/>
+          </a:xfrm>
+          <a:prstGeom prst="rect">
+            <a:avLst/>
+          </a:prstGeom>
+          <a:solidFill>
+            <a:srgbClr val="FFFFFF"/>
+          </a:solidFill>
+          <a:ln w="38100">
             <a:prstDash val="sysDot"/>
           </a:ln>
         </p:spPr>
         <p:style>
           <a:lnRef idx="2">
-            <a:schemeClr val="dk1"/>
+            <a:schemeClr val="accent1">
+              <a:shade val="50000"/>
+            </a:schemeClr>
           </a:lnRef>
           <a:fillRef idx="1">
-            <a:schemeClr val="lt1"/>
+            <a:schemeClr val="accent1"/>
           </a:fillRef>
           <a:effectRef idx="0">
-            <a:schemeClr val="dk1"/>
+            <a:schemeClr val="accent1"/>
           </a:effectRef>
           <a:fontRef idx="minor">
-            <a:schemeClr val="dk1"/>
+            <a:schemeClr val="lt1"/>
           </a:fontRef>
         </p:style>
         <p:txBody>
@@ -7543,14 +7989,14 @@
       </p:sp>
       <p:sp>
         <p:nvSpPr>
-          <p:cNvPr id="34" name="TextBox 15"/>
+          <p:cNvPr id="25" name="TextBox 15"/>
           <p:cNvSpPr txBox="1"/>
           <p:nvPr/>
         </p:nvSpPr>
         <p:spPr>
           <a:xfrm>
-            <a:off x="5284621" y="4058862"/>
-            <a:ext cx="1506552" cy="306705"/>
+            <a:off x="2079141" y="6292"/>
+            <a:ext cx="1506552" cy="398780"/>
           </a:xfrm>
           <a:prstGeom prst="rect">
             <a:avLst/>
@@ -7564,170 +8010,10 @@
           <a:p>
             <a:pPr algn="ctr"/>
             <a:r>
-              <a:rPr lang="en-US" sz="1400" dirty="0"/>
-              <a:t>replicate</a:t>
-            </a:r>
-            <a:endParaRPr lang="en-US" sz="1400" dirty="0"/>
-          </a:p>
-        </p:txBody>
-      </p:sp>
-      <p:sp>
-        <p:nvSpPr>
-          <p:cNvPr id="6" name="矩形 5"/>
-          <p:cNvSpPr/>
-          <p:nvPr/>
-        </p:nvSpPr>
-        <p:spPr>
-          <a:xfrm>
-            <a:off x="6630035" y="4003040"/>
-            <a:ext cx="5185410" cy="2585720"/>
-          </a:xfrm>
-          <a:prstGeom prst="rect">
-            <a:avLst/>
-          </a:prstGeom>
-          <a:ln w="12700">
-            <a:prstDash val="sysDot"/>
-          </a:ln>
-        </p:spPr>
-        <p:style>
-          <a:lnRef idx="2">
-            <a:schemeClr val="dk1"/>
-          </a:lnRef>
-          <a:fillRef idx="1">
-            <a:schemeClr val="lt1"/>
-          </a:fillRef>
-          <a:effectRef idx="0">
-            <a:schemeClr val="dk1"/>
-          </a:effectRef>
-          <a:fontRef idx="minor">
-            <a:schemeClr val="dk1"/>
-          </a:fontRef>
-        </p:style>
-        <p:txBody>
-          <a:bodyPr rtlCol="0" anchor="ctr"/>
-          <a:p>
-            <a:pPr algn="ctr"/>
-            <a:endParaRPr lang="zh-CN" altLang="en-US"/>
-          </a:p>
-        </p:txBody>
-      </p:sp>
-      <p:sp>
-        <p:nvSpPr>
-          <p:cNvPr id="7" name="矩形 6"/>
-          <p:cNvSpPr/>
-          <p:nvPr/>
-        </p:nvSpPr>
-        <p:spPr>
-          <a:xfrm>
-            <a:off x="6630035" y="943610"/>
-            <a:ext cx="5185410" cy="2794000"/>
-          </a:xfrm>
-          <a:prstGeom prst="rect">
-            <a:avLst/>
-          </a:prstGeom>
-          <a:ln w="12700">
-            <a:prstDash val="sysDot"/>
-          </a:ln>
-        </p:spPr>
-        <p:style>
-          <a:lnRef idx="2">
-            <a:schemeClr val="dk1"/>
-          </a:lnRef>
-          <a:fillRef idx="1">
-            <a:schemeClr val="lt1"/>
-          </a:fillRef>
-          <a:effectRef idx="0">
-            <a:schemeClr val="dk1"/>
-          </a:effectRef>
-          <a:fontRef idx="minor">
-            <a:schemeClr val="dk1"/>
-          </a:fontRef>
-        </p:style>
-        <p:txBody>
-          <a:bodyPr rtlCol="0" anchor="ctr"/>
-          <a:p>
-            <a:pPr algn="ctr"/>
-            <a:endParaRPr lang="zh-CN" altLang="en-US"/>
-          </a:p>
-        </p:txBody>
-      </p:sp>
-      <p:sp>
-        <p:nvSpPr>
-          <p:cNvPr id="8" name="矩形 7"/>
-          <p:cNvSpPr/>
-          <p:nvPr/>
-        </p:nvSpPr>
-        <p:spPr>
-          <a:xfrm>
-            <a:off x="273685" y="4003040"/>
-            <a:ext cx="5185410" cy="2585720"/>
-          </a:xfrm>
-          <a:prstGeom prst="rect">
-            <a:avLst/>
-          </a:prstGeom>
-          <a:ln w="12700">
-            <a:prstDash val="sysDot"/>
-          </a:ln>
-        </p:spPr>
-        <p:style>
-          <a:lnRef idx="2">
-            <a:schemeClr val="dk1"/>
-          </a:lnRef>
-          <a:fillRef idx="1">
-            <a:schemeClr val="lt1"/>
-          </a:fillRef>
-          <a:effectRef idx="0">
-            <a:schemeClr val="dk1"/>
-          </a:effectRef>
-          <a:fontRef idx="minor">
-            <a:schemeClr val="dk1"/>
-          </a:fontRef>
-        </p:style>
-        <p:txBody>
-          <a:bodyPr rtlCol="0" anchor="ctr"/>
-          <a:p>
-            <a:pPr algn="ctr"/>
-            <a:endParaRPr lang="zh-CN" altLang="en-US"/>
-          </a:p>
-        </p:txBody>
-      </p:sp>
-      <p:sp>
-        <p:nvSpPr>
-          <p:cNvPr id="9" name="矩形 8"/>
-          <p:cNvSpPr/>
-          <p:nvPr/>
-        </p:nvSpPr>
-        <p:spPr>
-          <a:xfrm>
-            <a:off x="273685" y="943610"/>
-            <a:ext cx="5185410" cy="2794000"/>
-          </a:xfrm>
-          <a:prstGeom prst="rect">
-            <a:avLst/>
-          </a:prstGeom>
-          <a:ln w="12700">
-            <a:prstDash val="sysDot"/>
-          </a:ln>
-        </p:spPr>
-        <p:style>
-          <a:lnRef idx="2">
-            <a:schemeClr val="dk1"/>
-          </a:lnRef>
-          <a:fillRef idx="1">
-            <a:schemeClr val="lt1"/>
-          </a:fillRef>
-          <a:effectRef idx="0">
-            <a:schemeClr val="dk1"/>
-          </a:effectRef>
-          <a:fontRef idx="minor">
-            <a:schemeClr val="dk1"/>
-          </a:fontRef>
-        </p:style>
-        <p:txBody>
-          <a:bodyPr rtlCol="0" anchor="ctr"/>
-          <a:p>
-            <a:pPr algn="ctr"/>
-            <a:endParaRPr lang="zh-CN" altLang="en-US"/>
+              <a:rPr lang="en-US" sz="2000" b="1" dirty="0"/>
+              <a:t>Intranet</a:t>
+            </a:r>
+            <a:endParaRPr lang="en-US" sz="2000" b="1" dirty="0"/>
           </a:p>
         </p:txBody>
       </p:sp>
@@ -7739,8 +8025,8 @@
         </p:nvSpPr>
         <p:spPr>
           <a:xfrm>
-            <a:off x="2112796" y="215842"/>
-            <a:ext cx="1506552" cy="306705"/>
+            <a:off x="8580906" y="6927"/>
+            <a:ext cx="1506552" cy="398780"/>
           </a:xfrm>
           <a:prstGeom prst="rect">
             <a:avLst/>
@@ -7754,23 +8040,23 @@
           <a:p>
             <a:pPr algn="ctr"/>
             <a:r>
-              <a:rPr lang="en-US" sz="1400" dirty="0"/>
-              <a:t>intranet</a:t>
-            </a:r>
-            <a:endParaRPr lang="en-US" sz="1400" dirty="0"/>
-          </a:p>
-        </p:txBody>
-      </p:sp>
-      <p:sp>
-        <p:nvSpPr>
-          <p:cNvPr id="11" name="TextBox 15"/>
+              <a:rPr lang="en-US" sz="2000" b="1" dirty="0"/>
+              <a:t>Internet</a:t>
+            </a:r>
+            <a:endParaRPr lang="en-US" sz="2000" b="1" dirty="0"/>
+          </a:p>
+        </p:txBody>
+      </p:sp>
+      <p:sp>
+        <p:nvSpPr>
+          <p:cNvPr id="33" name="TextBox 15"/>
           <p:cNvSpPr txBox="1"/>
           <p:nvPr/>
         </p:nvSpPr>
         <p:spPr>
           <a:xfrm>
-            <a:off x="8469146" y="215842"/>
-            <a:ext cx="1506552" cy="306705"/>
+            <a:off x="388136" y="605732"/>
+            <a:ext cx="1506552" cy="337185"/>
           </a:xfrm>
           <a:prstGeom prst="rect">
             <a:avLst/>
@@ -7782,25 +8068,25 @@
             <a:spAutoFit/>
           </a:bodyPr>
           <a:p>
-            <a:pPr algn="ctr"/>
-            <a:r>
-              <a:rPr lang="en-US" sz="1400" dirty="0"/>
-              <a:t>internet</a:t>
-            </a:r>
-            <a:endParaRPr lang="en-US" sz="1400" dirty="0"/>
-          </a:p>
-        </p:txBody>
-      </p:sp>
-      <p:sp>
-        <p:nvSpPr>
-          <p:cNvPr id="13" name="TextBox 15"/>
+            <a:pPr algn="l"/>
+            <a:r>
+              <a:rPr lang="en-US" sz="1600" b="1" dirty="0"/>
+              <a:t>Shenzhen</a:t>
+            </a:r>
+            <a:endParaRPr lang="en-US" sz="1600" b="1" dirty="0"/>
+          </a:p>
+        </p:txBody>
+      </p:sp>
+      <p:sp>
+        <p:nvSpPr>
+          <p:cNvPr id="17" name="TextBox 15"/>
           <p:cNvSpPr txBox="1"/>
           <p:nvPr/>
         </p:nvSpPr>
         <p:spPr>
           <a:xfrm>
-            <a:off x="139851" y="1050232"/>
-            <a:ext cx="1506552" cy="306705"/>
+            <a:off x="3803801" y="1625542"/>
+            <a:ext cx="1506552" cy="368300"/>
           </a:xfrm>
           <a:prstGeom prst="rect">
             <a:avLst/>
@@ -7814,76 +8100,16 @@
           <a:p>
             <a:pPr algn="ctr"/>
             <a:r>
-              <a:rPr lang="en-US" sz="1400" dirty="0"/>
-              <a:t>Shenzhen</a:t>
-            </a:r>
-            <a:endParaRPr lang="en-US" sz="1400" dirty="0"/>
-          </a:p>
-        </p:txBody>
-      </p:sp>
-      <p:sp>
-        <p:nvSpPr>
-          <p:cNvPr id="15" name="TextBox 15"/>
-          <p:cNvSpPr txBox="1"/>
-          <p:nvPr/>
-        </p:nvSpPr>
-        <p:spPr>
-          <a:xfrm>
-            <a:off x="10598301" y="4091882"/>
-            <a:ext cx="1506552" cy="306705"/>
-          </a:xfrm>
-          <a:prstGeom prst="rect">
-            <a:avLst/>
-          </a:prstGeom>
-          <a:noFill/>
-        </p:spPr>
-        <p:txBody>
-          <a:bodyPr wrap="square" rtlCol="0">
-            <a:spAutoFit/>
-          </a:bodyPr>
-          <a:p>
-            <a:pPr algn="ctr"/>
-            <a:r>
-              <a:rPr lang="en-US" sz="1400" dirty="0"/>
-              <a:t>Region 1</a:t>
-            </a:r>
-            <a:endParaRPr lang="en-US" sz="1400" dirty="0"/>
-          </a:p>
-        </p:txBody>
-      </p:sp>
-      <p:sp>
-        <p:nvSpPr>
-          <p:cNvPr id="16" name="TextBox 15"/>
-          <p:cNvSpPr txBox="1"/>
-          <p:nvPr/>
-        </p:nvSpPr>
-        <p:spPr>
-          <a:xfrm>
-            <a:off x="10472571" y="1050232"/>
-            <a:ext cx="1506552" cy="306705"/>
-          </a:xfrm>
-          <a:prstGeom prst="rect">
-            <a:avLst/>
-          </a:prstGeom>
-          <a:noFill/>
-        </p:spPr>
-        <p:txBody>
-          <a:bodyPr wrap="square" rtlCol="0">
-            <a:spAutoFit/>
-          </a:bodyPr>
-          <a:p>
-            <a:pPr algn="ctr"/>
-            <a:r>
-              <a:rPr lang="en-US" sz="1400" dirty="0"/>
-              <a:t>Region N</a:t>
-            </a:r>
-            <a:endParaRPr lang="en-US" sz="1400" dirty="0"/>
+              <a:rPr lang="en-US" b="1" dirty="0"/>
+              <a:t>Harbor</a:t>
+            </a:r>
+            <a:endParaRPr lang="en-US" b="1" dirty="0"/>
           </a:p>
         </p:txBody>
       </p:sp>
       <p:pic>
         <p:nvPicPr>
-          <p:cNvPr id="17" name="图片 16" descr="Amazon-EC2_Instance_light-bg@4x"/>
+          <p:cNvPr id="20" name="图片 19" descr="Amazon-EC2_Instance_light-bg@4x"/>
           <p:cNvPicPr>
             <a:picLocks noChangeAspect="1"/>
           </p:cNvPicPr>
@@ -7897,7 +8123,7 @@
         </p:blipFill>
         <p:spPr>
           <a:xfrm>
-            <a:off x="4508500" y="4093210"/>
+            <a:off x="4239260" y="1035050"/>
             <a:ext cx="635000" cy="635000"/>
           </a:xfrm>
           <a:prstGeom prst="rect">
@@ -7907,14 +8133,14 @@
       </p:pic>
       <p:sp>
         <p:nvSpPr>
-          <p:cNvPr id="18" name="TextBox 15"/>
+          <p:cNvPr id="29" name="TextBox 15"/>
           <p:cNvSpPr txBox="1"/>
           <p:nvPr/>
         </p:nvSpPr>
         <p:spPr>
           <a:xfrm>
-            <a:off x="4073041" y="4728152"/>
-            <a:ext cx="1506552" cy="306705"/>
+            <a:off x="1688465" y="1063625"/>
+            <a:ext cx="2266315" cy="368300"/>
           </a:xfrm>
           <a:prstGeom prst="rect">
             <a:avLst/>
@@ -7928,16 +8154,2497 @@
           <a:p>
             <a:pPr algn="ctr"/>
             <a:r>
-              <a:rPr lang="en-US" sz="1400" dirty="0"/>
+              <a:rPr lang="en-US" b="1" dirty="0"/>
+              <a:t>Local S3</a:t>
+            </a:r>
+            <a:endParaRPr lang="en-US" b="1" dirty="0"/>
+          </a:p>
+        </p:txBody>
+      </p:sp>
+      <p:sp>
+        <p:nvSpPr>
+          <p:cNvPr id="31" name="矩形 30"/>
+          <p:cNvSpPr/>
+          <p:nvPr/>
+        </p:nvSpPr>
+        <p:spPr>
+          <a:xfrm>
+            <a:off x="387985" y="2683510"/>
+            <a:ext cx="4888230" cy="1816735"/>
+          </a:xfrm>
+          <a:prstGeom prst="rect">
+            <a:avLst/>
+          </a:prstGeom>
+          <a:solidFill>
+            <a:srgbClr val="FFFFFF"/>
+          </a:solidFill>
+          <a:ln w="38100">
+            <a:prstDash val="sysDot"/>
+          </a:ln>
+        </p:spPr>
+        <p:style>
+          <a:lnRef idx="2">
+            <a:schemeClr val="accent1">
+              <a:shade val="50000"/>
+            </a:schemeClr>
+          </a:lnRef>
+          <a:fillRef idx="1">
+            <a:schemeClr val="accent1"/>
+          </a:fillRef>
+          <a:effectRef idx="0">
+            <a:schemeClr val="accent1"/>
+          </a:effectRef>
+          <a:fontRef idx="minor">
+            <a:schemeClr val="lt1"/>
+          </a:fontRef>
+        </p:style>
+        <p:txBody>
+          <a:bodyPr rtlCol="0" anchor="ctr"/>
+          <a:p>
+            <a:pPr algn="ctr"/>
+            <a:endParaRPr lang="zh-CN" altLang="en-US"/>
+          </a:p>
+        </p:txBody>
+      </p:sp>
+      <p:sp>
+        <p:nvSpPr>
+          <p:cNvPr id="32" name="矩形 31"/>
+          <p:cNvSpPr/>
+          <p:nvPr/>
+        </p:nvSpPr>
+        <p:spPr>
+          <a:xfrm>
+            <a:off x="387985" y="4777740"/>
+            <a:ext cx="4888230" cy="1816735"/>
+          </a:xfrm>
+          <a:prstGeom prst="rect">
+            <a:avLst/>
+          </a:prstGeom>
+          <a:solidFill>
+            <a:srgbClr val="FFFFFF"/>
+          </a:solidFill>
+          <a:ln w="38100">
+            <a:prstDash val="sysDot"/>
+          </a:ln>
+        </p:spPr>
+        <p:style>
+          <a:lnRef idx="2">
+            <a:schemeClr val="accent1">
+              <a:shade val="50000"/>
+            </a:schemeClr>
+          </a:lnRef>
+          <a:fillRef idx="1">
+            <a:schemeClr val="accent1"/>
+          </a:fillRef>
+          <a:effectRef idx="0">
+            <a:schemeClr val="accent1"/>
+          </a:effectRef>
+          <a:fontRef idx="minor">
+            <a:schemeClr val="lt1"/>
+          </a:fontRef>
+        </p:style>
+        <p:txBody>
+          <a:bodyPr rtlCol="0" anchor="ctr"/>
+          <a:p>
+            <a:pPr algn="ctr"/>
+            <a:endParaRPr lang="zh-CN" altLang="en-US"/>
+          </a:p>
+        </p:txBody>
+      </p:sp>
+      <p:sp>
+        <p:nvSpPr>
+          <p:cNvPr id="35" name="矩形 34"/>
+          <p:cNvSpPr/>
+          <p:nvPr/>
+        </p:nvSpPr>
+        <p:spPr>
+          <a:xfrm>
+            <a:off x="6717030" y="405130"/>
+            <a:ext cx="5234305" cy="6371590"/>
+          </a:xfrm>
+          <a:prstGeom prst="rect">
+            <a:avLst/>
+          </a:prstGeom>
+          <a:solidFill>
+            <a:schemeClr val="bg1"/>
+          </a:solidFill>
+          <a:ln w="38100">
+            <a:solidFill>
+              <a:schemeClr val="tx2"/>
+            </a:solidFill>
+            <a:prstDash val="sysDot"/>
+          </a:ln>
+        </p:spPr>
+        <p:style>
+          <a:lnRef idx="2">
+            <a:schemeClr val="accent1">
+              <a:shade val="50000"/>
+            </a:schemeClr>
+          </a:lnRef>
+          <a:fillRef idx="1">
+            <a:schemeClr val="accent1"/>
+          </a:fillRef>
+          <a:effectRef idx="0">
+            <a:schemeClr val="accent1"/>
+          </a:effectRef>
+          <a:fontRef idx="minor">
+            <a:schemeClr val="lt1"/>
+          </a:fontRef>
+        </p:style>
+        <p:txBody>
+          <a:bodyPr rtlCol="0" anchor="ctr"/>
+          <a:p>
+            <a:pPr algn="ctr"/>
+            <a:endParaRPr lang="zh-CN" altLang="en-US"/>
+          </a:p>
+        </p:txBody>
+      </p:sp>
+      <p:sp>
+        <p:nvSpPr>
+          <p:cNvPr id="36" name="矩形 35"/>
+          <p:cNvSpPr/>
+          <p:nvPr/>
+        </p:nvSpPr>
+        <p:spPr>
+          <a:xfrm>
+            <a:off x="6889750" y="598805"/>
+            <a:ext cx="4888230" cy="1825625"/>
+          </a:xfrm>
+          <a:prstGeom prst="rect">
+            <a:avLst/>
+          </a:prstGeom>
+          <a:solidFill>
+            <a:srgbClr val="FFFFFF"/>
+          </a:solidFill>
+          <a:ln w="38100">
+            <a:prstDash val="sysDot"/>
+          </a:ln>
+        </p:spPr>
+        <p:style>
+          <a:lnRef idx="2">
+            <a:schemeClr val="accent1">
+              <a:shade val="50000"/>
+            </a:schemeClr>
+          </a:lnRef>
+          <a:fillRef idx="1">
+            <a:schemeClr val="accent1"/>
+          </a:fillRef>
+          <a:effectRef idx="0">
+            <a:schemeClr val="accent1"/>
+          </a:effectRef>
+          <a:fontRef idx="minor">
+            <a:schemeClr val="lt1"/>
+          </a:fontRef>
+        </p:style>
+        <p:txBody>
+          <a:bodyPr rtlCol="0" anchor="ctr"/>
+          <a:p>
+            <a:pPr algn="ctr"/>
+            <a:endParaRPr lang="zh-CN" altLang="en-US"/>
+          </a:p>
+        </p:txBody>
+      </p:sp>
+      <p:sp>
+        <p:nvSpPr>
+          <p:cNvPr id="37" name="矩形 36"/>
+          <p:cNvSpPr/>
+          <p:nvPr/>
+        </p:nvSpPr>
+        <p:spPr>
+          <a:xfrm>
+            <a:off x="6889750" y="2682875"/>
+            <a:ext cx="4888230" cy="1816735"/>
+          </a:xfrm>
+          <a:prstGeom prst="rect">
+            <a:avLst/>
+          </a:prstGeom>
+          <a:solidFill>
+            <a:srgbClr val="FFFFFF"/>
+          </a:solidFill>
+          <a:ln w="38100">
+            <a:prstDash val="sysDot"/>
+          </a:ln>
+        </p:spPr>
+        <p:style>
+          <a:lnRef idx="2">
+            <a:schemeClr val="accent1">
+              <a:shade val="50000"/>
+            </a:schemeClr>
+          </a:lnRef>
+          <a:fillRef idx="1">
+            <a:schemeClr val="accent1"/>
+          </a:fillRef>
+          <a:effectRef idx="0">
+            <a:schemeClr val="accent1"/>
+          </a:effectRef>
+          <a:fontRef idx="minor">
+            <a:schemeClr val="lt1"/>
+          </a:fontRef>
+        </p:style>
+        <p:txBody>
+          <a:bodyPr rtlCol="0" anchor="ctr"/>
+          <a:p>
+            <a:pPr algn="ctr"/>
+            <a:endParaRPr lang="zh-CN" altLang="en-US"/>
+          </a:p>
+        </p:txBody>
+      </p:sp>
+      <p:sp>
+        <p:nvSpPr>
+          <p:cNvPr id="38" name="矩形 37"/>
+          <p:cNvSpPr/>
+          <p:nvPr/>
+        </p:nvSpPr>
+        <p:spPr>
+          <a:xfrm>
+            <a:off x="6889750" y="4777105"/>
+            <a:ext cx="4888230" cy="1816735"/>
+          </a:xfrm>
+          <a:prstGeom prst="rect">
+            <a:avLst/>
+          </a:prstGeom>
+          <a:solidFill>
+            <a:srgbClr val="FFFFFF"/>
+          </a:solidFill>
+          <a:ln w="38100">
+            <a:prstDash val="sysDot"/>
+          </a:ln>
+        </p:spPr>
+        <p:style>
+          <a:lnRef idx="2">
+            <a:schemeClr val="accent1">
+              <a:shade val="50000"/>
+            </a:schemeClr>
+          </a:lnRef>
+          <a:fillRef idx="1">
+            <a:schemeClr val="accent1"/>
+          </a:fillRef>
+          <a:effectRef idx="0">
+            <a:schemeClr val="accent1"/>
+          </a:effectRef>
+          <a:fontRef idx="minor">
+            <a:schemeClr val="lt1"/>
+          </a:fontRef>
+        </p:style>
+        <p:txBody>
+          <a:bodyPr rtlCol="0" anchor="ctr"/>
+          <a:p>
+            <a:pPr algn="ctr"/>
+            <a:endParaRPr lang="zh-CN" altLang="en-US"/>
+          </a:p>
+        </p:txBody>
+      </p:sp>
+      <p:sp>
+        <p:nvSpPr>
+          <p:cNvPr id="39" name="TextBox 15"/>
+          <p:cNvSpPr txBox="1"/>
+          <p:nvPr/>
+        </p:nvSpPr>
+        <p:spPr>
+          <a:xfrm>
+            <a:off x="388136" y="2682817"/>
+            <a:ext cx="1506552" cy="337185"/>
+          </a:xfrm>
+          <a:prstGeom prst="rect">
+            <a:avLst/>
+          </a:prstGeom>
+          <a:noFill/>
+        </p:spPr>
+        <p:txBody>
+          <a:bodyPr wrap="square" rtlCol="0">
+            <a:spAutoFit/>
+          </a:bodyPr>
+          <a:p>
+            <a:pPr algn="l"/>
+            <a:r>
+              <a:rPr lang="en-US" sz="1600" b="1" dirty="0"/>
+              <a:t>Beijing</a:t>
+            </a:r>
+            <a:endParaRPr lang="en-US" sz="1600" b="1" dirty="0"/>
+          </a:p>
+        </p:txBody>
+      </p:sp>
+      <p:sp>
+        <p:nvSpPr>
+          <p:cNvPr id="40" name="TextBox 15"/>
+          <p:cNvSpPr txBox="1"/>
+          <p:nvPr/>
+        </p:nvSpPr>
+        <p:spPr>
+          <a:xfrm>
+            <a:off x="388136" y="4777682"/>
+            <a:ext cx="1506552" cy="337185"/>
+          </a:xfrm>
+          <a:prstGeom prst="rect">
+            <a:avLst/>
+          </a:prstGeom>
+          <a:noFill/>
+        </p:spPr>
+        <p:txBody>
+          <a:bodyPr wrap="square" rtlCol="0">
+            <a:spAutoFit/>
+          </a:bodyPr>
+          <a:p>
+            <a:pPr algn="l"/>
+            <a:r>
+              <a:rPr lang="en-US" sz="1600" b="1" dirty="0"/>
+              <a:t>Dalian</a:t>
+            </a:r>
+            <a:endParaRPr lang="en-US" sz="1600" b="1" dirty="0"/>
+          </a:p>
+        </p:txBody>
+      </p:sp>
+      <p:sp>
+        <p:nvSpPr>
+          <p:cNvPr id="41" name="TextBox 15"/>
+          <p:cNvSpPr txBox="1"/>
+          <p:nvPr/>
+        </p:nvSpPr>
+        <p:spPr>
+          <a:xfrm>
+            <a:off x="10271276" y="599382"/>
+            <a:ext cx="1506552" cy="337185"/>
+          </a:xfrm>
+          <a:prstGeom prst="rect">
+            <a:avLst/>
+          </a:prstGeom>
+          <a:noFill/>
+        </p:spPr>
+        <p:txBody>
+          <a:bodyPr wrap="square" rtlCol="0">
+            <a:spAutoFit/>
+          </a:bodyPr>
+          <a:p>
+            <a:pPr algn="r"/>
+            <a:r>
+              <a:rPr lang="en-US" sz="1600" b="1" dirty="0"/>
+              <a:t>Region 2</a:t>
+            </a:r>
+            <a:endParaRPr lang="en-US" sz="1600" b="1" dirty="0"/>
+          </a:p>
+        </p:txBody>
+      </p:sp>
+      <p:sp>
+        <p:nvSpPr>
+          <p:cNvPr id="42" name="TextBox 15"/>
+          <p:cNvSpPr txBox="1"/>
+          <p:nvPr/>
+        </p:nvSpPr>
+        <p:spPr>
+          <a:xfrm>
+            <a:off x="10271276" y="2682817"/>
+            <a:ext cx="1506552" cy="337185"/>
+          </a:xfrm>
+          <a:prstGeom prst="rect">
+            <a:avLst/>
+          </a:prstGeom>
+          <a:noFill/>
+        </p:spPr>
+        <p:txBody>
+          <a:bodyPr wrap="square" rtlCol="0">
+            <a:spAutoFit/>
+          </a:bodyPr>
+          <a:p>
+            <a:pPr algn="r"/>
+            <a:r>
+              <a:rPr lang="en-US" sz="1600" b="1" dirty="0"/>
+              <a:t>Region 1</a:t>
+            </a:r>
+            <a:endParaRPr lang="en-US" sz="1600" b="1" dirty="0"/>
+          </a:p>
+        </p:txBody>
+      </p:sp>
+      <p:sp>
+        <p:nvSpPr>
+          <p:cNvPr id="43" name="TextBox 15"/>
+          <p:cNvSpPr txBox="1"/>
+          <p:nvPr/>
+        </p:nvSpPr>
+        <p:spPr>
+          <a:xfrm>
+            <a:off x="10271276" y="4777682"/>
+            <a:ext cx="1506552" cy="337185"/>
+          </a:xfrm>
+          <a:prstGeom prst="rect">
+            <a:avLst/>
+          </a:prstGeom>
+          <a:noFill/>
+        </p:spPr>
+        <p:txBody>
+          <a:bodyPr wrap="square" rtlCol="0">
+            <a:spAutoFit/>
+          </a:bodyPr>
+          <a:p>
+            <a:pPr algn="r"/>
+            <a:r>
+              <a:rPr lang="en-US" sz="1600" b="1" dirty="0"/>
+              <a:t>Region N</a:t>
+            </a:r>
+            <a:endParaRPr lang="en-US" sz="1600" b="1" dirty="0"/>
+          </a:p>
+        </p:txBody>
+      </p:sp>
+      <p:sp>
+        <p:nvSpPr>
+          <p:cNvPr id="44" name="TextBox 15"/>
+          <p:cNvSpPr txBox="1"/>
+          <p:nvPr/>
+        </p:nvSpPr>
+        <p:spPr>
+          <a:xfrm>
+            <a:off x="3803801" y="3536257"/>
+            <a:ext cx="1506552" cy="368300"/>
+          </a:xfrm>
+          <a:prstGeom prst="rect">
+            <a:avLst/>
+          </a:prstGeom>
+          <a:noFill/>
+        </p:spPr>
+        <p:txBody>
+          <a:bodyPr wrap="square" rtlCol="0">
+            <a:spAutoFit/>
+          </a:bodyPr>
+          <a:p>
+            <a:pPr algn="ctr"/>
+            <a:r>
+              <a:rPr lang="en-US" b="1" dirty="0"/>
               <a:t>Harbor</a:t>
             </a:r>
-            <a:endParaRPr lang="en-US" sz="1400" dirty="0"/>
+            <a:endParaRPr lang="en-US" b="1" dirty="0"/>
           </a:p>
         </p:txBody>
       </p:sp>
       <p:pic>
         <p:nvPicPr>
-          <p:cNvPr id="19" name="图片 18"/>
+          <p:cNvPr id="45" name="图片 44" descr="Amazon-EC2_Instance_light-bg@4x"/>
+          <p:cNvPicPr>
+            <a:picLocks noChangeAspect="1"/>
+          </p:cNvPicPr>
+          <p:nvPr/>
+        </p:nvPicPr>
+        <p:blipFill>
+          <a:blip r:embed="rId1"/>
+          <a:stretch>
+            <a:fillRect/>
+          </a:stretch>
+        </p:blipFill>
+        <p:spPr>
+          <a:xfrm>
+            <a:off x="4239260" y="2945765"/>
+            <a:ext cx="635000" cy="635000"/>
+          </a:xfrm>
+          <a:prstGeom prst="rect">
+            <a:avLst/>
+          </a:prstGeom>
+        </p:spPr>
+      </p:pic>
+      <p:sp>
+        <p:nvSpPr>
+          <p:cNvPr id="46" name="TextBox 15"/>
+          <p:cNvSpPr txBox="1"/>
+          <p:nvPr/>
+        </p:nvSpPr>
+        <p:spPr>
+          <a:xfrm>
+            <a:off x="3803801" y="5870517"/>
+            <a:ext cx="1506552" cy="368300"/>
+          </a:xfrm>
+          <a:prstGeom prst="rect">
+            <a:avLst/>
+          </a:prstGeom>
+          <a:noFill/>
+        </p:spPr>
+        <p:txBody>
+          <a:bodyPr wrap="square" rtlCol="0">
+            <a:spAutoFit/>
+          </a:bodyPr>
+          <a:p>
+            <a:pPr algn="ctr"/>
+            <a:r>
+              <a:rPr lang="en-US" b="1" dirty="0"/>
+              <a:t>Harbor</a:t>
+            </a:r>
+            <a:endParaRPr lang="en-US" b="1" dirty="0"/>
+          </a:p>
+        </p:txBody>
+      </p:sp>
+      <p:pic>
+        <p:nvPicPr>
+          <p:cNvPr id="47" name="图片 46" descr="Amazon-EC2_Instance_light-bg@4x"/>
+          <p:cNvPicPr>
+            <a:picLocks noChangeAspect="1"/>
+          </p:cNvPicPr>
+          <p:nvPr/>
+        </p:nvPicPr>
+        <p:blipFill>
+          <a:blip r:embed="rId1"/>
+          <a:stretch>
+            <a:fillRect/>
+          </a:stretch>
+        </p:blipFill>
+        <p:spPr>
+          <a:xfrm>
+            <a:off x="4239260" y="5280025"/>
+            <a:ext cx="635000" cy="635000"/>
+          </a:xfrm>
+          <a:prstGeom prst="rect">
+            <a:avLst/>
+          </a:prstGeom>
+        </p:spPr>
+      </p:pic>
+      <p:pic>
+        <p:nvPicPr>
+          <p:cNvPr id="34" name="图片 33" descr="Amazon-EC2_Instances_light-bg@4x"/>
+          <p:cNvPicPr>
+            <a:picLocks noChangeAspect="1"/>
+          </p:cNvPicPr>
+          <p:nvPr/>
+        </p:nvPicPr>
+        <p:blipFill>
+          <a:blip r:embed="rId2"/>
+          <a:stretch>
+            <a:fillRect/>
+          </a:stretch>
+        </p:blipFill>
+        <p:spPr>
+          <a:xfrm>
+            <a:off x="7473950" y="2976245"/>
+            <a:ext cx="635000" cy="635000"/>
+          </a:xfrm>
+          <a:prstGeom prst="rect">
+            <a:avLst/>
+          </a:prstGeom>
+        </p:spPr>
+      </p:pic>
+      <p:sp>
+        <p:nvSpPr>
+          <p:cNvPr id="48" name="TextBox 15"/>
+          <p:cNvSpPr txBox="1"/>
+          <p:nvPr/>
+        </p:nvSpPr>
+        <p:spPr>
+          <a:xfrm>
+            <a:off x="6343650" y="3550285"/>
+            <a:ext cx="2903855" cy="368300"/>
+          </a:xfrm>
+          <a:prstGeom prst="rect">
+            <a:avLst/>
+          </a:prstGeom>
+          <a:noFill/>
+        </p:spPr>
+        <p:txBody>
+          <a:bodyPr wrap="square" rtlCol="0">
+            <a:spAutoFit/>
+          </a:bodyPr>
+          <a:p>
+            <a:pPr algn="ctr"/>
+            <a:r>
+              <a:rPr lang="en-US" b="1" dirty="0"/>
+              <a:t>   HA Harbor</a:t>
+            </a:r>
+            <a:endParaRPr lang="en-US" b="1" dirty="0"/>
+          </a:p>
+        </p:txBody>
+      </p:sp>
+      <p:pic>
+        <p:nvPicPr>
+          <p:cNvPr id="49" name="图片 48"/>
+          <p:cNvPicPr>
+            <a:picLocks noChangeAspect="1"/>
+          </p:cNvPicPr>
+          <p:nvPr/>
+        </p:nvPicPr>
+        <p:blipFill>
+          <a:blip r:embed="rId3"/>
+          <a:stretch>
+            <a:fillRect/>
+          </a:stretch>
+        </p:blipFill>
+        <p:spPr>
+          <a:xfrm>
+            <a:off x="7360285" y="1035050"/>
+            <a:ext cx="869315" cy="636270"/>
+          </a:xfrm>
+          <a:prstGeom prst="rect">
+            <a:avLst/>
+          </a:prstGeom>
+        </p:spPr>
+      </p:pic>
+      <p:sp>
+        <p:nvSpPr>
+          <p:cNvPr id="50" name="TextBox 15"/>
+          <p:cNvSpPr txBox="1"/>
+          <p:nvPr/>
+        </p:nvSpPr>
+        <p:spPr>
+          <a:xfrm>
+            <a:off x="6814185" y="1625600"/>
+            <a:ext cx="1971675" cy="368300"/>
+          </a:xfrm>
+          <a:prstGeom prst="rect">
+            <a:avLst/>
+          </a:prstGeom>
+          <a:noFill/>
+        </p:spPr>
+        <p:txBody>
+          <a:bodyPr wrap="square" rtlCol="0">
+            <a:spAutoFit/>
+          </a:bodyPr>
+          <a:p>
+            <a:pPr algn="ctr"/>
+            <a:r>
+              <a:rPr lang="en-US" b="1" dirty="0"/>
+              <a:t>Docker Registry</a:t>
+            </a:r>
+            <a:endParaRPr lang="en-US" b="1" dirty="0"/>
+          </a:p>
+        </p:txBody>
+      </p:sp>
+      <p:pic>
+        <p:nvPicPr>
+          <p:cNvPr id="51" name="图片 50"/>
+          <p:cNvPicPr>
+            <a:picLocks noChangeAspect="1"/>
+          </p:cNvPicPr>
+          <p:nvPr/>
+        </p:nvPicPr>
+        <p:blipFill>
+          <a:blip r:embed="rId3"/>
+          <a:stretch>
+            <a:fillRect/>
+          </a:stretch>
+        </p:blipFill>
+        <p:spPr>
+          <a:xfrm>
+            <a:off x="7360285" y="5280025"/>
+            <a:ext cx="869315" cy="636270"/>
+          </a:xfrm>
+          <a:prstGeom prst="rect">
+            <a:avLst/>
+          </a:prstGeom>
+        </p:spPr>
+      </p:pic>
+      <p:sp>
+        <p:nvSpPr>
+          <p:cNvPr id="52" name="TextBox 15"/>
+          <p:cNvSpPr txBox="1"/>
+          <p:nvPr/>
+        </p:nvSpPr>
+        <p:spPr>
+          <a:xfrm>
+            <a:off x="6814185" y="5870575"/>
+            <a:ext cx="1971675" cy="368300"/>
+          </a:xfrm>
+          <a:prstGeom prst="rect">
+            <a:avLst/>
+          </a:prstGeom>
+          <a:noFill/>
+        </p:spPr>
+        <p:txBody>
+          <a:bodyPr wrap="square" rtlCol="0">
+            <a:spAutoFit/>
+          </a:bodyPr>
+          <a:p>
+            <a:pPr algn="ctr"/>
+            <a:r>
+              <a:rPr lang="en-US" b="1" dirty="0"/>
+              <a:t>Docker Registry</a:t>
+            </a:r>
+            <a:endParaRPr lang="en-US" b="1" dirty="0"/>
+          </a:p>
+        </p:txBody>
+      </p:sp>
+      <p:cxnSp>
+        <p:nvCxnSpPr>
+          <p:cNvPr id="53" name="直接箭头连接符 52"/>
+          <p:cNvCxnSpPr>
+            <a:stCxn id="20" idx="3"/>
+          </p:cNvCxnSpPr>
+          <p:nvPr/>
+        </p:nvCxnSpPr>
+        <p:spPr>
+          <a:xfrm>
+            <a:off x="4874260" y="1352550"/>
+            <a:ext cx="2590165" cy="1733550"/>
+          </a:xfrm>
+          <a:prstGeom prst="straightConnector1">
+            <a:avLst/>
+          </a:prstGeom>
+          <a:ln w="38100">
+            <a:headEnd type="arrow"/>
+            <a:tailEnd type="arrow"/>
+          </a:ln>
+        </p:spPr>
+        <p:style>
+          <a:lnRef idx="1">
+            <a:schemeClr val="accent1"/>
+          </a:lnRef>
+          <a:fillRef idx="0">
+            <a:schemeClr val="accent1"/>
+          </a:fillRef>
+          <a:effectRef idx="0">
+            <a:schemeClr val="accent1"/>
+          </a:effectRef>
+          <a:fontRef idx="minor">
+            <a:schemeClr val="tx1"/>
+          </a:fontRef>
+        </p:style>
+      </p:cxnSp>
+      <p:cxnSp>
+        <p:nvCxnSpPr>
+          <p:cNvPr id="54" name="直接箭头连接符 53"/>
+          <p:cNvCxnSpPr>
+            <a:stCxn id="45" idx="3"/>
+            <a:endCxn id="34" idx="1"/>
+          </p:cNvCxnSpPr>
+          <p:nvPr/>
+        </p:nvCxnSpPr>
+        <p:spPr>
+          <a:xfrm>
+            <a:off x="4874260" y="3263265"/>
+            <a:ext cx="2599690" cy="30480"/>
+          </a:xfrm>
+          <a:prstGeom prst="straightConnector1">
+            <a:avLst/>
+          </a:prstGeom>
+          <a:ln w="38100">
+            <a:headEnd type="arrow"/>
+            <a:tailEnd type="arrow"/>
+          </a:ln>
+        </p:spPr>
+        <p:style>
+          <a:lnRef idx="1">
+            <a:schemeClr val="accent1"/>
+          </a:lnRef>
+          <a:fillRef idx="0">
+            <a:schemeClr val="accent1"/>
+          </a:fillRef>
+          <a:effectRef idx="0">
+            <a:schemeClr val="accent1"/>
+          </a:effectRef>
+          <a:fontRef idx="minor">
+            <a:schemeClr val="tx1"/>
+          </a:fontRef>
+        </p:style>
+      </p:cxnSp>
+      <p:cxnSp>
+        <p:nvCxnSpPr>
+          <p:cNvPr id="55" name="直接箭头连接符 54"/>
+          <p:cNvCxnSpPr>
+            <a:stCxn id="47" idx="3"/>
+          </p:cNvCxnSpPr>
+          <p:nvPr/>
+        </p:nvCxnSpPr>
+        <p:spPr>
+          <a:xfrm flipV="1">
+            <a:off x="4874260" y="3409315"/>
+            <a:ext cx="2618740" cy="2188210"/>
+          </a:xfrm>
+          <a:prstGeom prst="straightConnector1">
+            <a:avLst/>
+          </a:prstGeom>
+          <a:ln w="38100">
+            <a:headEnd type="arrow"/>
+            <a:tailEnd type="arrow"/>
+          </a:ln>
+        </p:spPr>
+        <p:style>
+          <a:lnRef idx="1">
+            <a:schemeClr val="accent1"/>
+          </a:lnRef>
+          <a:fillRef idx="0">
+            <a:schemeClr val="accent1"/>
+          </a:fillRef>
+          <a:effectRef idx="0">
+            <a:schemeClr val="accent1"/>
+          </a:effectRef>
+          <a:fontRef idx="minor">
+            <a:schemeClr val="tx1"/>
+          </a:fontRef>
+        </p:style>
+      </p:cxnSp>
+      <p:cxnSp>
+        <p:nvCxnSpPr>
+          <p:cNvPr id="56" name="直接箭头连接符 55"/>
+          <p:cNvCxnSpPr>
+            <a:stCxn id="17" idx="2"/>
+          </p:cNvCxnSpPr>
+          <p:nvPr/>
+        </p:nvCxnSpPr>
+        <p:spPr>
+          <a:xfrm flipH="1">
+            <a:off x="4545330" y="1993900"/>
+            <a:ext cx="12065" cy="902335"/>
+          </a:xfrm>
+          <a:prstGeom prst="straightConnector1">
+            <a:avLst/>
+          </a:prstGeom>
+          <a:ln w="38100">
+            <a:headEnd type="arrow"/>
+            <a:tailEnd type="arrow"/>
+          </a:ln>
+        </p:spPr>
+        <p:style>
+          <a:lnRef idx="1">
+            <a:schemeClr val="accent1"/>
+          </a:lnRef>
+          <a:fillRef idx="0">
+            <a:schemeClr val="accent1"/>
+          </a:fillRef>
+          <a:effectRef idx="0">
+            <a:schemeClr val="accent1"/>
+          </a:effectRef>
+          <a:fontRef idx="minor">
+            <a:schemeClr val="tx1"/>
+          </a:fontRef>
+        </p:style>
+      </p:cxnSp>
+      <p:cxnSp>
+        <p:nvCxnSpPr>
+          <p:cNvPr id="57" name="直接箭头连接符 56"/>
+          <p:cNvCxnSpPr>
+            <a:stCxn id="44" idx="2"/>
+          </p:cNvCxnSpPr>
+          <p:nvPr/>
+        </p:nvCxnSpPr>
+        <p:spPr>
+          <a:xfrm flipH="1">
+            <a:off x="4535170" y="3904615"/>
+            <a:ext cx="22225" cy="1292860"/>
+          </a:xfrm>
+          <a:prstGeom prst="straightConnector1">
+            <a:avLst/>
+          </a:prstGeom>
+          <a:ln w="38100">
+            <a:headEnd type="arrow"/>
+            <a:tailEnd type="arrow"/>
+          </a:ln>
+        </p:spPr>
+        <p:style>
+          <a:lnRef idx="1">
+            <a:schemeClr val="accent1"/>
+          </a:lnRef>
+          <a:fillRef idx="0">
+            <a:schemeClr val="accent1"/>
+          </a:fillRef>
+          <a:effectRef idx="0">
+            <a:schemeClr val="accent1"/>
+          </a:effectRef>
+          <a:fontRef idx="minor">
+            <a:schemeClr val="tx1"/>
+          </a:fontRef>
+        </p:style>
+      </p:cxnSp>
+      <p:cxnSp>
+        <p:nvCxnSpPr>
+          <p:cNvPr id="58" name="直接箭头连接符 57"/>
+          <p:cNvCxnSpPr>
+            <a:stCxn id="34" idx="0"/>
+          </p:cNvCxnSpPr>
+          <p:nvPr/>
+        </p:nvCxnSpPr>
+        <p:spPr>
+          <a:xfrm flipH="1" flipV="1">
+            <a:off x="7778750" y="1986915"/>
+            <a:ext cx="12700" cy="989330"/>
+          </a:xfrm>
+          <a:prstGeom prst="straightConnector1">
+            <a:avLst/>
+          </a:prstGeom>
+          <a:ln w="38100">
+            <a:tailEnd type="arrow"/>
+          </a:ln>
+        </p:spPr>
+        <p:style>
+          <a:lnRef idx="1">
+            <a:schemeClr val="accent1"/>
+          </a:lnRef>
+          <a:fillRef idx="0">
+            <a:schemeClr val="accent1"/>
+          </a:fillRef>
+          <a:effectRef idx="0">
+            <a:schemeClr val="accent1"/>
+          </a:effectRef>
+          <a:fontRef idx="minor">
+            <a:schemeClr val="tx1"/>
+          </a:fontRef>
+        </p:style>
+      </p:cxnSp>
+      <p:cxnSp>
+        <p:nvCxnSpPr>
+          <p:cNvPr id="59" name="直接箭头连接符 58"/>
+          <p:cNvCxnSpPr>
+            <a:stCxn id="48" idx="2"/>
+            <a:endCxn id="51" idx="0"/>
+          </p:cNvCxnSpPr>
+          <p:nvPr/>
+        </p:nvCxnSpPr>
+        <p:spPr>
+          <a:xfrm flipH="1">
+            <a:off x="7795260" y="3918585"/>
+            <a:ext cx="635" cy="1361440"/>
+          </a:xfrm>
+          <a:prstGeom prst="straightConnector1">
+            <a:avLst/>
+          </a:prstGeom>
+          <a:ln w="38100">
+            <a:tailEnd type="arrow"/>
+          </a:ln>
+        </p:spPr>
+        <p:style>
+          <a:lnRef idx="1">
+            <a:schemeClr val="accent1"/>
+          </a:lnRef>
+          <a:fillRef idx="0">
+            <a:schemeClr val="accent1"/>
+          </a:fillRef>
+          <a:effectRef idx="0">
+            <a:schemeClr val="accent1"/>
+          </a:effectRef>
+          <a:fontRef idx="minor">
+            <a:schemeClr val="tx1"/>
+          </a:fontRef>
+        </p:style>
+      </p:cxnSp>
+      <p:sp>
+        <p:nvSpPr>
+          <p:cNvPr id="64" name="TextBox 15"/>
+          <p:cNvSpPr txBox="1"/>
+          <p:nvPr/>
+        </p:nvSpPr>
+        <p:spPr>
+          <a:xfrm>
+            <a:off x="650875" y="2070735"/>
+            <a:ext cx="2266315" cy="368300"/>
+          </a:xfrm>
+          <a:prstGeom prst="rect">
+            <a:avLst/>
+          </a:prstGeom>
+          <a:noFill/>
+        </p:spPr>
+        <p:txBody>
+          <a:bodyPr wrap="square" rtlCol="0">
+            <a:spAutoFit/>
+          </a:bodyPr>
+          <a:p>
+            <a:pPr algn="ctr"/>
+            <a:r>
+              <a:rPr lang="en-US" b="1" dirty="0"/>
+              <a:t>Local PostgreSQL</a:t>
+            </a:r>
+            <a:endParaRPr lang="en-US" b="1" dirty="0"/>
+          </a:p>
+        </p:txBody>
+      </p:sp>
+      <p:cxnSp>
+        <p:nvCxnSpPr>
+          <p:cNvPr id="67" name="直接箭头连接符 66"/>
+          <p:cNvCxnSpPr>
+            <a:stCxn id="20" idx="1"/>
+            <a:endCxn id="2" idx="3"/>
+          </p:cNvCxnSpPr>
+          <p:nvPr/>
+        </p:nvCxnSpPr>
+        <p:spPr>
+          <a:xfrm flipH="1" flipV="1">
+            <a:off x="3056255" y="855345"/>
+            <a:ext cx="1183005" cy="497205"/>
+          </a:xfrm>
+          <a:prstGeom prst="straightConnector1">
+            <a:avLst/>
+          </a:prstGeom>
+          <a:ln w="38100">
+            <a:tailEnd type="arrow"/>
+          </a:ln>
+        </p:spPr>
+        <p:style>
+          <a:lnRef idx="1">
+            <a:schemeClr val="accent1"/>
+          </a:lnRef>
+          <a:fillRef idx="0">
+            <a:schemeClr val="accent1"/>
+          </a:fillRef>
+          <a:effectRef idx="0">
+            <a:schemeClr val="accent1"/>
+          </a:effectRef>
+          <a:fontRef idx="minor">
+            <a:schemeClr val="tx1"/>
+          </a:fontRef>
+        </p:style>
+      </p:cxnSp>
+      <p:cxnSp>
+        <p:nvCxnSpPr>
+          <p:cNvPr id="68" name="直接箭头连接符 67"/>
+          <p:cNvCxnSpPr>
+            <a:endCxn id="4" idx="3"/>
+          </p:cNvCxnSpPr>
+          <p:nvPr/>
+        </p:nvCxnSpPr>
+        <p:spPr>
+          <a:xfrm flipH="1">
+            <a:off x="2102485" y="1355725"/>
+            <a:ext cx="2129155" cy="467995"/>
+          </a:xfrm>
+          <a:prstGeom prst="straightConnector1">
+            <a:avLst/>
+          </a:prstGeom>
+          <a:ln w="38100">
+            <a:tailEnd type="arrow"/>
+          </a:ln>
+        </p:spPr>
+        <p:style>
+          <a:lnRef idx="1">
+            <a:schemeClr val="accent1"/>
+          </a:lnRef>
+          <a:fillRef idx="0">
+            <a:schemeClr val="accent1"/>
+          </a:fillRef>
+          <a:effectRef idx="0">
+            <a:schemeClr val="accent1"/>
+          </a:effectRef>
+          <a:fontRef idx="minor">
+            <a:schemeClr val="tx1"/>
+          </a:fontRef>
+        </p:style>
+      </p:cxnSp>
+      <p:sp>
+        <p:nvSpPr>
+          <p:cNvPr id="72" name="TextBox 15"/>
+          <p:cNvSpPr txBox="1"/>
+          <p:nvPr/>
+        </p:nvSpPr>
+        <p:spPr>
+          <a:xfrm>
+            <a:off x="4240681" y="2404687"/>
+            <a:ext cx="1506552" cy="306705"/>
+          </a:xfrm>
+          <a:prstGeom prst="rect">
+            <a:avLst/>
+          </a:prstGeom>
+          <a:noFill/>
+        </p:spPr>
+        <p:txBody>
+          <a:bodyPr wrap="square" rtlCol="0">
+            <a:spAutoFit/>
+          </a:bodyPr>
+          <a:p>
+            <a:pPr algn="ctr"/>
+            <a:r>
+              <a:rPr lang="en-US" sz="1400" b="1" dirty="0"/>
+              <a:t>Replicate</a:t>
+            </a:r>
+            <a:endParaRPr lang="en-US" sz="1400" b="1" dirty="0"/>
+          </a:p>
+        </p:txBody>
+      </p:sp>
+      <p:sp>
+        <p:nvSpPr>
+          <p:cNvPr id="73" name="TextBox 15"/>
+          <p:cNvSpPr txBox="1"/>
+          <p:nvPr/>
+        </p:nvSpPr>
+        <p:spPr>
+          <a:xfrm>
+            <a:off x="4221631" y="4488122"/>
+            <a:ext cx="1506552" cy="306705"/>
+          </a:xfrm>
+          <a:prstGeom prst="rect">
+            <a:avLst/>
+          </a:prstGeom>
+          <a:noFill/>
+        </p:spPr>
+        <p:txBody>
+          <a:bodyPr wrap="square" rtlCol="0">
+            <a:spAutoFit/>
+          </a:bodyPr>
+          <a:p>
+            <a:pPr algn="ctr"/>
+            <a:r>
+              <a:rPr lang="en-US" sz="1400" b="1" dirty="0"/>
+              <a:t>Replicate</a:t>
+            </a:r>
+            <a:endParaRPr lang="en-US" sz="1400" b="1" dirty="0"/>
+          </a:p>
+        </p:txBody>
+      </p:sp>
+      <p:sp>
+        <p:nvSpPr>
+          <p:cNvPr id="75" name="TextBox 15"/>
+          <p:cNvSpPr txBox="1"/>
+          <p:nvPr/>
+        </p:nvSpPr>
+        <p:spPr>
+          <a:xfrm>
+            <a:off x="7466481" y="2402782"/>
+            <a:ext cx="1506552" cy="306705"/>
+          </a:xfrm>
+          <a:prstGeom prst="rect">
+            <a:avLst/>
+          </a:prstGeom>
+          <a:noFill/>
+        </p:spPr>
+        <p:txBody>
+          <a:bodyPr wrap="square" rtlCol="0">
+            <a:spAutoFit/>
+          </a:bodyPr>
+          <a:p>
+            <a:pPr algn="ctr"/>
+            <a:r>
+              <a:rPr lang="en-US" sz="1400" b="1" dirty="0"/>
+              <a:t>Replicate</a:t>
+            </a:r>
+            <a:endParaRPr lang="en-US" sz="1400" b="1" dirty="0"/>
+          </a:p>
+        </p:txBody>
+      </p:sp>
+      <p:sp>
+        <p:nvSpPr>
+          <p:cNvPr id="76" name="TextBox 15"/>
+          <p:cNvSpPr txBox="1"/>
+          <p:nvPr/>
+        </p:nvSpPr>
+        <p:spPr>
+          <a:xfrm>
+            <a:off x="7474101" y="4479232"/>
+            <a:ext cx="1506552" cy="306705"/>
+          </a:xfrm>
+          <a:prstGeom prst="rect">
+            <a:avLst/>
+          </a:prstGeom>
+          <a:noFill/>
+        </p:spPr>
+        <p:txBody>
+          <a:bodyPr wrap="square" rtlCol="0">
+            <a:spAutoFit/>
+          </a:bodyPr>
+          <a:p>
+            <a:pPr algn="ctr"/>
+            <a:r>
+              <a:rPr lang="en-US" sz="1400" b="1" dirty="0"/>
+              <a:t>Replicate</a:t>
+            </a:r>
+            <a:endParaRPr lang="en-US" sz="1400" b="1" dirty="0"/>
+          </a:p>
+        </p:txBody>
+      </p:sp>
+      <p:sp>
+        <p:nvSpPr>
+          <p:cNvPr id="80" name="TextBox 15"/>
+          <p:cNvSpPr txBox="1"/>
+          <p:nvPr/>
+        </p:nvSpPr>
+        <p:spPr>
+          <a:xfrm>
+            <a:off x="5351931" y="3256857"/>
+            <a:ext cx="1506552" cy="306705"/>
+          </a:xfrm>
+          <a:prstGeom prst="rect">
+            <a:avLst/>
+          </a:prstGeom>
+          <a:noFill/>
+        </p:spPr>
+        <p:txBody>
+          <a:bodyPr wrap="square" rtlCol="0">
+            <a:spAutoFit/>
+          </a:bodyPr>
+          <a:p>
+            <a:pPr algn="ctr"/>
+            <a:r>
+              <a:rPr lang="en-US" sz="1400" b="1" dirty="0"/>
+              <a:t>Replicate</a:t>
+            </a:r>
+            <a:endParaRPr lang="en-US" sz="1400" b="1" dirty="0"/>
+          </a:p>
+        </p:txBody>
+      </p:sp>
+      <p:sp>
+        <p:nvSpPr>
+          <p:cNvPr id="97" name="TextBox 15"/>
+          <p:cNvSpPr txBox="1"/>
+          <p:nvPr/>
+        </p:nvSpPr>
+        <p:spPr>
+          <a:xfrm>
+            <a:off x="9153525" y="3256915"/>
+            <a:ext cx="2266315" cy="368300"/>
+          </a:xfrm>
+          <a:prstGeom prst="rect">
+            <a:avLst/>
+          </a:prstGeom>
+          <a:noFill/>
+        </p:spPr>
+        <p:txBody>
+          <a:bodyPr wrap="square" rtlCol="0">
+            <a:spAutoFit/>
+          </a:bodyPr>
+          <a:p>
+            <a:pPr algn="ctr"/>
+            <a:r>
+              <a:rPr lang="en-US" b="1" dirty="0">
+                <a:sym typeface="+mn-ea"/>
+              </a:rPr>
+              <a:t>AWS S3</a:t>
+            </a:r>
+            <a:endParaRPr lang="en-US" b="1" dirty="0"/>
+          </a:p>
+        </p:txBody>
+      </p:sp>
+      <p:sp>
+        <p:nvSpPr>
+          <p:cNvPr id="99" name="TextBox 15"/>
+          <p:cNvSpPr txBox="1"/>
+          <p:nvPr/>
+        </p:nvSpPr>
+        <p:spPr>
+          <a:xfrm>
+            <a:off x="7873365" y="4184015"/>
+            <a:ext cx="4357370" cy="368300"/>
+          </a:xfrm>
+          <a:prstGeom prst="rect">
+            <a:avLst/>
+          </a:prstGeom>
+          <a:noFill/>
+        </p:spPr>
+        <p:txBody>
+          <a:bodyPr wrap="square" rtlCol="0">
+            <a:spAutoFit/>
+          </a:bodyPr>
+          <a:p>
+            <a:pPr algn="ctr"/>
+            <a:r>
+              <a:rPr lang="en-US" b="1" dirty="0"/>
+              <a:t>Aurora PostgreSQL Serverless</a:t>
+            </a:r>
+            <a:endParaRPr lang="en-US" b="1" dirty="0"/>
+          </a:p>
+        </p:txBody>
+      </p:sp>
+      <p:cxnSp>
+        <p:nvCxnSpPr>
+          <p:cNvPr id="101" name="直接箭头连接符 100"/>
+          <p:cNvCxnSpPr>
+            <a:stCxn id="34" idx="3"/>
+          </p:cNvCxnSpPr>
+          <p:nvPr/>
+        </p:nvCxnSpPr>
+        <p:spPr>
+          <a:xfrm flipV="1">
+            <a:off x="8108950" y="3028315"/>
+            <a:ext cx="1781175" cy="265430"/>
+          </a:xfrm>
+          <a:prstGeom prst="straightConnector1">
+            <a:avLst/>
+          </a:prstGeom>
+          <a:ln w="38100">
+            <a:tailEnd type="arrow"/>
+          </a:ln>
+        </p:spPr>
+        <p:style>
+          <a:lnRef idx="1">
+            <a:schemeClr val="accent1"/>
+          </a:lnRef>
+          <a:fillRef idx="0">
+            <a:schemeClr val="accent1"/>
+          </a:fillRef>
+          <a:effectRef idx="0">
+            <a:schemeClr val="accent1"/>
+          </a:effectRef>
+          <a:fontRef idx="minor">
+            <a:schemeClr val="tx1"/>
+          </a:fontRef>
+        </p:style>
+      </p:cxnSp>
+      <p:cxnSp>
+        <p:nvCxnSpPr>
+          <p:cNvPr id="102" name="直接箭头连接符 101"/>
+          <p:cNvCxnSpPr>
+            <a:stCxn id="34" idx="3"/>
+          </p:cNvCxnSpPr>
+          <p:nvPr/>
+        </p:nvCxnSpPr>
+        <p:spPr>
+          <a:xfrm>
+            <a:off x="8108950" y="3293745"/>
+            <a:ext cx="1810385" cy="443230"/>
+          </a:xfrm>
+          <a:prstGeom prst="straightConnector1">
+            <a:avLst/>
+          </a:prstGeom>
+          <a:ln w="38100">
+            <a:tailEnd type="arrow"/>
+          </a:ln>
+        </p:spPr>
+        <p:style>
+          <a:lnRef idx="1">
+            <a:schemeClr val="accent1"/>
+          </a:lnRef>
+          <a:fillRef idx="0">
+            <a:schemeClr val="accent1"/>
+          </a:fillRef>
+          <a:effectRef idx="0">
+            <a:schemeClr val="accent1"/>
+          </a:effectRef>
+          <a:fontRef idx="minor">
+            <a:schemeClr val="tx1"/>
+          </a:fontRef>
+        </p:style>
+      </p:cxnSp>
+      <p:sp>
+        <p:nvSpPr>
+          <p:cNvPr id="105" name="TextBox 15"/>
+          <p:cNvSpPr txBox="1"/>
+          <p:nvPr/>
+        </p:nvSpPr>
+        <p:spPr>
+          <a:xfrm>
+            <a:off x="9511665" y="1586230"/>
+            <a:ext cx="2266315" cy="645160"/>
+          </a:xfrm>
+          <a:prstGeom prst="rect">
+            <a:avLst/>
+          </a:prstGeom>
+          <a:noFill/>
+        </p:spPr>
+        <p:txBody>
+          <a:bodyPr wrap="square" rtlCol="0">
+            <a:spAutoFit/>
+          </a:bodyPr>
+          <a:p>
+            <a:pPr algn="ctr"/>
+            <a:r>
+              <a:rPr lang="en-US" b="1" dirty="0">
+                <a:sym typeface="+mn-ea"/>
+              </a:rPr>
+              <a:t>AWS S3</a:t>
+            </a:r>
+            <a:endParaRPr lang="en-US" b="1" dirty="0"/>
+          </a:p>
+          <a:p>
+            <a:pPr algn="ctr"/>
+            <a:endParaRPr lang="en-US" b="1" dirty="0"/>
+          </a:p>
+        </p:txBody>
+      </p:sp>
+      <p:cxnSp>
+        <p:nvCxnSpPr>
+          <p:cNvPr id="107" name="直接箭头连接符 106"/>
+          <p:cNvCxnSpPr/>
+          <p:nvPr/>
+        </p:nvCxnSpPr>
+        <p:spPr>
+          <a:xfrm flipV="1">
+            <a:off x="8348980" y="1419860"/>
+            <a:ext cx="1934210" cy="1905"/>
+          </a:xfrm>
+          <a:prstGeom prst="straightConnector1">
+            <a:avLst/>
+          </a:prstGeom>
+          <a:ln w="38100">
+            <a:tailEnd type="arrow"/>
+          </a:ln>
+        </p:spPr>
+        <p:style>
+          <a:lnRef idx="1">
+            <a:schemeClr val="accent1"/>
+          </a:lnRef>
+          <a:fillRef idx="0">
+            <a:schemeClr val="accent1"/>
+          </a:fillRef>
+          <a:effectRef idx="0">
+            <a:schemeClr val="accent1"/>
+          </a:effectRef>
+          <a:fontRef idx="minor">
+            <a:schemeClr val="tx1"/>
+          </a:fontRef>
+        </p:style>
+      </p:cxnSp>
+      <p:sp>
+        <p:nvSpPr>
+          <p:cNvPr id="112" name="TextBox 15"/>
+          <p:cNvSpPr txBox="1"/>
+          <p:nvPr/>
+        </p:nvSpPr>
+        <p:spPr>
+          <a:xfrm>
+            <a:off x="9512300" y="5839460"/>
+            <a:ext cx="2266315" cy="368300"/>
+          </a:xfrm>
+          <a:prstGeom prst="rect">
+            <a:avLst/>
+          </a:prstGeom>
+          <a:noFill/>
+        </p:spPr>
+        <p:txBody>
+          <a:bodyPr wrap="square" rtlCol="0">
+            <a:spAutoFit/>
+          </a:bodyPr>
+          <a:p>
+            <a:pPr algn="ctr"/>
+            <a:r>
+              <a:rPr lang="en-US" b="1" dirty="0">
+                <a:sym typeface="+mn-ea"/>
+              </a:rPr>
+              <a:t>AWS S3</a:t>
+            </a:r>
+            <a:endParaRPr lang="en-US" b="1" dirty="0"/>
+          </a:p>
+        </p:txBody>
+      </p:sp>
+      <p:cxnSp>
+        <p:nvCxnSpPr>
+          <p:cNvPr id="114" name="直接箭头连接符 113"/>
+          <p:cNvCxnSpPr/>
+          <p:nvPr/>
+        </p:nvCxnSpPr>
+        <p:spPr>
+          <a:xfrm flipV="1">
+            <a:off x="8349615" y="5673090"/>
+            <a:ext cx="1934210" cy="1905"/>
+          </a:xfrm>
+          <a:prstGeom prst="straightConnector1">
+            <a:avLst/>
+          </a:prstGeom>
+          <a:ln w="38100">
+            <a:tailEnd type="arrow"/>
+          </a:ln>
+        </p:spPr>
+        <p:style>
+          <a:lnRef idx="1">
+            <a:schemeClr val="accent1"/>
+          </a:lnRef>
+          <a:fillRef idx="0">
+            <a:schemeClr val="accent1"/>
+          </a:fillRef>
+          <a:effectRef idx="0">
+            <a:schemeClr val="accent1"/>
+          </a:effectRef>
+          <a:fontRef idx="minor">
+            <a:schemeClr val="tx1"/>
+          </a:fontRef>
+        </p:style>
+      </p:cxnSp>
+      <p:sp>
+        <p:nvSpPr>
+          <p:cNvPr id="116" name="TextBox 15"/>
+          <p:cNvSpPr txBox="1"/>
+          <p:nvPr/>
+        </p:nvSpPr>
+        <p:spPr>
+          <a:xfrm>
+            <a:off x="5335421" y="4895157"/>
+            <a:ext cx="1506552" cy="306705"/>
+          </a:xfrm>
+          <a:prstGeom prst="rect">
+            <a:avLst/>
+          </a:prstGeom>
+          <a:noFill/>
+        </p:spPr>
+        <p:txBody>
+          <a:bodyPr wrap="square" rtlCol="0">
+            <a:spAutoFit/>
+          </a:bodyPr>
+          <a:p>
+            <a:pPr algn="ctr"/>
+            <a:r>
+              <a:rPr lang="en-US" sz="1400" b="1" dirty="0"/>
+              <a:t>Replicate</a:t>
+            </a:r>
+            <a:endParaRPr lang="en-US" sz="1400" b="1" dirty="0"/>
+          </a:p>
+        </p:txBody>
+      </p:sp>
+      <p:sp>
+        <p:nvSpPr>
+          <p:cNvPr id="117" name="TextBox 15"/>
+          <p:cNvSpPr txBox="1"/>
+          <p:nvPr/>
+        </p:nvSpPr>
+        <p:spPr>
+          <a:xfrm>
+            <a:off x="5363996" y="1669357"/>
+            <a:ext cx="1506552" cy="306705"/>
+          </a:xfrm>
+          <a:prstGeom prst="rect">
+            <a:avLst/>
+          </a:prstGeom>
+          <a:noFill/>
+        </p:spPr>
+        <p:txBody>
+          <a:bodyPr wrap="square" rtlCol="0">
+            <a:spAutoFit/>
+          </a:bodyPr>
+          <a:p>
+            <a:pPr algn="ctr"/>
+            <a:r>
+              <a:rPr lang="en-US" sz="1400" b="1" dirty="0"/>
+              <a:t>Replicate</a:t>
+            </a:r>
+            <a:endParaRPr lang="en-US" sz="1400" b="1" dirty="0"/>
+          </a:p>
+        </p:txBody>
+      </p:sp>
+      <p:pic>
+        <p:nvPicPr>
+          <p:cNvPr id="2" name="Graphic 7"/>
+          <p:cNvPicPr>
+            <a:picLocks noChangeAspect="1"/>
+          </p:cNvPicPr>
+          <p:nvPr/>
+        </p:nvPicPr>
+        <p:blipFill>
+          <a:blip r:embed="rId4">
+            <a:extLst>
+              <a:ext uri="{96DAC541-7B7A-43D3-8B79-37D633B846F1}">
+                <asvg:svgBlip xmlns:asvg="http://schemas.microsoft.com/office/drawing/2016/SVG/main" r:embed="rId5"/>
+              </a:ext>
+            </a:extLst>
+          </a:blip>
+          <a:stretch>
+            <a:fillRect/>
+          </a:stretch>
+        </p:blipFill>
+        <p:spPr>
+          <a:xfrm>
+            <a:off x="2586672" y="620630"/>
+            <a:ext cx="469900" cy="469900"/>
+          </a:xfrm>
+          <a:prstGeom prst="rect">
+            <a:avLst/>
+          </a:prstGeom>
+        </p:spPr>
+      </p:pic>
+      <p:pic>
+        <p:nvPicPr>
+          <p:cNvPr id="4" name="图片 3" descr="Amazon-RDS_PostgreSQL_instance_light-bg@4x"/>
+          <p:cNvPicPr>
+            <a:picLocks noChangeAspect="1"/>
+          </p:cNvPicPr>
+          <p:nvPr/>
+        </p:nvPicPr>
+        <p:blipFill>
+          <a:blip r:embed="rId6"/>
+          <a:stretch>
+            <a:fillRect/>
+          </a:stretch>
+        </p:blipFill>
+        <p:spPr>
+          <a:xfrm>
+            <a:off x="1467485" y="1506220"/>
+            <a:ext cx="635000" cy="635000"/>
+          </a:xfrm>
+          <a:prstGeom prst="rect">
+            <a:avLst/>
+          </a:prstGeom>
+        </p:spPr>
+      </p:pic>
+      <p:sp>
+        <p:nvSpPr>
+          <p:cNvPr id="19" name="TextBox 15"/>
+          <p:cNvSpPr txBox="1"/>
+          <p:nvPr/>
+        </p:nvSpPr>
+        <p:spPr>
+          <a:xfrm>
+            <a:off x="1689735" y="3181985"/>
+            <a:ext cx="2266315" cy="368300"/>
+          </a:xfrm>
+          <a:prstGeom prst="rect">
+            <a:avLst/>
+          </a:prstGeom>
+          <a:noFill/>
+        </p:spPr>
+        <p:txBody>
+          <a:bodyPr wrap="square" rtlCol="0">
+            <a:spAutoFit/>
+          </a:bodyPr>
+          <a:p>
+            <a:pPr algn="ctr"/>
+            <a:r>
+              <a:rPr lang="en-US" b="1" dirty="0"/>
+              <a:t>Local S3</a:t>
+            </a:r>
+            <a:endParaRPr lang="en-US" b="1" dirty="0"/>
+          </a:p>
+        </p:txBody>
+      </p:sp>
+      <p:sp>
+        <p:nvSpPr>
+          <p:cNvPr id="21" name="TextBox 15"/>
+          <p:cNvSpPr txBox="1"/>
+          <p:nvPr/>
+        </p:nvSpPr>
+        <p:spPr>
+          <a:xfrm>
+            <a:off x="652145" y="4153535"/>
+            <a:ext cx="2266315" cy="368300"/>
+          </a:xfrm>
+          <a:prstGeom prst="rect">
+            <a:avLst/>
+          </a:prstGeom>
+          <a:noFill/>
+        </p:spPr>
+        <p:txBody>
+          <a:bodyPr wrap="square" rtlCol="0">
+            <a:spAutoFit/>
+          </a:bodyPr>
+          <a:p>
+            <a:pPr algn="ctr"/>
+            <a:r>
+              <a:rPr lang="en-US" b="1" dirty="0"/>
+              <a:t>Local PostgreSQL</a:t>
+            </a:r>
+            <a:endParaRPr lang="en-US" b="1" dirty="0"/>
+          </a:p>
+        </p:txBody>
+      </p:sp>
+      <p:cxnSp>
+        <p:nvCxnSpPr>
+          <p:cNvPr id="22" name="直接箭头连接符 21"/>
+          <p:cNvCxnSpPr>
+            <a:endCxn id="24" idx="3"/>
+          </p:cNvCxnSpPr>
+          <p:nvPr/>
+        </p:nvCxnSpPr>
+        <p:spPr>
+          <a:xfrm flipH="1" flipV="1">
+            <a:off x="3057525" y="2973705"/>
+            <a:ext cx="1154430" cy="293370"/>
+          </a:xfrm>
+          <a:prstGeom prst="straightConnector1">
+            <a:avLst/>
+          </a:prstGeom>
+          <a:ln w="38100">
+            <a:tailEnd type="arrow"/>
+          </a:ln>
+        </p:spPr>
+        <p:style>
+          <a:lnRef idx="1">
+            <a:schemeClr val="accent1"/>
+          </a:lnRef>
+          <a:fillRef idx="0">
+            <a:schemeClr val="accent1"/>
+          </a:fillRef>
+          <a:effectRef idx="0">
+            <a:schemeClr val="accent1"/>
+          </a:effectRef>
+          <a:fontRef idx="minor">
+            <a:schemeClr val="tx1"/>
+          </a:fontRef>
+        </p:style>
+      </p:cxnSp>
+      <p:cxnSp>
+        <p:nvCxnSpPr>
+          <p:cNvPr id="23" name="直接箭头连接符 22"/>
+          <p:cNvCxnSpPr>
+            <a:stCxn id="45" idx="1"/>
+            <a:endCxn id="26" idx="3"/>
+          </p:cNvCxnSpPr>
+          <p:nvPr/>
+        </p:nvCxnSpPr>
+        <p:spPr>
+          <a:xfrm flipH="1">
+            <a:off x="2103755" y="3263265"/>
+            <a:ext cx="2135505" cy="643255"/>
+          </a:xfrm>
+          <a:prstGeom prst="straightConnector1">
+            <a:avLst/>
+          </a:prstGeom>
+          <a:ln w="38100">
+            <a:tailEnd type="arrow"/>
+          </a:ln>
+        </p:spPr>
+        <p:style>
+          <a:lnRef idx="1">
+            <a:schemeClr val="accent1"/>
+          </a:lnRef>
+          <a:fillRef idx="0">
+            <a:schemeClr val="accent1"/>
+          </a:fillRef>
+          <a:effectRef idx="0">
+            <a:schemeClr val="accent1"/>
+          </a:effectRef>
+          <a:fontRef idx="minor">
+            <a:schemeClr val="tx1"/>
+          </a:fontRef>
+        </p:style>
+      </p:cxnSp>
+      <p:pic>
+        <p:nvPicPr>
+          <p:cNvPr id="24" name="Graphic 7"/>
+          <p:cNvPicPr>
+            <a:picLocks noChangeAspect="1"/>
+          </p:cNvPicPr>
+          <p:nvPr/>
+        </p:nvPicPr>
+        <p:blipFill>
+          <a:blip r:embed="rId4">
+            <a:extLst>
+              <a:ext uri="{96DAC541-7B7A-43D3-8B79-37D633B846F1}">
+                <asvg:svgBlip xmlns:asvg="http://schemas.microsoft.com/office/drawing/2016/SVG/main" r:embed="rId5"/>
+              </a:ext>
+            </a:extLst>
+          </a:blip>
+          <a:stretch>
+            <a:fillRect/>
+          </a:stretch>
+        </p:blipFill>
+        <p:spPr>
+          <a:xfrm>
+            <a:off x="2587942" y="2738990"/>
+            <a:ext cx="469900" cy="469900"/>
+          </a:xfrm>
+          <a:prstGeom prst="rect">
+            <a:avLst/>
+          </a:prstGeom>
+        </p:spPr>
+      </p:pic>
+      <p:pic>
+        <p:nvPicPr>
+          <p:cNvPr id="26" name="图片 25" descr="Amazon-RDS_PostgreSQL_instance_light-bg@4x"/>
+          <p:cNvPicPr>
+            <a:picLocks noChangeAspect="1"/>
+          </p:cNvPicPr>
+          <p:nvPr/>
+        </p:nvPicPr>
+        <p:blipFill>
+          <a:blip r:embed="rId6"/>
+          <a:stretch>
+            <a:fillRect/>
+          </a:stretch>
+        </p:blipFill>
+        <p:spPr>
+          <a:xfrm>
+            <a:off x="1468755" y="3589020"/>
+            <a:ext cx="635000" cy="635000"/>
+          </a:xfrm>
+          <a:prstGeom prst="rect">
+            <a:avLst/>
+          </a:prstGeom>
+        </p:spPr>
+      </p:pic>
+      <p:sp>
+        <p:nvSpPr>
+          <p:cNvPr id="28" name="TextBox 15"/>
+          <p:cNvSpPr txBox="1"/>
+          <p:nvPr/>
+        </p:nvSpPr>
+        <p:spPr>
+          <a:xfrm>
+            <a:off x="1626870" y="5261610"/>
+            <a:ext cx="2266315" cy="368300"/>
+          </a:xfrm>
+          <a:prstGeom prst="rect">
+            <a:avLst/>
+          </a:prstGeom>
+          <a:noFill/>
+        </p:spPr>
+        <p:txBody>
+          <a:bodyPr wrap="square" rtlCol="0">
+            <a:spAutoFit/>
+          </a:bodyPr>
+          <a:p>
+            <a:pPr algn="ctr"/>
+            <a:r>
+              <a:rPr lang="en-US" b="1" dirty="0"/>
+              <a:t>Local S3</a:t>
+            </a:r>
+            <a:endParaRPr lang="en-US" b="1" dirty="0"/>
+          </a:p>
+        </p:txBody>
+      </p:sp>
+      <p:sp>
+        <p:nvSpPr>
+          <p:cNvPr id="60" name="TextBox 15"/>
+          <p:cNvSpPr txBox="1"/>
+          <p:nvPr/>
+        </p:nvSpPr>
+        <p:spPr>
+          <a:xfrm>
+            <a:off x="589280" y="6268720"/>
+            <a:ext cx="2266315" cy="368300"/>
+          </a:xfrm>
+          <a:prstGeom prst="rect">
+            <a:avLst/>
+          </a:prstGeom>
+          <a:noFill/>
+        </p:spPr>
+        <p:txBody>
+          <a:bodyPr wrap="square" rtlCol="0">
+            <a:spAutoFit/>
+          </a:bodyPr>
+          <a:p>
+            <a:pPr algn="ctr"/>
+            <a:r>
+              <a:rPr lang="en-US" b="1" dirty="0"/>
+              <a:t>Local PostgreSQL</a:t>
+            </a:r>
+            <a:endParaRPr lang="en-US" b="1" dirty="0"/>
+          </a:p>
+        </p:txBody>
+      </p:sp>
+      <p:cxnSp>
+        <p:nvCxnSpPr>
+          <p:cNvPr id="61" name="直接箭头连接符 60"/>
+          <p:cNvCxnSpPr>
+            <a:endCxn id="63" idx="3"/>
+          </p:cNvCxnSpPr>
+          <p:nvPr/>
+        </p:nvCxnSpPr>
+        <p:spPr>
+          <a:xfrm flipH="1" flipV="1">
+            <a:off x="2994660" y="5053330"/>
+            <a:ext cx="1183005" cy="497205"/>
+          </a:xfrm>
+          <a:prstGeom prst="straightConnector1">
+            <a:avLst/>
+          </a:prstGeom>
+          <a:ln w="38100">
+            <a:tailEnd type="arrow"/>
+          </a:ln>
+        </p:spPr>
+        <p:style>
+          <a:lnRef idx="1">
+            <a:schemeClr val="accent1"/>
+          </a:lnRef>
+          <a:fillRef idx="0">
+            <a:schemeClr val="accent1"/>
+          </a:fillRef>
+          <a:effectRef idx="0">
+            <a:schemeClr val="accent1"/>
+          </a:effectRef>
+          <a:fontRef idx="minor">
+            <a:schemeClr val="tx1"/>
+          </a:fontRef>
+        </p:style>
+      </p:cxnSp>
+      <p:cxnSp>
+        <p:nvCxnSpPr>
+          <p:cNvPr id="62" name="直接箭头连接符 61"/>
+          <p:cNvCxnSpPr>
+            <a:endCxn id="66" idx="3"/>
+          </p:cNvCxnSpPr>
+          <p:nvPr/>
+        </p:nvCxnSpPr>
+        <p:spPr>
+          <a:xfrm flipH="1">
+            <a:off x="2040890" y="5553710"/>
+            <a:ext cx="2129155" cy="467995"/>
+          </a:xfrm>
+          <a:prstGeom prst="straightConnector1">
+            <a:avLst/>
+          </a:prstGeom>
+          <a:ln w="38100">
+            <a:tailEnd type="arrow"/>
+          </a:ln>
+        </p:spPr>
+        <p:style>
+          <a:lnRef idx="1">
+            <a:schemeClr val="accent1"/>
+          </a:lnRef>
+          <a:fillRef idx="0">
+            <a:schemeClr val="accent1"/>
+          </a:fillRef>
+          <a:effectRef idx="0">
+            <a:schemeClr val="accent1"/>
+          </a:effectRef>
+          <a:fontRef idx="minor">
+            <a:schemeClr val="tx1"/>
+          </a:fontRef>
+        </p:style>
+      </p:cxnSp>
+      <p:pic>
+        <p:nvPicPr>
+          <p:cNvPr id="63" name="Graphic 7"/>
+          <p:cNvPicPr>
+            <a:picLocks noChangeAspect="1"/>
+          </p:cNvPicPr>
+          <p:nvPr/>
+        </p:nvPicPr>
+        <p:blipFill>
+          <a:blip r:embed="rId4">
+            <a:extLst>
+              <a:ext uri="{96DAC541-7B7A-43D3-8B79-37D633B846F1}">
+                <asvg:svgBlip xmlns:asvg="http://schemas.microsoft.com/office/drawing/2016/SVG/main" r:embed="rId5"/>
+              </a:ext>
+            </a:extLst>
+          </a:blip>
+          <a:stretch>
+            <a:fillRect/>
+          </a:stretch>
+        </p:blipFill>
+        <p:spPr>
+          <a:xfrm>
+            <a:off x="2525077" y="4818615"/>
+            <a:ext cx="469900" cy="469900"/>
+          </a:xfrm>
+          <a:prstGeom prst="rect">
+            <a:avLst/>
+          </a:prstGeom>
+        </p:spPr>
+      </p:pic>
+      <p:pic>
+        <p:nvPicPr>
+          <p:cNvPr id="66" name="图片 65" descr="Amazon-RDS_PostgreSQL_instance_light-bg@4x"/>
+          <p:cNvPicPr>
+            <a:picLocks noChangeAspect="1"/>
+          </p:cNvPicPr>
+          <p:nvPr/>
+        </p:nvPicPr>
+        <p:blipFill>
+          <a:blip r:embed="rId6"/>
+          <a:stretch>
+            <a:fillRect/>
+          </a:stretch>
+        </p:blipFill>
+        <p:spPr>
+          <a:xfrm>
+            <a:off x="1405890" y="5704205"/>
+            <a:ext cx="635000" cy="635000"/>
+          </a:xfrm>
+          <a:prstGeom prst="rect">
+            <a:avLst/>
+          </a:prstGeom>
+        </p:spPr>
+      </p:pic>
+      <p:cxnSp>
+        <p:nvCxnSpPr>
+          <p:cNvPr id="69" name="直接箭头连接符 68"/>
+          <p:cNvCxnSpPr/>
+          <p:nvPr/>
+        </p:nvCxnSpPr>
+        <p:spPr>
+          <a:xfrm flipH="1">
+            <a:off x="1751965" y="2409825"/>
+            <a:ext cx="3175" cy="1168400"/>
+          </a:xfrm>
+          <a:prstGeom prst="straightConnector1">
+            <a:avLst/>
+          </a:prstGeom>
+          <a:ln w="38100">
+            <a:headEnd type="arrow"/>
+            <a:tailEnd type="arrow"/>
+          </a:ln>
+        </p:spPr>
+        <p:style>
+          <a:lnRef idx="1">
+            <a:schemeClr val="accent1"/>
+          </a:lnRef>
+          <a:fillRef idx="0">
+            <a:schemeClr val="accent1"/>
+          </a:fillRef>
+          <a:effectRef idx="0">
+            <a:schemeClr val="accent1"/>
+          </a:effectRef>
+          <a:fontRef idx="minor">
+            <a:schemeClr val="tx1"/>
+          </a:fontRef>
+        </p:style>
+      </p:cxnSp>
+      <p:cxnSp>
+        <p:nvCxnSpPr>
+          <p:cNvPr id="74" name="直接箭头连接符 73"/>
+          <p:cNvCxnSpPr/>
+          <p:nvPr/>
+        </p:nvCxnSpPr>
+        <p:spPr>
+          <a:xfrm flipH="1">
+            <a:off x="1741805" y="4624070"/>
+            <a:ext cx="9525" cy="989330"/>
+          </a:xfrm>
+          <a:prstGeom prst="straightConnector1">
+            <a:avLst/>
+          </a:prstGeom>
+          <a:ln w="38100">
+            <a:headEnd type="arrow"/>
+            <a:tailEnd type="arrow"/>
+          </a:ln>
+        </p:spPr>
+        <p:style>
+          <a:lnRef idx="1">
+            <a:schemeClr val="accent1"/>
+          </a:lnRef>
+          <a:fillRef idx="0">
+            <a:schemeClr val="accent1"/>
+          </a:fillRef>
+          <a:effectRef idx="0">
+            <a:schemeClr val="accent1"/>
+          </a:effectRef>
+          <a:fontRef idx="minor">
+            <a:schemeClr val="tx1"/>
+          </a:fontRef>
+        </p:style>
+      </p:cxnSp>
+      <p:sp>
+        <p:nvSpPr>
+          <p:cNvPr id="77" name="TextBox 15"/>
+          <p:cNvSpPr txBox="1"/>
+          <p:nvPr/>
+        </p:nvSpPr>
+        <p:spPr>
+          <a:xfrm>
+            <a:off x="567206" y="3051752"/>
+            <a:ext cx="1506552" cy="306705"/>
+          </a:xfrm>
+          <a:prstGeom prst="rect">
+            <a:avLst/>
+          </a:prstGeom>
+          <a:noFill/>
+        </p:spPr>
+        <p:txBody>
+          <a:bodyPr wrap="square" rtlCol="0">
+            <a:spAutoFit/>
+          </a:bodyPr>
+          <a:p>
+            <a:pPr algn="ctr"/>
+            <a:r>
+              <a:rPr lang="en-US" sz="1400" b="1" dirty="0"/>
+              <a:t>Replicate</a:t>
+            </a:r>
+            <a:endParaRPr lang="en-US" sz="1400" b="1" dirty="0"/>
+          </a:p>
+        </p:txBody>
+      </p:sp>
+      <p:sp>
+        <p:nvSpPr>
+          <p:cNvPr id="78" name="TextBox 15"/>
+          <p:cNvSpPr txBox="1"/>
+          <p:nvPr/>
+        </p:nvSpPr>
+        <p:spPr>
+          <a:xfrm>
+            <a:off x="548156" y="5135187"/>
+            <a:ext cx="1506552" cy="306705"/>
+          </a:xfrm>
+          <a:prstGeom prst="rect">
+            <a:avLst/>
+          </a:prstGeom>
+          <a:noFill/>
+        </p:spPr>
+        <p:txBody>
+          <a:bodyPr wrap="square" rtlCol="0">
+            <a:spAutoFit/>
+          </a:bodyPr>
+          <a:p>
+            <a:pPr algn="ctr"/>
+            <a:r>
+              <a:rPr lang="en-US" sz="1400" b="1" dirty="0"/>
+              <a:t>Replicate</a:t>
+            </a:r>
+            <a:endParaRPr lang="en-US" sz="1400" b="1" dirty="0"/>
+          </a:p>
+        </p:txBody>
+      </p:sp>
+      <p:pic>
+        <p:nvPicPr>
+          <p:cNvPr id="109" name="Graphic 7"/>
+          <p:cNvPicPr>
+            <a:picLocks noChangeAspect="1"/>
+          </p:cNvPicPr>
+          <p:nvPr/>
+        </p:nvPicPr>
+        <p:blipFill>
+          <a:blip r:embed="rId4">
+            <a:extLst>
+              <a:ext uri="{96DAC541-7B7A-43D3-8B79-37D633B846F1}">
+                <asvg:svgBlip xmlns:asvg="http://schemas.microsoft.com/office/drawing/2016/SVG/main" r:embed="rId5"/>
+              </a:ext>
+            </a:extLst>
+          </a:blip>
+          <a:stretch>
+            <a:fillRect/>
+          </a:stretch>
+        </p:blipFill>
+        <p:spPr>
+          <a:xfrm>
+            <a:off x="10055542" y="2759310"/>
+            <a:ext cx="469900" cy="469900"/>
+          </a:xfrm>
+          <a:prstGeom prst="rect">
+            <a:avLst/>
+          </a:prstGeom>
+        </p:spPr>
+      </p:pic>
+      <p:pic>
+        <p:nvPicPr>
+          <p:cNvPr id="118" name="图片 117" descr="Amazon-RDS_PostgreSQL_instance_light-bg@4x"/>
+          <p:cNvPicPr>
+            <a:picLocks noChangeAspect="1"/>
+          </p:cNvPicPr>
+          <p:nvPr/>
+        </p:nvPicPr>
+        <p:blipFill>
+          <a:blip r:embed="rId6"/>
+          <a:stretch>
+            <a:fillRect/>
+          </a:stretch>
+        </p:blipFill>
+        <p:spPr>
+          <a:xfrm>
+            <a:off x="9969500" y="3580765"/>
+            <a:ext cx="635000" cy="635000"/>
+          </a:xfrm>
+          <a:prstGeom prst="rect">
+            <a:avLst/>
+          </a:prstGeom>
+        </p:spPr>
+      </p:pic>
+      <p:pic>
+        <p:nvPicPr>
+          <p:cNvPr id="120" name="Graphic 7"/>
+          <p:cNvPicPr>
+            <a:picLocks noChangeAspect="1"/>
+          </p:cNvPicPr>
+          <p:nvPr/>
+        </p:nvPicPr>
+        <p:blipFill>
+          <a:blip r:embed="rId4">
+            <a:extLst>
+              <a:ext uri="{96DAC541-7B7A-43D3-8B79-37D633B846F1}">
+                <asvg:svgBlip xmlns:asvg="http://schemas.microsoft.com/office/drawing/2016/SVG/main" r:embed="rId5"/>
+              </a:ext>
+            </a:extLst>
+          </a:blip>
+          <a:stretch>
+            <a:fillRect/>
+          </a:stretch>
+        </p:blipFill>
+        <p:spPr>
+          <a:xfrm>
+            <a:off x="10411142" y="1118470"/>
+            <a:ext cx="469900" cy="469900"/>
+          </a:xfrm>
+          <a:prstGeom prst="rect">
+            <a:avLst/>
+          </a:prstGeom>
+        </p:spPr>
+      </p:pic>
+      <p:pic>
+        <p:nvPicPr>
+          <p:cNvPr id="122" name="Graphic 7"/>
+          <p:cNvPicPr>
+            <a:picLocks noChangeAspect="1"/>
+          </p:cNvPicPr>
+          <p:nvPr/>
+        </p:nvPicPr>
+        <p:blipFill>
+          <a:blip r:embed="rId4">
+            <a:extLst>
+              <a:ext uri="{96DAC541-7B7A-43D3-8B79-37D633B846F1}">
+                <asvg:svgBlip xmlns:asvg="http://schemas.microsoft.com/office/drawing/2016/SVG/main" r:embed="rId5"/>
+              </a:ext>
+            </a:extLst>
+          </a:blip>
+          <a:stretch>
+            <a:fillRect/>
+          </a:stretch>
+        </p:blipFill>
+        <p:spPr>
+          <a:xfrm>
+            <a:off x="10411142" y="5421230"/>
+            <a:ext cx="469900" cy="469900"/>
+          </a:xfrm>
+          <a:prstGeom prst="rect">
+            <a:avLst/>
+          </a:prstGeom>
+        </p:spPr>
+      </p:pic>
+    </p:spTree>
+    <p:custDataLst>
+      <p:tags r:id="rId7"/>
+    </p:custDataLst>
+  </p:cSld>
+  <p:clrMapOvr>
+    <a:masterClrMapping/>
+  </p:clrMapOvr>
+</p:sld>
+</file>
+
+<file path=ppt/slides/slide5.xml><?xml version="1.0" encoding="utf-8"?>
+<p:sld xmlns:a="http://schemas.openxmlformats.org/drawingml/2006/main" xmlns:r="http://schemas.openxmlformats.org/officeDocument/2006/relationships" xmlns:p="http://schemas.openxmlformats.org/presentationml/2006/main">
+  <p:cSld>
+    <p:bg>
+      <p:bgPr>
+        <a:noFill/>
+        <a:effectLst/>
+      </p:bgPr>
+    </p:bg>
+    <p:spTree>
+      <p:nvGrpSpPr>
+        <p:cNvPr id="1" name=""/>
+        <p:cNvGrpSpPr/>
+        <p:nvPr/>
+      </p:nvGrpSpPr>
+      <p:grpSpPr/>
+      <p:sp>
+        <p:nvSpPr>
+          <p:cNvPr id="30" name="矩形 29"/>
+          <p:cNvSpPr/>
+          <p:nvPr/>
+        </p:nvSpPr>
+        <p:spPr>
+          <a:xfrm>
+            <a:off x="215265" y="405765"/>
+            <a:ext cx="5234305" cy="6371590"/>
+          </a:xfrm>
+          <a:prstGeom prst="rect">
+            <a:avLst/>
+          </a:prstGeom>
+          <a:solidFill>
+            <a:schemeClr val="bg1"/>
+          </a:solidFill>
+          <a:ln w="38100">
+            <a:solidFill>
+              <a:schemeClr val="tx2"/>
+            </a:solidFill>
+            <a:prstDash val="sysDot"/>
+          </a:ln>
+        </p:spPr>
+        <p:style>
+          <a:lnRef idx="2">
+            <a:schemeClr val="accent1">
+              <a:shade val="50000"/>
+            </a:schemeClr>
+          </a:lnRef>
+          <a:fillRef idx="1">
+            <a:schemeClr val="accent1"/>
+          </a:fillRef>
+          <a:effectRef idx="0">
+            <a:schemeClr val="accent1"/>
+          </a:effectRef>
+          <a:fontRef idx="minor">
+            <a:schemeClr val="lt1"/>
+          </a:fontRef>
+        </p:style>
+        <p:txBody>
+          <a:bodyPr rtlCol="0" anchor="ctr"/>
+          <a:p>
+            <a:pPr algn="ctr"/>
+            <a:endParaRPr lang="zh-CN" altLang="en-US"/>
+          </a:p>
+        </p:txBody>
+      </p:sp>
+      <p:sp>
+        <p:nvSpPr>
+          <p:cNvPr id="6" name="矩形 5"/>
+          <p:cNvSpPr/>
+          <p:nvPr/>
+        </p:nvSpPr>
+        <p:spPr>
+          <a:xfrm>
+            <a:off x="387985" y="599440"/>
+            <a:ext cx="4888230" cy="1825625"/>
+          </a:xfrm>
+          <a:prstGeom prst="rect">
+            <a:avLst/>
+          </a:prstGeom>
+          <a:solidFill>
+            <a:srgbClr val="FFFFFF"/>
+          </a:solidFill>
+          <a:ln w="38100">
+            <a:prstDash val="sysDot"/>
+          </a:ln>
+        </p:spPr>
+        <p:style>
+          <a:lnRef idx="2">
+            <a:schemeClr val="accent1">
+              <a:shade val="50000"/>
+            </a:schemeClr>
+          </a:lnRef>
+          <a:fillRef idx="1">
+            <a:schemeClr val="accent1"/>
+          </a:fillRef>
+          <a:effectRef idx="0">
+            <a:schemeClr val="accent1"/>
+          </a:effectRef>
+          <a:fontRef idx="minor">
+            <a:schemeClr val="lt1"/>
+          </a:fontRef>
+        </p:style>
+        <p:txBody>
+          <a:bodyPr rtlCol="0" anchor="ctr"/>
+          <a:p>
+            <a:pPr algn="ctr"/>
+            <a:endParaRPr lang="zh-CN" altLang="en-US"/>
+          </a:p>
+        </p:txBody>
+      </p:sp>
+      <p:sp>
+        <p:nvSpPr>
+          <p:cNvPr id="25" name="TextBox 15"/>
+          <p:cNvSpPr txBox="1"/>
+          <p:nvPr/>
+        </p:nvSpPr>
+        <p:spPr>
+          <a:xfrm>
+            <a:off x="2079141" y="6292"/>
+            <a:ext cx="1506552" cy="398780"/>
+          </a:xfrm>
+          <a:prstGeom prst="rect">
+            <a:avLst/>
+          </a:prstGeom>
+          <a:noFill/>
+        </p:spPr>
+        <p:txBody>
+          <a:bodyPr wrap="square" rtlCol="0">
+            <a:spAutoFit/>
+          </a:bodyPr>
+          <a:p>
+            <a:pPr algn="ctr"/>
+            <a:r>
+              <a:rPr lang="en-US" sz="2000" b="1" dirty="0"/>
+              <a:t>Intranet</a:t>
+            </a:r>
+            <a:endParaRPr lang="en-US" sz="2000" b="1" dirty="0"/>
+          </a:p>
+        </p:txBody>
+      </p:sp>
+      <p:sp>
+        <p:nvSpPr>
+          <p:cNvPr id="10" name="TextBox 15"/>
+          <p:cNvSpPr txBox="1"/>
+          <p:nvPr/>
+        </p:nvSpPr>
+        <p:spPr>
+          <a:xfrm>
+            <a:off x="8580906" y="6927"/>
+            <a:ext cx="1506552" cy="398780"/>
+          </a:xfrm>
+          <a:prstGeom prst="rect">
+            <a:avLst/>
+          </a:prstGeom>
+          <a:noFill/>
+        </p:spPr>
+        <p:txBody>
+          <a:bodyPr wrap="square" rtlCol="0">
+            <a:spAutoFit/>
+          </a:bodyPr>
+          <a:p>
+            <a:pPr algn="ctr"/>
+            <a:r>
+              <a:rPr lang="en-US" sz="2000" b="1" dirty="0"/>
+              <a:t>Internet</a:t>
+            </a:r>
+            <a:endParaRPr lang="en-US" sz="2000" b="1" dirty="0"/>
+          </a:p>
+        </p:txBody>
+      </p:sp>
+      <p:sp>
+        <p:nvSpPr>
+          <p:cNvPr id="33" name="TextBox 15"/>
+          <p:cNvSpPr txBox="1"/>
+          <p:nvPr/>
+        </p:nvSpPr>
+        <p:spPr>
+          <a:xfrm>
+            <a:off x="388136" y="605732"/>
+            <a:ext cx="1506552" cy="337185"/>
+          </a:xfrm>
+          <a:prstGeom prst="rect">
+            <a:avLst/>
+          </a:prstGeom>
+          <a:noFill/>
+        </p:spPr>
+        <p:txBody>
+          <a:bodyPr wrap="square" rtlCol="0">
+            <a:spAutoFit/>
+          </a:bodyPr>
+          <a:p>
+            <a:pPr algn="l"/>
+            <a:r>
+              <a:rPr lang="en-US" sz="1600" b="1" dirty="0"/>
+              <a:t>Shenzhen</a:t>
+            </a:r>
+            <a:endParaRPr lang="en-US" sz="1600" b="1" dirty="0"/>
+          </a:p>
+        </p:txBody>
+      </p:sp>
+      <p:sp>
+        <p:nvSpPr>
+          <p:cNvPr id="17" name="TextBox 15"/>
+          <p:cNvSpPr txBox="1"/>
+          <p:nvPr/>
+        </p:nvSpPr>
+        <p:spPr>
+          <a:xfrm>
+            <a:off x="3803801" y="1625542"/>
+            <a:ext cx="1506552" cy="368300"/>
+          </a:xfrm>
+          <a:prstGeom prst="rect">
+            <a:avLst/>
+          </a:prstGeom>
+          <a:noFill/>
+        </p:spPr>
+        <p:txBody>
+          <a:bodyPr wrap="square" rtlCol="0">
+            <a:spAutoFit/>
+          </a:bodyPr>
+          <a:p>
+            <a:pPr algn="ctr"/>
+            <a:r>
+              <a:rPr lang="en-US" b="1" dirty="0"/>
+              <a:t>Harbor</a:t>
+            </a:r>
+            <a:endParaRPr lang="en-US" b="1" dirty="0"/>
+          </a:p>
+        </p:txBody>
+      </p:sp>
+      <p:pic>
+        <p:nvPicPr>
+          <p:cNvPr id="20" name="图片 19" descr="Amazon-EC2_Instance_light-bg@4x"/>
+          <p:cNvPicPr>
+            <a:picLocks noChangeAspect="1"/>
+          </p:cNvPicPr>
+          <p:nvPr/>
+        </p:nvPicPr>
+        <p:blipFill>
+          <a:blip r:embed="rId1"/>
+          <a:stretch>
+            <a:fillRect/>
+          </a:stretch>
+        </p:blipFill>
+        <p:spPr>
+          <a:xfrm>
+            <a:off x="4239260" y="1035050"/>
+            <a:ext cx="635000" cy="635000"/>
+          </a:xfrm>
+          <a:prstGeom prst="rect">
+            <a:avLst/>
+          </a:prstGeom>
+        </p:spPr>
+      </p:pic>
+      <p:sp>
+        <p:nvSpPr>
+          <p:cNvPr id="29" name="TextBox 15"/>
+          <p:cNvSpPr txBox="1"/>
+          <p:nvPr/>
+        </p:nvSpPr>
+        <p:spPr>
+          <a:xfrm>
+            <a:off x="648335" y="1143635"/>
+            <a:ext cx="2266315" cy="368300"/>
+          </a:xfrm>
+          <a:prstGeom prst="rect">
+            <a:avLst/>
+          </a:prstGeom>
+          <a:noFill/>
+        </p:spPr>
+        <p:txBody>
+          <a:bodyPr wrap="square" rtlCol="0">
+            <a:spAutoFit/>
+          </a:bodyPr>
+          <a:p>
+            <a:pPr algn="ctr"/>
+            <a:r>
+              <a:rPr lang="en-US" b="1" dirty="0"/>
+              <a:t>Local CI</a:t>
+            </a:r>
+            <a:endParaRPr lang="en-US" b="1" dirty="0"/>
+          </a:p>
+        </p:txBody>
+      </p:sp>
+      <p:pic>
+        <p:nvPicPr>
+          <p:cNvPr id="27" name="图片 26"/>
           <p:cNvPicPr>
             <a:picLocks noChangeAspect="1"/>
           </p:cNvPicPr>
@@ -7955,8 +10662,8 @@
         </p:blipFill>
         <p:spPr>
           <a:xfrm>
-            <a:off x="1080135" y="4036060"/>
-            <a:ext cx="1026160" cy="1026160"/>
+            <a:off x="1487170" y="640715"/>
+            <a:ext cx="589280" cy="589280"/>
           </a:xfrm>
           <a:prstGeom prst="rect">
             <a:avLst/>
@@ -7965,14 +10672,287 @@
       </p:pic>
       <p:sp>
         <p:nvSpPr>
-          <p:cNvPr id="20" name="TextBox 15"/>
+          <p:cNvPr id="31" name="矩形 30"/>
+          <p:cNvSpPr/>
+          <p:nvPr/>
+        </p:nvSpPr>
+        <p:spPr>
+          <a:xfrm>
+            <a:off x="387985" y="2683510"/>
+            <a:ext cx="4888230" cy="1816735"/>
+          </a:xfrm>
+          <a:prstGeom prst="rect">
+            <a:avLst/>
+          </a:prstGeom>
+          <a:solidFill>
+            <a:srgbClr val="FFFFFF"/>
+          </a:solidFill>
+          <a:ln w="38100">
+            <a:prstDash val="sysDot"/>
+          </a:ln>
+        </p:spPr>
+        <p:style>
+          <a:lnRef idx="2">
+            <a:schemeClr val="accent1">
+              <a:shade val="50000"/>
+            </a:schemeClr>
+          </a:lnRef>
+          <a:fillRef idx="1">
+            <a:schemeClr val="accent1"/>
+          </a:fillRef>
+          <a:effectRef idx="0">
+            <a:schemeClr val="accent1"/>
+          </a:effectRef>
+          <a:fontRef idx="minor">
+            <a:schemeClr val="lt1"/>
+          </a:fontRef>
+        </p:style>
+        <p:txBody>
+          <a:bodyPr rtlCol="0" anchor="ctr"/>
+          <a:p>
+            <a:pPr algn="ctr"/>
+            <a:endParaRPr lang="zh-CN" altLang="en-US"/>
+          </a:p>
+        </p:txBody>
+      </p:sp>
+      <p:sp>
+        <p:nvSpPr>
+          <p:cNvPr id="32" name="矩形 31"/>
+          <p:cNvSpPr/>
+          <p:nvPr/>
+        </p:nvSpPr>
+        <p:spPr>
+          <a:xfrm>
+            <a:off x="387985" y="4777740"/>
+            <a:ext cx="4888230" cy="1816735"/>
+          </a:xfrm>
+          <a:prstGeom prst="rect">
+            <a:avLst/>
+          </a:prstGeom>
+          <a:solidFill>
+            <a:srgbClr val="FFFFFF"/>
+          </a:solidFill>
+          <a:ln w="38100">
+            <a:prstDash val="sysDot"/>
+          </a:ln>
+        </p:spPr>
+        <p:style>
+          <a:lnRef idx="2">
+            <a:schemeClr val="accent1">
+              <a:shade val="50000"/>
+            </a:schemeClr>
+          </a:lnRef>
+          <a:fillRef idx="1">
+            <a:schemeClr val="accent1"/>
+          </a:fillRef>
+          <a:effectRef idx="0">
+            <a:schemeClr val="accent1"/>
+          </a:effectRef>
+          <a:fontRef idx="minor">
+            <a:schemeClr val="lt1"/>
+          </a:fontRef>
+        </p:style>
+        <p:txBody>
+          <a:bodyPr rtlCol="0" anchor="ctr"/>
+          <a:p>
+            <a:pPr algn="ctr"/>
+            <a:endParaRPr lang="zh-CN" altLang="en-US"/>
+          </a:p>
+        </p:txBody>
+      </p:sp>
+      <p:sp>
+        <p:nvSpPr>
+          <p:cNvPr id="35" name="矩形 34"/>
+          <p:cNvSpPr/>
+          <p:nvPr/>
+        </p:nvSpPr>
+        <p:spPr>
+          <a:xfrm>
+            <a:off x="6717030" y="405130"/>
+            <a:ext cx="5234305" cy="6371590"/>
+          </a:xfrm>
+          <a:prstGeom prst="rect">
+            <a:avLst/>
+          </a:prstGeom>
+          <a:solidFill>
+            <a:schemeClr val="bg1"/>
+          </a:solidFill>
+          <a:ln w="38100">
+            <a:solidFill>
+              <a:schemeClr val="tx2"/>
+            </a:solidFill>
+            <a:prstDash val="sysDot"/>
+          </a:ln>
+        </p:spPr>
+        <p:style>
+          <a:lnRef idx="2">
+            <a:schemeClr val="accent1">
+              <a:shade val="50000"/>
+            </a:schemeClr>
+          </a:lnRef>
+          <a:fillRef idx="1">
+            <a:schemeClr val="accent1"/>
+          </a:fillRef>
+          <a:effectRef idx="0">
+            <a:schemeClr val="accent1"/>
+          </a:effectRef>
+          <a:fontRef idx="minor">
+            <a:schemeClr val="lt1"/>
+          </a:fontRef>
+        </p:style>
+        <p:txBody>
+          <a:bodyPr rtlCol="0" anchor="ctr"/>
+          <a:p>
+            <a:pPr algn="ctr"/>
+            <a:endParaRPr lang="zh-CN" altLang="en-US"/>
+          </a:p>
+        </p:txBody>
+      </p:sp>
+      <p:sp>
+        <p:nvSpPr>
+          <p:cNvPr id="36" name="矩形 35"/>
+          <p:cNvSpPr/>
+          <p:nvPr/>
+        </p:nvSpPr>
+        <p:spPr>
+          <a:xfrm>
+            <a:off x="6889750" y="598805"/>
+            <a:ext cx="4888230" cy="1825625"/>
+          </a:xfrm>
+          <a:prstGeom prst="rect">
+            <a:avLst/>
+          </a:prstGeom>
+          <a:solidFill>
+            <a:srgbClr val="FFFFFF"/>
+          </a:solidFill>
+          <a:ln w="38100">
+            <a:prstDash val="sysDot"/>
+          </a:ln>
+        </p:spPr>
+        <p:style>
+          <a:lnRef idx="2">
+            <a:schemeClr val="accent1">
+              <a:shade val="50000"/>
+            </a:schemeClr>
+          </a:lnRef>
+          <a:fillRef idx="1">
+            <a:schemeClr val="accent1"/>
+          </a:fillRef>
+          <a:effectRef idx="0">
+            <a:schemeClr val="accent1"/>
+          </a:effectRef>
+          <a:fontRef idx="minor">
+            <a:schemeClr val="lt1"/>
+          </a:fontRef>
+        </p:style>
+        <p:txBody>
+          <a:bodyPr rtlCol="0" anchor="ctr"/>
+          <a:p>
+            <a:pPr algn="ctr"/>
+            <a:endParaRPr lang="zh-CN" altLang="en-US"/>
+          </a:p>
+        </p:txBody>
+      </p:sp>
+      <p:sp>
+        <p:nvSpPr>
+          <p:cNvPr id="37" name="矩形 36"/>
+          <p:cNvSpPr/>
+          <p:nvPr/>
+        </p:nvSpPr>
+        <p:spPr>
+          <a:xfrm>
+            <a:off x="6889750" y="2682875"/>
+            <a:ext cx="4888230" cy="1816735"/>
+          </a:xfrm>
+          <a:prstGeom prst="rect">
+            <a:avLst/>
+          </a:prstGeom>
+          <a:solidFill>
+            <a:srgbClr val="FFFFFF"/>
+          </a:solidFill>
+          <a:ln w="38100">
+            <a:prstDash val="sysDot"/>
+          </a:ln>
+        </p:spPr>
+        <p:style>
+          <a:lnRef idx="2">
+            <a:schemeClr val="accent1">
+              <a:shade val="50000"/>
+            </a:schemeClr>
+          </a:lnRef>
+          <a:fillRef idx="1">
+            <a:schemeClr val="accent1"/>
+          </a:fillRef>
+          <a:effectRef idx="0">
+            <a:schemeClr val="accent1"/>
+          </a:effectRef>
+          <a:fontRef idx="minor">
+            <a:schemeClr val="lt1"/>
+          </a:fontRef>
+        </p:style>
+        <p:txBody>
+          <a:bodyPr rtlCol="0" anchor="ctr"/>
+          <a:p>
+            <a:pPr algn="ctr"/>
+            <a:endParaRPr lang="zh-CN" altLang="en-US"/>
+          </a:p>
+        </p:txBody>
+      </p:sp>
+      <p:sp>
+        <p:nvSpPr>
+          <p:cNvPr id="38" name="矩形 37"/>
+          <p:cNvSpPr/>
+          <p:nvPr/>
+        </p:nvSpPr>
+        <p:spPr>
+          <a:xfrm>
+            <a:off x="6889750" y="4777105"/>
+            <a:ext cx="4888230" cy="1816735"/>
+          </a:xfrm>
+          <a:prstGeom prst="rect">
+            <a:avLst/>
+          </a:prstGeom>
+          <a:solidFill>
+            <a:srgbClr val="FFFFFF"/>
+          </a:solidFill>
+          <a:ln w="38100">
+            <a:prstDash val="sysDot"/>
+          </a:ln>
+        </p:spPr>
+        <p:style>
+          <a:lnRef idx="2">
+            <a:schemeClr val="accent1">
+              <a:shade val="50000"/>
+            </a:schemeClr>
+          </a:lnRef>
+          <a:fillRef idx="1">
+            <a:schemeClr val="accent1"/>
+          </a:fillRef>
+          <a:effectRef idx="0">
+            <a:schemeClr val="accent1"/>
+          </a:effectRef>
+          <a:fontRef idx="minor">
+            <a:schemeClr val="lt1"/>
+          </a:fontRef>
+        </p:style>
+        <p:txBody>
+          <a:bodyPr rtlCol="0" anchor="ctr"/>
+          <a:p>
+            <a:pPr algn="ctr"/>
+            <a:endParaRPr lang="zh-CN" altLang="en-US"/>
+          </a:p>
+        </p:txBody>
+      </p:sp>
+      <p:sp>
+        <p:nvSpPr>
+          <p:cNvPr id="39" name="TextBox 15"/>
           <p:cNvSpPr txBox="1"/>
           <p:nvPr/>
         </p:nvSpPr>
         <p:spPr>
           <a:xfrm>
-            <a:off x="601980" y="5013325"/>
-            <a:ext cx="1983105" cy="306705"/>
+            <a:off x="388136" y="2682817"/>
+            <a:ext cx="1506552" cy="337185"/>
           </a:xfrm>
           <a:prstGeom prst="rect">
             <a:avLst/>
@@ -7984,58 +10964,25 @@
             <a:spAutoFit/>
           </a:bodyPr>
           <a:p>
-            <a:pPr algn="ctr"/>
-            <a:r>
-              <a:rPr lang="en-US" sz="1400" dirty="0"/>
-              <a:t>Continuous Integration</a:t>
-            </a:r>
-            <a:endParaRPr lang="en-US" sz="1400" dirty="0"/>
-          </a:p>
-        </p:txBody>
-      </p:sp>
-      <p:cxnSp>
-        <p:nvCxnSpPr>
-          <p:cNvPr id="21" name="直接箭头连接符 20"/>
-          <p:cNvCxnSpPr/>
-          <p:nvPr/>
-        </p:nvCxnSpPr>
-        <p:spPr>
-          <a:xfrm>
-            <a:off x="2129790" y="4407535"/>
-            <a:ext cx="2082800" cy="2540"/>
-          </a:xfrm>
-          <a:prstGeom prst="straightConnector1">
-            <a:avLst/>
-          </a:prstGeom>
-          <a:ln>
-            <a:tailEnd type="arrow"/>
-          </a:ln>
-        </p:spPr>
-        <p:style>
-          <a:lnRef idx="1">
-            <a:schemeClr val="accent1"/>
-          </a:lnRef>
-          <a:fillRef idx="0">
-            <a:schemeClr val="accent1"/>
-          </a:fillRef>
-          <a:effectRef idx="0">
-            <a:schemeClr val="accent1"/>
-          </a:effectRef>
-          <a:fontRef idx="minor">
-            <a:schemeClr val="tx1"/>
-          </a:fontRef>
-        </p:style>
-      </p:cxnSp>
-      <p:sp>
-        <p:nvSpPr>
-          <p:cNvPr id="22" name="TextBox 15"/>
+            <a:pPr algn="l"/>
+            <a:r>
+              <a:rPr lang="en-US" sz="1600" b="1" dirty="0"/>
+              <a:t>Beijing</a:t>
+            </a:r>
+            <a:endParaRPr lang="en-US" sz="1600" b="1" dirty="0"/>
+          </a:p>
+        </p:txBody>
+      </p:sp>
+      <p:sp>
+        <p:nvSpPr>
+          <p:cNvPr id="40" name="TextBox 15"/>
           <p:cNvSpPr txBox="1"/>
           <p:nvPr/>
         </p:nvSpPr>
         <p:spPr>
           <a:xfrm>
-            <a:off x="2418231" y="4060132"/>
-            <a:ext cx="1506552" cy="306705"/>
+            <a:off x="388136" y="4777682"/>
+            <a:ext cx="1506552" cy="337185"/>
           </a:xfrm>
           <a:prstGeom prst="rect">
             <a:avLst/>
@@ -8047,53 +10994,25 @@
             <a:spAutoFit/>
           </a:bodyPr>
           <a:p>
-            <a:pPr algn="ctr"/>
-            <a:r>
-              <a:rPr lang="en-US" sz="1400" dirty="0"/>
-              <a:t>push</a:t>
-            </a:r>
-            <a:endParaRPr lang="en-US" sz="1400" dirty="0"/>
-          </a:p>
-        </p:txBody>
-      </p:sp>
-      <p:pic>
-        <p:nvPicPr>
-          <p:cNvPr id="23" name="图片 22"/>
-          <p:cNvPicPr>
-            <a:picLocks noChangeAspect="1"/>
-          </p:cNvPicPr>
-          <p:nvPr>
-            <p:custDataLst>
-              <p:tags r:id="rId4"/>
-            </p:custDataLst>
-          </p:nvPr>
-        </p:nvPicPr>
-        <p:blipFill>
-          <a:blip r:embed="rId3"/>
-          <a:stretch>
-            <a:fillRect/>
-          </a:stretch>
-        </p:blipFill>
-        <p:spPr>
-          <a:xfrm>
-            <a:off x="9834880" y="4036060"/>
-            <a:ext cx="1026160" cy="1026160"/>
-          </a:xfrm>
-          <a:prstGeom prst="rect">
-            <a:avLst/>
-          </a:prstGeom>
-        </p:spPr>
-      </p:pic>
-      <p:sp>
-        <p:nvSpPr>
-          <p:cNvPr id="24" name="TextBox 15"/>
+            <a:pPr algn="l"/>
+            <a:r>
+              <a:rPr lang="en-US" sz="1600" b="1" dirty="0"/>
+              <a:t>Dalian</a:t>
+            </a:r>
+            <a:endParaRPr lang="en-US" sz="1600" b="1" dirty="0"/>
+          </a:p>
+        </p:txBody>
+      </p:sp>
+      <p:sp>
+        <p:nvSpPr>
+          <p:cNvPr id="41" name="TextBox 15"/>
           <p:cNvSpPr txBox="1"/>
           <p:nvPr/>
         </p:nvSpPr>
         <p:spPr>
           <a:xfrm>
-            <a:off x="9356090" y="5062220"/>
-            <a:ext cx="1983105" cy="306705"/>
+            <a:off x="10271276" y="599382"/>
+            <a:ext cx="1506552" cy="337185"/>
           </a:xfrm>
           <a:prstGeom prst="rect">
             <a:avLst/>
@@ -8105,58 +11024,25 @@
             <a:spAutoFit/>
           </a:bodyPr>
           <a:p>
-            <a:pPr algn="ctr"/>
-            <a:r>
-              <a:rPr lang="en-US" sz="1400" dirty="0"/>
-              <a:t>Continuous Integration</a:t>
-            </a:r>
-            <a:endParaRPr lang="en-US" sz="1400" dirty="0"/>
-          </a:p>
-        </p:txBody>
-      </p:sp>
-      <p:cxnSp>
-        <p:nvCxnSpPr>
-          <p:cNvPr id="27" name="直接箭头连接符 26"/>
-          <p:cNvCxnSpPr/>
-          <p:nvPr/>
-        </p:nvCxnSpPr>
-        <p:spPr>
-          <a:xfrm flipH="1" flipV="1">
-            <a:off x="7809230" y="4395470"/>
-            <a:ext cx="1968500" cy="12065"/>
-          </a:xfrm>
-          <a:prstGeom prst="straightConnector1">
-            <a:avLst/>
-          </a:prstGeom>
-          <a:ln>
-            <a:tailEnd type="arrow"/>
-          </a:ln>
-        </p:spPr>
-        <p:style>
-          <a:lnRef idx="1">
-            <a:schemeClr val="accent1"/>
-          </a:lnRef>
-          <a:fillRef idx="0">
-            <a:schemeClr val="accent1"/>
-          </a:fillRef>
-          <a:effectRef idx="0">
-            <a:schemeClr val="accent1"/>
-          </a:effectRef>
-          <a:fontRef idx="minor">
-            <a:schemeClr val="tx1"/>
-          </a:fontRef>
-        </p:style>
-      </p:cxnSp>
-      <p:sp>
-        <p:nvSpPr>
-          <p:cNvPr id="28" name="TextBox 15"/>
+            <a:pPr algn="r"/>
+            <a:r>
+              <a:rPr lang="en-US" sz="1600" b="1" dirty="0"/>
+              <a:t>Region 2</a:t>
+            </a:r>
+            <a:endParaRPr lang="en-US" sz="1600" b="1" dirty="0"/>
+          </a:p>
+        </p:txBody>
+      </p:sp>
+      <p:sp>
+        <p:nvSpPr>
+          <p:cNvPr id="42" name="TextBox 15"/>
           <p:cNvSpPr txBox="1"/>
           <p:nvPr/>
         </p:nvSpPr>
         <p:spPr>
           <a:xfrm>
-            <a:off x="8159901" y="4060132"/>
-            <a:ext cx="1506552" cy="306705"/>
+            <a:off x="10271276" y="2682817"/>
+            <a:ext cx="1506552" cy="337185"/>
           </a:xfrm>
           <a:prstGeom prst="rect">
             <a:avLst/>
@@ -8168,18 +11054,78 @@
             <a:spAutoFit/>
           </a:bodyPr>
           <a:p>
+            <a:pPr algn="r"/>
+            <a:r>
+              <a:rPr lang="en-US" sz="1600" b="1" dirty="0"/>
+              <a:t>Region 1</a:t>
+            </a:r>
+            <a:endParaRPr lang="en-US" sz="1600" b="1" dirty="0"/>
+          </a:p>
+        </p:txBody>
+      </p:sp>
+      <p:sp>
+        <p:nvSpPr>
+          <p:cNvPr id="43" name="TextBox 15"/>
+          <p:cNvSpPr txBox="1"/>
+          <p:nvPr/>
+        </p:nvSpPr>
+        <p:spPr>
+          <a:xfrm>
+            <a:off x="10271276" y="4777682"/>
+            <a:ext cx="1506552" cy="337185"/>
+          </a:xfrm>
+          <a:prstGeom prst="rect">
+            <a:avLst/>
+          </a:prstGeom>
+          <a:noFill/>
+        </p:spPr>
+        <p:txBody>
+          <a:bodyPr wrap="square" rtlCol="0">
+            <a:spAutoFit/>
+          </a:bodyPr>
+          <a:p>
+            <a:pPr algn="r"/>
+            <a:r>
+              <a:rPr lang="en-US" sz="1600" b="1" dirty="0"/>
+              <a:t>Region N</a:t>
+            </a:r>
+            <a:endParaRPr lang="en-US" sz="1600" b="1" dirty="0"/>
+          </a:p>
+        </p:txBody>
+      </p:sp>
+      <p:sp>
+        <p:nvSpPr>
+          <p:cNvPr id="44" name="TextBox 15"/>
+          <p:cNvSpPr txBox="1"/>
+          <p:nvPr/>
+        </p:nvSpPr>
+        <p:spPr>
+          <a:xfrm>
+            <a:off x="3803801" y="3847407"/>
+            <a:ext cx="1506552" cy="368300"/>
+          </a:xfrm>
+          <a:prstGeom prst="rect">
+            <a:avLst/>
+          </a:prstGeom>
+          <a:noFill/>
+        </p:spPr>
+        <p:txBody>
+          <a:bodyPr wrap="square" rtlCol="0">
+            <a:spAutoFit/>
+          </a:bodyPr>
+          <a:p>
             <a:pPr algn="ctr"/>
             <a:r>
-              <a:rPr lang="en-US" sz="1400" dirty="0"/>
-              <a:t>push</a:t>
-            </a:r>
-            <a:endParaRPr lang="en-US" sz="1400" dirty="0"/>
+              <a:rPr lang="en-US" b="1" dirty="0"/>
+              <a:t>Harbor</a:t>
+            </a:r>
+            <a:endParaRPr lang="en-US" b="1" dirty="0"/>
           </a:p>
         </p:txBody>
       </p:sp>
       <p:pic>
         <p:nvPicPr>
-          <p:cNvPr id="29" name="图片 28" descr="Amazon-EC2_Instance_light-bg@4x"/>
+          <p:cNvPr id="45" name="图片 44" descr="Amazon-EC2_Instance_light-bg@4x"/>
           <p:cNvPicPr>
             <a:picLocks noChangeAspect="1"/>
           </p:cNvPicPr>
@@ -8193,7 +11139,7 @@
         </p:blipFill>
         <p:spPr>
           <a:xfrm>
-            <a:off x="6880860" y="4093210"/>
+            <a:off x="4239260" y="3256915"/>
             <a:ext cx="635000" cy="635000"/>
           </a:xfrm>
           <a:prstGeom prst="rect">
@@ -8203,14 +11149,14 @@
       </p:pic>
       <p:sp>
         <p:nvSpPr>
-          <p:cNvPr id="30" name="TextBox 15"/>
+          <p:cNvPr id="46" name="TextBox 15"/>
           <p:cNvSpPr txBox="1"/>
           <p:nvPr/>
         </p:nvSpPr>
         <p:spPr>
           <a:xfrm>
-            <a:off x="6445401" y="4728152"/>
-            <a:ext cx="1506552" cy="306705"/>
+            <a:off x="3803801" y="5870517"/>
+            <a:ext cx="1506552" cy="368300"/>
           </a:xfrm>
           <a:prstGeom prst="rect">
             <a:avLst/>
@@ -8224,23 +11170,71 @@
           <a:p>
             <a:pPr algn="ctr"/>
             <a:r>
-              <a:rPr lang="en-US" sz="1400" dirty="0"/>
+              <a:rPr lang="en-US" b="1" dirty="0"/>
               <a:t>Harbor</a:t>
             </a:r>
-            <a:endParaRPr lang="en-US" sz="1400" dirty="0"/>
-          </a:p>
-        </p:txBody>
-      </p:sp>
-      <p:sp>
-        <p:nvSpPr>
-          <p:cNvPr id="12" name="TextBox 15"/>
+            <a:endParaRPr lang="en-US" b="1" dirty="0"/>
+          </a:p>
+        </p:txBody>
+      </p:sp>
+      <p:pic>
+        <p:nvPicPr>
+          <p:cNvPr id="47" name="图片 46" descr="Amazon-EC2_Instance_light-bg@4x"/>
+          <p:cNvPicPr>
+            <a:picLocks noChangeAspect="1"/>
+          </p:cNvPicPr>
+          <p:nvPr/>
+        </p:nvPicPr>
+        <p:blipFill>
+          <a:blip r:embed="rId1"/>
+          <a:stretch>
+            <a:fillRect/>
+          </a:stretch>
+        </p:blipFill>
+        <p:spPr>
+          <a:xfrm>
+            <a:off x="4239260" y="5280025"/>
+            <a:ext cx="635000" cy="635000"/>
+          </a:xfrm>
+          <a:prstGeom prst="rect">
+            <a:avLst/>
+          </a:prstGeom>
+        </p:spPr>
+      </p:pic>
+      <p:pic>
+        <p:nvPicPr>
+          <p:cNvPr id="34" name="图片 33" descr="Amazon-EC2_Instances_light-bg@4x"/>
+          <p:cNvPicPr>
+            <a:picLocks noChangeAspect="1"/>
+          </p:cNvPicPr>
+          <p:nvPr/>
+        </p:nvPicPr>
+        <p:blipFill>
+          <a:blip r:embed="rId4"/>
+          <a:stretch>
+            <a:fillRect/>
+          </a:stretch>
+        </p:blipFill>
+        <p:spPr>
+          <a:xfrm>
+            <a:off x="7482840" y="3256915"/>
+            <a:ext cx="635000" cy="635000"/>
+          </a:xfrm>
+          <a:prstGeom prst="rect">
+            <a:avLst/>
+          </a:prstGeom>
+        </p:spPr>
+      </p:pic>
+      <p:sp>
+        <p:nvSpPr>
+          <p:cNvPr id="48" name="TextBox 15"/>
           <p:cNvSpPr txBox="1"/>
           <p:nvPr/>
         </p:nvSpPr>
         <p:spPr>
           <a:xfrm>
-            <a:off x="-91289" y="4034732"/>
-            <a:ext cx="1506552" cy="306705"/>
+            <a:off x="7046746" y="3847407"/>
+            <a:ext cx="1506552" cy="368300"/>
           </a:xfrm>
           <a:prstGeom prst="rect">
             <a:avLst/>
@@ -8254,28 +11248,139 @@
           <a:p>
             <a:pPr algn="ctr"/>
             <a:r>
-              <a:rPr lang="en-US" sz="1400" dirty="0"/>
-              <a:t>Beijing</a:t>
-            </a:r>
-            <a:endParaRPr lang="en-US" sz="1400" dirty="0"/>
+              <a:rPr lang="en-US" b="1" dirty="0"/>
+              <a:t>  HA Harbor</a:t>
+            </a:r>
+            <a:endParaRPr lang="en-US" b="1" dirty="0"/>
+          </a:p>
+        </p:txBody>
+      </p:sp>
+      <p:pic>
+        <p:nvPicPr>
+          <p:cNvPr id="49" name="图片 48"/>
+          <p:cNvPicPr>
+            <a:picLocks noChangeAspect="1"/>
+          </p:cNvPicPr>
+          <p:nvPr/>
+        </p:nvPicPr>
+        <p:blipFill>
+          <a:blip r:embed="rId5"/>
+          <a:stretch>
+            <a:fillRect/>
+          </a:stretch>
+        </p:blipFill>
+        <p:spPr>
+          <a:xfrm>
+            <a:off x="7360285" y="1035050"/>
+            <a:ext cx="869315" cy="636270"/>
+          </a:xfrm>
+          <a:prstGeom prst="rect">
+            <a:avLst/>
+          </a:prstGeom>
+        </p:spPr>
+      </p:pic>
+      <p:sp>
+        <p:nvSpPr>
+          <p:cNvPr id="50" name="TextBox 15"/>
+          <p:cNvSpPr txBox="1"/>
+          <p:nvPr/>
+        </p:nvSpPr>
+        <p:spPr>
+          <a:xfrm>
+            <a:off x="6814185" y="1625600"/>
+            <a:ext cx="1971675" cy="368300"/>
+          </a:xfrm>
+          <a:prstGeom prst="rect">
+            <a:avLst/>
+          </a:prstGeom>
+          <a:noFill/>
+        </p:spPr>
+        <p:txBody>
+          <a:bodyPr wrap="square" rtlCol="0">
+            <a:spAutoFit/>
+          </a:bodyPr>
+          <a:p>
+            <a:pPr algn="ctr"/>
+            <a:r>
+              <a:rPr lang="en-US" b="1" dirty="0"/>
+              <a:t>Docker Registry</a:t>
+            </a:r>
+            <a:endParaRPr lang="en-US" b="1" dirty="0"/>
+          </a:p>
+        </p:txBody>
+      </p:sp>
+      <p:pic>
+        <p:nvPicPr>
+          <p:cNvPr id="51" name="图片 50"/>
+          <p:cNvPicPr>
+            <a:picLocks noChangeAspect="1"/>
+          </p:cNvPicPr>
+          <p:nvPr/>
+        </p:nvPicPr>
+        <p:blipFill>
+          <a:blip r:embed="rId5"/>
+          <a:stretch>
+            <a:fillRect/>
+          </a:stretch>
+        </p:blipFill>
+        <p:spPr>
+          <a:xfrm>
+            <a:off x="7360285" y="5280025"/>
+            <a:ext cx="869315" cy="636270"/>
+          </a:xfrm>
+          <a:prstGeom prst="rect">
+            <a:avLst/>
+          </a:prstGeom>
+        </p:spPr>
+      </p:pic>
+      <p:sp>
+        <p:nvSpPr>
+          <p:cNvPr id="52" name="TextBox 15"/>
+          <p:cNvSpPr txBox="1"/>
+          <p:nvPr/>
+        </p:nvSpPr>
+        <p:spPr>
+          <a:xfrm>
+            <a:off x="6814185" y="5870575"/>
+            <a:ext cx="1971675" cy="368300"/>
+          </a:xfrm>
+          <a:prstGeom prst="rect">
+            <a:avLst/>
+          </a:prstGeom>
+          <a:noFill/>
+        </p:spPr>
+        <p:txBody>
+          <a:bodyPr wrap="square" rtlCol="0">
+            <a:spAutoFit/>
+          </a:bodyPr>
+          <a:p>
+            <a:pPr algn="ctr"/>
+            <a:r>
+              <a:rPr lang="en-US" b="1" dirty="0"/>
+              <a:t>Docker Registry</a:t>
+            </a:r>
+            <a:endParaRPr lang="en-US" b="1" dirty="0"/>
           </a:p>
         </p:txBody>
       </p:sp>
       <p:cxnSp>
         <p:nvCxnSpPr>
-          <p:cNvPr id="31" name="直接箭头连接符 30"/>
-          <p:cNvCxnSpPr/>
+          <p:cNvPr id="53" name="直接箭头连接符 52"/>
+          <p:cNvCxnSpPr>
+            <a:stCxn id="20" idx="3"/>
+          </p:cNvCxnSpPr>
           <p:nvPr/>
         </p:nvCxnSpPr>
         <p:spPr>
           <a:xfrm>
-            <a:off x="5260340" y="4332605"/>
-            <a:ext cx="1504950" cy="15240"/>
+            <a:off x="4874260" y="1352550"/>
+            <a:ext cx="2592070" cy="2075815"/>
           </a:xfrm>
           <a:prstGeom prst="straightConnector1">
             <a:avLst/>
           </a:prstGeom>
-          <a:ln>
+          <a:ln w="38100">
+            <a:headEnd type="arrow"/>
             <a:tailEnd type="arrow"/>
           </a:ln>
         </p:spPr>
@@ -8296,314 +11401,23 @@
       </p:cxnSp>
       <p:cxnSp>
         <p:nvCxnSpPr>
-          <p:cNvPr id="32" name="直接箭头连接符 31"/>
-          <p:cNvCxnSpPr/>
+          <p:cNvPr id="54" name="直接箭头连接符 53"/>
+          <p:cNvCxnSpPr>
+            <a:stCxn id="45" idx="3"/>
+            <a:endCxn id="34" idx="1"/>
+          </p:cNvCxnSpPr>
           <p:nvPr/>
         </p:nvCxnSpPr>
         <p:spPr>
-          <a:xfrm flipH="1">
-            <a:off x="5215890" y="4526280"/>
-            <a:ext cx="1565275" cy="0"/>
+          <a:xfrm>
+            <a:off x="4865370" y="3574415"/>
+            <a:ext cx="2608580" cy="0"/>
           </a:xfrm>
           <a:prstGeom prst="straightConnector1">
             <a:avLst/>
           </a:prstGeom>
-          <a:ln>
-            <a:tailEnd type="arrow"/>
-          </a:ln>
-        </p:spPr>
-        <p:style>
-          <a:lnRef idx="1">
-            <a:schemeClr val="accent1"/>
-          </a:lnRef>
-          <a:fillRef idx="0">
-            <a:schemeClr val="accent1"/>
-          </a:fillRef>
-          <a:effectRef idx="0">
-            <a:schemeClr val="accent1"/>
-          </a:effectRef>
-          <a:fontRef idx="minor">
-            <a:schemeClr val="tx1"/>
-          </a:fontRef>
-        </p:style>
-      </p:cxnSp>
-      <p:pic>
-        <p:nvPicPr>
-          <p:cNvPr id="42" name="Graphic 7"/>
-          <p:cNvPicPr>
-            <a:picLocks noChangeAspect="1"/>
-          </p:cNvPicPr>
-          <p:nvPr/>
-        </p:nvPicPr>
-        <p:blipFill>
-          <a:blip r:embed="rId5">
-            <a:extLst>
-              <a:ext uri="{96DAC541-7B7A-43D3-8B79-37D633B846F1}">
-                <asvg:svgBlip xmlns:asvg="http://schemas.microsoft.com/office/drawing/2016/SVG/main" r:embed="rId6"/>
-              </a:ext>
-            </a:extLst>
-          </a:blip>
-          <a:stretch>
-            <a:fillRect/>
-          </a:stretch>
-        </p:blipFill>
-        <p:spPr>
-          <a:xfrm>
-            <a:off x="1359217" y="5696185"/>
-            <a:ext cx="469900" cy="469900"/>
-          </a:xfrm>
-          <a:prstGeom prst="rect">
-            <a:avLst/>
-          </a:prstGeom>
-        </p:spPr>
-      </p:pic>
-      <p:sp>
-        <p:nvSpPr>
-          <p:cNvPr id="43" name="TextBox 15"/>
-          <p:cNvSpPr txBox="1"/>
-          <p:nvPr/>
-        </p:nvSpPr>
-        <p:spPr>
-          <a:xfrm>
-            <a:off x="100330" y="6165850"/>
-            <a:ext cx="2987040" cy="306705"/>
-          </a:xfrm>
-          <a:prstGeom prst="rect">
-            <a:avLst/>
-          </a:prstGeom>
-          <a:noFill/>
-        </p:spPr>
-        <p:txBody>
-          <a:bodyPr wrap="square" rtlCol="0">
-            <a:spAutoFit/>
-          </a:bodyPr>
-          <a:p>
-            <a:pPr algn="ctr"/>
-            <a:r>
-              <a:rPr lang="en-US" sz="1400" dirty="0"/>
-              <a:t>S3 docker images bucket</a:t>
-            </a:r>
-            <a:endParaRPr lang="en-US" sz="1400" dirty="0"/>
-          </a:p>
-        </p:txBody>
-      </p:sp>
-      <p:cxnSp>
-        <p:nvCxnSpPr>
-          <p:cNvPr id="44" name="直接箭头连接符 43"/>
-          <p:cNvCxnSpPr/>
-          <p:nvPr/>
-        </p:nvCxnSpPr>
-        <p:spPr>
-          <a:xfrm flipH="1">
-            <a:off x="1846580" y="4720590"/>
-            <a:ext cx="2638425" cy="998220"/>
-          </a:xfrm>
-          <a:prstGeom prst="straightConnector1">
-            <a:avLst/>
-          </a:prstGeom>
-          <a:ln>
-            <a:tailEnd type="arrow"/>
-          </a:ln>
-        </p:spPr>
-        <p:style>
-          <a:lnRef idx="1">
-            <a:schemeClr val="accent1"/>
-          </a:lnRef>
-          <a:fillRef idx="0">
-            <a:schemeClr val="accent1"/>
-          </a:fillRef>
-          <a:effectRef idx="0">
-            <a:schemeClr val="accent1"/>
-          </a:effectRef>
-          <a:fontRef idx="minor">
-            <a:schemeClr val="tx1"/>
-          </a:fontRef>
-        </p:style>
-      </p:cxnSp>
-      <p:pic>
-        <p:nvPicPr>
-          <p:cNvPr id="45" name="Graphic 7"/>
-          <p:cNvPicPr>
-            <a:picLocks noChangeAspect="1"/>
-          </p:cNvPicPr>
-          <p:nvPr/>
-        </p:nvPicPr>
-        <p:blipFill>
-          <a:blip r:embed="rId5">
-            <a:extLst>
-              <a:ext uri="{96DAC541-7B7A-43D3-8B79-37D633B846F1}">
-                <asvg:svgBlip xmlns:asvg="http://schemas.microsoft.com/office/drawing/2016/SVG/main" r:embed="rId6"/>
-              </a:ext>
-            </a:extLst>
-          </a:blip>
-          <a:stretch>
-            <a:fillRect/>
-          </a:stretch>
-        </p:blipFill>
-        <p:spPr>
-          <a:xfrm>
-            <a:off x="10523537" y="5588235"/>
-            <a:ext cx="469900" cy="469900"/>
-          </a:xfrm>
-          <a:prstGeom prst="rect">
-            <a:avLst/>
-          </a:prstGeom>
-        </p:spPr>
-      </p:pic>
-      <p:sp>
-        <p:nvSpPr>
-          <p:cNvPr id="46" name="TextBox 15"/>
-          <p:cNvSpPr txBox="1"/>
-          <p:nvPr/>
-        </p:nvSpPr>
-        <p:spPr>
-          <a:xfrm>
-            <a:off x="8159750" y="6054725"/>
-            <a:ext cx="5197475" cy="521970"/>
-          </a:xfrm>
-          <a:prstGeom prst="rect">
-            <a:avLst/>
-          </a:prstGeom>
-          <a:noFill/>
-        </p:spPr>
-        <p:txBody>
-          <a:bodyPr wrap="square" rtlCol="0">
-            <a:spAutoFit/>
-          </a:bodyPr>
-          <a:p>
-            <a:pPr algn="ctr"/>
-            <a:r>
-              <a:rPr lang="en-US" sz="1400" dirty="0">
-                <a:sym typeface="+mn-ea"/>
-              </a:rPr>
-              <a:t>Amazon S3 </a:t>
-            </a:r>
-            <a:endParaRPr lang="en-US" sz="1400" dirty="0">
-              <a:sym typeface="+mn-ea"/>
-            </a:endParaRPr>
-          </a:p>
-          <a:p>
-            <a:pPr algn="ctr"/>
-            <a:r>
-              <a:rPr lang="en-US" sz="1400" dirty="0">
-                <a:sym typeface="+mn-ea"/>
-              </a:rPr>
-              <a:t>docker images bucket</a:t>
-            </a:r>
-            <a:endParaRPr lang="en-US" sz="1400" dirty="0"/>
-          </a:p>
-        </p:txBody>
-      </p:sp>
-      <p:cxnSp>
-        <p:nvCxnSpPr>
-          <p:cNvPr id="47" name="直接箭头连接符 46"/>
-          <p:cNvCxnSpPr/>
-          <p:nvPr/>
-        </p:nvCxnSpPr>
-        <p:spPr>
-          <a:xfrm>
-            <a:off x="7586345" y="4660900"/>
-            <a:ext cx="2414905" cy="1013460"/>
-          </a:xfrm>
-          <a:prstGeom prst="straightConnector1">
-            <a:avLst/>
-          </a:prstGeom>
-          <a:ln>
-            <a:tailEnd type="arrow"/>
-          </a:ln>
-        </p:spPr>
-        <p:style>
-          <a:lnRef idx="1">
-            <a:schemeClr val="accent1"/>
-          </a:lnRef>
-          <a:fillRef idx="0">
-            <a:schemeClr val="accent1"/>
-          </a:fillRef>
-          <a:effectRef idx="0">
-            <a:schemeClr val="accent1"/>
-          </a:effectRef>
-          <a:fontRef idx="minor">
-            <a:schemeClr val="tx1"/>
-          </a:fontRef>
-        </p:style>
-      </p:cxnSp>
-      <p:pic>
-        <p:nvPicPr>
-          <p:cNvPr id="48" name="图片 47" descr="Amazon-RDS_PostgreSQL_instance_light-bg@4x"/>
-          <p:cNvPicPr>
-            <a:picLocks noChangeAspect="1"/>
-          </p:cNvPicPr>
-          <p:nvPr/>
-        </p:nvPicPr>
-        <p:blipFill>
-          <a:blip r:embed="rId7"/>
-          <a:stretch>
-            <a:fillRect/>
-          </a:stretch>
-        </p:blipFill>
-        <p:spPr>
-          <a:xfrm>
-            <a:off x="7348855" y="5422265"/>
-            <a:ext cx="635000" cy="635000"/>
-          </a:xfrm>
-          <a:prstGeom prst="rect">
-            <a:avLst/>
-          </a:prstGeom>
-        </p:spPr>
-      </p:pic>
-      <p:sp>
-        <p:nvSpPr>
-          <p:cNvPr id="49" name="TextBox 15"/>
-          <p:cNvSpPr txBox="1"/>
-          <p:nvPr/>
-        </p:nvSpPr>
-        <p:spPr>
-          <a:xfrm>
-            <a:off x="5499735" y="6057265"/>
-            <a:ext cx="4333240" cy="521970"/>
-          </a:xfrm>
-          <a:prstGeom prst="rect">
-            <a:avLst/>
-          </a:prstGeom>
-          <a:noFill/>
-        </p:spPr>
-        <p:txBody>
-          <a:bodyPr wrap="square" rtlCol="0">
-            <a:spAutoFit/>
-          </a:bodyPr>
-          <a:p>
-            <a:pPr algn="ctr"/>
-            <a:r>
-              <a:rPr lang="en-US" sz="1400" dirty="0"/>
-              <a:t>Amazon Aurora </a:t>
-            </a:r>
-            <a:endParaRPr lang="en-US" sz="1400" dirty="0"/>
-          </a:p>
-          <a:p>
-            <a:pPr algn="ctr"/>
-            <a:r>
-              <a:rPr lang="en-US" sz="1400" dirty="0"/>
-              <a:t>PostgreSQL Serverless</a:t>
-            </a:r>
-            <a:endParaRPr lang="en-US" sz="1400" dirty="0"/>
-          </a:p>
-        </p:txBody>
-      </p:sp>
-      <p:cxnSp>
-        <p:nvCxnSpPr>
-          <p:cNvPr id="50" name="直接箭头连接符 49"/>
-          <p:cNvCxnSpPr/>
-          <p:nvPr/>
-        </p:nvCxnSpPr>
-        <p:spPr>
-          <a:xfrm>
-            <a:off x="7435850" y="5067935"/>
-            <a:ext cx="15240" cy="268605"/>
-          </a:xfrm>
-          <a:prstGeom prst="straightConnector1">
-            <a:avLst/>
-          </a:prstGeom>
-          <a:ln>
+          <a:ln w="38100">
+            <a:headEnd type="arrow"/>
             <a:tailEnd type="arrow"/>
           </a:ln>
         </p:spPr>
@@ -8624,23 +11438,22 @@
       </p:cxnSp>
       <p:cxnSp>
         <p:nvCxnSpPr>
-          <p:cNvPr id="51" name="直接箭头连接符 50"/>
-          <p:cNvCxnSpPr/>
+          <p:cNvPr id="55" name="直接箭头连接符 54"/>
+          <p:cNvCxnSpPr>
+            <a:stCxn id="47" idx="3"/>
+          </p:cNvCxnSpPr>
           <p:nvPr/>
         </p:nvCxnSpPr>
         <p:spPr>
-          <a:xfrm>
-            <a:off x="5155565" y="4770120"/>
-            <a:ext cx="1982470" cy="670560"/>
+          <a:xfrm flipV="1">
+            <a:off x="4874260" y="3722370"/>
+            <a:ext cx="2633345" cy="1875155"/>
           </a:xfrm>
           <a:prstGeom prst="straightConnector1">
             <a:avLst/>
           </a:prstGeom>
-          <a:ln w="12700">
-            <a:solidFill>
-              <a:schemeClr val="accent1"/>
-            </a:solidFill>
-            <a:prstDash val="sysDot"/>
+          <a:ln w="38100">
+            <a:headEnd type="arrow"/>
             <a:tailEnd type="arrow"/>
           </a:ln>
         </p:spPr>
@@ -8659,149 +11472,24 @@
           </a:fontRef>
         </p:style>
       </p:cxnSp>
-      <p:pic>
-        <p:nvPicPr>
-          <p:cNvPr id="52" name="图片 51"/>
-          <p:cNvPicPr>
-            <a:picLocks noChangeAspect="1"/>
-          </p:cNvPicPr>
-          <p:nvPr/>
-        </p:nvPicPr>
-        <p:blipFill>
-          <a:blip r:embed="rId8"/>
-          <a:stretch>
-            <a:fillRect/>
-          </a:stretch>
-        </p:blipFill>
-        <p:spPr>
-          <a:xfrm>
-            <a:off x="7105650" y="1130935"/>
-            <a:ext cx="1216025" cy="890270"/>
-          </a:xfrm>
-          <a:prstGeom prst="rect">
-            <a:avLst/>
-          </a:prstGeom>
-        </p:spPr>
-      </p:pic>
-      <p:sp>
-        <p:nvSpPr>
-          <p:cNvPr id="53" name="TextBox 15"/>
-          <p:cNvSpPr txBox="1"/>
-          <p:nvPr/>
-        </p:nvSpPr>
-        <p:spPr>
-          <a:xfrm>
-            <a:off x="6950226" y="2139892"/>
-            <a:ext cx="1506552" cy="306705"/>
-          </a:xfrm>
-          <a:prstGeom prst="rect">
-            <a:avLst/>
-          </a:prstGeom>
-          <a:noFill/>
-        </p:spPr>
-        <p:txBody>
-          <a:bodyPr wrap="square" rtlCol="0">
-            <a:spAutoFit/>
-          </a:bodyPr>
-          <a:p>
-            <a:pPr algn="ctr"/>
-            <a:r>
-              <a:rPr lang="en-US" sz="1400" dirty="0"/>
-              <a:t>Docker Registry</a:t>
-            </a:r>
-            <a:endParaRPr lang="en-US" sz="1400" dirty="0"/>
-          </a:p>
-        </p:txBody>
-      </p:sp>
-      <p:pic>
-        <p:nvPicPr>
-          <p:cNvPr id="54" name="Graphic 7"/>
-          <p:cNvPicPr>
-            <a:picLocks noChangeAspect="1"/>
-          </p:cNvPicPr>
-          <p:nvPr/>
-        </p:nvPicPr>
-        <p:blipFill>
-          <a:blip r:embed="rId5">
-            <a:extLst>
-              <a:ext uri="{96DAC541-7B7A-43D3-8B79-37D633B846F1}">
-                <asvg:svgBlip xmlns:asvg="http://schemas.microsoft.com/office/drawing/2016/SVG/main" r:embed="rId6"/>
-              </a:ext>
-            </a:extLst>
-          </a:blip>
-          <a:stretch>
-            <a:fillRect/>
-          </a:stretch>
-        </p:blipFill>
-        <p:spPr>
-          <a:xfrm>
-            <a:off x="10568622" y="2702160"/>
-            <a:ext cx="469900" cy="469900"/>
-          </a:xfrm>
-          <a:prstGeom prst="rect">
-            <a:avLst/>
-          </a:prstGeom>
-        </p:spPr>
-      </p:pic>
-      <p:sp>
-        <p:nvSpPr>
-          <p:cNvPr id="55" name="TextBox 15"/>
-          <p:cNvSpPr txBox="1"/>
-          <p:nvPr/>
-        </p:nvSpPr>
-        <p:spPr>
-          <a:xfrm>
-            <a:off x="8204835" y="3168650"/>
-            <a:ext cx="5197475" cy="521970"/>
-          </a:xfrm>
-          <a:prstGeom prst="rect">
-            <a:avLst/>
-          </a:prstGeom>
-          <a:noFill/>
-        </p:spPr>
-        <p:txBody>
-          <a:bodyPr wrap="square" rtlCol="0">
-            <a:spAutoFit/>
-          </a:bodyPr>
-          <a:p>
-            <a:pPr algn="ctr"/>
-            <a:r>
-              <a:rPr lang="en-US" sz="1400" dirty="0">
-                <a:sym typeface="+mn-ea"/>
-              </a:rPr>
-              <a:t>Amazon S3 </a:t>
-            </a:r>
-            <a:endParaRPr lang="en-US" sz="1400" dirty="0">
-              <a:sym typeface="+mn-ea"/>
-            </a:endParaRPr>
-          </a:p>
-          <a:p>
-            <a:pPr algn="ctr"/>
-            <a:r>
-              <a:rPr lang="en-US" sz="1400" dirty="0">
-                <a:sym typeface="+mn-ea"/>
-              </a:rPr>
-              <a:t>docker images bucket</a:t>
-            </a:r>
-            <a:endParaRPr lang="en-US" sz="1400" dirty="0"/>
-          </a:p>
-        </p:txBody>
-      </p:sp>
       <p:cxnSp>
         <p:nvCxnSpPr>
           <p:cNvPr id="56" name="直接箭头连接符 55"/>
-          <p:cNvCxnSpPr/>
+          <p:cNvCxnSpPr>
+            <a:stCxn id="17" idx="2"/>
+          </p:cNvCxnSpPr>
           <p:nvPr/>
         </p:nvCxnSpPr>
         <p:spPr>
-          <a:xfrm>
-            <a:off x="8449310" y="1938020"/>
-            <a:ext cx="1982470" cy="745490"/>
+          <a:xfrm flipH="1">
+            <a:off x="4545330" y="1993900"/>
+            <a:ext cx="3175" cy="1168400"/>
           </a:xfrm>
           <a:prstGeom prst="straightConnector1">
             <a:avLst/>
           </a:prstGeom>
-          <a:ln>
+          <a:ln w="38100">
+            <a:headEnd type="arrow"/>
             <a:tailEnd type="arrow"/>
           </a:ln>
         </p:spPr>
@@ -8827,14 +11515,15 @@
           <p:nvPr/>
         </p:nvCxnSpPr>
         <p:spPr>
-          <a:xfrm flipV="1">
-            <a:off x="7331710" y="2474595"/>
-            <a:ext cx="0" cy="1579880"/>
+          <a:xfrm flipH="1">
+            <a:off x="4535170" y="4208145"/>
+            <a:ext cx="9525" cy="989330"/>
           </a:xfrm>
           <a:prstGeom prst="straightConnector1">
             <a:avLst/>
           </a:prstGeom>
-          <a:ln>
+          <a:ln w="38100">
+            <a:headEnd type="arrow"/>
             <a:tailEnd type="arrow"/>
           </a:ln>
         </p:spPr>
@@ -8853,165 +11542,21 @@
           </a:fontRef>
         </p:style>
       </p:cxnSp>
-      <p:sp>
-        <p:nvSpPr>
-          <p:cNvPr id="58" name="TextBox 15"/>
-          <p:cNvSpPr txBox="1"/>
-          <p:nvPr/>
-        </p:nvSpPr>
-        <p:spPr>
-          <a:xfrm>
-            <a:off x="6995946" y="3008572"/>
-            <a:ext cx="1506552" cy="306705"/>
-          </a:xfrm>
-          <a:prstGeom prst="rect">
-            <a:avLst/>
-          </a:prstGeom>
-          <a:noFill/>
-        </p:spPr>
-        <p:txBody>
-          <a:bodyPr wrap="square" rtlCol="0">
-            <a:spAutoFit/>
-          </a:bodyPr>
-          <a:p>
-            <a:pPr algn="ctr"/>
-            <a:r>
-              <a:rPr lang="en-US" sz="1400" dirty="0"/>
-              <a:t>replicate</a:t>
-            </a:r>
-            <a:endParaRPr lang="en-US" sz="1400" dirty="0"/>
-          </a:p>
-        </p:txBody>
-      </p:sp>
-      <p:pic>
-        <p:nvPicPr>
-          <p:cNvPr id="59" name="Graphic 7"/>
-          <p:cNvPicPr>
-            <a:picLocks noChangeAspect="1"/>
-          </p:cNvPicPr>
-          <p:nvPr/>
-        </p:nvPicPr>
-        <p:blipFill>
-          <a:blip r:embed="rId5">
-            <a:extLst>
-              <a:ext uri="{96DAC541-7B7A-43D3-8B79-37D633B846F1}">
-                <asvg:svgBlip xmlns:asvg="http://schemas.microsoft.com/office/drawing/2016/SVG/main" r:embed="rId6"/>
-              </a:ext>
-            </a:extLst>
-          </a:blip>
-          <a:stretch>
-            <a:fillRect/>
-          </a:stretch>
-        </p:blipFill>
-        <p:spPr>
-          <a:xfrm>
-            <a:off x="1401127" y="2855830"/>
-            <a:ext cx="469900" cy="469900"/>
-          </a:xfrm>
-          <a:prstGeom prst="rect">
-            <a:avLst/>
-          </a:prstGeom>
-        </p:spPr>
-      </p:pic>
-      <p:sp>
-        <p:nvSpPr>
-          <p:cNvPr id="60" name="TextBox 15"/>
-          <p:cNvSpPr txBox="1"/>
-          <p:nvPr/>
-        </p:nvSpPr>
-        <p:spPr>
-          <a:xfrm>
-            <a:off x="142240" y="3325495"/>
-            <a:ext cx="2987040" cy="306705"/>
-          </a:xfrm>
-          <a:prstGeom prst="rect">
-            <a:avLst/>
-          </a:prstGeom>
-          <a:noFill/>
-        </p:spPr>
-        <p:txBody>
-          <a:bodyPr wrap="square" rtlCol="0">
-            <a:spAutoFit/>
-          </a:bodyPr>
-          <a:p>
-            <a:pPr algn="ctr"/>
-            <a:r>
-              <a:rPr lang="en-US" sz="1400" dirty="0"/>
-              <a:t>S3 docker images bucket</a:t>
-            </a:r>
-            <a:endParaRPr lang="en-US" sz="1400" dirty="0"/>
-          </a:p>
-        </p:txBody>
-      </p:sp>
-      <p:pic>
-        <p:nvPicPr>
-          <p:cNvPr id="61" name="图片 60"/>
-          <p:cNvPicPr>
-            <a:picLocks noChangeAspect="1"/>
-          </p:cNvPicPr>
-          <p:nvPr/>
-        </p:nvPicPr>
-        <p:blipFill>
-          <a:blip r:embed="rId8"/>
-          <a:stretch>
-            <a:fillRect/>
-          </a:stretch>
-        </p:blipFill>
-        <p:spPr>
-          <a:xfrm>
-            <a:off x="3834765" y="1130935"/>
-            <a:ext cx="1216025" cy="890270"/>
-          </a:xfrm>
-          <a:prstGeom prst="rect">
-            <a:avLst/>
-          </a:prstGeom>
-        </p:spPr>
-      </p:pic>
-      <p:sp>
-        <p:nvSpPr>
-          <p:cNvPr id="62" name="TextBox 15"/>
-          <p:cNvSpPr txBox="1"/>
-          <p:nvPr/>
-        </p:nvSpPr>
-        <p:spPr>
-          <a:xfrm>
-            <a:off x="3679341" y="2139892"/>
-            <a:ext cx="1506552" cy="306705"/>
-          </a:xfrm>
-          <a:prstGeom prst="rect">
-            <a:avLst/>
-          </a:prstGeom>
-          <a:noFill/>
-        </p:spPr>
-        <p:txBody>
-          <a:bodyPr wrap="square" rtlCol="0">
-            <a:spAutoFit/>
-          </a:bodyPr>
-          <a:p>
-            <a:pPr algn="ctr"/>
-            <a:r>
-              <a:rPr lang="en-US" sz="1400" dirty="0"/>
-              <a:t>Docker Registry</a:t>
-            </a:r>
-            <a:endParaRPr lang="en-US" sz="1400" dirty="0"/>
-          </a:p>
-        </p:txBody>
-      </p:sp>
       <p:cxnSp>
         <p:nvCxnSpPr>
-          <p:cNvPr id="63" name="直接箭头连接符 62"/>
+          <p:cNvPr id="58" name="直接箭头连接符 57"/>
           <p:cNvCxnSpPr/>
           <p:nvPr/>
         </p:nvCxnSpPr>
         <p:spPr>
           <a:xfrm flipV="1">
-            <a:off x="4844415" y="2474595"/>
-            <a:ext cx="0" cy="1579880"/>
+            <a:off x="7794625" y="1954530"/>
+            <a:ext cx="0" cy="1207770"/>
           </a:xfrm>
           <a:prstGeom prst="straightConnector1">
             <a:avLst/>
           </a:prstGeom>
-          <a:ln>
+          <a:ln w="38100">
             <a:tailEnd type="arrow"/>
           </a:ln>
         </p:spPr>
@@ -9030,51 +11575,23 @@
           </a:fontRef>
         </p:style>
       </p:cxnSp>
-      <p:sp>
-        <p:nvSpPr>
-          <p:cNvPr id="64" name="TextBox 15"/>
-          <p:cNvSpPr txBox="1"/>
-          <p:nvPr/>
-        </p:nvSpPr>
-        <p:spPr>
-          <a:xfrm>
-            <a:off x="3676166" y="3008572"/>
-            <a:ext cx="1506552" cy="306705"/>
-          </a:xfrm>
-          <a:prstGeom prst="rect">
-            <a:avLst/>
-          </a:prstGeom>
-          <a:noFill/>
-        </p:spPr>
-        <p:txBody>
-          <a:bodyPr wrap="square" rtlCol="0">
-            <a:spAutoFit/>
-          </a:bodyPr>
-          <a:p>
-            <a:pPr algn="ctr"/>
-            <a:r>
-              <a:rPr lang="en-US" sz="1400" dirty="0"/>
-              <a:t>replicate</a:t>
-            </a:r>
-            <a:endParaRPr lang="en-US" sz="1400" dirty="0"/>
-          </a:p>
-        </p:txBody>
-      </p:sp>
       <p:cxnSp>
         <p:nvCxnSpPr>
-          <p:cNvPr id="65" name="直接箭头连接符 64"/>
-          <p:cNvCxnSpPr/>
+          <p:cNvPr id="59" name="直接箭头连接符 58"/>
+          <p:cNvCxnSpPr>
+            <a:stCxn id="48" idx="2"/>
+          </p:cNvCxnSpPr>
           <p:nvPr/>
         </p:nvCxnSpPr>
         <p:spPr>
           <a:xfrm flipH="1">
-            <a:off x="1921510" y="1878330"/>
-            <a:ext cx="1773555" cy="969010"/>
+            <a:off x="7790815" y="4215765"/>
+            <a:ext cx="635" cy="991235"/>
           </a:xfrm>
           <a:prstGeom prst="straightConnector1">
             <a:avLst/>
           </a:prstGeom>
-          <a:ln>
+          <a:ln w="38100">
             <a:tailEnd type="arrow"/>
           </a:ln>
         </p:spPr>
@@ -9093,75 +11610,79 @@
           </a:fontRef>
         </p:style>
       </p:cxnSp>
+      <p:sp>
+        <p:nvSpPr>
+          <p:cNvPr id="64" name="TextBox 15"/>
+          <p:cNvSpPr txBox="1"/>
+          <p:nvPr/>
+        </p:nvSpPr>
+        <p:spPr>
+          <a:xfrm>
+            <a:off x="650875" y="2070735"/>
+            <a:ext cx="2266315" cy="368300"/>
+          </a:xfrm>
+          <a:prstGeom prst="rect">
+            <a:avLst/>
+          </a:prstGeom>
+          <a:noFill/>
+        </p:spPr>
+        <p:txBody>
+          <a:bodyPr wrap="square" rtlCol="0">
+            <a:spAutoFit/>
+          </a:bodyPr>
+          <a:p>
+            <a:pPr algn="ctr"/>
+            <a:r>
+              <a:rPr lang="en-US" b="1" dirty="0"/>
+              <a:t>Local CD</a:t>
+            </a:r>
+            <a:endParaRPr lang="en-US" b="1" dirty="0"/>
+          </a:p>
+        </p:txBody>
+      </p:sp>
       <p:pic>
         <p:nvPicPr>
-          <p:cNvPr id="66" name="图片 65" descr="Amazon-RDS_PostgreSQL_instance_light-bg@4x"/>
+          <p:cNvPr id="65" name="图片 64"/>
           <p:cNvPicPr>
             <a:picLocks noChangeAspect="1"/>
           </p:cNvPicPr>
-          <p:nvPr/>
+          <p:nvPr>
+            <p:custDataLst>
+              <p:tags r:id="rId6"/>
+            </p:custDataLst>
+          </p:nvPr>
         </p:nvPicPr>
         <p:blipFill>
-          <a:blip r:embed="rId7"/>
+          <a:blip r:embed="rId3"/>
           <a:stretch>
             <a:fillRect/>
           </a:stretch>
         </p:blipFill>
         <p:spPr>
           <a:xfrm>
-            <a:off x="4466590" y="5572125"/>
-            <a:ext cx="635000" cy="635000"/>
+            <a:off x="1489710" y="1576705"/>
+            <a:ext cx="589280" cy="589280"/>
           </a:xfrm>
           <a:prstGeom prst="rect">
             <a:avLst/>
           </a:prstGeom>
         </p:spPr>
       </p:pic>
-      <p:sp>
-        <p:nvSpPr>
-          <p:cNvPr id="67" name="TextBox 15"/>
-          <p:cNvSpPr txBox="1"/>
-          <p:nvPr/>
-        </p:nvSpPr>
-        <p:spPr>
-          <a:xfrm>
-            <a:off x="2617470" y="6207125"/>
-            <a:ext cx="4333240" cy="306705"/>
-          </a:xfrm>
-          <a:prstGeom prst="rect">
-            <a:avLst/>
-          </a:prstGeom>
-          <a:noFill/>
-        </p:spPr>
-        <p:txBody>
-          <a:bodyPr wrap="square" rtlCol="0">
-            <a:spAutoFit/>
-          </a:bodyPr>
-          <a:p>
-            <a:pPr algn="ctr"/>
-            <a:r>
-              <a:rPr lang="en-US" sz="1400" dirty="0"/>
-              <a:t>PostgreSQL</a:t>
-            </a:r>
-            <a:endParaRPr lang="en-US" sz="1400" dirty="0"/>
-          </a:p>
-        </p:txBody>
-      </p:sp>
       <p:cxnSp>
         <p:nvCxnSpPr>
-          <p:cNvPr id="68" name="直接箭头连接符 67"/>
+          <p:cNvPr id="67" name="直接箭头连接符 66"/>
           <p:cNvCxnSpPr/>
           <p:nvPr/>
         </p:nvCxnSpPr>
         <p:spPr>
           <a:xfrm>
-            <a:off x="4836795" y="5085715"/>
-            <a:ext cx="5080" cy="369570"/>
+            <a:off x="2252345" y="889000"/>
+            <a:ext cx="1750060" cy="352425"/>
           </a:xfrm>
           <a:prstGeom prst="straightConnector1">
             <a:avLst/>
           </a:prstGeom>
-          <a:ln>
+          <a:ln w="38100">
             <a:tailEnd type="arrow"/>
           </a:ln>
         </p:spPr>
@@ -9180,6 +11701,39 @@
           </a:fontRef>
         </p:style>
       </p:cxnSp>
+      <p:cxnSp>
+        <p:nvCxnSpPr>
+          <p:cNvPr id="68" name="直接箭头连接符 67"/>
+          <p:cNvCxnSpPr/>
+          <p:nvPr/>
+        </p:nvCxnSpPr>
+        <p:spPr>
+          <a:xfrm flipH="1">
+            <a:off x="2242820" y="1412240"/>
+            <a:ext cx="1731010" cy="456565"/>
+          </a:xfrm>
+          <a:prstGeom prst="straightConnector1">
+            <a:avLst/>
+          </a:prstGeom>
+          <a:ln w="38100">
+            <a:tailEnd type="arrow"/>
+          </a:ln>
+        </p:spPr>
+        <p:style>
+          <a:lnRef idx="1">
+            <a:schemeClr val="accent1"/>
+          </a:lnRef>
+          <a:fillRef idx="0">
+            <a:schemeClr val="accent1"/>
+          </a:fillRef>
+          <a:effectRef idx="0">
+            <a:schemeClr val="accent1"/>
+          </a:effectRef>
+          <a:fontRef idx="minor">
+            <a:schemeClr val="tx1"/>
+          </a:fontRef>
+        </p:style>
+      </p:cxnSp>
       <p:sp>
         <p:nvSpPr>
           <p:cNvPr id="70" name="TextBox 15"/>
@@ -9188,7 +11742,7 @@
         </p:nvSpPr>
         <p:spPr>
           <a:xfrm>
-            <a:off x="5304941" y="5008822"/>
+            <a:off x="2777006" y="772737"/>
             <a:ext cx="1506552" cy="306705"/>
           </a:xfrm>
           <a:prstGeom prst="rect">
@@ -9201,18 +11755,1232 @@
             <a:spAutoFit/>
           </a:bodyPr>
           <a:p>
+            <a:pPr algn="l"/>
+            <a:r>
+              <a:rPr lang="en-US" sz="1400" b="1" dirty="0"/>
+              <a:t>Push</a:t>
+            </a:r>
+            <a:endParaRPr lang="en-US" sz="1400" b="1" dirty="0"/>
+          </a:p>
+        </p:txBody>
+      </p:sp>
+      <p:sp>
+        <p:nvSpPr>
+          <p:cNvPr id="71" name="TextBox 15"/>
+          <p:cNvSpPr txBox="1"/>
+          <p:nvPr/>
+        </p:nvSpPr>
+        <p:spPr>
+          <a:xfrm>
+            <a:off x="2777006" y="1669992"/>
+            <a:ext cx="1506552" cy="306705"/>
+          </a:xfrm>
+          <a:prstGeom prst="rect">
+            <a:avLst/>
+          </a:prstGeom>
+          <a:noFill/>
+        </p:spPr>
+        <p:txBody>
+          <a:bodyPr wrap="square" rtlCol="0">
+            <a:spAutoFit/>
+          </a:bodyPr>
+          <a:p>
+            <a:pPr algn="l"/>
+            <a:r>
+              <a:rPr lang="en-US" sz="1400" b="1" dirty="0"/>
+              <a:t>Pull</a:t>
+            </a:r>
+            <a:endParaRPr lang="en-US" sz="1400" b="1" dirty="0"/>
+          </a:p>
+        </p:txBody>
+      </p:sp>
+      <p:sp>
+        <p:nvSpPr>
+          <p:cNvPr id="72" name="TextBox 15"/>
+          <p:cNvSpPr txBox="1"/>
+          <p:nvPr/>
+        </p:nvSpPr>
+        <p:spPr>
+          <a:xfrm>
+            <a:off x="4240681" y="2404687"/>
+            <a:ext cx="1506552" cy="306705"/>
+          </a:xfrm>
+          <a:prstGeom prst="rect">
+            <a:avLst/>
+          </a:prstGeom>
+          <a:noFill/>
+        </p:spPr>
+        <p:txBody>
+          <a:bodyPr wrap="square" rtlCol="0">
+            <a:spAutoFit/>
+          </a:bodyPr>
+          <a:p>
             <a:pPr algn="ctr"/>
             <a:r>
-              <a:rPr lang="zh-CN" altLang="en-US" sz="1400" dirty="0"/>
-              <a:t>？</a:t>
-            </a:r>
-            <a:endParaRPr lang="zh-CN" altLang="en-US" sz="1400" dirty="0"/>
+              <a:rPr lang="en-US" sz="1400" b="1" dirty="0"/>
+              <a:t>Replicate</a:t>
+            </a:r>
+            <a:endParaRPr lang="en-US" sz="1400" b="1" dirty="0"/>
+          </a:p>
+        </p:txBody>
+      </p:sp>
+      <p:sp>
+        <p:nvSpPr>
+          <p:cNvPr id="73" name="TextBox 15"/>
+          <p:cNvSpPr txBox="1"/>
+          <p:nvPr/>
+        </p:nvSpPr>
+        <p:spPr>
+          <a:xfrm>
+            <a:off x="4221631" y="4488122"/>
+            <a:ext cx="1506552" cy="306705"/>
+          </a:xfrm>
+          <a:prstGeom prst="rect">
+            <a:avLst/>
+          </a:prstGeom>
+          <a:noFill/>
+        </p:spPr>
+        <p:txBody>
+          <a:bodyPr wrap="square" rtlCol="0">
+            <a:spAutoFit/>
+          </a:bodyPr>
+          <a:p>
+            <a:pPr algn="ctr"/>
+            <a:r>
+              <a:rPr lang="en-US" sz="1400" b="1" dirty="0"/>
+              <a:t>Replicate</a:t>
+            </a:r>
+            <a:endParaRPr lang="en-US" sz="1400" b="1" dirty="0"/>
+          </a:p>
+        </p:txBody>
+      </p:sp>
+      <p:sp>
+        <p:nvSpPr>
+          <p:cNvPr id="75" name="TextBox 15"/>
+          <p:cNvSpPr txBox="1"/>
+          <p:nvPr/>
+        </p:nvSpPr>
+        <p:spPr>
+          <a:xfrm>
+            <a:off x="7466481" y="2402782"/>
+            <a:ext cx="1506552" cy="306705"/>
+          </a:xfrm>
+          <a:prstGeom prst="rect">
+            <a:avLst/>
+          </a:prstGeom>
+          <a:noFill/>
+        </p:spPr>
+        <p:txBody>
+          <a:bodyPr wrap="square" rtlCol="0">
+            <a:spAutoFit/>
+          </a:bodyPr>
+          <a:p>
+            <a:pPr algn="ctr"/>
+            <a:r>
+              <a:rPr lang="en-US" sz="1400" b="1" dirty="0"/>
+              <a:t>Replicate</a:t>
+            </a:r>
+            <a:endParaRPr lang="en-US" sz="1400" b="1" dirty="0"/>
+          </a:p>
+        </p:txBody>
+      </p:sp>
+      <p:sp>
+        <p:nvSpPr>
+          <p:cNvPr id="76" name="TextBox 15"/>
+          <p:cNvSpPr txBox="1"/>
+          <p:nvPr/>
+        </p:nvSpPr>
+        <p:spPr>
+          <a:xfrm>
+            <a:off x="7474101" y="4479232"/>
+            <a:ext cx="1506552" cy="306705"/>
+          </a:xfrm>
+          <a:prstGeom prst="rect">
+            <a:avLst/>
+          </a:prstGeom>
+          <a:noFill/>
+        </p:spPr>
+        <p:txBody>
+          <a:bodyPr wrap="square" rtlCol="0">
+            <a:spAutoFit/>
+          </a:bodyPr>
+          <a:p>
+            <a:pPr algn="ctr"/>
+            <a:r>
+              <a:rPr lang="en-US" sz="1400" b="1" dirty="0"/>
+              <a:t>Replicate</a:t>
+            </a:r>
+            <a:endParaRPr lang="en-US" sz="1400" b="1" dirty="0"/>
+          </a:p>
+        </p:txBody>
+      </p:sp>
+      <p:sp>
+        <p:nvSpPr>
+          <p:cNvPr id="80" name="TextBox 15"/>
+          <p:cNvSpPr txBox="1"/>
+          <p:nvPr/>
+        </p:nvSpPr>
+        <p:spPr>
+          <a:xfrm>
+            <a:off x="5351931" y="3256857"/>
+            <a:ext cx="1506552" cy="306705"/>
+          </a:xfrm>
+          <a:prstGeom prst="rect">
+            <a:avLst/>
+          </a:prstGeom>
+          <a:noFill/>
+        </p:spPr>
+        <p:txBody>
+          <a:bodyPr wrap="square" rtlCol="0">
+            <a:spAutoFit/>
+          </a:bodyPr>
+          <a:p>
+            <a:pPr algn="ctr"/>
+            <a:r>
+              <a:rPr lang="en-US" sz="1400" b="1" dirty="0"/>
+              <a:t>Replicate</a:t>
+            </a:r>
+            <a:endParaRPr lang="en-US" sz="1400" b="1" dirty="0"/>
+          </a:p>
+        </p:txBody>
+      </p:sp>
+      <p:sp>
+        <p:nvSpPr>
+          <p:cNvPr id="81" name="TextBox 15"/>
+          <p:cNvSpPr txBox="1"/>
+          <p:nvPr/>
+        </p:nvSpPr>
+        <p:spPr>
+          <a:xfrm>
+            <a:off x="648970" y="3254375"/>
+            <a:ext cx="2266315" cy="368300"/>
+          </a:xfrm>
+          <a:prstGeom prst="rect">
+            <a:avLst/>
+          </a:prstGeom>
+          <a:noFill/>
+        </p:spPr>
+        <p:txBody>
+          <a:bodyPr wrap="square" rtlCol="0">
+            <a:spAutoFit/>
+          </a:bodyPr>
+          <a:p>
+            <a:pPr algn="ctr"/>
+            <a:r>
+              <a:rPr lang="en-US" b="1" dirty="0"/>
+              <a:t>Local CI</a:t>
+            </a:r>
+            <a:endParaRPr lang="en-US" b="1" dirty="0"/>
+          </a:p>
+        </p:txBody>
+      </p:sp>
+      <p:pic>
+        <p:nvPicPr>
+          <p:cNvPr id="82" name="图片 81"/>
+          <p:cNvPicPr>
+            <a:picLocks noChangeAspect="1"/>
+          </p:cNvPicPr>
+          <p:nvPr>
+            <p:custDataLst>
+              <p:tags r:id="rId7"/>
+            </p:custDataLst>
+          </p:nvPr>
+        </p:nvPicPr>
+        <p:blipFill>
+          <a:blip r:embed="rId3"/>
+          <a:stretch>
+            <a:fillRect/>
+          </a:stretch>
+        </p:blipFill>
+        <p:spPr>
+          <a:xfrm>
+            <a:off x="1487805" y="2751455"/>
+            <a:ext cx="589280" cy="589280"/>
+          </a:xfrm>
+          <a:prstGeom prst="rect">
+            <a:avLst/>
+          </a:prstGeom>
+        </p:spPr>
+      </p:pic>
+      <p:sp>
+        <p:nvSpPr>
+          <p:cNvPr id="83" name="TextBox 15"/>
+          <p:cNvSpPr txBox="1"/>
+          <p:nvPr/>
+        </p:nvSpPr>
+        <p:spPr>
+          <a:xfrm>
+            <a:off x="651510" y="4181475"/>
+            <a:ext cx="2266315" cy="368300"/>
+          </a:xfrm>
+          <a:prstGeom prst="rect">
+            <a:avLst/>
+          </a:prstGeom>
+          <a:noFill/>
+        </p:spPr>
+        <p:txBody>
+          <a:bodyPr wrap="square" rtlCol="0">
+            <a:spAutoFit/>
+          </a:bodyPr>
+          <a:p>
+            <a:pPr algn="ctr"/>
+            <a:r>
+              <a:rPr lang="en-US" b="1" dirty="0"/>
+              <a:t>Local CD</a:t>
+            </a:r>
+            <a:endParaRPr lang="en-US" b="1" dirty="0"/>
+          </a:p>
+        </p:txBody>
+      </p:sp>
+      <p:pic>
+        <p:nvPicPr>
+          <p:cNvPr id="84" name="图片 83"/>
+          <p:cNvPicPr>
+            <a:picLocks noChangeAspect="1"/>
+          </p:cNvPicPr>
+          <p:nvPr>
+            <p:custDataLst>
+              <p:tags r:id="rId8"/>
+            </p:custDataLst>
+          </p:nvPr>
+        </p:nvPicPr>
+        <p:blipFill>
+          <a:blip r:embed="rId3"/>
+          <a:stretch>
+            <a:fillRect/>
+          </a:stretch>
+        </p:blipFill>
+        <p:spPr>
+          <a:xfrm>
+            <a:off x="1490345" y="3687445"/>
+            <a:ext cx="589280" cy="589280"/>
+          </a:xfrm>
+          <a:prstGeom prst="rect">
+            <a:avLst/>
+          </a:prstGeom>
+        </p:spPr>
+      </p:pic>
+      <p:cxnSp>
+        <p:nvCxnSpPr>
+          <p:cNvPr id="85" name="直接箭头连接符 84"/>
+          <p:cNvCxnSpPr/>
+          <p:nvPr/>
+        </p:nvCxnSpPr>
+        <p:spPr>
+          <a:xfrm>
+            <a:off x="2252980" y="2999740"/>
+            <a:ext cx="1750060" cy="352425"/>
+          </a:xfrm>
+          <a:prstGeom prst="straightConnector1">
+            <a:avLst/>
+          </a:prstGeom>
+          <a:ln w="38100">
+            <a:tailEnd type="arrow"/>
+          </a:ln>
+        </p:spPr>
+        <p:style>
+          <a:lnRef idx="1">
+            <a:schemeClr val="accent1"/>
+          </a:lnRef>
+          <a:fillRef idx="0">
+            <a:schemeClr val="accent1"/>
+          </a:fillRef>
+          <a:effectRef idx="0">
+            <a:schemeClr val="accent1"/>
+          </a:effectRef>
+          <a:fontRef idx="minor">
+            <a:schemeClr val="tx1"/>
+          </a:fontRef>
+        </p:style>
+      </p:cxnSp>
+      <p:cxnSp>
+        <p:nvCxnSpPr>
+          <p:cNvPr id="86" name="直接箭头连接符 85"/>
+          <p:cNvCxnSpPr/>
+          <p:nvPr/>
+        </p:nvCxnSpPr>
+        <p:spPr>
+          <a:xfrm flipH="1">
+            <a:off x="2243455" y="3522980"/>
+            <a:ext cx="1731010" cy="456565"/>
+          </a:xfrm>
+          <a:prstGeom prst="straightConnector1">
+            <a:avLst/>
+          </a:prstGeom>
+          <a:ln w="38100">
+            <a:tailEnd type="arrow"/>
+          </a:ln>
+        </p:spPr>
+        <p:style>
+          <a:lnRef idx="1">
+            <a:schemeClr val="accent1"/>
+          </a:lnRef>
+          <a:fillRef idx="0">
+            <a:schemeClr val="accent1"/>
+          </a:fillRef>
+          <a:effectRef idx="0">
+            <a:schemeClr val="accent1"/>
+          </a:effectRef>
+          <a:fontRef idx="minor">
+            <a:schemeClr val="tx1"/>
+          </a:fontRef>
+        </p:style>
+      </p:cxnSp>
+      <p:sp>
+        <p:nvSpPr>
+          <p:cNvPr id="87" name="TextBox 15"/>
+          <p:cNvSpPr txBox="1"/>
+          <p:nvPr/>
+        </p:nvSpPr>
+        <p:spPr>
+          <a:xfrm>
+            <a:off x="2777641" y="2883477"/>
+            <a:ext cx="1506552" cy="306705"/>
+          </a:xfrm>
+          <a:prstGeom prst="rect">
+            <a:avLst/>
+          </a:prstGeom>
+          <a:noFill/>
+        </p:spPr>
+        <p:txBody>
+          <a:bodyPr wrap="square" rtlCol="0">
+            <a:spAutoFit/>
+          </a:bodyPr>
+          <a:p>
+            <a:pPr algn="l"/>
+            <a:r>
+              <a:rPr lang="en-US" sz="1400" b="1" dirty="0"/>
+              <a:t>Push</a:t>
+            </a:r>
+            <a:endParaRPr lang="en-US" sz="1400" b="1" dirty="0"/>
+          </a:p>
+        </p:txBody>
+      </p:sp>
+      <p:sp>
+        <p:nvSpPr>
+          <p:cNvPr id="88" name="TextBox 15"/>
+          <p:cNvSpPr txBox="1"/>
+          <p:nvPr/>
+        </p:nvSpPr>
+        <p:spPr>
+          <a:xfrm>
+            <a:off x="2777641" y="3780732"/>
+            <a:ext cx="1506552" cy="306705"/>
+          </a:xfrm>
+          <a:prstGeom prst="rect">
+            <a:avLst/>
+          </a:prstGeom>
+          <a:noFill/>
+        </p:spPr>
+        <p:txBody>
+          <a:bodyPr wrap="square" rtlCol="0">
+            <a:spAutoFit/>
+          </a:bodyPr>
+          <a:p>
+            <a:pPr algn="l"/>
+            <a:r>
+              <a:rPr lang="en-US" sz="1400" b="1" dirty="0"/>
+              <a:t>Pull</a:t>
+            </a:r>
+            <a:endParaRPr lang="en-US" sz="1400" b="1" dirty="0"/>
+          </a:p>
+        </p:txBody>
+      </p:sp>
+      <p:sp>
+        <p:nvSpPr>
+          <p:cNvPr id="89" name="TextBox 15"/>
+          <p:cNvSpPr txBox="1"/>
+          <p:nvPr/>
+        </p:nvSpPr>
+        <p:spPr>
+          <a:xfrm>
+            <a:off x="648970" y="5344160"/>
+            <a:ext cx="2266315" cy="368300"/>
+          </a:xfrm>
+          <a:prstGeom prst="rect">
+            <a:avLst/>
+          </a:prstGeom>
+          <a:noFill/>
+        </p:spPr>
+        <p:txBody>
+          <a:bodyPr wrap="square" rtlCol="0">
+            <a:spAutoFit/>
+          </a:bodyPr>
+          <a:p>
+            <a:pPr algn="ctr"/>
+            <a:r>
+              <a:rPr lang="en-US" b="1" dirty="0"/>
+              <a:t>Local CI</a:t>
+            </a:r>
+            <a:endParaRPr lang="en-US" b="1" dirty="0"/>
+          </a:p>
+        </p:txBody>
+      </p:sp>
+      <p:pic>
+        <p:nvPicPr>
+          <p:cNvPr id="90" name="图片 89"/>
+          <p:cNvPicPr>
+            <a:picLocks noChangeAspect="1"/>
+          </p:cNvPicPr>
+          <p:nvPr>
+            <p:custDataLst>
+              <p:tags r:id="rId9"/>
+            </p:custDataLst>
+          </p:nvPr>
+        </p:nvPicPr>
+        <p:blipFill>
+          <a:blip r:embed="rId3"/>
+          <a:stretch>
+            <a:fillRect/>
+          </a:stretch>
+        </p:blipFill>
+        <p:spPr>
+          <a:xfrm>
+            <a:off x="1487805" y="4841240"/>
+            <a:ext cx="589280" cy="589280"/>
+          </a:xfrm>
+          <a:prstGeom prst="rect">
+            <a:avLst/>
+          </a:prstGeom>
+        </p:spPr>
+      </p:pic>
+      <p:sp>
+        <p:nvSpPr>
+          <p:cNvPr id="91" name="TextBox 15"/>
+          <p:cNvSpPr txBox="1"/>
+          <p:nvPr/>
+        </p:nvSpPr>
+        <p:spPr>
+          <a:xfrm>
+            <a:off x="651510" y="6271260"/>
+            <a:ext cx="2266315" cy="368300"/>
+          </a:xfrm>
+          <a:prstGeom prst="rect">
+            <a:avLst/>
+          </a:prstGeom>
+          <a:noFill/>
+        </p:spPr>
+        <p:txBody>
+          <a:bodyPr wrap="square" rtlCol="0">
+            <a:spAutoFit/>
+          </a:bodyPr>
+          <a:p>
+            <a:pPr algn="ctr"/>
+            <a:r>
+              <a:rPr lang="en-US" b="1" dirty="0"/>
+              <a:t>Local CD</a:t>
+            </a:r>
+            <a:endParaRPr lang="en-US" b="1" dirty="0"/>
+          </a:p>
+        </p:txBody>
+      </p:sp>
+      <p:pic>
+        <p:nvPicPr>
+          <p:cNvPr id="92" name="图片 91"/>
+          <p:cNvPicPr>
+            <a:picLocks noChangeAspect="1"/>
+          </p:cNvPicPr>
+          <p:nvPr>
+            <p:custDataLst>
+              <p:tags r:id="rId10"/>
+            </p:custDataLst>
+          </p:nvPr>
+        </p:nvPicPr>
+        <p:blipFill>
+          <a:blip r:embed="rId3"/>
+          <a:stretch>
+            <a:fillRect/>
+          </a:stretch>
+        </p:blipFill>
+        <p:spPr>
+          <a:xfrm>
+            <a:off x="1490345" y="5777230"/>
+            <a:ext cx="589280" cy="589280"/>
+          </a:xfrm>
+          <a:prstGeom prst="rect">
+            <a:avLst/>
+          </a:prstGeom>
+        </p:spPr>
+      </p:pic>
+      <p:cxnSp>
+        <p:nvCxnSpPr>
+          <p:cNvPr id="93" name="直接箭头连接符 92"/>
+          <p:cNvCxnSpPr/>
+          <p:nvPr/>
+        </p:nvCxnSpPr>
+        <p:spPr>
+          <a:xfrm>
+            <a:off x="2252980" y="5089525"/>
+            <a:ext cx="1750060" cy="352425"/>
+          </a:xfrm>
+          <a:prstGeom prst="straightConnector1">
+            <a:avLst/>
+          </a:prstGeom>
+          <a:ln w="38100">
+            <a:tailEnd type="arrow"/>
+          </a:ln>
+        </p:spPr>
+        <p:style>
+          <a:lnRef idx="1">
+            <a:schemeClr val="accent1"/>
+          </a:lnRef>
+          <a:fillRef idx="0">
+            <a:schemeClr val="accent1"/>
+          </a:fillRef>
+          <a:effectRef idx="0">
+            <a:schemeClr val="accent1"/>
+          </a:effectRef>
+          <a:fontRef idx="minor">
+            <a:schemeClr val="tx1"/>
+          </a:fontRef>
+        </p:style>
+      </p:cxnSp>
+      <p:cxnSp>
+        <p:nvCxnSpPr>
+          <p:cNvPr id="94" name="直接箭头连接符 93"/>
+          <p:cNvCxnSpPr/>
+          <p:nvPr/>
+        </p:nvCxnSpPr>
+        <p:spPr>
+          <a:xfrm flipH="1">
+            <a:off x="2243455" y="5612765"/>
+            <a:ext cx="1731010" cy="456565"/>
+          </a:xfrm>
+          <a:prstGeom prst="straightConnector1">
+            <a:avLst/>
+          </a:prstGeom>
+          <a:ln w="38100">
+            <a:tailEnd type="arrow"/>
+          </a:ln>
+        </p:spPr>
+        <p:style>
+          <a:lnRef idx="1">
+            <a:schemeClr val="accent1"/>
+          </a:lnRef>
+          <a:fillRef idx="0">
+            <a:schemeClr val="accent1"/>
+          </a:fillRef>
+          <a:effectRef idx="0">
+            <a:schemeClr val="accent1"/>
+          </a:effectRef>
+          <a:fontRef idx="minor">
+            <a:schemeClr val="tx1"/>
+          </a:fontRef>
+        </p:style>
+      </p:cxnSp>
+      <p:sp>
+        <p:nvSpPr>
+          <p:cNvPr id="95" name="TextBox 15"/>
+          <p:cNvSpPr txBox="1"/>
+          <p:nvPr/>
+        </p:nvSpPr>
+        <p:spPr>
+          <a:xfrm>
+            <a:off x="2777641" y="4973262"/>
+            <a:ext cx="1506552" cy="306705"/>
+          </a:xfrm>
+          <a:prstGeom prst="rect">
+            <a:avLst/>
+          </a:prstGeom>
+          <a:noFill/>
+        </p:spPr>
+        <p:txBody>
+          <a:bodyPr wrap="square" rtlCol="0">
+            <a:spAutoFit/>
+          </a:bodyPr>
+          <a:p>
+            <a:pPr algn="l"/>
+            <a:r>
+              <a:rPr lang="en-US" sz="1400" b="1" dirty="0"/>
+              <a:t>Push</a:t>
+            </a:r>
+            <a:endParaRPr lang="en-US" sz="1400" b="1" dirty="0"/>
+          </a:p>
+        </p:txBody>
+      </p:sp>
+      <p:sp>
+        <p:nvSpPr>
+          <p:cNvPr id="96" name="TextBox 15"/>
+          <p:cNvSpPr txBox="1"/>
+          <p:nvPr/>
+        </p:nvSpPr>
+        <p:spPr>
+          <a:xfrm>
+            <a:off x="2777641" y="5870517"/>
+            <a:ext cx="1506552" cy="306705"/>
+          </a:xfrm>
+          <a:prstGeom prst="rect">
+            <a:avLst/>
+          </a:prstGeom>
+          <a:noFill/>
+        </p:spPr>
+        <p:txBody>
+          <a:bodyPr wrap="square" rtlCol="0">
+            <a:spAutoFit/>
+          </a:bodyPr>
+          <a:p>
+            <a:pPr algn="l"/>
+            <a:r>
+              <a:rPr lang="en-US" sz="1400" b="1" dirty="0"/>
+              <a:t>Pull</a:t>
+            </a:r>
+            <a:endParaRPr lang="en-US" sz="1400" b="1" dirty="0"/>
+          </a:p>
+        </p:txBody>
+      </p:sp>
+      <p:sp>
+        <p:nvSpPr>
+          <p:cNvPr id="97" name="TextBox 15"/>
+          <p:cNvSpPr txBox="1"/>
+          <p:nvPr/>
+        </p:nvSpPr>
+        <p:spPr>
+          <a:xfrm>
+            <a:off x="9154160" y="3256915"/>
+            <a:ext cx="2266315" cy="368300"/>
+          </a:xfrm>
+          <a:prstGeom prst="rect">
+            <a:avLst/>
+          </a:prstGeom>
+          <a:noFill/>
+        </p:spPr>
+        <p:txBody>
+          <a:bodyPr wrap="square" rtlCol="0">
+            <a:spAutoFit/>
+          </a:bodyPr>
+          <a:p>
+            <a:pPr algn="ctr"/>
+            <a:r>
+              <a:rPr lang="en-US" b="1" dirty="0">
+                <a:sym typeface="+mn-ea"/>
+              </a:rPr>
+              <a:t>Cloud</a:t>
+            </a:r>
+            <a:r>
+              <a:rPr lang="en-US" b="1" dirty="0"/>
+              <a:t> CI</a:t>
+            </a:r>
+            <a:endParaRPr lang="en-US" b="1" dirty="0"/>
+          </a:p>
+        </p:txBody>
+      </p:sp>
+      <p:pic>
+        <p:nvPicPr>
+          <p:cNvPr id="98" name="图片 97"/>
+          <p:cNvPicPr>
+            <a:picLocks noChangeAspect="1"/>
+          </p:cNvPicPr>
+          <p:nvPr>
+            <p:custDataLst>
+              <p:tags r:id="rId11"/>
+            </p:custDataLst>
+          </p:nvPr>
+        </p:nvPicPr>
+        <p:blipFill>
+          <a:blip r:embed="rId3"/>
+          <a:stretch>
+            <a:fillRect/>
+          </a:stretch>
+        </p:blipFill>
+        <p:spPr>
+          <a:xfrm>
+            <a:off x="9992995" y="2753995"/>
+            <a:ext cx="589280" cy="589280"/>
+          </a:xfrm>
+          <a:prstGeom prst="rect">
+            <a:avLst/>
+          </a:prstGeom>
+        </p:spPr>
+      </p:pic>
+      <p:sp>
+        <p:nvSpPr>
+          <p:cNvPr id="99" name="TextBox 15"/>
+          <p:cNvSpPr txBox="1"/>
+          <p:nvPr/>
+        </p:nvSpPr>
+        <p:spPr>
+          <a:xfrm>
+            <a:off x="9156700" y="4184015"/>
+            <a:ext cx="2266315" cy="368300"/>
+          </a:xfrm>
+          <a:prstGeom prst="rect">
+            <a:avLst/>
+          </a:prstGeom>
+          <a:noFill/>
+        </p:spPr>
+        <p:txBody>
+          <a:bodyPr wrap="square" rtlCol="0">
+            <a:spAutoFit/>
+          </a:bodyPr>
+          <a:p>
+            <a:pPr algn="ctr"/>
+            <a:r>
+              <a:rPr lang="en-US" b="1" dirty="0"/>
+              <a:t>Cloud CD</a:t>
+            </a:r>
+            <a:endParaRPr lang="en-US" b="1" dirty="0"/>
+          </a:p>
+        </p:txBody>
+      </p:sp>
+      <p:pic>
+        <p:nvPicPr>
+          <p:cNvPr id="100" name="图片 99"/>
+          <p:cNvPicPr>
+            <a:picLocks noChangeAspect="1"/>
+          </p:cNvPicPr>
+          <p:nvPr>
+            <p:custDataLst>
+              <p:tags r:id="rId12"/>
+            </p:custDataLst>
+          </p:nvPr>
+        </p:nvPicPr>
+        <p:blipFill>
+          <a:blip r:embed="rId3"/>
+          <a:stretch>
+            <a:fillRect/>
+          </a:stretch>
+        </p:blipFill>
+        <p:spPr>
+          <a:xfrm>
+            <a:off x="9995535" y="3689985"/>
+            <a:ext cx="589280" cy="589280"/>
+          </a:xfrm>
+          <a:prstGeom prst="rect">
+            <a:avLst/>
+          </a:prstGeom>
+        </p:spPr>
+      </p:pic>
+      <p:cxnSp>
+        <p:nvCxnSpPr>
+          <p:cNvPr id="101" name="直接箭头连接符 100"/>
+          <p:cNvCxnSpPr/>
+          <p:nvPr/>
+        </p:nvCxnSpPr>
+        <p:spPr>
+          <a:xfrm flipH="1">
+            <a:off x="8206740" y="3037840"/>
+            <a:ext cx="1750060" cy="352425"/>
+          </a:xfrm>
+          <a:prstGeom prst="straightConnector1">
+            <a:avLst/>
+          </a:prstGeom>
+          <a:ln w="38100">
+            <a:tailEnd type="arrow"/>
+          </a:ln>
+        </p:spPr>
+        <p:style>
+          <a:lnRef idx="1">
+            <a:schemeClr val="accent1"/>
+          </a:lnRef>
+          <a:fillRef idx="0">
+            <a:schemeClr val="accent1"/>
+          </a:fillRef>
+          <a:effectRef idx="0">
+            <a:schemeClr val="accent1"/>
+          </a:effectRef>
+          <a:fontRef idx="minor">
+            <a:schemeClr val="tx1"/>
+          </a:fontRef>
+        </p:style>
+      </p:cxnSp>
+      <p:cxnSp>
+        <p:nvCxnSpPr>
+          <p:cNvPr id="102" name="直接箭头连接符 101"/>
+          <p:cNvCxnSpPr/>
+          <p:nvPr/>
+        </p:nvCxnSpPr>
+        <p:spPr>
+          <a:xfrm>
+            <a:off x="8197215" y="3561080"/>
+            <a:ext cx="1731010" cy="456565"/>
+          </a:xfrm>
+          <a:prstGeom prst="straightConnector1">
+            <a:avLst/>
+          </a:prstGeom>
+          <a:ln w="38100">
+            <a:tailEnd type="arrow"/>
+          </a:ln>
+        </p:spPr>
+        <p:style>
+          <a:lnRef idx="1">
+            <a:schemeClr val="accent1"/>
+          </a:lnRef>
+          <a:fillRef idx="0">
+            <a:schemeClr val="accent1"/>
+          </a:fillRef>
+          <a:effectRef idx="0">
+            <a:schemeClr val="accent1"/>
+          </a:effectRef>
+          <a:fontRef idx="minor">
+            <a:schemeClr val="tx1"/>
+          </a:fontRef>
+        </p:style>
+      </p:cxnSp>
+      <p:sp>
+        <p:nvSpPr>
+          <p:cNvPr id="103" name="TextBox 15"/>
+          <p:cNvSpPr txBox="1"/>
+          <p:nvPr/>
+        </p:nvSpPr>
+        <p:spPr>
+          <a:xfrm>
+            <a:off x="8731401" y="2921577"/>
+            <a:ext cx="1506552" cy="306705"/>
+          </a:xfrm>
+          <a:prstGeom prst="rect">
+            <a:avLst/>
+          </a:prstGeom>
+          <a:noFill/>
+        </p:spPr>
+        <p:txBody>
+          <a:bodyPr wrap="square" rtlCol="0">
+            <a:spAutoFit/>
+          </a:bodyPr>
+          <a:p>
+            <a:pPr algn="l"/>
+            <a:r>
+              <a:rPr lang="en-US" sz="1400" b="1" dirty="0"/>
+              <a:t>Push</a:t>
+            </a:r>
+            <a:endParaRPr lang="en-US" sz="1400" b="1" dirty="0"/>
+          </a:p>
+        </p:txBody>
+      </p:sp>
+      <p:sp>
+        <p:nvSpPr>
+          <p:cNvPr id="104" name="TextBox 15"/>
+          <p:cNvSpPr txBox="1"/>
+          <p:nvPr/>
+        </p:nvSpPr>
+        <p:spPr>
+          <a:xfrm>
+            <a:off x="8731401" y="3818832"/>
+            <a:ext cx="1506552" cy="306705"/>
+          </a:xfrm>
+          <a:prstGeom prst="rect">
+            <a:avLst/>
+          </a:prstGeom>
+          <a:noFill/>
+        </p:spPr>
+        <p:txBody>
+          <a:bodyPr wrap="square" rtlCol="0">
+            <a:spAutoFit/>
+          </a:bodyPr>
+          <a:p>
+            <a:pPr algn="l"/>
+            <a:r>
+              <a:rPr lang="en-US" sz="1400" b="1" dirty="0"/>
+              <a:t>Pull</a:t>
+            </a:r>
+            <a:endParaRPr lang="en-US" sz="1400" b="1" dirty="0"/>
+          </a:p>
+        </p:txBody>
+      </p:sp>
+      <p:sp>
+        <p:nvSpPr>
+          <p:cNvPr id="105" name="TextBox 15"/>
+          <p:cNvSpPr txBox="1"/>
+          <p:nvPr/>
+        </p:nvSpPr>
+        <p:spPr>
+          <a:xfrm>
+            <a:off x="9511665" y="1586230"/>
+            <a:ext cx="2266315" cy="368300"/>
+          </a:xfrm>
+          <a:prstGeom prst="rect">
+            <a:avLst/>
+          </a:prstGeom>
+          <a:noFill/>
+        </p:spPr>
+        <p:txBody>
+          <a:bodyPr wrap="square" rtlCol="0">
+            <a:spAutoFit/>
+          </a:bodyPr>
+          <a:p>
+            <a:pPr algn="ctr"/>
+            <a:r>
+              <a:rPr lang="en-US" b="1" dirty="0"/>
+              <a:t>Cloud CD</a:t>
+            </a:r>
+            <a:endParaRPr lang="en-US" b="1" dirty="0"/>
+          </a:p>
+        </p:txBody>
+      </p:sp>
+      <p:pic>
+        <p:nvPicPr>
+          <p:cNvPr id="106" name="图片 105"/>
+          <p:cNvPicPr>
+            <a:picLocks noChangeAspect="1"/>
+          </p:cNvPicPr>
+          <p:nvPr>
+            <p:custDataLst>
+              <p:tags r:id="rId13"/>
+            </p:custDataLst>
+          </p:nvPr>
+        </p:nvPicPr>
+        <p:blipFill>
+          <a:blip r:embed="rId3"/>
+          <a:stretch>
+            <a:fillRect/>
+          </a:stretch>
+        </p:blipFill>
+        <p:spPr>
+          <a:xfrm>
+            <a:off x="10350500" y="1092200"/>
+            <a:ext cx="589280" cy="589280"/>
+          </a:xfrm>
+          <a:prstGeom prst="rect">
+            <a:avLst/>
+          </a:prstGeom>
+        </p:spPr>
+      </p:pic>
+      <p:cxnSp>
+        <p:nvCxnSpPr>
+          <p:cNvPr id="107" name="直接箭头连接符 106"/>
+          <p:cNvCxnSpPr/>
+          <p:nvPr/>
+        </p:nvCxnSpPr>
+        <p:spPr>
+          <a:xfrm flipV="1">
+            <a:off x="8348980" y="1419860"/>
+            <a:ext cx="1934210" cy="1905"/>
+          </a:xfrm>
+          <a:prstGeom prst="straightConnector1">
+            <a:avLst/>
+          </a:prstGeom>
+          <a:ln w="38100">
+            <a:tailEnd type="arrow"/>
+          </a:ln>
+        </p:spPr>
+        <p:style>
+          <a:lnRef idx="1">
+            <a:schemeClr val="accent1"/>
+          </a:lnRef>
+          <a:fillRef idx="0">
+            <a:schemeClr val="accent1"/>
+          </a:fillRef>
+          <a:effectRef idx="0">
+            <a:schemeClr val="accent1"/>
+          </a:effectRef>
+          <a:fontRef idx="minor">
+            <a:schemeClr val="tx1"/>
+          </a:fontRef>
+        </p:style>
+      </p:cxnSp>
+      <p:sp>
+        <p:nvSpPr>
+          <p:cNvPr id="108" name="TextBox 15"/>
+          <p:cNvSpPr txBox="1"/>
+          <p:nvPr/>
+        </p:nvSpPr>
+        <p:spPr>
+          <a:xfrm>
+            <a:off x="8997466" y="1132147"/>
+            <a:ext cx="1506552" cy="306705"/>
+          </a:xfrm>
+          <a:prstGeom prst="rect">
+            <a:avLst/>
+          </a:prstGeom>
+          <a:noFill/>
+        </p:spPr>
+        <p:txBody>
+          <a:bodyPr wrap="square" rtlCol="0">
+            <a:spAutoFit/>
+          </a:bodyPr>
+          <a:p>
+            <a:pPr algn="l"/>
+            <a:r>
+              <a:rPr lang="en-US" sz="1400" b="1" dirty="0"/>
+              <a:t>Pull</a:t>
+            </a:r>
+            <a:endParaRPr lang="en-US" sz="1400" b="1" dirty="0"/>
+          </a:p>
+        </p:txBody>
+      </p:sp>
+      <p:sp>
+        <p:nvSpPr>
+          <p:cNvPr id="112" name="TextBox 15"/>
+          <p:cNvSpPr txBox="1"/>
+          <p:nvPr/>
+        </p:nvSpPr>
+        <p:spPr>
+          <a:xfrm>
+            <a:off x="9512300" y="5839460"/>
+            <a:ext cx="2266315" cy="368300"/>
+          </a:xfrm>
+          <a:prstGeom prst="rect">
+            <a:avLst/>
+          </a:prstGeom>
+          <a:noFill/>
+        </p:spPr>
+        <p:txBody>
+          <a:bodyPr wrap="square" rtlCol="0">
+            <a:spAutoFit/>
+          </a:bodyPr>
+          <a:p>
+            <a:pPr algn="ctr"/>
+            <a:r>
+              <a:rPr lang="en-US" b="1" dirty="0"/>
+              <a:t>Cloud CD</a:t>
+            </a:r>
+            <a:endParaRPr lang="en-US" b="1" dirty="0"/>
+          </a:p>
+        </p:txBody>
+      </p:sp>
+      <p:pic>
+        <p:nvPicPr>
+          <p:cNvPr id="113" name="图片 112"/>
+          <p:cNvPicPr>
+            <a:picLocks noChangeAspect="1"/>
+          </p:cNvPicPr>
+          <p:nvPr>
+            <p:custDataLst>
+              <p:tags r:id="rId14"/>
+            </p:custDataLst>
+          </p:nvPr>
+        </p:nvPicPr>
+        <p:blipFill>
+          <a:blip r:embed="rId3"/>
+          <a:stretch>
+            <a:fillRect/>
+          </a:stretch>
+        </p:blipFill>
+        <p:spPr>
+          <a:xfrm>
+            <a:off x="10351135" y="5345430"/>
+            <a:ext cx="589280" cy="589280"/>
+          </a:xfrm>
+          <a:prstGeom prst="rect">
+            <a:avLst/>
+          </a:prstGeom>
+        </p:spPr>
+      </p:pic>
+      <p:cxnSp>
+        <p:nvCxnSpPr>
+          <p:cNvPr id="114" name="直接箭头连接符 113"/>
+          <p:cNvCxnSpPr/>
+          <p:nvPr/>
+        </p:nvCxnSpPr>
+        <p:spPr>
+          <a:xfrm flipV="1">
+            <a:off x="8349615" y="5673090"/>
+            <a:ext cx="1934210" cy="1905"/>
+          </a:xfrm>
+          <a:prstGeom prst="straightConnector1">
+            <a:avLst/>
+          </a:prstGeom>
+          <a:ln w="38100">
+            <a:tailEnd type="arrow"/>
+          </a:ln>
+        </p:spPr>
+        <p:style>
+          <a:lnRef idx="1">
+            <a:schemeClr val="accent1"/>
+          </a:lnRef>
+          <a:fillRef idx="0">
+            <a:schemeClr val="accent1"/>
+          </a:fillRef>
+          <a:effectRef idx="0">
+            <a:schemeClr val="accent1"/>
+          </a:effectRef>
+          <a:fontRef idx="minor">
+            <a:schemeClr val="tx1"/>
+          </a:fontRef>
+        </p:style>
+      </p:cxnSp>
+      <p:sp>
+        <p:nvSpPr>
+          <p:cNvPr id="115" name="TextBox 15"/>
+          <p:cNvSpPr txBox="1"/>
+          <p:nvPr/>
+        </p:nvSpPr>
+        <p:spPr>
+          <a:xfrm>
+            <a:off x="8998101" y="5385377"/>
+            <a:ext cx="1506552" cy="306705"/>
+          </a:xfrm>
+          <a:prstGeom prst="rect">
+            <a:avLst/>
+          </a:prstGeom>
+          <a:noFill/>
+        </p:spPr>
+        <p:txBody>
+          <a:bodyPr wrap="square" rtlCol="0">
+            <a:spAutoFit/>
+          </a:bodyPr>
+          <a:p>
+            <a:pPr algn="l"/>
+            <a:r>
+              <a:rPr lang="en-US" sz="1400" b="1" dirty="0"/>
+              <a:t>Pull</a:t>
+            </a:r>
+            <a:endParaRPr lang="en-US" sz="1400" b="1" dirty="0"/>
+          </a:p>
+        </p:txBody>
+      </p:sp>
+      <p:sp>
+        <p:nvSpPr>
+          <p:cNvPr id="116" name="TextBox 15"/>
+          <p:cNvSpPr txBox="1"/>
+          <p:nvPr/>
+        </p:nvSpPr>
+        <p:spPr>
+          <a:xfrm>
+            <a:off x="5335421" y="5001837"/>
+            <a:ext cx="1506552" cy="306705"/>
+          </a:xfrm>
+          <a:prstGeom prst="rect">
+            <a:avLst/>
+          </a:prstGeom>
+          <a:noFill/>
+        </p:spPr>
+        <p:txBody>
+          <a:bodyPr wrap="square" rtlCol="0">
+            <a:spAutoFit/>
+          </a:bodyPr>
+          <a:p>
+            <a:pPr algn="ctr"/>
+            <a:r>
+              <a:rPr lang="en-US" sz="1400" b="1" dirty="0"/>
+              <a:t>Replicate</a:t>
+            </a:r>
+            <a:endParaRPr lang="en-US" sz="1400" b="1" dirty="0"/>
+          </a:p>
+        </p:txBody>
+      </p:sp>
+      <p:sp>
+        <p:nvSpPr>
+          <p:cNvPr id="117" name="TextBox 15"/>
+          <p:cNvSpPr txBox="1"/>
+          <p:nvPr/>
+        </p:nvSpPr>
+        <p:spPr>
+          <a:xfrm>
+            <a:off x="5310656" y="1687137"/>
+            <a:ext cx="1506552" cy="306705"/>
+          </a:xfrm>
+          <a:prstGeom prst="rect">
+            <a:avLst/>
+          </a:prstGeom>
+          <a:noFill/>
+        </p:spPr>
+        <p:txBody>
+          <a:bodyPr wrap="square" rtlCol="0">
+            <a:spAutoFit/>
+          </a:bodyPr>
+          <a:p>
+            <a:pPr algn="ctr"/>
+            <a:r>
+              <a:rPr lang="en-US" sz="1400" b="1" dirty="0"/>
+              <a:t>Replicate</a:t>
+            </a:r>
+            <a:endParaRPr lang="en-US" sz="1400" b="1" dirty="0"/>
           </a:p>
         </p:txBody>
       </p:sp>
     </p:spTree>
     <p:custDataLst>
-      <p:tags r:id="rId9"/>
+      <p:tags r:id="rId15"/>
     </p:custDataLst>
   </p:cSld>
   <p:clrMapOvr>
@@ -10024,13 +13792,17 @@
 
 <file path=ppt/tags/tag65.xml><?xml version="1.0" encoding="utf-8"?>
 <p:tagLst xmlns:p="http://schemas.openxmlformats.org/presentationml/2006/main">
-  <p:tag name="KSO_WM_UNIT_PLACING_PICTURE_USER_VIEWPORT" val="{&quot;height&quot;:3375,&quot;width&quot;:3375}"/>
+  <p:tag name="KSO_WM_BEAUTIFY_FLAG" val="#wm#"/>
+  <p:tag name="KSO_WM_TEMPLATE_CATEGORY" val="custom"/>
+  <p:tag name="KSO_WM_TEMPLATE_INDEX" val="20205176"/>
 </p:tagLst>
 </file>
 
 <file path=ppt/tags/tag66.xml><?xml version="1.0" encoding="utf-8"?>
 <p:tagLst xmlns:p="http://schemas.openxmlformats.org/presentationml/2006/main">
-  <p:tag name="KSO_WM_UNIT_PLACING_PICTURE_USER_VIEWPORT" val="{&quot;height&quot;:3375,&quot;width&quot;:3375}"/>
+  <p:tag name="KSO_WM_BEAUTIFY_FLAG" val="#wm#"/>
+  <p:tag name="KSO_WM_TEMPLATE_CATEGORY" val="custom"/>
+  <p:tag name="KSO_WM_TEMPLATE_INDEX" val="20205176"/>
 </p:tagLst>
 </file>
 
@@ -10042,9 +13814,7 @@
 
 <file path=ppt/tags/tag68.xml><?xml version="1.0" encoding="utf-8"?>
 <p:tagLst xmlns:p="http://schemas.openxmlformats.org/presentationml/2006/main">
-  <p:tag name="KSO_WM_BEAUTIFY_FLAG" val="#wm#"/>
-  <p:tag name="KSO_WM_TEMPLATE_CATEGORY" val="custom"/>
-  <p:tag name="KSO_WM_TEMPLATE_INDEX" val="20205176"/>
+  <p:tag name="KSO_WM_UNIT_PLACING_PICTURE_USER_VIEWPORT" val="{&quot;height&quot;:3375,&quot;width&quot;:3375}"/>
 </p:tagLst>
 </file>
 
@@ -10074,6 +13844,42 @@
 </file>
 
 <file path=ppt/tags/tag71.xml><?xml version="1.0" encoding="utf-8"?>
+<p:tagLst xmlns:p="http://schemas.openxmlformats.org/presentationml/2006/main">
+  <p:tag name="KSO_WM_UNIT_PLACING_PICTURE_USER_VIEWPORT" val="{&quot;height&quot;:3375,&quot;width&quot;:3375}"/>
+</p:tagLst>
+</file>
+
+<file path=ppt/tags/tag72.xml><?xml version="1.0" encoding="utf-8"?>
+<p:tagLst xmlns:p="http://schemas.openxmlformats.org/presentationml/2006/main">
+  <p:tag name="KSO_WM_UNIT_PLACING_PICTURE_USER_VIEWPORT" val="{&quot;height&quot;:3375,&quot;width&quot;:3375}"/>
+</p:tagLst>
+</file>
+
+<file path=ppt/tags/tag73.xml><?xml version="1.0" encoding="utf-8"?>
+<p:tagLst xmlns:p="http://schemas.openxmlformats.org/presentationml/2006/main">
+  <p:tag name="KSO_WM_UNIT_PLACING_PICTURE_USER_VIEWPORT" val="{&quot;height&quot;:3375,&quot;width&quot;:3375}"/>
+</p:tagLst>
+</file>
+
+<file path=ppt/tags/tag74.xml><?xml version="1.0" encoding="utf-8"?>
+<p:tagLst xmlns:p="http://schemas.openxmlformats.org/presentationml/2006/main">
+  <p:tag name="KSO_WM_UNIT_PLACING_PICTURE_USER_VIEWPORT" val="{&quot;height&quot;:3375,&quot;width&quot;:3375}"/>
+</p:tagLst>
+</file>
+
+<file path=ppt/tags/tag75.xml><?xml version="1.0" encoding="utf-8"?>
+<p:tagLst xmlns:p="http://schemas.openxmlformats.org/presentationml/2006/main">
+  <p:tag name="KSO_WM_UNIT_PLACING_PICTURE_USER_VIEWPORT" val="{&quot;height&quot;:3375,&quot;width&quot;:3375}"/>
+</p:tagLst>
+</file>
+
+<file path=ppt/tags/tag76.xml><?xml version="1.0" encoding="utf-8"?>
+<p:tagLst xmlns:p="http://schemas.openxmlformats.org/presentationml/2006/main">
+  <p:tag name="KSO_WM_UNIT_PLACING_PICTURE_USER_VIEWPORT" val="{&quot;height&quot;:3375,&quot;width&quot;:3375}"/>
+</p:tagLst>
+</file>
+
+<file path=ppt/tags/tag77.xml><?xml version="1.0" encoding="utf-8"?>
 <p:tagLst xmlns:p="http://schemas.openxmlformats.org/presentationml/2006/main">
   <p:tag name="KSO_WM_BEAUTIFY_FLAG" val="#wm#"/>
   <p:tag name="KSO_WM_TEMPLATE_CATEGORY" val="custom"/>

--- a/harbor_img/architecture.pptx
+++ b/harbor_img/architecture.pptx
@@ -5,10 +5,10 @@
     <p:sldMasterId id="2147483648" r:id="rId1"/>
   </p:sldMasterIdLst>
   <p:notesMasterIdLst>
-    <p:notesMasterId r:id="rId8"/>
+    <p:notesMasterId r:id="rId12"/>
   </p:notesMasterIdLst>
   <p:handoutMasterIdLst>
-    <p:handoutMasterId r:id="rId9"/>
+    <p:handoutMasterId r:id="rId13"/>
   </p:handoutMasterIdLst>
   <p:sldIdLst>
     <p:sldId id="409" r:id="rId3"/>
@@ -16,6 +16,10 @@
     <p:sldId id="415" r:id="rId5"/>
     <p:sldId id="414" r:id="rId6"/>
     <p:sldId id="413" r:id="rId7"/>
+    <p:sldId id="418" r:id="rId8"/>
+    <p:sldId id="419" r:id="rId9"/>
+    <p:sldId id="420" r:id="rId10"/>
+    <p:sldId id="421" r:id="rId11"/>
   </p:sldIdLst>
   <p:sldSz cx="12192000" cy="6858000"/>
   <p:notesSz cx="6858000" cy="9144000"/>
@@ -7356,36 +7360,6 @@
           </a:fontRef>
         </p:style>
       </p:cxnSp>
-      <p:pic>
-        <p:nvPicPr>
-          <p:cNvPr id="50" name="Graphic 7"/>
-          <p:cNvPicPr>
-            <a:picLocks noChangeAspect="1"/>
-          </p:cNvPicPr>
-          <p:nvPr/>
-        </p:nvPicPr>
-        <p:blipFill>
-          <a:blip r:embed="rId1">
-            <a:extLst>
-              <a:ext uri="{96DAC541-7B7A-43D3-8B79-37D633B846F1}">
-                <asvg:svgBlip xmlns:asvg="http://schemas.microsoft.com/office/drawing/2016/SVG/main" r:embed="rId2"/>
-              </a:ext>
-            </a:extLst>
-          </a:blip>
-          <a:stretch>
-            <a:fillRect/>
-          </a:stretch>
-        </p:blipFill>
-        <p:spPr>
-          <a:xfrm>
-            <a:off x="8925877" y="1959845"/>
-            <a:ext cx="469900" cy="469900"/>
-          </a:xfrm>
-          <a:prstGeom prst="rect">
-            <a:avLst/>
-          </a:prstGeom>
-        </p:spPr>
-      </p:pic>
       <p:sp>
         <p:nvSpPr>
           <p:cNvPr id="51" name="TextBox 15"/>
@@ -7395,7 +7369,7 @@
         <p:spPr>
           <a:xfrm>
             <a:off x="8211185" y="2453640"/>
-            <a:ext cx="1899285" cy="368300"/>
+            <a:ext cx="1899285" cy="645160"/>
           </a:xfrm>
           <a:prstGeom prst="rect">
             <a:avLst/>
@@ -7410,7 +7384,15 @@
             <a:pPr algn="ctr"/>
             <a:r>
               <a:rPr lang="en-US" b="1" dirty="0"/>
-              <a:t>Local S3 </a:t>
+              <a:t>Local File</a:t>
+            </a:r>
+            <a:endParaRPr lang="en-US" b="1" dirty="0"/>
+          </a:p>
+          <a:p>
+            <a:pPr algn="ctr"/>
+            <a:r>
+              <a:rPr lang="en-US" b="1" dirty="0"/>
+              <a:t>System </a:t>
             </a:r>
             <a:endParaRPr lang="en-US" b="1" dirty="0"/>
           </a:p>
@@ -7867,9 +7849,33 @@
           </p:txBody>
         </p:sp>
       </p:grpSp>
+      <p:pic>
+        <p:nvPicPr>
+          <p:cNvPr id="17" name="图片 16"/>
+          <p:cNvPicPr>
+            <a:picLocks noChangeAspect="1"/>
+          </p:cNvPicPr>
+          <p:nvPr/>
+        </p:nvPicPr>
+        <p:blipFill>
+          <a:blip r:embed="rId5"/>
+          <a:stretch>
+            <a:fillRect/>
+          </a:stretch>
+        </p:blipFill>
+        <p:spPr>
+          <a:xfrm>
+            <a:off x="8764270" y="1882140"/>
+            <a:ext cx="631190" cy="631190"/>
+          </a:xfrm>
+          <a:prstGeom prst="rect">
+            <a:avLst/>
+          </a:prstGeom>
+        </p:spPr>
+      </p:pic>
     </p:spTree>
     <p:custDataLst>
-      <p:tags r:id="rId5"/>
+      <p:tags r:id="rId6"/>
     </p:custDataLst>
   </p:cSld>
   <p:clrMapOvr>
@@ -8856,115 +8862,6 @@
       </p:sp>
       <p:cxnSp>
         <p:nvCxnSpPr>
-          <p:cNvPr id="53" name="直接箭头连接符 52"/>
-          <p:cNvCxnSpPr>
-            <a:stCxn id="20" idx="3"/>
-          </p:cNvCxnSpPr>
-          <p:nvPr/>
-        </p:nvCxnSpPr>
-        <p:spPr>
-          <a:xfrm>
-            <a:off x="4874260" y="1352550"/>
-            <a:ext cx="2590165" cy="1733550"/>
-          </a:xfrm>
-          <a:prstGeom prst="straightConnector1">
-            <a:avLst/>
-          </a:prstGeom>
-          <a:ln w="38100">
-            <a:headEnd type="arrow"/>
-            <a:tailEnd type="arrow"/>
-          </a:ln>
-        </p:spPr>
-        <p:style>
-          <a:lnRef idx="1">
-            <a:schemeClr val="accent1"/>
-          </a:lnRef>
-          <a:fillRef idx="0">
-            <a:schemeClr val="accent1"/>
-          </a:fillRef>
-          <a:effectRef idx="0">
-            <a:schemeClr val="accent1"/>
-          </a:effectRef>
-          <a:fontRef idx="minor">
-            <a:schemeClr val="tx1"/>
-          </a:fontRef>
-        </p:style>
-      </p:cxnSp>
-      <p:cxnSp>
-        <p:nvCxnSpPr>
-          <p:cNvPr id="54" name="直接箭头连接符 53"/>
-          <p:cNvCxnSpPr>
-            <a:stCxn id="45" idx="3"/>
-            <a:endCxn id="34" idx="1"/>
-          </p:cNvCxnSpPr>
-          <p:nvPr/>
-        </p:nvCxnSpPr>
-        <p:spPr>
-          <a:xfrm>
-            <a:off x="4874260" y="3263265"/>
-            <a:ext cx="2599690" cy="30480"/>
-          </a:xfrm>
-          <a:prstGeom prst="straightConnector1">
-            <a:avLst/>
-          </a:prstGeom>
-          <a:ln w="38100">
-            <a:headEnd type="arrow"/>
-            <a:tailEnd type="arrow"/>
-          </a:ln>
-        </p:spPr>
-        <p:style>
-          <a:lnRef idx="1">
-            <a:schemeClr val="accent1"/>
-          </a:lnRef>
-          <a:fillRef idx="0">
-            <a:schemeClr val="accent1"/>
-          </a:fillRef>
-          <a:effectRef idx="0">
-            <a:schemeClr val="accent1"/>
-          </a:effectRef>
-          <a:fontRef idx="minor">
-            <a:schemeClr val="tx1"/>
-          </a:fontRef>
-        </p:style>
-      </p:cxnSp>
-      <p:cxnSp>
-        <p:nvCxnSpPr>
-          <p:cNvPr id="55" name="直接箭头连接符 54"/>
-          <p:cNvCxnSpPr>
-            <a:stCxn id="47" idx="3"/>
-          </p:cNvCxnSpPr>
-          <p:nvPr/>
-        </p:nvCxnSpPr>
-        <p:spPr>
-          <a:xfrm flipV="1">
-            <a:off x="4874260" y="3409315"/>
-            <a:ext cx="2618740" cy="2188210"/>
-          </a:xfrm>
-          <a:prstGeom prst="straightConnector1">
-            <a:avLst/>
-          </a:prstGeom>
-          <a:ln w="38100">
-            <a:headEnd type="arrow"/>
-            <a:tailEnd type="arrow"/>
-          </a:ln>
-        </p:spPr>
-        <p:style>
-          <a:lnRef idx="1">
-            <a:schemeClr val="accent1"/>
-          </a:lnRef>
-          <a:fillRef idx="0">
-            <a:schemeClr val="accent1"/>
-          </a:fillRef>
-          <a:effectRef idx="0">
-            <a:schemeClr val="accent1"/>
-          </a:effectRef>
-          <a:fontRef idx="minor">
-            <a:schemeClr val="tx1"/>
-          </a:fontRef>
-        </p:style>
-      </p:cxnSp>
-      <p:cxnSp>
-        <p:nvCxnSpPr>
           <p:cNvPr id="56" name="直接箭头连接符 55"/>
           <p:cNvCxnSpPr>
             <a:stCxn id="17" idx="2"/>
@@ -9930,7 +9827,7 @@
         </p:nvSpPr>
         <p:spPr>
           <a:xfrm>
-            <a:off x="1626870" y="5261610"/>
+            <a:off x="1626870" y="5368290"/>
             <a:ext cx="2266315" cy="368300"/>
           </a:xfrm>
           <a:prstGeom prst="rect">
@@ -9946,7 +9843,7 @@
             <a:pPr algn="ctr"/>
             <a:r>
               <a:rPr lang="en-US" b="1" dirty="0"/>
-              <a:t>Local S3</a:t>
+              <a:t>File System</a:t>
             </a:r>
             <a:endParaRPr lang="en-US" b="1" dirty="0"/>
           </a:p>
@@ -9986,14 +9883,14 @@
         <p:nvCxnSpPr>
           <p:cNvPr id="61" name="直接箭头连接符 60"/>
           <p:cNvCxnSpPr>
-            <a:endCxn id="63" idx="3"/>
+            <a:endCxn id="9" idx="3"/>
           </p:cNvCxnSpPr>
           <p:nvPr/>
         </p:nvCxnSpPr>
         <p:spPr>
           <a:xfrm flipH="1" flipV="1">
-            <a:off x="2994660" y="5053330"/>
-            <a:ext cx="1183005" cy="497205"/>
+            <a:off x="3056255" y="5123180"/>
+            <a:ext cx="1121410" cy="427355"/>
           </a:xfrm>
           <a:prstGeom prst="straightConnector1">
             <a:avLst/>
@@ -10054,7 +9951,159 @@
       </p:cxnSp>
       <p:pic>
         <p:nvPicPr>
-          <p:cNvPr id="63" name="Graphic 7"/>
+          <p:cNvPr id="66" name="图片 65" descr="Amazon-RDS_PostgreSQL_instance_light-bg@4x"/>
+          <p:cNvPicPr>
+            <a:picLocks noChangeAspect="1"/>
+          </p:cNvPicPr>
+          <p:nvPr/>
+        </p:nvPicPr>
+        <p:blipFill>
+          <a:blip r:embed="rId6"/>
+          <a:stretch>
+            <a:fillRect/>
+          </a:stretch>
+        </p:blipFill>
+        <p:spPr>
+          <a:xfrm>
+            <a:off x="1405890" y="5704205"/>
+            <a:ext cx="635000" cy="635000"/>
+          </a:xfrm>
+          <a:prstGeom prst="rect">
+            <a:avLst/>
+          </a:prstGeom>
+        </p:spPr>
+      </p:pic>
+      <p:cxnSp>
+        <p:nvCxnSpPr>
+          <p:cNvPr id="69" name="直接箭头连接符 68"/>
+          <p:cNvCxnSpPr/>
+          <p:nvPr/>
+        </p:nvCxnSpPr>
+        <p:spPr>
+          <a:xfrm flipH="1">
+            <a:off x="1751965" y="2409825"/>
+            <a:ext cx="3175" cy="1168400"/>
+          </a:xfrm>
+          <a:prstGeom prst="straightConnector1">
+            <a:avLst/>
+          </a:prstGeom>
+          <a:ln w="38100">
+            <a:headEnd type="arrow"/>
+            <a:tailEnd type="arrow"/>
+          </a:ln>
+        </p:spPr>
+        <p:style>
+          <a:lnRef idx="1">
+            <a:schemeClr val="accent1"/>
+          </a:lnRef>
+          <a:fillRef idx="0">
+            <a:schemeClr val="accent1"/>
+          </a:fillRef>
+          <a:effectRef idx="0">
+            <a:schemeClr val="accent1"/>
+          </a:effectRef>
+          <a:fontRef idx="minor">
+            <a:schemeClr val="tx1"/>
+          </a:fontRef>
+        </p:style>
+      </p:cxnSp>
+      <p:cxnSp>
+        <p:nvCxnSpPr>
+          <p:cNvPr id="74" name="直接箭头连接符 73"/>
+          <p:cNvCxnSpPr/>
+          <p:nvPr/>
+        </p:nvCxnSpPr>
+        <p:spPr>
+          <a:xfrm flipH="1">
+            <a:off x="1741805" y="4624070"/>
+            <a:ext cx="9525" cy="989330"/>
+          </a:xfrm>
+          <a:prstGeom prst="straightConnector1">
+            <a:avLst/>
+          </a:prstGeom>
+          <a:ln w="38100">
+            <a:headEnd type="arrow"/>
+            <a:tailEnd type="arrow"/>
+          </a:ln>
+        </p:spPr>
+        <p:style>
+          <a:lnRef idx="1">
+            <a:schemeClr val="accent1"/>
+          </a:lnRef>
+          <a:fillRef idx="0">
+            <a:schemeClr val="accent1"/>
+          </a:fillRef>
+          <a:effectRef idx="0">
+            <a:schemeClr val="accent1"/>
+          </a:effectRef>
+          <a:fontRef idx="minor">
+            <a:schemeClr val="tx1"/>
+          </a:fontRef>
+        </p:style>
+      </p:cxnSp>
+      <p:sp>
+        <p:nvSpPr>
+          <p:cNvPr id="77" name="TextBox 15"/>
+          <p:cNvSpPr txBox="1"/>
+          <p:nvPr/>
+        </p:nvSpPr>
+        <p:spPr>
+          <a:xfrm>
+            <a:off x="567206" y="3051752"/>
+            <a:ext cx="1506552" cy="306705"/>
+          </a:xfrm>
+          <a:prstGeom prst="rect">
+            <a:avLst/>
+          </a:prstGeom>
+          <a:noFill/>
+        </p:spPr>
+        <p:txBody>
+          <a:bodyPr wrap="square" rtlCol="0">
+            <a:spAutoFit/>
+          </a:bodyPr>
+          <a:p>
+            <a:pPr algn="ctr"/>
+            <a:r>
+              <a:rPr lang="en-US" sz="1400" b="1" dirty="0"/>
+              <a:t>Replicate</a:t>
+            </a:r>
+            <a:endParaRPr lang="en-US" sz="1400" b="1" dirty="0"/>
+          </a:p>
+        </p:txBody>
+      </p:sp>
+      <p:sp>
+        <p:nvSpPr>
+          <p:cNvPr id="78" name="TextBox 15"/>
+          <p:cNvSpPr txBox="1"/>
+          <p:nvPr/>
+        </p:nvSpPr>
+        <p:spPr>
+          <a:xfrm>
+            <a:off x="548156" y="5135187"/>
+            <a:ext cx="1506552" cy="306705"/>
+          </a:xfrm>
+          <a:prstGeom prst="rect">
+            <a:avLst/>
+          </a:prstGeom>
+          <a:noFill/>
+        </p:spPr>
+        <p:txBody>
+          <a:bodyPr wrap="square" rtlCol="0">
+            <a:spAutoFit/>
+          </a:bodyPr>
+          <a:p>
+            <a:pPr algn="ctr"/>
+            <a:r>
+              <a:rPr lang="en-US" sz="1400" b="1" dirty="0"/>
+              <a:t>Replicate</a:t>
+            </a:r>
+            <a:endParaRPr lang="en-US" sz="1400" b="1" dirty="0"/>
+          </a:p>
+        </p:txBody>
+      </p:sp>
+      <p:pic>
+        <p:nvPicPr>
+          <p:cNvPr id="109" name="Graphic 7"/>
           <p:cNvPicPr>
             <a:picLocks noChangeAspect="1"/>
           </p:cNvPicPr>
@@ -10074,7 +10123,7 @@
         </p:blipFill>
         <p:spPr>
           <a:xfrm>
-            <a:off x="2525077" y="4818615"/>
+            <a:off x="10055542" y="2759310"/>
             <a:ext cx="469900" cy="469900"/>
           </a:xfrm>
           <a:prstGeom prst="rect">
@@ -10084,7 +10133,7 @@
       </p:pic>
       <p:pic>
         <p:nvPicPr>
-          <p:cNvPr id="66" name="图片 65" descr="Amazon-RDS_PostgreSQL_instance_light-bg@4x"/>
+          <p:cNvPr id="118" name="图片 117" descr="Amazon-RDS_PostgreSQL_instance_light-bg@4x"/>
           <p:cNvPicPr>
             <a:picLocks noChangeAspect="1"/>
           </p:cNvPicPr>
@@ -10098,7 +10147,7 @@
         </p:blipFill>
         <p:spPr>
           <a:xfrm>
-            <a:off x="1405890" y="5704205"/>
+            <a:off x="9969500" y="3580765"/>
             <a:ext cx="635000" cy="635000"/>
           </a:xfrm>
           <a:prstGeom prst="rect">
@@ -10106,137 +10155,9 @@
           </a:prstGeom>
         </p:spPr>
       </p:pic>
-      <p:cxnSp>
-        <p:nvCxnSpPr>
-          <p:cNvPr id="69" name="直接箭头连接符 68"/>
-          <p:cNvCxnSpPr/>
-          <p:nvPr/>
-        </p:nvCxnSpPr>
-        <p:spPr>
-          <a:xfrm flipH="1">
-            <a:off x="1751965" y="2409825"/>
-            <a:ext cx="3175" cy="1168400"/>
-          </a:xfrm>
-          <a:prstGeom prst="straightConnector1">
-            <a:avLst/>
-          </a:prstGeom>
-          <a:ln w="38100">
-            <a:headEnd type="arrow"/>
-            <a:tailEnd type="arrow"/>
-          </a:ln>
-        </p:spPr>
-        <p:style>
-          <a:lnRef idx="1">
-            <a:schemeClr val="accent1"/>
-          </a:lnRef>
-          <a:fillRef idx="0">
-            <a:schemeClr val="accent1"/>
-          </a:fillRef>
-          <a:effectRef idx="0">
-            <a:schemeClr val="accent1"/>
-          </a:effectRef>
-          <a:fontRef idx="minor">
-            <a:schemeClr val="tx1"/>
-          </a:fontRef>
-        </p:style>
-      </p:cxnSp>
-      <p:cxnSp>
-        <p:nvCxnSpPr>
-          <p:cNvPr id="74" name="直接箭头连接符 73"/>
-          <p:cNvCxnSpPr/>
-          <p:nvPr/>
-        </p:nvCxnSpPr>
-        <p:spPr>
-          <a:xfrm flipH="1">
-            <a:off x="1741805" y="4624070"/>
-            <a:ext cx="9525" cy="989330"/>
-          </a:xfrm>
-          <a:prstGeom prst="straightConnector1">
-            <a:avLst/>
-          </a:prstGeom>
-          <a:ln w="38100">
-            <a:headEnd type="arrow"/>
-            <a:tailEnd type="arrow"/>
-          </a:ln>
-        </p:spPr>
-        <p:style>
-          <a:lnRef idx="1">
-            <a:schemeClr val="accent1"/>
-          </a:lnRef>
-          <a:fillRef idx="0">
-            <a:schemeClr val="accent1"/>
-          </a:fillRef>
-          <a:effectRef idx="0">
-            <a:schemeClr val="accent1"/>
-          </a:effectRef>
-          <a:fontRef idx="minor">
-            <a:schemeClr val="tx1"/>
-          </a:fontRef>
-        </p:style>
-      </p:cxnSp>
-      <p:sp>
-        <p:nvSpPr>
-          <p:cNvPr id="77" name="TextBox 15"/>
-          <p:cNvSpPr txBox="1"/>
-          <p:nvPr/>
-        </p:nvSpPr>
-        <p:spPr>
-          <a:xfrm>
-            <a:off x="567206" y="3051752"/>
-            <a:ext cx="1506552" cy="306705"/>
-          </a:xfrm>
-          <a:prstGeom prst="rect">
-            <a:avLst/>
-          </a:prstGeom>
-          <a:noFill/>
-        </p:spPr>
-        <p:txBody>
-          <a:bodyPr wrap="square" rtlCol="0">
-            <a:spAutoFit/>
-          </a:bodyPr>
-          <a:p>
-            <a:pPr algn="ctr"/>
-            <a:r>
-              <a:rPr lang="en-US" sz="1400" b="1" dirty="0"/>
-              <a:t>Replicate</a:t>
-            </a:r>
-            <a:endParaRPr lang="en-US" sz="1400" b="1" dirty="0"/>
-          </a:p>
-        </p:txBody>
-      </p:sp>
-      <p:sp>
-        <p:nvSpPr>
-          <p:cNvPr id="78" name="TextBox 15"/>
-          <p:cNvSpPr txBox="1"/>
-          <p:nvPr/>
-        </p:nvSpPr>
-        <p:spPr>
-          <a:xfrm>
-            <a:off x="548156" y="5135187"/>
-            <a:ext cx="1506552" cy="306705"/>
-          </a:xfrm>
-          <a:prstGeom prst="rect">
-            <a:avLst/>
-          </a:prstGeom>
-          <a:noFill/>
-        </p:spPr>
-        <p:txBody>
-          <a:bodyPr wrap="square" rtlCol="0">
-            <a:spAutoFit/>
-          </a:bodyPr>
-          <a:p>
-            <a:pPr algn="ctr"/>
-            <a:r>
-              <a:rPr lang="en-US" sz="1400" b="1" dirty="0"/>
-              <a:t>Replicate</a:t>
-            </a:r>
-            <a:endParaRPr lang="en-US" sz="1400" b="1" dirty="0"/>
-          </a:p>
-        </p:txBody>
-      </p:sp>
       <p:pic>
         <p:nvPicPr>
-          <p:cNvPr id="109" name="Graphic 7"/>
+          <p:cNvPr id="120" name="Graphic 7"/>
           <p:cNvPicPr>
             <a:picLocks noChangeAspect="1"/>
           </p:cNvPicPr>
@@ -10256,7 +10177,7 @@
         </p:blipFill>
         <p:spPr>
           <a:xfrm>
-            <a:off x="10055542" y="2759310"/>
+            <a:off x="10411142" y="1118470"/>
             <a:ext cx="469900" cy="469900"/>
           </a:xfrm>
           <a:prstGeom prst="rect">
@@ -10266,31 +10187,7 @@
       </p:pic>
       <p:pic>
         <p:nvPicPr>
-          <p:cNvPr id="118" name="图片 117" descr="Amazon-RDS_PostgreSQL_instance_light-bg@4x"/>
-          <p:cNvPicPr>
-            <a:picLocks noChangeAspect="1"/>
-          </p:cNvPicPr>
-          <p:nvPr/>
-        </p:nvPicPr>
-        <p:blipFill>
-          <a:blip r:embed="rId6"/>
-          <a:stretch>
-            <a:fillRect/>
-          </a:stretch>
-        </p:blipFill>
-        <p:spPr>
-          <a:xfrm>
-            <a:off x="9969500" y="3580765"/>
-            <a:ext cx="635000" cy="635000"/>
-          </a:xfrm>
-          <a:prstGeom prst="rect">
-            <a:avLst/>
-          </a:prstGeom>
-        </p:spPr>
-      </p:pic>
-      <p:pic>
-        <p:nvPicPr>
-          <p:cNvPr id="120" name="Graphic 7"/>
+          <p:cNvPr id="122" name="Graphic 7"/>
           <p:cNvPicPr>
             <a:picLocks noChangeAspect="1"/>
           </p:cNvPicPr>
@@ -10310,7 +10207,7 @@
         </p:blipFill>
         <p:spPr>
           <a:xfrm>
-            <a:off x="10411142" y="1118470"/>
+            <a:off x="10411142" y="5421230"/>
             <a:ext cx="469900" cy="469900"/>
           </a:xfrm>
           <a:prstGeom prst="rect">
@@ -10318,30 +10215,130 @@
           </a:prstGeom>
         </p:spPr>
       </p:pic>
+      <p:cxnSp>
+        <p:nvCxnSpPr>
+          <p:cNvPr id="3" name="直接箭头连接符 2"/>
+          <p:cNvCxnSpPr>
+            <a:stCxn id="20" idx="3"/>
+          </p:cNvCxnSpPr>
+          <p:nvPr/>
+        </p:nvCxnSpPr>
+        <p:spPr>
+          <a:xfrm>
+            <a:off x="4874260" y="1352550"/>
+            <a:ext cx="2559050" cy="1750060"/>
+          </a:xfrm>
+          <a:prstGeom prst="straightConnector1">
+            <a:avLst/>
+          </a:prstGeom>
+          <a:ln w="38100">
+            <a:tailEnd type="arrow"/>
+          </a:ln>
+        </p:spPr>
+        <p:style>
+          <a:lnRef idx="1">
+            <a:schemeClr val="accent1"/>
+          </a:lnRef>
+          <a:fillRef idx="0">
+            <a:schemeClr val="accent1"/>
+          </a:fillRef>
+          <a:effectRef idx="0">
+            <a:schemeClr val="accent1"/>
+          </a:effectRef>
+          <a:fontRef idx="minor">
+            <a:schemeClr val="tx1"/>
+          </a:fontRef>
+        </p:style>
+      </p:cxnSp>
+      <p:cxnSp>
+        <p:nvCxnSpPr>
+          <p:cNvPr id="5" name="直接箭头连接符 4"/>
+          <p:cNvCxnSpPr>
+            <a:stCxn id="45" idx="3"/>
+            <a:endCxn id="34" idx="1"/>
+          </p:cNvCxnSpPr>
+          <p:nvPr/>
+        </p:nvCxnSpPr>
+        <p:spPr>
+          <a:xfrm>
+            <a:off x="4874260" y="3263265"/>
+            <a:ext cx="2599690" cy="30480"/>
+          </a:xfrm>
+          <a:prstGeom prst="straightConnector1">
+            <a:avLst/>
+          </a:prstGeom>
+          <a:ln w="38100">
+            <a:tailEnd type="arrow"/>
+          </a:ln>
+        </p:spPr>
+        <p:style>
+          <a:lnRef idx="1">
+            <a:schemeClr val="accent1"/>
+          </a:lnRef>
+          <a:fillRef idx="0">
+            <a:schemeClr val="accent1"/>
+          </a:fillRef>
+          <a:effectRef idx="0">
+            <a:schemeClr val="accent1"/>
+          </a:effectRef>
+          <a:fontRef idx="minor">
+            <a:schemeClr val="tx1"/>
+          </a:fontRef>
+        </p:style>
+      </p:cxnSp>
+      <p:cxnSp>
+        <p:nvCxnSpPr>
+          <p:cNvPr id="7" name="直接箭头连接符 6"/>
+          <p:cNvCxnSpPr>
+            <a:stCxn id="47" idx="3"/>
+          </p:cNvCxnSpPr>
+          <p:nvPr/>
+        </p:nvCxnSpPr>
+        <p:spPr>
+          <a:xfrm flipV="1">
+            <a:off x="4874260" y="3444240"/>
+            <a:ext cx="2599690" cy="2153285"/>
+          </a:xfrm>
+          <a:prstGeom prst="straightConnector1">
+            <a:avLst/>
+          </a:prstGeom>
+          <a:ln w="38100">
+            <a:tailEnd type="arrow"/>
+          </a:ln>
+        </p:spPr>
+        <p:style>
+          <a:lnRef idx="1">
+            <a:schemeClr val="accent1"/>
+          </a:lnRef>
+          <a:fillRef idx="0">
+            <a:schemeClr val="accent1"/>
+          </a:fillRef>
+          <a:effectRef idx="0">
+            <a:schemeClr val="accent1"/>
+          </a:effectRef>
+          <a:fontRef idx="minor">
+            <a:schemeClr val="tx1"/>
+          </a:fontRef>
+        </p:style>
+      </p:cxnSp>
       <p:pic>
         <p:nvPicPr>
-          <p:cNvPr id="122" name="Graphic 7"/>
+          <p:cNvPr id="9" name="图片 8"/>
           <p:cNvPicPr>
             <a:picLocks noChangeAspect="1"/>
           </p:cNvPicPr>
           <p:nvPr/>
         </p:nvPicPr>
         <p:blipFill>
-          <a:blip r:embed="rId4">
-            <a:extLst>
-              <a:ext uri="{96DAC541-7B7A-43D3-8B79-37D633B846F1}">
-                <asvg:svgBlip xmlns:asvg="http://schemas.microsoft.com/office/drawing/2016/SVG/main" r:embed="rId5"/>
-              </a:ext>
-            </a:extLst>
-          </a:blip>
+          <a:blip r:embed="rId7"/>
           <a:stretch>
             <a:fillRect/>
           </a:stretch>
         </p:blipFill>
         <p:spPr>
           <a:xfrm>
-            <a:off x="10411142" y="5421230"/>
-            <a:ext cx="469900" cy="469900"/>
+            <a:off x="2425065" y="4807585"/>
+            <a:ext cx="631190" cy="631190"/>
           </a:xfrm>
           <a:prstGeom prst="rect">
             <a:avLst/>
@@ -10350,7 +10347,7 @@
       </p:pic>
     </p:spTree>
     <p:custDataLst>
-      <p:tags r:id="rId7"/>
+      <p:tags r:id="rId8"/>
     </p:custDataLst>
   </p:cSld>
   <p:clrMapOvr>
@@ -11365,115 +11362,6 @@
       </p:sp>
       <p:cxnSp>
         <p:nvCxnSpPr>
-          <p:cNvPr id="53" name="直接箭头连接符 52"/>
-          <p:cNvCxnSpPr>
-            <a:stCxn id="20" idx="3"/>
-          </p:cNvCxnSpPr>
-          <p:nvPr/>
-        </p:nvCxnSpPr>
-        <p:spPr>
-          <a:xfrm>
-            <a:off x="4874260" y="1352550"/>
-            <a:ext cx="2592070" cy="2075815"/>
-          </a:xfrm>
-          <a:prstGeom prst="straightConnector1">
-            <a:avLst/>
-          </a:prstGeom>
-          <a:ln w="38100">
-            <a:headEnd type="arrow"/>
-            <a:tailEnd type="arrow"/>
-          </a:ln>
-        </p:spPr>
-        <p:style>
-          <a:lnRef idx="1">
-            <a:schemeClr val="accent1"/>
-          </a:lnRef>
-          <a:fillRef idx="0">
-            <a:schemeClr val="accent1"/>
-          </a:fillRef>
-          <a:effectRef idx="0">
-            <a:schemeClr val="accent1"/>
-          </a:effectRef>
-          <a:fontRef idx="minor">
-            <a:schemeClr val="tx1"/>
-          </a:fontRef>
-        </p:style>
-      </p:cxnSp>
-      <p:cxnSp>
-        <p:nvCxnSpPr>
-          <p:cNvPr id="54" name="直接箭头连接符 53"/>
-          <p:cNvCxnSpPr>
-            <a:stCxn id="45" idx="3"/>
-            <a:endCxn id="34" idx="1"/>
-          </p:cNvCxnSpPr>
-          <p:nvPr/>
-        </p:nvCxnSpPr>
-        <p:spPr>
-          <a:xfrm>
-            <a:off x="4865370" y="3574415"/>
-            <a:ext cx="2608580" cy="0"/>
-          </a:xfrm>
-          <a:prstGeom prst="straightConnector1">
-            <a:avLst/>
-          </a:prstGeom>
-          <a:ln w="38100">
-            <a:headEnd type="arrow"/>
-            <a:tailEnd type="arrow"/>
-          </a:ln>
-        </p:spPr>
-        <p:style>
-          <a:lnRef idx="1">
-            <a:schemeClr val="accent1"/>
-          </a:lnRef>
-          <a:fillRef idx="0">
-            <a:schemeClr val="accent1"/>
-          </a:fillRef>
-          <a:effectRef idx="0">
-            <a:schemeClr val="accent1"/>
-          </a:effectRef>
-          <a:fontRef idx="minor">
-            <a:schemeClr val="tx1"/>
-          </a:fontRef>
-        </p:style>
-      </p:cxnSp>
-      <p:cxnSp>
-        <p:nvCxnSpPr>
-          <p:cNvPr id="55" name="直接箭头连接符 54"/>
-          <p:cNvCxnSpPr>
-            <a:stCxn id="47" idx="3"/>
-          </p:cNvCxnSpPr>
-          <p:nvPr/>
-        </p:nvCxnSpPr>
-        <p:spPr>
-          <a:xfrm flipV="1">
-            <a:off x="4874260" y="3722370"/>
-            <a:ext cx="2633345" cy="1875155"/>
-          </a:xfrm>
-          <a:prstGeom prst="straightConnector1">
-            <a:avLst/>
-          </a:prstGeom>
-          <a:ln w="38100">
-            <a:headEnd type="arrow"/>
-            <a:tailEnd type="arrow"/>
-          </a:ln>
-        </p:spPr>
-        <p:style>
-          <a:lnRef idx="1">
-            <a:schemeClr val="accent1"/>
-          </a:lnRef>
-          <a:fillRef idx="0">
-            <a:schemeClr val="accent1"/>
-          </a:fillRef>
-          <a:effectRef idx="0">
-            <a:schemeClr val="accent1"/>
-          </a:effectRef>
-          <a:fontRef idx="minor">
-            <a:schemeClr val="tx1"/>
-          </a:fontRef>
-        </p:style>
-      </p:cxnSp>
-      <p:cxnSp>
-        <p:nvCxnSpPr>
           <p:cNvPr id="56" name="直接箭头连接符 55"/>
           <p:cNvCxnSpPr>
             <a:stCxn id="17" idx="2"/>
@@ -12978,9 +12866,4312 @@
           </a:p>
         </p:txBody>
       </p:sp>
+      <p:cxnSp>
+        <p:nvCxnSpPr>
+          <p:cNvPr id="2" name="直接箭头连接符 1"/>
+          <p:cNvCxnSpPr>
+            <a:stCxn id="20" idx="3"/>
+          </p:cNvCxnSpPr>
+          <p:nvPr/>
+        </p:nvCxnSpPr>
+        <p:spPr>
+          <a:xfrm>
+            <a:off x="4874260" y="1352550"/>
+            <a:ext cx="2592070" cy="2091690"/>
+          </a:xfrm>
+          <a:prstGeom prst="straightConnector1">
+            <a:avLst/>
+          </a:prstGeom>
+          <a:ln w="38100">
+            <a:tailEnd type="arrow"/>
+          </a:ln>
+        </p:spPr>
+        <p:style>
+          <a:lnRef idx="1">
+            <a:schemeClr val="accent1"/>
+          </a:lnRef>
+          <a:fillRef idx="0">
+            <a:schemeClr val="accent1"/>
+          </a:fillRef>
+          <a:effectRef idx="0">
+            <a:schemeClr val="accent1"/>
+          </a:effectRef>
+          <a:fontRef idx="minor">
+            <a:schemeClr val="tx1"/>
+          </a:fontRef>
+        </p:style>
+      </p:cxnSp>
+      <p:cxnSp>
+        <p:nvCxnSpPr>
+          <p:cNvPr id="3" name="直接箭头连接符 2"/>
+          <p:cNvCxnSpPr>
+            <a:stCxn id="45" idx="3"/>
+            <a:endCxn id="34" idx="1"/>
+          </p:cNvCxnSpPr>
+          <p:nvPr/>
+        </p:nvCxnSpPr>
+        <p:spPr>
+          <a:xfrm>
+            <a:off x="4874260" y="3574415"/>
+            <a:ext cx="2608580" cy="0"/>
+          </a:xfrm>
+          <a:prstGeom prst="straightConnector1">
+            <a:avLst/>
+          </a:prstGeom>
+          <a:ln w="38100">
+            <a:tailEnd type="arrow"/>
+          </a:ln>
+        </p:spPr>
+        <p:style>
+          <a:lnRef idx="1">
+            <a:schemeClr val="accent1"/>
+          </a:lnRef>
+          <a:fillRef idx="0">
+            <a:schemeClr val="accent1"/>
+          </a:fillRef>
+          <a:effectRef idx="0">
+            <a:schemeClr val="accent1"/>
+          </a:effectRef>
+          <a:fontRef idx="minor">
+            <a:schemeClr val="tx1"/>
+          </a:fontRef>
+        </p:style>
+      </p:cxnSp>
+      <p:cxnSp>
+        <p:nvCxnSpPr>
+          <p:cNvPr id="4" name="直接箭头连接符 3"/>
+          <p:cNvCxnSpPr>
+            <a:stCxn id="47" idx="3"/>
+          </p:cNvCxnSpPr>
+          <p:nvPr/>
+        </p:nvCxnSpPr>
+        <p:spPr>
+          <a:xfrm flipV="1">
+            <a:off x="4874260" y="3688715"/>
+            <a:ext cx="2616200" cy="1908810"/>
+          </a:xfrm>
+          <a:prstGeom prst="straightConnector1">
+            <a:avLst/>
+          </a:prstGeom>
+          <a:ln w="38100">
+            <a:tailEnd type="arrow"/>
+          </a:ln>
+        </p:spPr>
+        <p:style>
+          <a:lnRef idx="1">
+            <a:schemeClr val="accent1"/>
+          </a:lnRef>
+          <a:fillRef idx="0">
+            <a:schemeClr val="accent1"/>
+          </a:fillRef>
+          <a:effectRef idx="0">
+            <a:schemeClr val="accent1"/>
+          </a:effectRef>
+          <a:fontRef idx="minor">
+            <a:schemeClr val="tx1"/>
+          </a:fontRef>
+        </p:style>
+      </p:cxnSp>
     </p:spTree>
     <p:custDataLst>
       <p:tags r:id="rId15"/>
+    </p:custDataLst>
+  </p:cSld>
+  <p:clrMapOvr>
+    <a:masterClrMapping/>
+  </p:clrMapOvr>
+</p:sld>
+</file>
+
+<file path=ppt/slides/slide6.xml><?xml version="1.0" encoding="utf-8"?>
+<p:sld xmlns:a="http://schemas.openxmlformats.org/drawingml/2006/main" xmlns:r="http://schemas.openxmlformats.org/officeDocument/2006/relationships" xmlns:p="http://schemas.openxmlformats.org/presentationml/2006/main">
+  <p:cSld>
+    <p:bg>
+      <p:bgPr>
+        <a:noFill/>
+        <a:effectLst/>
+      </p:bgPr>
+    </p:bg>
+    <p:spTree>
+      <p:nvGrpSpPr>
+        <p:cNvPr id="1" name=""/>
+        <p:cNvGrpSpPr/>
+        <p:nvPr/>
+      </p:nvGrpSpPr>
+      <p:grpSpPr/>
+      <p:sp>
+        <p:nvSpPr>
+          <p:cNvPr id="31" name="矩形 30"/>
+          <p:cNvSpPr/>
+          <p:nvPr/>
+        </p:nvSpPr>
+        <p:spPr>
+          <a:xfrm>
+            <a:off x="1713865" y="1656715"/>
+            <a:ext cx="8610600" cy="3093720"/>
+          </a:xfrm>
+          <a:prstGeom prst="rect">
+            <a:avLst/>
+          </a:prstGeom>
+          <a:solidFill>
+            <a:srgbClr val="FFFFFF"/>
+          </a:solidFill>
+          <a:ln w="38100">
+            <a:prstDash val="sysDot"/>
+          </a:ln>
+        </p:spPr>
+        <p:style>
+          <a:lnRef idx="2">
+            <a:schemeClr val="accent1">
+              <a:shade val="50000"/>
+            </a:schemeClr>
+          </a:lnRef>
+          <a:fillRef idx="1">
+            <a:schemeClr val="accent1"/>
+          </a:fillRef>
+          <a:effectRef idx="0">
+            <a:schemeClr val="accent1"/>
+          </a:effectRef>
+          <a:fontRef idx="minor">
+            <a:schemeClr val="lt1"/>
+          </a:fontRef>
+        </p:style>
+        <p:txBody>
+          <a:bodyPr rtlCol="0" anchor="ctr"/>
+          <a:p>
+            <a:pPr algn="ctr"/>
+            <a:endParaRPr lang="zh-CN" altLang="en-US"/>
+          </a:p>
+        </p:txBody>
+      </p:sp>
+      <p:sp>
+        <p:nvSpPr>
+          <p:cNvPr id="39" name="TextBox 15"/>
+          <p:cNvSpPr txBox="1"/>
+          <p:nvPr/>
+        </p:nvSpPr>
+        <p:spPr>
+          <a:xfrm>
+            <a:off x="1714016" y="1656022"/>
+            <a:ext cx="1506552" cy="337185"/>
+          </a:xfrm>
+          <a:prstGeom prst="rect">
+            <a:avLst/>
+          </a:prstGeom>
+          <a:noFill/>
+        </p:spPr>
+        <p:txBody>
+          <a:bodyPr wrap="square" rtlCol="0">
+            <a:spAutoFit/>
+          </a:bodyPr>
+          <a:p>
+            <a:pPr algn="l"/>
+            <a:r>
+              <a:rPr lang="en-US" sz="1600" b="1" dirty="0"/>
+              <a:t>Beijing</a:t>
+            </a:r>
+            <a:endParaRPr lang="en-US" sz="1600" b="1" dirty="0"/>
+          </a:p>
+        </p:txBody>
+      </p:sp>
+      <p:sp>
+        <p:nvSpPr>
+          <p:cNvPr id="44" name="TextBox 15"/>
+          <p:cNvSpPr txBox="1"/>
+          <p:nvPr/>
+        </p:nvSpPr>
+        <p:spPr>
+          <a:xfrm>
+            <a:off x="5265571" y="2550102"/>
+            <a:ext cx="1506552" cy="368300"/>
+          </a:xfrm>
+          <a:prstGeom prst="rect">
+            <a:avLst/>
+          </a:prstGeom>
+          <a:noFill/>
+        </p:spPr>
+        <p:txBody>
+          <a:bodyPr wrap="square" rtlCol="0">
+            <a:spAutoFit/>
+          </a:bodyPr>
+          <a:p>
+            <a:pPr algn="ctr"/>
+            <a:r>
+              <a:rPr lang="en-US" b="1" dirty="0"/>
+              <a:t>Harbor</a:t>
+            </a:r>
+            <a:endParaRPr lang="en-US" b="1" dirty="0"/>
+          </a:p>
+        </p:txBody>
+      </p:sp>
+      <p:pic>
+        <p:nvPicPr>
+          <p:cNvPr id="45" name="图片 44" descr="Amazon-EC2_Instance_light-bg@4x"/>
+          <p:cNvPicPr>
+            <a:picLocks noChangeAspect="1"/>
+          </p:cNvPicPr>
+          <p:nvPr/>
+        </p:nvPicPr>
+        <p:blipFill>
+          <a:blip r:embed="rId1"/>
+          <a:stretch>
+            <a:fillRect/>
+          </a:stretch>
+        </p:blipFill>
+        <p:spPr>
+          <a:xfrm>
+            <a:off x="5701665" y="1915160"/>
+            <a:ext cx="635000" cy="635000"/>
+          </a:xfrm>
+          <a:prstGeom prst="rect">
+            <a:avLst/>
+          </a:prstGeom>
+        </p:spPr>
+      </p:pic>
+      <p:sp>
+        <p:nvSpPr>
+          <p:cNvPr id="19" name="TextBox 15"/>
+          <p:cNvSpPr txBox="1"/>
+          <p:nvPr/>
+        </p:nvSpPr>
+        <p:spPr>
+          <a:xfrm>
+            <a:off x="4886325" y="4177665"/>
+            <a:ext cx="2266315" cy="368300"/>
+          </a:xfrm>
+          <a:prstGeom prst="rect">
+            <a:avLst/>
+          </a:prstGeom>
+          <a:noFill/>
+        </p:spPr>
+        <p:txBody>
+          <a:bodyPr wrap="square" rtlCol="0">
+            <a:spAutoFit/>
+          </a:bodyPr>
+          <a:p>
+            <a:pPr algn="ctr"/>
+            <a:r>
+              <a:rPr lang="en-US" b="1" dirty="0"/>
+              <a:t>Local S3</a:t>
+            </a:r>
+            <a:endParaRPr lang="en-US" b="1" dirty="0"/>
+          </a:p>
+        </p:txBody>
+      </p:sp>
+      <p:cxnSp>
+        <p:nvCxnSpPr>
+          <p:cNvPr id="22" name="直接箭头连接符 21"/>
+          <p:cNvCxnSpPr>
+            <a:stCxn id="44" idx="2"/>
+            <a:endCxn id="24" idx="0"/>
+          </p:cNvCxnSpPr>
+          <p:nvPr/>
+        </p:nvCxnSpPr>
+        <p:spPr>
+          <a:xfrm>
+            <a:off x="6019165" y="2918460"/>
+            <a:ext cx="0" cy="789305"/>
+          </a:xfrm>
+          <a:prstGeom prst="straightConnector1">
+            <a:avLst/>
+          </a:prstGeom>
+          <a:ln w="38100">
+            <a:tailEnd type="arrow"/>
+          </a:ln>
+        </p:spPr>
+        <p:style>
+          <a:lnRef idx="1">
+            <a:schemeClr val="accent1"/>
+          </a:lnRef>
+          <a:fillRef idx="0">
+            <a:schemeClr val="accent1"/>
+          </a:fillRef>
+          <a:effectRef idx="0">
+            <a:schemeClr val="accent1"/>
+          </a:effectRef>
+          <a:fontRef idx="minor">
+            <a:schemeClr val="tx1"/>
+          </a:fontRef>
+        </p:style>
+      </p:cxnSp>
+      <p:pic>
+        <p:nvPicPr>
+          <p:cNvPr id="24" name="Graphic 7"/>
+          <p:cNvPicPr>
+            <a:picLocks noChangeAspect="1"/>
+          </p:cNvPicPr>
+          <p:nvPr/>
+        </p:nvPicPr>
+        <p:blipFill>
+          <a:blip r:embed="rId2">
+            <a:extLst>
+              <a:ext uri="{96DAC541-7B7A-43D3-8B79-37D633B846F1}">
+                <asvg:svgBlip xmlns:asvg="http://schemas.microsoft.com/office/drawing/2016/SVG/main" r:embed="rId3"/>
+              </a:ext>
+            </a:extLst>
+          </a:blip>
+          <a:stretch>
+            <a:fillRect/>
+          </a:stretch>
+        </p:blipFill>
+        <p:spPr>
+          <a:xfrm>
+            <a:off x="5784532" y="3708000"/>
+            <a:ext cx="469900" cy="469900"/>
+          </a:xfrm>
+          <a:prstGeom prst="rect">
+            <a:avLst/>
+          </a:prstGeom>
+        </p:spPr>
+      </p:pic>
+      <p:sp>
+        <p:nvSpPr>
+          <p:cNvPr id="81" name="TextBox 15"/>
+          <p:cNvSpPr txBox="1"/>
+          <p:nvPr/>
+        </p:nvSpPr>
+        <p:spPr>
+          <a:xfrm>
+            <a:off x="1713865" y="2550160"/>
+            <a:ext cx="2266315" cy="368300"/>
+          </a:xfrm>
+          <a:prstGeom prst="rect">
+            <a:avLst/>
+          </a:prstGeom>
+          <a:noFill/>
+        </p:spPr>
+        <p:txBody>
+          <a:bodyPr wrap="square" rtlCol="0">
+            <a:spAutoFit/>
+          </a:bodyPr>
+          <a:p>
+            <a:pPr algn="ctr"/>
+            <a:r>
+              <a:rPr lang="en-US" b="1" dirty="0"/>
+              <a:t>Local CI</a:t>
+            </a:r>
+            <a:endParaRPr lang="en-US" b="1" dirty="0"/>
+          </a:p>
+        </p:txBody>
+      </p:sp>
+      <p:pic>
+        <p:nvPicPr>
+          <p:cNvPr id="82" name="图片 81"/>
+          <p:cNvPicPr>
+            <a:picLocks noChangeAspect="1"/>
+          </p:cNvPicPr>
+          <p:nvPr>
+            <p:custDataLst>
+              <p:tags r:id="rId4"/>
+            </p:custDataLst>
+          </p:nvPr>
+        </p:nvPicPr>
+        <p:blipFill>
+          <a:blip r:embed="rId5"/>
+          <a:stretch>
+            <a:fillRect/>
+          </a:stretch>
+        </p:blipFill>
+        <p:spPr>
+          <a:xfrm>
+            <a:off x="2552700" y="1938020"/>
+            <a:ext cx="589280" cy="589280"/>
+          </a:xfrm>
+          <a:prstGeom prst="rect">
+            <a:avLst/>
+          </a:prstGeom>
+        </p:spPr>
+      </p:pic>
+      <p:sp>
+        <p:nvSpPr>
+          <p:cNvPr id="4" name="TextBox 15"/>
+          <p:cNvSpPr txBox="1"/>
+          <p:nvPr/>
+        </p:nvSpPr>
+        <p:spPr>
+          <a:xfrm>
+            <a:off x="8058150" y="2550160"/>
+            <a:ext cx="2266315" cy="368300"/>
+          </a:xfrm>
+          <a:prstGeom prst="rect">
+            <a:avLst/>
+          </a:prstGeom>
+          <a:noFill/>
+        </p:spPr>
+        <p:txBody>
+          <a:bodyPr wrap="square" rtlCol="0">
+            <a:spAutoFit/>
+          </a:bodyPr>
+          <a:p>
+            <a:pPr algn="ctr"/>
+            <a:r>
+              <a:rPr lang="en-US" b="1" dirty="0"/>
+              <a:t>Local CD</a:t>
+            </a:r>
+            <a:endParaRPr lang="en-US" b="1" dirty="0"/>
+          </a:p>
+        </p:txBody>
+      </p:sp>
+      <p:pic>
+        <p:nvPicPr>
+          <p:cNvPr id="5" name="图片 4"/>
+          <p:cNvPicPr>
+            <a:picLocks noChangeAspect="1"/>
+          </p:cNvPicPr>
+          <p:nvPr>
+            <p:custDataLst>
+              <p:tags r:id="rId6"/>
+            </p:custDataLst>
+          </p:nvPr>
+        </p:nvPicPr>
+        <p:blipFill>
+          <a:blip r:embed="rId5"/>
+          <a:stretch>
+            <a:fillRect/>
+          </a:stretch>
+        </p:blipFill>
+        <p:spPr>
+          <a:xfrm>
+            <a:off x="8896985" y="1938020"/>
+            <a:ext cx="589280" cy="589280"/>
+          </a:xfrm>
+          <a:prstGeom prst="rect">
+            <a:avLst/>
+          </a:prstGeom>
+        </p:spPr>
+      </p:pic>
+      <p:cxnSp>
+        <p:nvCxnSpPr>
+          <p:cNvPr id="6" name="直接箭头连接符 5"/>
+          <p:cNvCxnSpPr>
+            <a:stCxn id="82" idx="3"/>
+            <a:endCxn id="45" idx="1"/>
+          </p:cNvCxnSpPr>
+          <p:nvPr/>
+        </p:nvCxnSpPr>
+        <p:spPr>
+          <a:xfrm>
+            <a:off x="3141980" y="2232660"/>
+            <a:ext cx="2559685" cy="0"/>
+          </a:xfrm>
+          <a:prstGeom prst="straightConnector1">
+            <a:avLst/>
+          </a:prstGeom>
+          <a:ln w="38100">
+            <a:tailEnd type="arrow"/>
+          </a:ln>
+        </p:spPr>
+        <p:style>
+          <a:lnRef idx="1">
+            <a:schemeClr val="accent1"/>
+          </a:lnRef>
+          <a:fillRef idx="0">
+            <a:schemeClr val="accent1"/>
+          </a:fillRef>
+          <a:effectRef idx="0">
+            <a:schemeClr val="accent1"/>
+          </a:effectRef>
+          <a:fontRef idx="minor">
+            <a:schemeClr val="tx1"/>
+          </a:fontRef>
+        </p:style>
+      </p:cxnSp>
+      <p:sp>
+        <p:nvSpPr>
+          <p:cNvPr id="87" name="TextBox 15"/>
+          <p:cNvSpPr txBox="1"/>
+          <p:nvPr/>
+        </p:nvSpPr>
+        <p:spPr>
+          <a:xfrm>
+            <a:off x="3668546" y="1915102"/>
+            <a:ext cx="1506552" cy="306705"/>
+          </a:xfrm>
+          <a:prstGeom prst="rect">
+            <a:avLst/>
+          </a:prstGeom>
+          <a:noFill/>
+        </p:spPr>
+        <p:txBody>
+          <a:bodyPr wrap="square" rtlCol="0">
+            <a:spAutoFit/>
+          </a:bodyPr>
+          <a:p>
+            <a:pPr algn="ctr"/>
+            <a:r>
+              <a:rPr lang="en-US" sz="1400" b="1" dirty="0"/>
+              <a:t>Push</a:t>
+            </a:r>
+            <a:endParaRPr lang="en-US" sz="1400" b="1" dirty="0"/>
+          </a:p>
+        </p:txBody>
+      </p:sp>
+      <p:pic>
+        <p:nvPicPr>
+          <p:cNvPr id="7" name="图片 6" descr="Amazon-EC2-Container-Registry_Image_light-bg@4x"/>
+          <p:cNvPicPr>
+            <a:picLocks noChangeAspect="1"/>
+          </p:cNvPicPr>
+          <p:nvPr/>
+        </p:nvPicPr>
+        <p:blipFill>
+          <a:blip r:embed="rId7"/>
+          <a:stretch>
+            <a:fillRect/>
+          </a:stretch>
+        </p:blipFill>
+        <p:spPr>
+          <a:xfrm>
+            <a:off x="4104640" y="2232660"/>
+            <a:ext cx="635000" cy="635000"/>
+          </a:xfrm>
+          <a:prstGeom prst="rect">
+            <a:avLst/>
+          </a:prstGeom>
+        </p:spPr>
+      </p:pic>
+      <p:sp>
+        <p:nvSpPr>
+          <p:cNvPr id="8" name="TextBox 15"/>
+          <p:cNvSpPr txBox="1"/>
+          <p:nvPr/>
+        </p:nvSpPr>
+        <p:spPr>
+          <a:xfrm>
+            <a:off x="3289300" y="2867660"/>
+            <a:ext cx="2266315" cy="306705"/>
+          </a:xfrm>
+          <a:prstGeom prst="rect">
+            <a:avLst/>
+          </a:prstGeom>
+          <a:noFill/>
+        </p:spPr>
+        <p:txBody>
+          <a:bodyPr wrap="square" rtlCol="0">
+            <a:spAutoFit/>
+          </a:bodyPr>
+          <a:p>
+            <a:pPr algn="ctr"/>
+            <a:r>
+              <a:rPr lang="en-US" sz="1400" b="1" dirty="0"/>
+              <a:t>Docker Image</a:t>
+            </a:r>
+            <a:endParaRPr lang="en-US" sz="1400" b="1" dirty="0"/>
+          </a:p>
+        </p:txBody>
+      </p:sp>
+      <p:pic>
+        <p:nvPicPr>
+          <p:cNvPr id="9" name="图片 8" descr="Users_light-bg@4x"/>
+          <p:cNvPicPr>
+            <a:picLocks noChangeAspect="1"/>
+          </p:cNvPicPr>
+          <p:nvPr/>
+        </p:nvPicPr>
+        <p:blipFill>
+          <a:blip r:embed="rId8"/>
+          <a:stretch>
+            <a:fillRect/>
+          </a:stretch>
+        </p:blipFill>
+        <p:spPr>
+          <a:xfrm>
+            <a:off x="8896985" y="3625215"/>
+            <a:ext cx="635000" cy="635000"/>
+          </a:xfrm>
+          <a:prstGeom prst="rect">
+            <a:avLst/>
+          </a:prstGeom>
+        </p:spPr>
+      </p:pic>
+      <p:sp>
+        <p:nvSpPr>
+          <p:cNvPr id="10" name="TextBox 15"/>
+          <p:cNvSpPr txBox="1"/>
+          <p:nvPr/>
+        </p:nvSpPr>
+        <p:spPr>
+          <a:xfrm>
+            <a:off x="8081645" y="4177665"/>
+            <a:ext cx="2266315" cy="368300"/>
+          </a:xfrm>
+          <a:prstGeom prst="rect">
+            <a:avLst/>
+          </a:prstGeom>
+          <a:noFill/>
+        </p:spPr>
+        <p:txBody>
+          <a:bodyPr wrap="square" rtlCol="0">
+            <a:spAutoFit/>
+          </a:bodyPr>
+          <a:p>
+            <a:pPr algn="ctr"/>
+            <a:r>
+              <a:rPr lang="en-US" b="1" dirty="0"/>
+              <a:t>Team Member</a:t>
+            </a:r>
+            <a:endParaRPr lang="en-US" b="1" dirty="0"/>
+          </a:p>
+        </p:txBody>
+      </p:sp>
+      <p:cxnSp>
+        <p:nvCxnSpPr>
+          <p:cNvPr id="11" name="直接箭头连接符 10"/>
+          <p:cNvCxnSpPr>
+            <a:stCxn id="45" idx="3"/>
+            <a:endCxn id="5" idx="1"/>
+          </p:cNvCxnSpPr>
+          <p:nvPr/>
+        </p:nvCxnSpPr>
+        <p:spPr>
+          <a:xfrm>
+            <a:off x="6336665" y="2232660"/>
+            <a:ext cx="2560320" cy="0"/>
+          </a:xfrm>
+          <a:prstGeom prst="straightConnector1">
+            <a:avLst/>
+          </a:prstGeom>
+          <a:ln w="38100">
+            <a:tailEnd type="arrow"/>
+          </a:ln>
+        </p:spPr>
+        <p:style>
+          <a:lnRef idx="1">
+            <a:schemeClr val="accent1"/>
+          </a:lnRef>
+          <a:fillRef idx="0">
+            <a:schemeClr val="accent1"/>
+          </a:fillRef>
+          <a:effectRef idx="0">
+            <a:schemeClr val="accent1"/>
+          </a:effectRef>
+          <a:fontRef idx="minor">
+            <a:schemeClr val="tx1"/>
+          </a:fontRef>
+        </p:style>
+      </p:cxnSp>
+      <p:cxnSp>
+        <p:nvCxnSpPr>
+          <p:cNvPr id="12" name="直接箭头连接符 11"/>
+          <p:cNvCxnSpPr>
+            <a:stCxn id="45" idx="3"/>
+            <a:endCxn id="9" idx="1"/>
+          </p:cNvCxnSpPr>
+          <p:nvPr/>
+        </p:nvCxnSpPr>
+        <p:spPr>
+          <a:xfrm>
+            <a:off x="6336665" y="2232660"/>
+            <a:ext cx="2560320" cy="1710055"/>
+          </a:xfrm>
+          <a:prstGeom prst="straightConnector1">
+            <a:avLst/>
+          </a:prstGeom>
+          <a:ln w="38100">
+            <a:tailEnd type="arrow"/>
+          </a:ln>
+        </p:spPr>
+        <p:style>
+          <a:lnRef idx="1">
+            <a:schemeClr val="accent1"/>
+          </a:lnRef>
+          <a:fillRef idx="0">
+            <a:schemeClr val="accent1"/>
+          </a:fillRef>
+          <a:effectRef idx="0">
+            <a:schemeClr val="accent1"/>
+          </a:effectRef>
+          <a:fontRef idx="minor">
+            <a:schemeClr val="tx1"/>
+          </a:fontRef>
+        </p:style>
+      </p:cxnSp>
+      <p:sp>
+        <p:nvSpPr>
+          <p:cNvPr id="13" name="TextBox 15"/>
+          <p:cNvSpPr txBox="1"/>
+          <p:nvPr/>
+        </p:nvSpPr>
+        <p:spPr>
+          <a:xfrm>
+            <a:off x="6863866" y="1915102"/>
+            <a:ext cx="1506552" cy="306705"/>
+          </a:xfrm>
+          <a:prstGeom prst="rect">
+            <a:avLst/>
+          </a:prstGeom>
+          <a:noFill/>
+        </p:spPr>
+        <p:txBody>
+          <a:bodyPr wrap="square" rtlCol="0">
+            <a:spAutoFit/>
+          </a:bodyPr>
+          <a:p>
+            <a:pPr algn="ctr"/>
+            <a:r>
+              <a:rPr lang="en-US" sz="1400" b="1" dirty="0"/>
+              <a:t>Pull</a:t>
+            </a:r>
+            <a:endParaRPr lang="en-US" sz="1400" b="1" dirty="0"/>
+          </a:p>
+        </p:txBody>
+      </p:sp>
+      <p:sp>
+        <p:nvSpPr>
+          <p:cNvPr id="14" name="TextBox 15"/>
+          <p:cNvSpPr txBox="1"/>
+          <p:nvPr/>
+        </p:nvSpPr>
+        <p:spPr>
+          <a:xfrm>
+            <a:off x="7230896" y="2964757"/>
+            <a:ext cx="1506552" cy="306705"/>
+          </a:xfrm>
+          <a:prstGeom prst="rect">
+            <a:avLst/>
+          </a:prstGeom>
+          <a:noFill/>
+        </p:spPr>
+        <p:txBody>
+          <a:bodyPr wrap="square" rtlCol="0">
+            <a:spAutoFit/>
+          </a:bodyPr>
+          <a:p>
+            <a:pPr algn="ctr"/>
+            <a:r>
+              <a:rPr lang="en-US" sz="1400" b="1" dirty="0"/>
+              <a:t>Pull</a:t>
+            </a:r>
+            <a:endParaRPr lang="en-US" sz="1400" b="1" dirty="0"/>
+          </a:p>
+        </p:txBody>
+      </p:sp>
+    </p:spTree>
+    <p:custDataLst>
+      <p:tags r:id="rId9"/>
+    </p:custDataLst>
+  </p:cSld>
+  <p:clrMapOvr>
+    <a:masterClrMapping/>
+  </p:clrMapOvr>
+</p:sld>
+</file>
+
+<file path=ppt/slides/slide7.xml><?xml version="1.0" encoding="utf-8"?>
+<p:sld xmlns:a="http://schemas.openxmlformats.org/drawingml/2006/main" xmlns:r="http://schemas.openxmlformats.org/officeDocument/2006/relationships" xmlns:p="http://schemas.openxmlformats.org/presentationml/2006/main">
+  <p:cSld>
+    <p:bg>
+      <p:bgPr>
+        <a:noFill/>
+        <a:effectLst/>
+      </p:bgPr>
+    </p:bg>
+    <p:spTree>
+      <p:nvGrpSpPr>
+        <p:cNvPr id="1" name=""/>
+        <p:cNvGrpSpPr/>
+        <p:nvPr/>
+      </p:nvGrpSpPr>
+      <p:grpSpPr/>
+      <p:sp>
+        <p:nvSpPr>
+          <p:cNvPr id="31" name="矩形 30"/>
+          <p:cNvSpPr/>
+          <p:nvPr/>
+        </p:nvSpPr>
+        <p:spPr>
+          <a:xfrm>
+            <a:off x="1790700" y="3031490"/>
+            <a:ext cx="8610600" cy="3093720"/>
+          </a:xfrm>
+          <a:prstGeom prst="rect">
+            <a:avLst/>
+          </a:prstGeom>
+          <a:solidFill>
+            <a:srgbClr val="FFFFFF"/>
+          </a:solidFill>
+          <a:ln w="38100">
+            <a:prstDash val="sysDot"/>
+          </a:ln>
+        </p:spPr>
+        <p:style>
+          <a:lnRef idx="2">
+            <a:schemeClr val="accent1">
+              <a:shade val="50000"/>
+            </a:schemeClr>
+          </a:lnRef>
+          <a:fillRef idx="1">
+            <a:schemeClr val="accent1"/>
+          </a:fillRef>
+          <a:effectRef idx="0">
+            <a:schemeClr val="accent1"/>
+          </a:effectRef>
+          <a:fontRef idx="minor">
+            <a:schemeClr val="lt1"/>
+          </a:fontRef>
+        </p:style>
+        <p:txBody>
+          <a:bodyPr rtlCol="0" anchor="ctr"/>
+          <a:p>
+            <a:pPr algn="ctr"/>
+            <a:endParaRPr lang="zh-CN" altLang="en-US"/>
+          </a:p>
+        </p:txBody>
+      </p:sp>
+      <p:sp>
+        <p:nvSpPr>
+          <p:cNvPr id="39" name="TextBox 15"/>
+          <p:cNvSpPr txBox="1"/>
+          <p:nvPr/>
+        </p:nvSpPr>
+        <p:spPr>
+          <a:xfrm>
+            <a:off x="1790851" y="3030797"/>
+            <a:ext cx="1506552" cy="337185"/>
+          </a:xfrm>
+          <a:prstGeom prst="rect">
+            <a:avLst/>
+          </a:prstGeom>
+          <a:noFill/>
+        </p:spPr>
+        <p:txBody>
+          <a:bodyPr wrap="square" rtlCol="0">
+            <a:spAutoFit/>
+          </a:bodyPr>
+          <a:p>
+            <a:pPr algn="l"/>
+            <a:r>
+              <a:rPr lang="en-US" sz="1600" b="1" dirty="0"/>
+              <a:t>Shenzhen</a:t>
+            </a:r>
+            <a:endParaRPr lang="en-US" sz="1600" b="1" dirty="0"/>
+          </a:p>
+        </p:txBody>
+      </p:sp>
+      <p:sp>
+        <p:nvSpPr>
+          <p:cNvPr id="44" name="TextBox 15"/>
+          <p:cNvSpPr txBox="1"/>
+          <p:nvPr/>
+        </p:nvSpPr>
+        <p:spPr>
+          <a:xfrm>
+            <a:off x="5342406" y="3924877"/>
+            <a:ext cx="1506552" cy="368300"/>
+          </a:xfrm>
+          <a:prstGeom prst="rect">
+            <a:avLst/>
+          </a:prstGeom>
+          <a:noFill/>
+        </p:spPr>
+        <p:txBody>
+          <a:bodyPr wrap="square" rtlCol="0">
+            <a:spAutoFit/>
+          </a:bodyPr>
+          <a:p>
+            <a:pPr algn="ctr"/>
+            <a:r>
+              <a:rPr lang="en-US" b="1" dirty="0"/>
+              <a:t>Harbor</a:t>
+            </a:r>
+            <a:endParaRPr lang="en-US" b="1" dirty="0"/>
+          </a:p>
+        </p:txBody>
+      </p:sp>
+      <p:pic>
+        <p:nvPicPr>
+          <p:cNvPr id="45" name="图片 44" descr="Amazon-EC2_Instance_light-bg@4x"/>
+          <p:cNvPicPr>
+            <a:picLocks noChangeAspect="1"/>
+          </p:cNvPicPr>
+          <p:nvPr/>
+        </p:nvPicPr>
+        <p:blipFill>
+          <a:blip r:embed="rId1"/>
+          <a:stretch>
+            <a:fillRect/>
+          </a:stretch>
+        </p:blipFill>
+        <p:spPr>
+          <a:xfrm>
+            <a:off x="5778500" y="3289935"/>
+            <a:ext cx="635000" cy="635000"/>
+          </a:xfrm>
+          <a:prstGeom prst="rect">
+            <a:avLst/>
+          </a:prstGeom>
+        </p:spPr>
+      </p:pic>
+      <p:sp>
+        <p:nvSpPr>
+          <p:cNvPr id="19" name="TextBox 15"/>
+          <p:cNvSpPr txBox="1"/>
+          <p:nvPr/>
+        </p:nvSpPr>
+        <p:spPr>
+          <a:xfrm>
+            <a:off x="4963160" y="5552440"/>
+            <a:ext cx="2266315" cy="368300"/>
+          </a:xfrm>
+          <a:prstGeom prst="rect">
+            <a:avLst/>
+          </a:prstGeom>
+          <a:noFill/>
+        </p:spPr>
+        <p:txBody>
+          <a:bodyPr wrap="square" rtlCol="0">
+            <a:spAutoFit/>
+          </a:bodyPr>
+          <a:p>
+            <a:pPr algn="ctr"/>
+            <a:r>
+              <a:rPr lang="en-US" b="1" dirty="0"/>
+              <a:t>Local S3</a:t>
+            </a:r>
+            <a:endParaRPr lang="en-US" b="1" dirty="0"/>
+          </a:p>
+        </p:txBody>
+      </p:sp>
+      <p:cxnSp>
+        <p:nvCxnSpPr>
+          <p:cNvPr id="22" name="直接箭头连接符 21"/>
+          <p:cNvCxnSpPr>
+            <a:stCxn id="44" idx="2"/>
+            <a:endCxn id="24" idx="0"/>
+          </p:cNvCxnSpPr>
+          <p:nvPr/>
+        </p:nvCxnSpPr>
+        <p:spPr>
+          <a:xfrm>
+            <a:off x="6096000" y="4293235"/>
+            <a:ext cx="0" cy="789305"/>
+          </a:xfrm>
+          <a:prstGeom prst="straightConnector1">
+            <a:avLst/>
+          </a:prstGeom>
+          <a:ln w="38100">
+            <a:tailEnd type="arrow"/>
+          </a:ln>
+        </p:spPr>
+        <p:style>
+          <a:lnRef idx="1">
+            <a:schemeClr val="accent1"/>
+          </a:lnRef>
+          <a:fillRef idx="0">
+            <a:schemeClr val="accent1"/>
+          </a:fillRef>
+          <a:effectRef idx="0">
+            <a:schemeClr val="accent1"/>
+          </a:effectRef>
+          <a:fontRef idx="minor">
+            <a:schemeClr val="tx1"/>
+          </a:fontRef>
+        </p:style>
+      </p:cxnSp>
+      <p:pic>
+        <p:nvPicPr>
+          <p:cNvPr id="24" name="Graphic 7"/>
+          <p:cNvPicPr>
+            <a:picLocks noChangeAspect="1"/>
+          </p:cNvPicPr>
+          <p:nvPr/>
+        </p:nvPicPr>
+        <p:blipFill>
+          <a:blip r:embed="rId2">
+            <a:extLst>
+              <a:ext uri="{96DAC541-7B7A-43D3-8B79-37D633B846F1}">
+                <asvg:svgBlip xmlns:asvg="http://schemas.microsoft.com/office/drawing/2016/SVG/main" r:embed="rId3"/>
+              </a:ext>
+            </a:extLst>
+          </a:blip>
+          <a:stretch>
+            <a:fillRect/>
+          </a:stretch>
+        </p:blipFill>
+        <p:spPr>
+          <a:xfrm>
+            <a:off x="5861367" y="5082775"/>
+            <a:ext cx="469900" cy="469900"/>
+          </a:xfrm>
+          <a:prstGeom prst="rect">
+            <a:avLst/>
+          </a:prstGeom>
+        </p:spPr>
+      </p:pic>
+      <p:sp>
+        <p:nvSpPr>
+          <p:cNvPr id="4" name="TextBox 15"/>
+          <p:cNvSpPr txBox="1"/>
+          <p:nvPr/>
+        </p:nvSpPr>
+        <p:spPr>
+          <a:xfrm>
+            <a:off x="8134985" y="3924935"/>
+            <a:ext cx="2266315" cy="368300"/>
+          </a:xfrm>
+          <a:prstGeom prst="rect">
+            <a:avLst/>
+          </a:prstGeom>
+          <a:noFill/>
+        </p:spPr>
+        <p:txBody>
+          <a:bodyPr wrap="square" rtlCol="0">
+            <a:spAutoFit/>
+          </a:bodyPr>
+          <a:p>
+            <a:pPr algn="ctr"/>
+            <a:r>
+              <a:rPr lang="en-US" b="1" dirty="0"/>
+              <a:t>Local CD</a:t>
+            </a:r>
+            <a:endParaRPr lang="en-US" b="1" dirty="0"/>
+          </a:p>
+        </p:txBody>
+      </p:sp>
+      <p:pic>
+        <p:nvPicPr>
+          <p:cNvPr id="5" name="图片 4"/>
+          <p:cNvPicPr>
+            <a:picLocks noChangeAspect="1"/>
+          </p:cNvPicPr>
+          <p:nvPr>
+            <p:custDataLst>
+              <p:tags r:id="rId4"/>
+            </p:custDataLst>
+          </p:nvPr>
+        </p:nvPicPr>
+        <p:blipFill>
+          <a:blip r:embed="rId5"/>
+          <a:stretch>
+            <a:fillRect/>
+          </a:stretch>
+        </p:blipFill>
+        <p:spPr>
+          <a:xfrm>
+            <a:off x="8973820" y="3312795"/>
+            <a:ext cx="589280" cy="589280"/>
+          </a:xfrm>
+          <a:prstGeom prst="rect">
+            <a:avLst/>
+          </a:prstGeom>
+        </p:spPr>
+      </p:pic>
+      <p:pic>
+        <p:nvPicPr>
+          <p:cNvPr id="9" name="图片 8" descr="Users_light-bg@4x"/>
+          <p:cNvPicPr>
+            <a:picLocks noChangeAspect="1"/>
+          </p:cNvPicPr>
+          <p:nvPr/>
+        </p:nvPicPr>
+        <p:blipFill>
+          <a:blip r:embed="rId6"/>
+          <a:stretch>
+            <a:fillRect/>
+          </a:stretch>
+        </p:blipFill>
+        <p:spPr>
+          <a:xfrm>
+            <a:off x="8973820" y="4999990"/>
+            <a:ext cx="635000" cy="635000"/>
+          </a:xfrm>
+          <a:prstGeom prst="rect">
+            <a:avLst/>
+          </a:prstGeom>
+        </p:spPr>
+      </p:pic>
+      <p:sp>
+        <p:nvSpPr>
+          <p:cNvPr id="10" name="TextBox 15"/>
+          <p:cNvSpPr txBox="1"/>
+          <p:nvPr/>
+        </p:nvSpPr>
+        <p:spPr>
+          <a:xfrm>
+            <a:off x="8158480" y="5552440"/>
+            <a:ext cx="2266315" cy="368300"/>
+          </a:xfrm>
+          <a:prstGeom prst="rect">
+            <a:avLst/>
+          </a:prstGeom>
+          <a:noFill/>
+        </p:spPr>
+        <p:txBody>
+          <a:bodyPr wrap="square" rtlCol="0">
+            <a:spAutoFit/>
+          </a:bodyPr>
+          <a:p>
+            <a:pPr algn="ctr"/>
+            <a:r>
+              <a:rPr lang="en-US" b="1" dirty="0"/>
+              <a:t>Team Member</a:t>
+            </a:r>
+            <a:endParaRPr lang="en-US" b="1" dirty="0"/>
+          </a:p>
+        </p:txBody>
+      </p:sp>
+      <p:cxnSp>
+        <p:nvCxnSpPr>
+          <p:cNvPr id="11" name="直接箭头连接符 10"/>
+          <p:cNvCxnSpPr>
+            <a:stCxn id="45" idx="3"/>
+            <a:endCxn id="5" idx="1"/>
+          </p:cNvCxnSpPr>
+          <p:nvPr/>
+        </p:nvCxnSpPr>
+        <p:spPr>
+          <a:xfrm>
+            <a:off x="6413500" y="3599815"/>
+            <a:ext cx="2560320" cy="0"/>
+          </a:xfrm>
+          <a:prstGeom prst="straightConnector1">
+            <a:avLst/>
+          </a:prstGeom>
+          <a:ln w="38100">
+            <a:tailEnd type="arrow"/>
+          </a:ln>
+        </p:spPr>
+        <p:style>
+          <a:lnRef idx="1">
+            <a:schemeClr val="accent1"/>
+          </a:lnRef>
+          <a:fillRef idx="0">
+            <a:schemeClr val="accent1"/>
+          </a:fillRef>
+          <a:effectRef idx="0">
+            <a:schemeClr val="accent1"/>
+          </a:effectRef>
+          <a:fontRef idx="minor">
+            <a:schemeClr val="tx1"/>
+          </a:fontRef>
+        </p:style>
+      </p:cxnSp>
+      <p:cxnSp>
+        <p:nvCxnSpPr>
+          <p:cNvPr id="12" name="直接箭头连接符 11"/>
+          <p:cNvCxnSpPr>
+            <a:stCxn id="45" idx="3"/>
+            <a:endCxn id="9" idx="1"/>
+          </p:cNvCxnSpPr>
+          <p:nvPr/>
+        </p:nvCxnSpPr>
+        <p:spPr>
+          <a:xfrm>
+            <a:off x="6413500" y="3599815"/>
+            <a:ext cx="2560320" cy="1710055"/>
+          </a:xfrm>
+          <a:prstGeom prst="straightConnector1">
+            <a:avLst/>
+          </a:prstGeom>
+          <a:ln w="38100">
+            <a:tailEnd type="arrow"/>
+          </a:ln>
+        </p:spPr>
+        <p:style>
+          <a:lnRef idx="1">
+            <a:schemeClr val="accent1"/>
+          </a:lnRef>
+          <a:fillRef idx="0">
+            <a:schemeClr val="accent1"/>
+          </a:fillRef>
+          <a:effectRef idx="0">
+            <a:schemeClr val="accent1"/>
+          </a:effectRef>
+          <a:fontRef idx="minor">
+            <a:schemeClr val="tx1"/>
+          </a:fontRef>
+        </p:style>
+      </p:cxnSp>
+      <p:sp>
+        <p:nvSpPr>
+          <p:cNvPr id="13" name="TextBox 15"/>
+          <p:cNvSpPr txBox="1"/>
+          <p:nvPr/>
+        </p:nvSpPr>
+        <p:spPr>
+          <a:xfrm>
+            <a:off x="6940701" y="3289877"/>
+            <a:ext cx="1506552" cy="306705"/>
+          </a:xfrm>
+          <a:prstGeom prst="rect">
+            <a:avLst/>
+          </a:prstGeom>
+          <a:noFill/>
+        </p:spPr>
+        <p:txBody>
+          <a:bodyPr wrap="square" rtlCol="0">
+            <a:spAutoFit/>
+          </a:bodyPr>
+          <a:p>
+            <a:pPr algn="ctr"/>
+            <a:r>
+              <a:rPr lang="en-US" sz="1400" b="1" dirty="0"/>
+              <a:t>Pull</a:t>
+            </a:r>
+            <a:endParaRPr lang="en-US" sz="1400" b="1" dirty="0"/>
+          </a:p>
+        </p:txBody>
+      </p:sp>
+      <p:sp>
+        <p:nvSpPr>
+          <p:cNvPr id="14" name="TextBox 15"/>
+          <p:cNvSpPr txBox="1"/>
+          <p:nvPr/>
+        </p:nvSpPr>
+        <p:spPr>
+          <a:xfrm>
+            <a:off x="7307731" y="4339532"/>
+            <a:ext cx="1506552" cy="306705"/>
+          </a:xfrm>
+          <a:prstGeom prst="rect">
+            <a:avLst/>
+          </a:prstGeom>
+          <a:noFill/>
+        </p:spPr>
+        <p:txBody>
+          <a:bodyPr wrap="square" rtlCol="0">
+            <a:spAutoFit/>
+          </a:bodyPr>
+          <a:p>
+            <a:pPr algn="ctr"/>
+            <a:r>
+              <a:rPr lang="en-US" sz="1400" b="1" dirty="0"/>
+              <a:t>Pull</a:t>
+            </a:r>
+            <a:endParaRPr lang="en-US" sz="1400" b="1" dirty="0"/>
+          </a:p>
+        </p:txBody>
+      </p:sp>
+      <p:sp>
+        <p:nvSpPr>
+          <p:cNvPr id="15" name="矩形 14"/>
+          <p:cNvSpPr/>
+          <p:nvPr/>
+        </p:nvSpPr>
+        <p:spPr>
+          <a:xfrm>
+            <a:off x="1790065" y="664845"/>
+            <a:ext cx="8610600" cy="1832610"/>
+          </a:xfrm>
+          <a:prstGeom prst="rect">
+            <a:avLst/>
+          </a:prstGeom>
+          <a:solidFill>
+            <a:srgbClr val="FFFFFF"/>
+          </a:solidFill>
+          <a:ln w="38100">
+            <a:prstDash val="sysDot"/>
+          </a:ln>
+        </p:spPr>
+        <p:style>
+          <a:lnRef idx="2">
+            <a:schemeClr val="accent1">
+              <a:shade val="50000"/>
+            </a:schemeClr>
+          </a:lnRef>
+          <a:fillRef idx="1">
+            <a:schemeClr val="accent1"/>
+          </a:fillRef>
+          <a:effectRef idx="0">
+            <a:schemeClr val="accent1"/>
+          </a:effectRef>
+          <a:fontRef idx="minor">
+            <a:schemeClr val="lt1"/>
+          </a:fontRef>
+        </p:style>
+        <p:txBody>
+          <a:bodyPr rtlCol="0" anchor="ctr"/>
+          <a:p>
+            <a:pPr algn="ctr"/>
+            <a:endParaRPr lang="zh-CN" altLang="en-US"/>
+          </a:p>
+        </p:txBody>
+      </p:sp>
+      <p:sp>
+        <p:nvSpPr>
+          <p:cNvPr id="16" name="TextBox 15"/>
+          <p:cNvSpPr txBox="1"/>
+          <p:nvPr/>
+        </p:nvSpPr>
+        <p:spPr>
+          <a:xfrm>
+            <a:off x="1790216" y="664152"/>
+            <a:ext cx="1506552" cy="337185"/>
+          </a:xfrm>
+          <a:prstGeom prst="rect">
+            <a:avLst/>
+          </a:prstGeom>
+          <a:noFill/>
+        </p:spPr>
+        <p:txBody>
+          <a:bodyPr wrap="square" rtlCol="0">
+            <a:spAutoFit/>
+          </a:bodyPr>
+          <a:p>
+            <a:pPr algn="l"/>
+            <a:r>
+              <a:rPr lang="en-US" sz="1600" b="1" dirty="0"/>
+              <a:t>Beijing</a:t>
+            </a:r>
+            <a:endParaRPr lang="en-US" sz="1600" b="1" dirty="0"/>
+          </a:p>
+        </p:txBody>
+      </p:sp>
+      <p:sp>
+        <p:nvSpPr>
+          <p:cNvPr id="17" name="TextBox 15"/>
+          <p:cNvSpPr txBox="1"/>
+          <p:nvPr/>
+        </p:nvSpPr>
+        <p:spPr>
+          <a:xfrm>
+            <a:off x="5341771" y="1558232"/>
+            <a:ext cx="1506552" cy="368300"/>
+          </a:xfrm>
+          <a:prstGeom prst="rect">
+            <a:avLst/>
+          </a:prstGeom>
+          <a:noFill/>
+        </p:spPr>
+        <p:txBody>
+          <a:bodyPr wrap="square" rtlCol="0">
+            <a:spAutoFit/>
+          </a:bodyPr>
+          <a:p>
+            <a:pPr algn="ctr"/>
+            <a:r>
+              <a:rPr lang="en-US" b="1" dirty="0"/>
+              <a:t>Harbor</a:t>
+            </a:r>
+            <a:endParaRPr lang="en-US" b="1" dirty="0"/>
+          </a:p>
+        </p:txBody>
+      </p:sp>
+      <p:pic>
+        <p:nvPicPr>
+          <p:cNvPr id="18" name="图片 17" descr="Amazon-EC2_Instance_light-bg@4x"/>
+          <p:cNvPicPr>
+            <a:picLocks noChangeAspect="1"/>
+          </p:cNvPicPr>
+          <p:nvPr/>
+        </p:nvPicPr>
+        <p:blipFill>
+          <a:blip r:embed="rId1"/>
+          <a:stretch>
+            <a:fillRect/>
+          </a:stretch>
+        </p:blipFill>
+        <p:spPr>
+          <a:xfrm>
+            <a:off x="5777865" y="923290"/>
+            <a:ext cx="635000" cy="635000"/>
+          </a:xfrm>
+          <a:prstGeom prst="rect">
+            <a:avLst/>
+          </a:prstGeom>
+        </p:spPr>
+      </p:pic>
+      <p:sp>
+        <p:nvSpPr>
+          <p:cNvPr id="20" name="TextBox 15"/>
+          <p:cNvSpPr txBox="1"/>
+          <p:nvPr/>
+        </p:nvSpPr>
+        <p:spPr>
+          <a:xfrm>
+            <a:off x="8134350" y="1507490"/>
+            <a:ext cx="2266315" cy="368300"/>
+          </a:xfrm>
+          <a:prstGeom prst="rect">
+            <a:avLst/>
+          </a:prstGeom>
+          <a:noFill/>
+        </p:spPr>
+        <p:txBody>
+          <a:bodyPr wrap="square" rtlCol="0">
+            <a:spAutoFit/>
+          </a:bodyPr>
+          <a:p>
+            <a:pPr algn="ctr"/>
+            <a:r>
+              <a:rPr lang="en-US" b="1" dirty="0"/>
+              <a:t>Local S3</a:t>
+            </a:r>
+            <a:endParaRPr lang="en-US" b="1" dirty="0"/>
+          </a:p>
+        </p:txBody>
+      </p:sp>
+      <p:cxnSp>
+        <p:nvCxnSpPr>
+          <p:cNvPr id="21" name="直接箭头连接符 20"/>
+          <p:cNvCxnSpPr>
+            <a:stCxn id="18" idx="3"/>
+            <a:endCxn id="23" idx="1"/>
+          </p:cNvCxnSpPr>
+          <p:nvPr/>
+        </p:nvCxnSpPr>
+        <p:spPr>
+          <a:xfrm>
+            <a:off x="6412865" y="1240790"/>
+            <a:ext cx="2619375" cy="0"/>
+          </a:xfrm>
+          <a:prstGeom prst="straightConnector1">
+            <a:avLst/>
+          </a:prstGeom>
+          <a:ln w="38100">
+            <a:tailEnd type="arrow"/>
+          </a:ln>
+        </p:spPr>
+        <p:style>
+          <a:lnRef idx="1">
+            <a:schemeClr val="accent1"/>
+          </a:lnRef>
+          <a:fillRef idx="0">
+            <a:schemeClr val="accent1"/>
+          </a:fillRef>
+          <a:effectRef idx="0">
+            <a:schemeClr val="accent1"/>
+          </a:effectRef>
+          <a:fontRef idx="minor">
+            <a:schemeClr val="tx1"/>
+          </a:fontRef>
+        </p:style>
+      </p:cxnSp>
+      <p:pic>
+        <p:nvPicPr>
+          <p:cNvPr id="23" name="Graphic 7"/>
+          <p:cNvPicPr>
+            <a:picLocks noChangeAspect="1"/>
+          </p:cNvPicPr>
+          <p:nvPr/>
+        </p:nvPicPr>
+        <p:blipFill>
+          <a:blip r:embed="rId2">
+            <a:extLst>
+              <a:ext uri="{96DAC541-7B7A-43D3-8B79-37D633B846F1}">
+                <asvg:svgBlip xmlns:asvg="http://schemas.microsoft.com/office/drawing/2016/SVG/main" r:embed="rId3"/>
+              </a:ext>
+            </a:extLst>
+          </a:blip>
+          <a:stretch>
+            <a:fillRect/>
+          </a:stretch>
+        </p:blipFill>
+        <p:spPr>
+          <a:xfrm>
+            <a:off x="9032557" y="1006075"/>
+            <a:ext cx="469900" cy="469900"/>
+          </a:xfrm>
+          <a:prstGeom prst="rect">
+            <a:avLst/>
+          </a:prstGeom>
+        </p:spPr>
+      </p:pic>
+      <p:sp>
+        <p:nvSpPr>
+          <p:cNvPr id="25" name="TextBox 15"/>
+          <p:cNvSpPr txBox="1"/>
+          <p:nvPr/>
+        </p:nvSpPr>
+        <p:spPr>
+          <a:xfrm>
+            <a:off x="1790065" y="1558290"/>
+            <a:ext cx="2266315" cy="368300"/>
+          </a:xfrm>
+          <a:prstGeom prst="rect">
+            <a:avLst/>
+          </a:prstGeom>
+          <a:noFill/>
+        </p:spPr>
+        <p:txBody>
+          <a:bodyPr wrap="square" rtlCol="0">
+            <a:spAutoFit/>
+          </a:bodyPr>
+          <a:p>
+            <a:pPr algn="ctr"/>
+            <a:r>
+              <a:rPr lang="en-US" b="1" dirty="0"/>
+              <a:t>Local CI</a:t>
+            </a:r>
+            <a:endParaRPr lang="en-US" b="1" dirty="0"/>
+          </a:p>
+        </p:txBody>
+      </p:sp>
+      <p:pic>
+        <p:nvPicPr>
+          <p:cNvPr id="26" name="图片 25"/>
+          <p:cNvPicPr>
+            <a:picLocks noChangeAspect="1"/>
+          </p:cNvPicPr>
+          <p:nvPr>
+            <p:custDataLst>
+              <p:tags r:id="rId7"/>
+            </p:custDataLst>
+          </p:nvPr>
+        </p:nvPicPr>
+        <p:blipFill>
+          <a:blip r:embed="rId5"/>
+          <a:stretch>
+            <a:fillRect/>
+          </a:stretch>
+        </p:blipFill>
+        <p:spPr>
+          <a:xfrm>
+            <a:off x="2628900" y="946150"/>
+            <a:ext cx="589280" cy="589280"/>
+          </a:xfrm>
+          <a:prstGeom prst="rect">
+            <a:avLst/>
+          </a:prstGeom>
+        </p:spPr>
+      </p:pic>
+      <p:cxnSp>
+        <p:nvCxnSpPr>
+          <p:cNvPr id="29" name="直接箭头连接符 28"/>
+          <p:cNvCxnSpPr>
+            <a:stCxn id="26" idx="3"/>
+            <a:endCxn id="18" idx="1"/>
+          </p:cNvCxnSpPr>
+          <p:nvPr/>
+        </p:nvCxnSpPr>
+        <p:spPr>
+          <a:xfrm>
+            <a:off x="3218180" y="1248410"/>
+            <a:ext cx="2559685" cy="0"/>
+          </a:xfrm>
+          <a:prstGeom prst="straightConnector1">
+            <a:avLst/>
+          </a:prstGeom>
+          <a:ln w="38100">
+            <a:tailEnd type="arrow"/>
+          </a:ln>
+        </p:spPr>
+        <p:style>
+          <a:lnRef idx="1">
+            <a:schemeClr val="accent1"/>
+          </a:lnRef>
+          <a:fillRef idx="0">
+            <a:schemeClr val="accent1"/>
+          </a:fillRef>
+          <a:effectRef idx="0">
+            <a:schemeClr val="accent1"/>
+          </a:effectRef>
+          <a:fontRef idx="minor">
+            <a:schemeClr val="tx1"/>
+          </a:fontRef>
+        </p:style>
+      </p:cxnSp>
+      <p:sp>
+        <p:nvSpPr>
+          <p:cNvPr id="30" name="TextBox 15"/>
+          <p:cNvSpPr txBox="1"/>
+          <p:nvPr/>
+        </p:nvSpPr>
+        <p:spPr>
+          <a:xfrm>
+            <a:off x="3744746" y="923232"/>
+            <a:ext cx="1506552" cy="306705"/>
+          </a:xfrm>
+          <a:prstGeom prst="rect">
+            <a:avLst/>
+          </a:prstGeom>
+          <a:noFill/>
+        </p:spPr>
+        <p:txBody>
+          <a:bodyPr wrap="square" rtlCol="0">
+            <a:spAutoFit/>
+          </a:bodyPr>
+          <a:p>
+            <a:pPr algn="ctr"/>
+            <a:r>
+              <a:rPr lang="en-US" sz="1400" b="1" dirty="0"/>
+              <a:t>Push</a:t>
+            </a:r>
+            <a:endParaRPr lang="en-US" sz="1400" b="1" dirty="0"/>
+          </a:p>
+        </p:txBody>
+      </p:sp>
+      <p:pic>
+        <p:nvPicPr>
+          <p:cNvPr id="32" name="图片 31" descr="Amazon-EC2-Container-Registry_Image_light-bg@4x"/>
+          <p:cNvPicPr>
+            <a:picLocks noChangeAspect="1"/>
+          </p:cNvPicPr>
+          <p:nvPr/>
+        </p:nvPicPr>
+        <p:blipFill>
+          <a:blip r:embed="rId8"/>
+          <a:stretch>
+            <a:fillRect/>
+          </a:stretch>
+        </p:blipFill>
+        <p:spPr>
+          <a:xfrm>
+            <a:off x="4180840" y="1240790"/>
+            <a:ext cx="635000" cy="635000"/>
+          </a:xfrm>
+          <a:prstGeom prst="rect">
+            <a:avLst/>
+          </a:prstGeom>
+        </p:spPr>
+      </p:pic>
+      <p:sp>
+        <p:nvSpPr>
+          <p:cNvPr id="33" name="TextBox 15"/>
+          <p:cNvSpPr txBox="1"/>
+          <p:nvPr/>
+        </p:nvSpPr>
+        <p:spPr>
+          <a:xfrm>
+            <a:off x="3365500" y="1875790"/>
+            <a:ext cx="2266315" cy="306705"/>
+          </a:xfrm>
+          <a:prstGeom prst="rect">
+            <a:avLst/>
+          </a:prstGeom>
+          <a:noFill/>
+        </p:spPr>
+        <p:txBody>
+          <a:bodyPr wrap="square" rtlCol="0">
+            <a:spAutoFit/>
+          </a:bodyPr>
+          <a:p>
+            <a:pPr algn="ctr"/>
+            <a:r>
+              <a:rPr lang="en-US" sz="1400" b="1" dirty="0"/>
+              <a:t>Docker Image</a:t>
+            </a:r>
+            <a:endParaRPr lang="en-US" sz="1400" b="1" dirty="0"/>
+          </a:p>
+        </p:txBody>
+      </p:sp>
+      <p:cxnSp>
+        <p:nvCxnSpPr>
+          <p:cNvPr id="41" name="直接箭头连接符 40"/>
+          <p:cNvCxnSpPr>
+            <a:stCxn id="17" idx="2"/>
+            <a:endCxn id="45" idx="0"/>
+          </p:cNvCxnSpPr>
+          <p:nvPr/>
+        </p:nvCxnSpPr>
+        <p:spPr>
+          <a:xfrm>
+            <a:off x="6095365" y="1926590"/>
+            <a:ext cx="635" cy="1363345"/>
+          </a:xfrm>
+          <a:prstGeom prst="straightConnector1">
+            <a:avLst/>
+          </a:prstGeom>
+          <a:ln w="38100">
+            <a:tailEnd type="arrow"/>
+          </a:ln>
+        </p:spPr>
+        <p:style>
+          <a:lnRef idx="1">
+            <a:schemeClr val="accent1"/>
+          </a:lnRef>
+          <a:fillRef idx="0">
+            <a:schemeClr val="accent1"/>
+          </a:fillRef>
+          <a:effectRef idx="0">
+            <a:schemeClr val="accent1"/>
+          </a:effectRef>
+          <a:fontRef idx="minor">
+            <a:schemeClr val="tx1"/>
+          </a:fontRef>
+        </p:style>
+      </p:cxnSp>
+      <p:sp>
+        <p:nvSpPr>
+          <p:cNvPr id="42" name="TextBox 15"/>
+          <p:cNvSpPr txBox="1"/>
+          <p:nvPr/>
+        </p:nvSpPr>
+        <p:spPr>
+          <a:xfrm>
+            <a:off x="6096151" y="2611062"/>
+            <a:ext cx="1506552" cy="306705"/>
+          </a:xfrm>
+          <a:prstGeom prst="rect">
+            <a:avLst/>
+          </a:prstGeom>
+          <a:noFill/>
+        </p:spPr>
+        <p:txBody>
+          <a:bodyPr wrap="square" rtlCol="0">
+            <a:spAutoFit/>
+          </a:bodyPr>
+          <a:p>
+            <a:pPr algn="l"/>
+            <a:r>
+              <a:rPr lang="en-US" sz="1400" b="1" dirty="0"/>
+              <a:t>Replicate</a:t>
+            </a:r>
+            <a:endParaRPr lang="en-US" sz="1400" b="1" dirty="0"/>
+          </a:p>
+        </p:txBody>
+      </p:sp>
+    </p:spTree>
+    <p:custDataLst>
+      <p:tags r:id="rId9"/>
+    </p:custDataLst>
+  </p:cSld>
+  <p:clrMapOvr>
+    <a:masterClrMapping/>
+  </p:clrMapOvr>
+</p:sld>
+</file>
+
+<file path=ppt/slides/slide8.xml><?xml version="1.0" encoding="utf-8"?>
+<p:sld xmlns:a="http://schemas.openxmlformats.org/drawingml/2006/main" xmlns:r="http://schemas.openxmlformats.org/officeDocument/2006/relationships" xmlns:p="http://schemas.openxmlformats.org/presentationml/2006/main">
+  <p:cSld>
+    <p:bg>
+      <p:bgPr>
+        <a:noFill/>
+        <a:effectLst/>
+      </p:bgPr>
+    </p:bg>
+    <p:spTree>
+      <p:nvGrpSpPr>
+        <p:cNvPr id="1" name=""/>
+        <p:cNvGrpSpPr/>
+        <p:nvPr/>
+      </p:nvGrpSpPr>
+      <p:grpSpPr/>
+      <p:sp>
+        <p:nvSpPr>
+          <p:cNvPr id="8" name="矩形 7"/>
+          <p:cNvSpPr/>
+          <p:nvPr/>
+        </p:nvSpPr>
+        <p:spPr>
+          <a:xfrm>
+            <a:off x="6666865" y="659130"/>
+            <a:ext cx="4461510" cy="2574925"/>
+          </a:xfrm>
+          <a:prstGeom prst="rect">
+            <a:avLst/>
+          </a:prstGeom>
+          <a:solidFill>
+            <a:srgbClr val="FFFFFF"/>
+          </a:solidFill>
+          <a:ln w="38100">
+            <a:prstDash val="sysDot"/>
+          </a:ln>
+        </p:spPr>
+        <p:style>
+          <a:lnRef idx="2">
+            <a:schemeClr val="accent1">
+              <a:shade val="50000"/>
+            </a:schemeClr>
+          </a:lnRef>
+          <a:fillRef idx="1">
+            <a:schemeClr val="accent1"/>
+          </a:fillRef>
+          <a:effectRef idx="0">
+            <a:schemeClr val="accent1"/>
+          </a:effectRef>
+          <a:fontRef idx="minor">
+            <a:schemeClr val="lt1"/>
+          </a:fontRef>
+        </p:style>
+        <p:txBody>
+          <a:bodyPr rtlCol="0" anchor="ctr"/>
+          <a:p>
+            <a:pPr algn="ctr"/>
+            <a:endParaRPr lang="zh-CN" altLang="en-US"/>
+          </a:p>
+        </p:txBody>
+      </p:sp>
+      <p:sp>
+        <p:nvSpPr>
+          <p:cNvPr id="31" name="矩形 30"/>
+          <p:cNvSpPr/>
+          <p:nvPr/>
+        </p:nvSpPr>
+        <p:spPr>
+          <a:xfrm>
+            <a:off x="924560" y="3541395"/>
+            <a:ext cx="4460240" cy="2470785"/>
+          </a:xfrm>
+          <a:prstGeom prst="rect">
+            <a:avLst/>
+          </a:prstGeom>
+          <a:solidFill>
+            <a:srgbClr val="FFFFFF"/>
+          </a:solidFill>
+          <a:ln w="38100">
+            <a:prstDash val="sysDot"/>
+          </a:ln>
+        </p:spPr>
+        <p:style>
+          <a:lnRef idx="2">
+            <a:schemeClr val="accent1">
+              <a:shade val="50000"/>
+            </a:schemeClr>
+          </a:lnRef>
+          <a:fillRef idx="1">
+            <a:schemeClr val="accent1"/>
+          </a:fillRef>
+          <a:effectRef idx="0">
+            <a:schemeClr val="accent1"/>
+          </a:effectRef>
+          <a:fontRef idx="minor">
+            <a:schemeClr val="lt1"/>
+          </a:fontRef>
+        </p:style>
+        <p:txBody>
+          <a:bodyPr rtlCol="0" anchor="ctr"/>
+          <a:p>
+            <a:pPr algn="ctr"/>
+            <a:endParaRPr lang="zh-CN" altLang="en-US"/>
+          </a:p>
+        </p:txBody>
+      </p:sp>
+      <p:sp>
+        <p:nvSpPr>
+          <p:cNvPr id="39" name="TextBox 15"/>
+          <p:cNvSpPr txBox="1"/>
+          <p:nvPr/>
+        </p:nvSpPr>
+        <p:spPr>
+          <a:xfrm>
+            <a:off x="924711" y="3541337"/>
+            <a:ext cx="1506552" cy="337185"/>
+          </a:xfrm>
+          <a:prstGeom prst="rect">
+            <a:avLst/>
+          </a:prstGeom>
+          <a:noFill/>
+        </p:spPr>
+        <p:txBody>
+          <a:bodyPr wrap="square" rtlCol="0">
+            <a:spAutoFit/>
+          </a:bodyPr>
+          <a:p>
+            <a:pPr algn="l"/>
+            <a:r>
+              <a:rPr lang="en-US" sz="1600" b="1" dirty="0"/>
+              <a:t>Shenzhen</a:t>
+            </a:r>
+            <a:endParaRPr lang="en-US" sz="1600" b="1" dirty="0"/>
+          </a:p>
+        </p:txBody>
+      </p:sp>
+      <p:sp>
+        <p:nvSpPr>
+          <p:cNvPr id="44" name="TextBox 15"/>
+          <p:cNvSpPr txBox="1"/>
+          <p:nvPr/>
+        </p:nvSpPr>
+        <p:spPr>
+          <a:xfrm>
+            <a:off x="3878731" y="4434782"/>
+            <a:ext cx="1506552" cy="368300"/>
+          </a:xfrm>
+          <a:prstGeom prst="rect">
+            <a:avLst/>
+          </a:prstGeom>
+          <a:noFill/>
+        </p:spPr>
+        <p:txBody>
+          <a:bodyPr wrap="square" rtlCol="0">
+            <a:spAutoFit/>
+          </a:bodyPr>
+          <a:p>
+            <a:pPr algn="ctr"/>
+            <a:r>
+              <a:rPr lang="en-US" b="1" dirty="0"/>
+              <a:t>Harbor</a:t>
+            </a:r>
+            <a:endParaRPr lang="en-US" b="1" dirty="0"/>
+          </a:p>
+        </p:txBody>
+      </p:sp>
+      <p:pic>
+        <p:nvPicPr>
+          <p:cNvPr id="45" name="图片 44" descr="Amazon-EC2_Instance_light-bg@4x"/>
+          <p:cNvPicPr>
+            <a:picLocks noChangeAspect="1"/>
+          </p:cNvPicPr>
+          <p:nvPr/>
+        </p:nvPicPr>
+        <p:blipFill>
+          <a:blip r:embed="rId1"/>
+          <a:stretch>
+            <a:fillRect/>
+          </a:stretch>
+        </p:blipFill>
+        <p:spPr>
+          <a:xfrm>
+            <a:off x="4314825" y="3799840"/>
+            <a:ext cx="635000" cy="635000"/>
+          </a:xfrm>
+          <a:prstGeom prst="rect">
+            <a:avLst/>
+          </a:prstGeom>
+        </p:spPr>
+      </p:pic>
+      <p:sp>
+        <p:nvSpPr>
+          <p:cNvPr id="19" name="TextBox 15"/>
+          <p:cNvSpPr txBox="1"/>
+          <p:nvPr/>
+        </p:nvSpPr>
+        <p:spPr>
+          <a:xfrm>
+            <a:off x="3499485" y="5643245"/>
+            <a:ext cx="2266315" cy="368300"/>
+          </a:xfrm>
+          <a:prstGeom prst="rect">
+            <a:avLst/>
+          </a:prstGeom>
+          <a:noFill/>
+        </p:spPr>
+        <p:txBody>
+          <a:bodyPr wrap="square" rtlCol="0">
+            <a:spAutoFit/>
+          </a:bodyPr>
+          <a:p>
+            <a:pPr algn="ctr"/>
+            <a:r>
+              <a:rPr lang="en-US" b="1" dirty="0"/>
+              <a:t>Local S3</a:t>
+            </a:r>
+            <a:endParaRPr lang="en-US" b="1" dirty="0"/>
+          </a:p>
+        </p:txBody>
+      </p:sp>
+      <p:cxnSp>
+        <p:nvCxnSpPr>
+          <p:cNvPr id="22" name="直接箭头连接符 21"/>
+          <p:cNvCxnSpPr>
+            <a:stCxn id="44" idx="2"/>
+            <a:endCxn id="24" idx="0"/>
+          </p:cNvCxnSpPr>
+          <p:nvPr/>
+        </p:nvCxnSpPr>
+        <p:spPr>
+          <a:xfrm>
+            <a:off x="4632325" y="4803140"/>
+            <a:ext cx="0" cy="370205"/>
+          </a:xfrm>
+          <a:prstGeom prst="straightConnector1">
+            <a:avLst/>
+          </a:prstGeom>
+          <a:ln w="38100">
+            <a:tailEnd type="arrow"/>
+          </a:ln>
+        </p:spPr>
+        <p:style>
+          <a:lnRef idx="1">
+            <a:schemeClr val="accent1"/>
+          </a:lnRef>
+          <a:fillRef idx="0">
+            <a:schemeClr val="accent1"/>
+          </a:fillRef>
+          <a:effectRef idx="0">
+            <a:schemeClr val="accent1"/>
+          </a:effectRef>
+          <a:fontRef idx="minor">
+            <a:schemeClr val="tx1"/>
+          </a:fontRef>
+        </p:style>
+      </p:cxnSp>
+      <p:pic>
+        <p:nvPicPr>
+          <p:cNvPr id="24" name="Graphic 7"/>
+          <p:cNvPicPr>
+            <a:picLocks noChangeAspect="1"/>
+          </p:cNvPicPr>
+          <p:nvPr/>
+        </p:nvPicPr>
+        <p:blipFill>
+          <a:blip r:embed="rId2">
+            <a:extLst>
+              <a:ext uri="{96DAC541-7B7A-43D3-8B79-37D633B846F1}">
+                <asvg:svgBlip xmlns:asvg="http://schemas.microsoft.com/office/drawing/2016/SVG/main" r:embed="rId3"/>
+              </a:ext>
+            </a:extLst>
+          </a:blip>
+          <a:stretch>
+            <a:fillRect/>
+          </a:stretch>
+        </p:blipFill>
+        <p:spPr>
+          <a:xfrm>
+            <a:off x="4397692" y="5173580"/>
+            <a:ext cx="469900" cy="469900"/>
+          </a:xfrm>
+          <a:prstGeom prst="rect">
+            <a:avLst/>
+          </a:prstGeom>
+        </p:spPr>
+      </p:pic>
+      <p:sp>
+        <p:nvSpPr>
+          <p:cNvPr id="15" name="矩形 14"/>
+          <p:cNvSpPr/>
+          <p:nvPr/>
+        </p:nvSpPr>
+        <p:spPr>
+          <a:xfrm>
+            <a:off x="924560" y="659765"/>
+            <a:ext cx="4461510" cy="2574925"/>
+          </a:xfrm>
+          <a:prstGeom prst="rect">
+            <a:avLst/>
+          </a:prstGeom>
+          <a:solidFill>
+            <a:srgbClr val="FFFFFF"/>
+          </a:solidFill>
+          <a:ln w="38100">
+            <a:prstDash val="sysDot"/>
+          </a:ln>
+        </p:spPr>
+        <p:style>
+          <a:lnRef idx="2">
+            <a:schemeClr val="accent1">
+              <a:shade val="50000"/>
+            </a:schemeClr>
+          </a:lnRef>
+          <a:fillRef idx="1">
+            <a:schemeClr val="accent1"/>
+          </a:fillRef>
+          <a:effectRef idx="0">
+            <a:schemeClr val="accent1"/>
+          </a:effectRef>
+          <a:fontRef idx="minor">
+            <a:schemeClr val="lt1"/>
+          </a:fontRef>
+        </p:style>
+        <p:txBody>
+          <a:bodyPr rtlCol="0" anchor="ctr"/>
+          <a:p>
+            <a:pPr algn="ctr"/>
+            <a:endParaRPr lang="zh-CN" altLang="en-US"/>
+          </a:p>
+        </p:txBody>
+      </p:sp>
+      <p:sp>
+        <p:nvSpPr>
+          <p:cNvPr id="16" name="TextBox 15"/>
+          <p:cNvSpPr txBox="1"/>
+          <p:nvPr/>
+        </p:nvSpPr>
+        <p:spPr>
+          <a:xfrm>
+            <a:off x="924711" y="659707"/>
+            <a:ext cx="1506552" cy="337185"/>
+          </a:xfrm>
+          <a:prstGeom prst="rect">
+            <a:avLst/>
+          </a:prstGeom>
+          <a:noFill/>
+        </p:spPr>
+        <p:txBody>
+          <a:bodyPr wrap="square" rtlCol="0">
+            <a:spAutoFit/>
+          </a:bodyPr>
+          <a:p>
+            <a:pPr algn="l"/>
+            <a:r>
+              <a:rPr lang="en-US" sz="1600" b="1" dirty="0"/>
+              <a:t>Beijing</a:t>
+            </a:r>
+            <a:endParaRPr lang="en-US" sz="1600" b="1" dirty="0"/>
+          </a:p>
+        </p:txBody>
+      </p:sp>
+      <p:sp>
+        <p:nvSpPr>
+          <p:cNvPr id="17" name="TextBox 15"/>
+          <p:cNvSpPr txBox="1"/>
+          <p:nvPr/>
+        </p:nvSpPr>
+        <p:spPr>
+          <a:xfrm>
+            <a:off x="3878731" y="2609792"/>
+            <a:ext cx="1506552" cy="368300"/>
+          </a:xfrm>
+          <a:prstGeom prst="rect">
+            <a:avLst/>
+          </a:prstGeom>
+          <a:noFill/>
+        </p:spPr>
+        <p:txBody>
+          <a:bodyPr wrap="square" rtlCol="0">
+            <a:spAutoFit/>
+          </a:bodyPr>
+          <a:p>
+            <a:pPr algn="ctr"/>
+            <a:r>
+              <a:rPr lang="en-US" b="1" dirty="0"/>
+              <a:t>Harbor</a:t>
+            </a:r>
+            <a:endParaRPr lang="en-US" b="1" dirty="0"/>
+          </a:p>
+        </p:txBody>
+      </p:sp>
+      <p:pic>
+        <p:nvPicPr>
+          <p:cNvPr id="18" name="图片 17" descr="Amazon-EC2_Instance_light-bg@4x"/>
+          <p:cNvPicPr>
+            <a:picLocks noChangeAspect="1"/>
+          </p:cNvPicPr>
+          <p:nvPr/>
+        </p:nvPicPr>
+        <p:blipFill>
+          <a:blip r:embed="rId1"/>
+          <a:stretch>
+            <a:fillRect/>
+          </a:stretch>
+        </p:blipFill>
+        <p:spPr>
+          <a:xfrm>
+            <a:off x="4314825" y="1974850"/>
+            <a:ext cx="635000" cy="635000"/>
+          </a:xfrm>
+          <a:prstGeom prst="rect">
+            <a:avLst/>
+          </a:prstGeom>
+        </p:spPr>
+      </p:pic>
+      <p:sp>
+        <p:nvSpPr>
+          <p:cNvPr id="20" name="TextBox 15"/>
+          <p:cNvSpPr txBox="1"/>
+          <p:nvPr/>
+        </p:nvSpPr>
+        <p:spPr>
+          <a:xfrm>
+            <a:off x="3498850" y="1238250"/>
+            <a:ext cx="2266315" cy="368300"/>
+          </a:xfrm>
+          <a:prstGeom prst="rect">
+            <a:avLst/>
+          </a:prstGeom>
+          <a:noFill/>
+        </p:spPr>
+        <p:txBody>
+          <a:bodyPr wrap="square" rtlCol="0">
+            <a:spAutoFit/>
+          </a:bodyPr>
+          <a:p>
+            <a:pPr algn="ctr"/>
+            <a:r>
+              <a:rPr lang="en-US" b="1" dirty="0"/>
+              <a:t>Local S3</a:t>
+            </a:r>
+            <a:endParaRPr lang="en-US" b="1" dirty="0"/>
+          </a:p>
+        </p:txBody>
+      </p:sp>
+      <p:cxnSp>
+        <p:nvCxnSpPr>
+          <p:cNvPr id="21" name="直接箭头连接符 20"/>
+          <p:cNvCxnSpPr>
+            <a:stCxn id="18" idx="0"/>
+            <a:endCxn id="20" idx="2"/>
+          </p:cNvCxnSpPr>
+          <p:nvPr/>
+        </p:nvCxnSpPr>
+        <p:spPr>
+          <a:xfrm flipV="1">
+            <a:off x="4624705" y="1606550"/>
+            <a:ext cx="0" cy="368300"/>
+          </a:xfrm>
+          <a:prstGeom prst="straightConnector1">
+            <a:avLst/>
+          </a:prstGeom>
+          <a:ln w="38100">
+            <a:tailEnd type="arrow"/>
+          </a:ln>
+        </p:spPr>
+        <p:style>
+          <a:lnRef idx="1">
+            <a:schemeClr val="accent1"/>
+          </a:lnRef>
+          <a:fillRef idx="0">
+            <a:schemeClr val="accent1"/>
+          </a:fillRef>
+          <a:effectRef idx="0">
+            <a:schemeClr val="accent1"/>
+          </a:effectRef>
+          <a:fontRef idx="minor">
+            <a:schemeClr val="tx1"/>
+          </a:fontRef>
+        </p:style>
+      </p:cxnSp>
+      <p:pic>
+        <p:nvPicPr>
+          <p:cNvPr id="23" name="Graphic 7"/>
+          <p:cNvPicPr>
+            <a:picLocks noChangeAspect="1"/>
+          </p:cNvPicPr>
+          <p:nvPr/>
+        </p:nvPicPr>
+        <p:blipFill>
+          <a:blip r:embed="rId2">
+            <a:extLst>
+              <a:ext uri="{96DAC541-7B7A-43D3-8B79-37D633B846F1}">
+                <asvg:svgBlip xmlns:asvg="http://schemas.microsoft.com/office/drawing/2016/SVG/main" r:embed="rId3"/>
+              </a:ext>
+            </a:extLst>
+          </a:blip>
+          <a:stretch>
+            <a:fillRect/>
+          </a:stretch>
+        </p:blipFill>
+        <p:spPr>
+          <a:xfrm>
+            <a:off x="4397057" y="736835"/>
+            <a:ext cx="469900" cy="469900"/>
+          </a:xfrm>
+          <a:prstGeom prst="rect">
+            <a:avLst/>
+          </a:prstGeom>
+        </p:spPr>
+      </p:pic>
+      <p:sp>
+        <p:nvSpPr>
+          <p:cNvPr id="25" name="TextBox 15"/>
+          <p:cNvSpPr txBox="1"/>
+          <p:nvPr/>
+        </p:nvSpPr>
+        <p:spPr>
+          <a:xfrm>
+            <a:off x="327025" y="2579370"/>
+            <a:ext cx="2266315" cy="368300"/>
+          </a:xfrm>
+          <a:prstGeom prst="rect">
+            <a:avLst/>
+          </a:prstGeom>
+          <a:noFill/>
+        </p:spPr>
+        <p:txBody>
+          <a:bodyPr wrap="square" rtlCol="0">
+            <a:spAutoFit/>
+          </a:bodyPr>
+          <a:p>
+            <a:pPr algn="ctr"/>
+            <a:r>
+              <a:rPr lang="en-US" b="1" dirty="0"/>
+              <a:t>Local CI</a:t>
+            </a:r>
+            <a:endParaRPr lang="en-US" b="1" dirty="0"/>
+          </a:p>
+        </p:txBody>
+      </p:sp>
+      <p:pic>
+        <p:nvPicPr>
+          <p:cNvPr id="26" name="图片 25"/>
+          <p:cNvPicPr>
+            <a:picLocks noChangeAspect="1"/>
+          </p:cNvPicPr>
+          <p:nvPr>
+            <p:custDataLst>
+              <p:tags r:id="rId4"/>
+            </p:custDataLst>
+          </p:nvPr>
+        </p:nvPicPr>
+        <p:blipFill>
+          <a:blip r:embed="rId5"/>
+          <a:stretch>
+            <a:fillRect/>
+          </a:stretch>
+        </p:blipFill>
+        <p:spPr>
+          <a:xfrm>
+            <a:off x="1165860" y="1997710"/>
+            <a:ext cx="589280" cy="589280"/>
+          </a:xfrm>
+          <a:prstGeom prst="rect">
+            <a:avLst/>
+          </a:prstGeom>
+        </p:spPr>
+      </p:pic>
+      <p:cxnSp>
+        <p:nvCxnSpPr>
+          <p:cNvPr id="29" name="直接箭头连接符 28"/>
+          <p:cNvCxnSpPr>
+            <a:stCxn id="26" idx="3"/>
+            <a:endCxn id="18" idx="1"/>
+          </p:cNvCxnSpPr>
+          <p:nvPr/>
+        </p:nvCxnSpPr>
+        <p:spPr>
+          <a:xfrm>
+            <a:off x="1747520" y="2292350"/>
+            <a:ext cx="2559685" cy="0"/>
+          </a:xfrm>
+          <a:prstGeom prst="straightConnector1">
+            <a:avLst/>
+          </a:prstGeom>
+          <a:ln w="38100">
+            <a:tailEnd type="arrow"/>
+          </a:ln>
+        </p:spPr>
+        <p:style>
+          <a:lnRef idx="1">
+            <a:schemeClr val="accent1"/>
+          </a:lnRef>
+          <a:fillRef idx="0">
+            <a:schemeClr val="accent1"/>
+          </a:fillRef>
+          <a:effectRef idx="0">
+            <a:schemeClr val="accent1"/>
+          </a:effectRef>
+          <a:fontRef idx="minor">
+            <a:schemeClr val="tx1"/>
+          </a:fontRef>
+        </p:style>
+      </p:cxnSp>
+      <p:sp>
+        <p:nvSpPr>
+          <p:cNvPr id="30" name="TextBox 15"/>
+          <p:cNvSpPr txBox="1"/>
+          <p:nvPr/>
+        </p:nvSpPr>
+        <p:spPr>
+          <a:xfrm>
+            <a:off x="2281706" y="1974792"/>
+            <a:ext cx="1506552" cy="306705"/>
+          </a:xfrm>
+          <a:prstGeom prst="rect">
+            <a:avLst/>
+          </a:prstGeom>
+          <a:noFill/>
+        </p:spPr>
+        <p:txBody>
+          <a:bodyPr wrap="square" rtlCol="0">
+            <a:spAutoFit/>
+          </a:bodyPr>
+          <a:p>
+            <a:pPr algn="ctr"/>
+            <a:r>
+              <a:rPr lang="en-US" sz="1400" b="1" dirty="0"/>
+              <a:t>Push</a:t>
+            </a:r>
+            <a:endParaRPr lang="en-US" sz="1400" b="1" dirty="0"/>
+          </a:p>
+        </p:txBody>
+      </p:sp>
+      <p:pic>
+        <p:nvPicPr>
+          <p:cNvPr id="32" name="图片 31" descr="Amazon-EC2-Container-Registry_Image_light-bg@4x"/>
+          <p:cNvPicPr>
+            <a:picLocks noChangeAspect="1"/>
+          </p:cNvPicPr>
+          <p:nvPr/>
+        </p:nvPicPr>
+        <p:blipFill>
+          <a:blip r:embed="rId6"/>
+          <a:stretch>
+            <a:fillRect/>
+          </a:stretch>
+        </p:blipFill>
+        <p:spPr>
+          <a:xfrm>
+            <a:off x="2717800" y="2292350"/>
+            <a:ext cx="635000" cy="635000"/>
+          </a:xfrm>
+          <a:prstGeom prst="rect">
+            <a:avLst/>
+          </a:prstGeom>
+        </p:spPr>
+      </p:pic>
+      <p:sp>
+        <p:nvSpPr>
+          <p:cNvPr id="33" name="TextBox 15"/>
+          <p:cNvSpPr txBox="1"/>
+          <p:nvPr/>
+        </p:nvSpPr>
+        <p:spPr>
+          <a:xfrm>
+            <a:off x="1902460" y="2927350"/>
+            <a:ext cx="2266315" cy="306705"/>
+          </a:xfrm>
+          <a:prstGeom prst="rect">
+            <a:avLst/>
+          </a:prstGeom>
+          <a:noFill/>
+        </p:spPr>
+        <p:txBody>
+          <a:bodyPr wrap="square" rtlCol="0">
+            <a:spAutoFit/>
+          </a:bodyPr>
+          <a:p>
+            <a:pPr algn="ctr"/>
+            <a:r>
+              <a:rPr lang="en-US" sz="1400" b="1" dirty="0"/>
+              <a:t>Docker Image</a:t>
+            </a:r>
+            <a:endParaRPr lang="en-US" sz="1400" b="1" dirty="0"/>
+          </a:p>
+        </p:txBody>
+      </p:sp>
+      <p:cxnSp>
+        <p:nvCxnSpPr>
+          <p:cNvPr id="41" name="直接箭头连接符 40"/>
+          <p:cNvCxnSpPr>
+            <a:stCxn id="17" idx="2"/>
+            <a:endCxn id="45" idx="0"/>
+          </p:cNvCxnSpPr>
+          <p:nvPr/>
+        </p:nvCxnSpPr>
+        <p:spPr>
+          <a:xfrm>
+            <a:off x="4624705" y="2978150"/>
+            <a:ext cx="0" cy="821690"/>
+          </a:xfrm>
+          <a:prstGeom prst="straightConnector1">
+            <a:avLst/>
+          </a:prstGeom>
+          <a:ln w="38100">
+            <a:tailEnd type="arrow"/>
+          </a:ln>
+        </p:spPr>
+        <p:style>
+          <a:lnRef idx="1">
+            <a:schemeClr val="accent1"/>
+          </a:lnRef>
+          <a:fillRef idx="0">
+            <a:schemeClr val="accent1"/>
+          </a:fillRef>
+          <a:effectRef idx="0">
+            <a:schemeClr val="accent1"/>
+          </a:effectRef>
+          <a:fontRef idx="minor">
+            <a:schemeClr val="tx1"/>
+          </a:fontRef>
+        </p:style>
+      </p:cxnSp>
+      <p:sp>
+        <p:nvSpPr>
+          <p:cNvPr id="42" name="TextBox 15"/>
+          <p:cNvSpPr txBox="1"/>
+          <p:nvPr/>
+        </p:nvSpPr>
+        <p:spPr>
+          <a:xfrm>
+            <a:off x="3126256" y="3234632"/>
+            <a:ext cx="1506552" cy="306705"/>
+          </a:xfrm>
+          <a:prstGeom prst="rect">
+            <a:avLst/>
+          </a:prstGeom>
+          <a:noFill/>
+        </p:spPr>
+        <p:txBody>
+          <a:bodyPr wrap="square" rtlCol="0">
+            <a:spAutoFit/>
+          </a:bodyPr>
+          <a:p>
+            <a:pPr algn="r"/>
+            <a:r>
+              <a:rPr lang="en-US" sz="1400" b="1" dirty="0"/>
+              <a:t>Replicate</a:t>
+            </a:r>
+            <a:endParaRPr lang="en-US" sz="1400" b="1" dirty="0"/>
+          </a:p>
+        </p:txBody>
+      </p:sp>
+      <p:sp>
+        <p:nvSpPr>
+          <p:cNvPr id="6" name="TextBox 15"/>
+          <p:cNvSpPr txBox="1"/>
+          <p:nvPr/>
+        </p:nvSpPr>
+        <p:spPr>
+          <a:xfrm>
+            <a:off x="9621671" y="659072"/>
+            <a:ext cx="1506552" cy="337185"/>
+          </a:xfrm>
+          <a:prstGeom prst="rect">
+            <a:avLst/>
+          </a:prstGeom>
+          <a:noFill/>
+        </p:spPr>
+        <p:txBody>
+          <a:bodyPr wrap="square" rtlCol="0">
+            <a:spAutoFit/>
+          </a:bodyPr>
+          <a:p>
+            <a:pPr algn="r"/>
+            <a:r>
+              <a:rPr lang="en-US" sz="1600" b="1" dirty="0"/>
+              <a:t>Region 1</a:t>
+            </a:r>
+            <a:endParaRPr lang="en-US" sz="1600" b="1" dirty="0"/>
+          </a:p>
+        </p:txBody>
+      </p:sp>
+      <p:pic>
+        <p:nvPicPr>
+          <p:cNvPr id="34" name="图片 33" descr="Amazon-EC2_Instances_light-bg@4x"/>
+          <p:cNvPicPr>
+            <a:picLocks noChangeAspect="1"/>
+          </p:cNvPicPr>
+          <p:nvPr/>
+        </p:nvPicPr>
+        <p:blipFill>
+          <a:blip r:embed="rId7"/>
+          <a:stretch>
+            <a:fillRect/>
+          </a:stretch>
+        </p:blipFill>
+        <p:spPr>
+          <a:xfrm>
+            <a:off x="7103110" y="1974850"/>
+            <a:ext cx="635000" cy="635000"/>
+          </a:xfrm>
+          <a:prstGeom prst="rect">
+            <a:avLst/>
+          </a:prstGeom>
+        </p:spPr>
+      </p:pic>
+      <p:sp>
+        <p:nvSpPr>
+          <p:cNvPr id="48" name="TextBox 15"/>
+          <p:cNvSpPr txBox="1"/>
+          <p:nvPr/>
+        </p:nvSpPr>
+        <p:spPr>
+          <a:xfrm>
+            <a:off x="6667016" y="2609792"/>
+            <a:ext cx="1506552" cy="368300"/>
+          </a:xfrm>
+          <a:prstGeom prst="rect">
+            <a:avLst/>
+          </a:prstGeom>
+          <a:noFill/>
+        </p:spPr>
+        <p:txBody>
+          <a:bodyPr wrap="square" rtlCol="0">
+            <a:spAutoFit/>
+          </a:bodyPr>
+          <a:p>
+            <a:pPr algn="ctr"/>
+            <a:r>
+              <a:rPr lang="en-US" b="1" dirty="0"/>
+              <a:t>  HA Harbor</a:t>
+            </a:r>
+            <a:endParaRPr lang="en-US" b="1" dirty="0"/>
+          </a:p>
+        </p:txBody>
+      </p:sp>
+      <p:sp>
+        <p:nvSpPr>
+          <p:cNvPr id="99" name="TextBox 15"/>
+          <p:cNvSpPr txBox="1"/>
+          <p:nvPr/>
+        </p:nvSpPr>
+        <p:spPr>
+          <a:xfrm>
+            <a:off x="9099550" y="2609850"/>
+            <a:ext cx="2266315" cy="368300"/>
+          </a:xfrm>
+          <a:prstGeom prst="rect">
+            <a:avLst/>
+          </a:prstGeom>
+          <a:noFill/>
+        </p:spPr>
+        <p:txBody>
+          <a:bodyPr wrap="square" rtlCol="0">
+            <a:spAutoFit/>
+          </a:bodyPr>
+          <a:p>
+            <a:pPr algn="ctr"/>
+            <a:r>
+              <a:rPr lang="en-US" b="1" dirty="0"/>
+              <a:t>Cloud CD</a:t>
+            </a:r>
+            <a:endParaRPr lang="en-US" b="1" dirty="0"/>
+          </a:p>
+        </p:txBody>
+      </p:sp>
+      <p:pic>
+        <p:nvPicPr>
+          <p:cNvPr id="100" name="图片 99"/>
+          <p:cNvPicPr>
+            <a:picLocks noChangeAspect="1"/>
+          </p:cNvPicPr>
+          <p:nvPr>
+            <p:custDataLst>
+              <p:tags r:id="rId8"/>
+            </p:custDataLst>
+          </p:nvPr>
+        </p:nvPicPr>
+        <p:blipFill>
+          <a:blip r:embed="rId5"/>
+          <a:stretch>
+            <a:fillRect/>
+          </a:stretch>
+        </p:blipFill>
+        <p:spPr>
+          <a:xfrm>
+            <a:off x="9943465" y="1997710"/>
+            <a:ext cx="589280" cy="589280"/>
+          </a:xfrm>
+          <a:prstGeom prst="rect">
+            <a:avLst/>
+          </a:prstGeom>
+        </p:spPr>
+      </p:pic>
+      <p:cxnSp>
+        <p:nvCxnSpPr>
+          <p:cNvPr id="102" name="直接箭头连接符 101"/>
+          <p:cNvCxnSpPr>
+            <a:stCxn id="34" idx="3"/>
+            <a:endCxn id="100" idx="1"/>
+          </p:cNvCxnSpPr>
+          <p:nvPr/>
+        </p:nvCxnSpPr>
+        <p:spPr>
+          <a:xfrm>
+            <a:off x="7738110" y="2292350"/>
+            <a:ext cx="2205355" cy="0"/>
+          </a:xfrm>
+          <a:prstGeom prst="straightConnector1">
+            <a:avLst/>
+          </a:prstGeom>
+          <a:ln w="38100">
+            <a:tailEnd type="arrow"/>
+          </a:ln>
+        </p:spPr>
+        <p:style>
+          <a:lnRef idx="1">
+            <a:schemeClr val="accent1"/>
+          </a:lnRef>
+          <a:fillRef idx="0">
+            <a:schemeClr val="accent1"/>
+          </a:fillRef>
+          <a:effectRef idx="0">
+            <a:schemeClr val="accent1"/>
+          </a:effectRef>
+          <a:fontRef idx="minor">
+            <a:schemeClr val="tx1"/>
+          </a:fontRef>
+        </p:style>
+      </p:cxnSp>
+      <p:sp>
+        <p:nvSpPr>
+          <p:cNvPr id="104" name="TextBox 15"/>
+          <p:cNvSpPr txBox="1"/>
+          <p:nvPr/>
+        </p:nvSpPr>
+        <p:spPr>
+          <a:xfrm>
+            <a:off x="8087511" y="1974792"/>
+            <a:ext cx="1506552" cy="306705"/>
+          </a:xfrm>
+          <a:prstGeom prst="rect">
+            <a:avLst/>
+          </a:prstGeom>
+          <a:noFill/>
+        </p:spPr>
+        <p:txBody>
+          <a:bodyPr wrap="square" rtlCol="0">
+            <a:spAutoFit/>
+          </a:bodyPr>
+          <a:p>
+            <a:pPr algn="ctr"/>
+            <a:r>
+              <a:rPr lang="en-US" sz="1400" b="1" dirty="0"/>
+              <a:t>Pull</a:t>
+            </a:r>
+            <a:endParaRPr lang="en-US" sz="1400" b="1" dirty="0"/>
+          </a:p>
+        </p:txBody>
+      </p:sp>
+      <p:cxnSp>
+        <p:nvCxnSpPr>
+          <p:cNvPr id="27" name="直接箭头连接符 26"/>
+          <p:cNvCxnSpPr>
+            <a:stCxn id="18" idx="3"/>
+            <a:endCxn id="34" idx="1"/>
+          </p:cNvCxnSpPr>
+          <p:nvPr/>
+        </p:nvCxnSpPr>
+        <p:spPr>
+          <a:xfrm>
+            <a:off x="4949825" y="2292350"/>
+            <a:ext cx="2153285" cy="0"/>
+          </a:xfrm>
+          <a:prstGeom prst="straightConnector1">
+            <a:avLst/>
+          </a:prstGeom>
+          <a:ln w="38100">
+            <a:tailEnd type="arrow"/>
+          </a:ln>
+        </p:spPr>
+        <p:style>
+          <a:lnRef idx="1">
+            <a:schemeClr val="accent1"/>
+          </a:lnRef>
+          <a:fillRef idx="0">
+            <a:schemeClr val="accent1"/>
+          </a:fillRef>
+          <a:effectRef idx="0">
+            <a:schemeClr val="accent1"/>
+          </a:effectRef>
+          <a:fontRef idx="minor">
+            <a:schemeClr val="tx1"/>
+          </a:fontRef>
+        </p:style>
+      </p:cxnSp>
+      <p:sp>
+        <p:nvSpPr>
+          <p:cNvPr id="28" name="TextBox 15"/>
+          <p:cNvSpPr txBox="1"/>
+          <p:nvPr/>
+        </p:nvSpPr>
+        <p:spPr>
+          <a:xfrm>
+            <a:off x="5273191" y="1974792"/>
+            <a:ext cx="1506552" cy="306705"/>
+          </a:xfrm>
+          <a:prstGeom prst="rect">
+            <a:avLst/>
+          </a:prstGeom>
+          <a:noFill/>
+        </p:spPr>
+        <p:txBody>
+          <a:bodyPr wrap="square" rtlCol="0">
+            <a:spAutoFit/>
+          </a:bodyPr>
+          <a:p>
+            <a:pPr algn="ctr"/>
+            <a:r>
+              <a:rPr lang="en-US" sz="1400" b="1" dirty="0"/>
+              <a:t>Replicate</a:t>
+            </a:r>
+            <a:endParaRPr lang="en-US" sz="1400" b="1" dirty="0"/>
+          </a:p>
+        </p:txBody>
+      </p:sp>
+      <p:sp>
+        <p:nvSpPr>
+          <p:cNvPr id="36" name="TextBox 15"/>
+          <p:cNvSpPr txBox="1"/>
+          <p:nvPr/>
+        </p:nvSpPr>
+        <p:spPr>
+          <a:xfrm>
+            <a:off x="6287135" y="1206500"/>
+            <a:ext cx="2266315" cy="368300"/>
+          </a:xfrm>
+          <a:prstGeom prst="rect">
+            <a:avLst/>
+          </a:prstGeom>
+          <a:noFill/>
+        </p:spPr>
+        <p:txBody>
+          <a:bodyPr wrap="square" rtlCol="0">
+            <a:spAutoFit/>
+          </a:bodyPr>
+          <a:p>
+            <a:pPr algn="ctr"/>
+            <a:r>
+              <a:rPr lang="en-US" b="1" dirty="0"/>
+              <a:t>AWS S3</a:t>
+            </a:r>
+            <a:endParaRPr lang="en-US" b="1" dirty="0"/>
+          </a:p>
+        </p:txBody>
+      </p:sp>
+      <p:cxnSp>
+        <p:nvCxnSpPr>
+          <p:cNvPr id="35" name="直接箭头连接符 34"/>
+          <p:cNvCxnSpPr>
+            <a:endCxn id="36" idx="2"/>
+          </p:cNvCxnSpPr>
+          <p:nvPr/>
+        </p:nvCxnSpPr>
+        <p:spPr>
+          <a:xfrm flipV="1">
+            <a:off x="7420610" y="1574800"/>
+            <a:ext cx="0" cy="368300"/>
+          </a:xfrm>
+          <a:prstGeom prst="straightConnector1">
+            <a:avLst/>
+          </a:prstGeom>
+          <a:ln w="38100">
+            <a:tailEnd type="arrow"/>
+          </a:ln>
+        </p:spPr>
+        <p:style>
+          <a:lnRef idx="1">
+            <a:schemeClr val="accent1"/>
+          </a:lnRef>
+          <a:fillRef idx="0">
+            <a:schemeClr val="accent1"/>
+          </a:fillRef>
+          <a:effectRef idx="0">
+            <a:schemeClr val="accent1"/>
+          </a:effectRef>
+          <a:fontRef idx="minor">
+            <a:schemeClr val="tx1"/>
+          </a:fontRef>
+        </p:style>
+      </p:cxnSp>
+      <p:pic>
+        <p:nvPicPr>
+          <p:cNvPr id="38" name="Graphic 7"/>
+          <p:cNvPicPr>
+            <a:picLocks noChangeAspect="1"/>
+          </p:cNvPicPr>
+          <p:nvPr/>
+        </p:nvPicPr>
+        <p:blipFill>
+          <a:blip r:embed="rId2">
+            <a:extLst>
+              <a:ext uri="{96DAC541-7B7A-43D3-8B79-37D633B846F1}">
+                <asvg:svgBlip xmlns:asvg="http://schemas.microsoft.com/office/drawing/2016/SVG/main" r:embed="rId3"/>
+              </a:ext>
+            </a:extLst>
+          </a:blip>
+          <a:stretch>
+            <a:fillRect/>
+          </a:stretch>
+        </p:blipFill>
+        <p:spPr>
+          <a:xfrm>
+            <a:off x="7185342" y="705085"/>
+            <a:ext cx="469900" cy="469900"/>
+          </a:xfrm>
+          <a:prstGeom prst="rect">
+            <a:avLst/>
+          </a:prstGeom>
+        </p:spPr>
+      </p:pic>
+    </p:spTree>
+    <p:custDataLst>
+      <p:tags r:id="rId9"/>
+    </p:custDataLst>
+  </p:cSld>
+  <p:clrMapOvr>
+    <a:masterClrMapping/>
+  </p:clrMapOvr>
+</p:sld>
+</file>
+
+<file path=ppt/slides/slide9.xml><?xml version="1.0" encoding="utf-8"?>
+<p:sld xmlns:a="http://schemas.openxmlformats.org/drawingml/2006/main" xmlns:r="http://schemas.openxmlformats.org/officeDocument/2006/relationships" xmlns:p="http://schemas.openxmlformats.org/presentationml/2006/main">
+  <p:cSld>
+    <p:bg>
+      <p:bgPr>
+        <a:noFill/>
+        <a:effectLst/>
+      </p:bgPr>
+    </p:bg>
+    <p:spTree>
+      <p:nvGrpSpPr>
+        <p:cNvPr id="1" name=""/>
+        <p:cNvGrpSpPr/>
+        <p:nvPr/>
+      </p:nvGrpSpPr>
+      <p:grpSpPr/>
+      <p:sp>
+        <p:nvSpPr>
+          <p:cNvPr id="8" name="矩形 7"/>
+          <p:cNvSpPr/>
+          <p:nvPr/>
+        </p:nvSpPr>
+        <p:spPr>
+          <a:xfrm>
+            <a:off x="6666865" y="659130"/>
+            <a:ext cx="4461510" cy="2574925"/>
+          </a:xfrm>
+          <a:prstGeom prst="rect">
+            <a:avLst/>
+          </a:prstGeom>
+          <a:solidFill>
+            <a:srgbClr val="FFFFFF"/>
+          </a:solidFill>
+          <a:ln w="38100">
+            <a:prstDash val="sysDot"/>
+          </a:ln>
+        </p:spPr>
+        <p:style>
+          <a:lnRef idx="2">
+            <a:schemeClr val="accent1">
+              <a:shade val="50000"/>
+            </a:schemeClr>
+          </a:lnRef>
+          <a:fillRef idx="1">
+            <a:schemeClr val="accent1"/>
+          </a:fillRef>
+          <a:effectRef idx="0">
+            <a:schemeClr val="accent1"/>
+          </a:effectRef>
+          <a:fontRef idx="minor">
+            <a:schemeClr val="lt1"/>
+          </a:fontRef>
+        </p:style>
+        <p:txBody>
+          <a:bodyPr rtlCol="0" anchor="ctr"/>
+          <a:p>
+            <a:pPr algn="ctr"/>
+            <a:endParaRPr lang="zh-CN" altLang="en-US"/>
+          </a:p>
+        </p:txBody>
+      </p:sp>
+      <p:sp>
+        <p:nvSpPr>
+          <p:cNvPr id="31" name="矩形 30"/>
+          <p:cNvSpPr/>
+          <p:nvPr/>
+        </p:nvSpPr>
+        <p:spPr>
+          <a:xfrm>
+            <a:off x="924560" y="3541395"/>
+            <a:ext cx="4460240" cy="2470785"/>
+          </a:xfrm>
+          <a:prstGeom prst="rect">
+            <a:avLst/>
+          </a:prstGeom>
+          <a:solidFill>
+            <a:srgbClr val="FFFFFF"/>
+          </a:solidFill>
+          <a:ln w="38100">
+            <a:prstDash val="sysDot"/>
+          </a:ln>
+        </p:spPr>
+        <p:style>
+          <a:lnRef idx="2">
+            <a:schemeClr val="accent1">
+              <a:shade val="50000"/>
+            </a:schemeClr>
+          </a:lnRef>
+          <a:fillRef idx="1">
+            <a:schemeClr val="accent1"/>
+          </a:fillRef>
+          <a:effectRef idx="0">
+            <a:schemeClr val="accent1"/>
+          </a:effectRef>
+          <a:fontRef idx="minor">
+            <a:schemeClr val="lt1"/>
+          </a:fontRef>
+        </p:style>
+        <p:txBody>
+          <a:bodyPr rtlCol="0" anchor="ctr"/>
+          <a:p>
+            <a:pPr algn="ctr"/>
+            <a:endParaRPr lang="zh-CN" altLang="en-US"/>
+          </a:p>
+        </p:txBody>
+      </p:sp>
+      <p:sp>
+        <p:nvSpPr>
+          <p:cNvPr id="39" name="TextBox 15"/>
+          <p:cNvSpPr txBox="1"/>
+          <p:nvPr/>
+        </p:nvSpPr>
+        <p:spPr>
+          <a:xfrm>
+            <a:off x="924711" y="3541337"/>
+            <a:ext cx="1506552" cy="337185"/>
+          </a:xfrm>
+          <a:prstGeom prst="rect">
+            <a:avLst/>
+          </a:prstGeom>
+          <a:noFill/>
+        </p:spPr>
+        <p:txBody>
+          <a:bodyPr wrap="square" rtlCol="0">
+            <a:spAutoFit/>
+          </a:bodyPr>
+          <a:p>
+            <a:pPr algn="l"/>
+            <a:r>
+              <a:rPr lang="en-US" sz="1600" b="1" dirty="0"/>
+              <a:t>Shenzhen</a:t>
+            </a:r>
+            <a:endParaRPr lang="en-US" sz="1600" b="1" dirty="0"/>
+          </a:p>
+        </p:txBody>
+      </p:sp>
+      <p:sp>
+        <p:nvSpPr>
+          <p:cNvPr id="44" name="TextBox 15"/>
+          <p:cNvSpPr txBox="1"/>
+          <p:nvPr/>
+        </p:nvSpPr>
+        <p:spPr>
+          <a:xfrm>
+            <a:off x="3878731" y="4434782"/>
+            <a:ext cx="1506552" cy="368300"/>
+          </a:xfrm>
+          <a:prstGeom prst="rect">
+            <a:avLst/>
+          </a:prstGeom>
+          <a:noFill/>
+        </p:spPr>
+        <p:txBody>
+          <a:bodyPr wrap="square" rtlCol="0">
+            <a:spAutoFit/>
+          </a:bodyPr>
+          <a:p>
+            <a:pPr algn="ctr"/>
+            <a:r>
+              <a:rPr lang="en-US" b="1" dirty="0"/>
+              <a:t>Harbor</a:t>
+            </a:r>
+            <a:endParaRPr lang="en-US" b="1" dirty="0"/>
+          </a:p>
+        </p:txBody>
+      </p:sp>
+      <p:pic>
+        <p:nvPicPr>
+          <p:cNvPr id="45" name="图片 44" descr="Amazon-EC2_Instance_light-bg@4x"/>
+          <p:cNvPicPr>
+            <a:picLocks noChangeAspect="1"/>
+          </p:cNvPicPr>
+          <p:nvPr/>
+        </p:nvPicPr>
+        <p:blipFill>
+          <a:blip r:embed="rId1"/>
+          <a:stretch>
+            <a:fillRect/>
+          </a:stretch>
+        </p:blipFill>
+        <p:spPr>
+          <a:xfrm>
+            <a:off x="4314825" y="3799840"/>
+            <a:ext cx="635000" cy="635000"/>
+          </a:xfrm>
+          <a:prstGeom prst="rect">
+            <a:avLst/>
+          </a:prstGeom>
+        </p:spPr>
+      </p:pic>
+      <p:sp>
+        <p:nvSpPr>
+          <p:cNvPr id="19" name="TextBox 15"/>
+          <p:cNvSpPr txBox="1"/>
+          <p:nvPr/>
+        </p:nvSpPr>
+        <p:spPr>
+          <a:xfrm>
+            <a:off x="3499485" y="5643245"/>
+            <a:ext cx="2266315" cy="368300"/>
+          </a:xfrm>
+          <a:prstGeom prst="rect">
+            <a:avLst/>
+          </a:prstGeom>
+          <a:noFill/>
+        </p:spPr>
+        <p:txBody>
+          <a:bodyPr wrap="square" rtlCol="0">
+            <a:spAutoFit/>
+          </a:bodyPr>
+          <a:p>
+            <a:pPr algn="ctr"/>
+            <a:r>
+              <a:rPr lang="en-US" b="1" dirty="0"/>
+              <a:t>Local S3</a:t>
+            </a:r>
+            <a:endParaRPr lang="en-US" b="1" dirty="0"/>
+          </a:p>
+        </p:txBody>
+      </p:sp>
+      <p:cxnSp>
+        <p:nvCxnSpPr>
+          <p:cNvPr id="22" name="直接箭头连接符 21"/>
+          <p:cNvCxnSpPr>
+            <a:stCxn id="44" idx="2"/>
+            <a:endCxn id="24" idx="0"/>
+          </p:cNvCxnSpPr>
+          <p:nvPr/>
+        </p:nvCxnSpPr>
+        <p:spPr>
+          <a:xfrm>
+            <a:off x="4632325" y="4803140"/>
+            <a:ext cx="0" cy="370205"/>
+          </a:xfrm>
+          <a:prstGeom prst="straightConnector1">
+            <a:avLst/>
+          </a:prstGeom>
+          <a:ln w="38100">
+            <a:tailEnd type="arrow"/>
+          </a:ln>
+        </p:spPr>
+        <p:style>
+          <a:lnRef idx="1">
+            <a:schemeClr val="accent1"/>
+          </a:lnRef>
+          <a:fillRef idx="0">
+            <a:schemeClr val="accent1"/>
+          </a:fillRef>
+          <a:effectRef idx="0">
+            <a:schemeClr val="accent1"/>
+          </a:effectRef>
+          <a:fontRef idx="minor">
+            <a:schemeClr val="tx1"/>
+          </a:fontRef>
+        </p:style>
+      </p:cxnSp>
+      <p:pic>
+        <p:nvPicPr>
+          <p:cNvPr id="24" name="Graphic 7"/>
+          <p:cNvPicPr>
+            <a:picLocks noChangeAspect="1"/>
+          </p:cNvPicPr>
+          <p:nvPr/>
+        </p:nvPicPr>
+        <p:blipFill>
+          <a:blip r:embed="rId2">
+            <a:extLst>
+              <a:ext uri="{96DAC541-7B7A-43D3-8B79-37D633B846F1}">
+                <asvg:svgBlip xmlns:asvg="http://schemas.microsoft.com/office/drawing/2016/SVG/main" r:embed="rId3"/>
+              </a:ext>
+            </a:extLst>
+          </a:blip>
+          <a:stretch>
+            <a:fillRect/>
+          </a:stretch>
+        </p:blipFill>
+        <p:spPr>
+          <a:xfrm>
+            <a:off x="4397692" y="5173580"/>
+            <a:ext cx="469900" cy="469900"/>
+          </a:xfrm>
+          <a:prstGeom prst="rect">
+            <a:avLst/>
+          </a:prstGeom>
+        </p:spPr>
+      </p:pic>
+      <p:sp>
+        <p:nvSpPr>
+          <p:cNvPr id="15" name="矩形 14"/>
+          <p:cNvSpPr/>
+          <p:nvPr/>
+        </p:nvSpPr>
+        <p:spPr>
+          <a:xfrm>
+            <a:off x="924560" y="659765"/>
+            <a:ext cx="4461510" cy="2574925"/>
+          </a:xfrm>
+          <a:prstGeom prst="rect">
+            <a:avLst/>
+          </a:prstGeom>
+          <a:solidFill>
+            <a:srgbClr val="FFFFFF"/>
+          </a:solidFill>
+          <a:ln w="38100">
+            <a:prstDash val="sysDot"/>
+          </a:ln>
+        </p:spPr>
+        <p:style>
+          <a:lnRef idx="2">
+            <a:schemeClr val="accent1">
+              <a:shade val="50000"/>
+            </a:schemeClr>
+          </a:lnRef>
+          <a:fillRef idx="1">
+            <a:schemeClr val="accent1"/>
+          </a:fillRef>
+          <a:effectRef idx="0">
+            <a:schemeClr val="accent1"/>
+          </a:effectRef>
+          <a:fontRef idx="minor">
+            <a:schemeClr val="lt1"/>
+          </a:fontRef>
+        </p:style>
+        <p:txBody>
+          <a:bodyPr rtlCol="0" anchor="ctr"/>
+          <a:p>
+            <a:pPr algn="ctr"/>
+            <a:endParaRPr lang="zh-CN" altLang="en-US"/>
+          </a:p>
+        </p:txBody>
+      </p:sp>
+      <p:sp>
+        <p:nvSpPr>
+          <p:cNvPr id="16" name="TextBox 15"/>
+          <p:cNvSpPr txBox="1"/>
+          <p:nvPr/>
+        </p:nvSpPr>
+        <p:spPr>
+          <a:xfrm>
+            <a:off x="924711" y="659707"/>
+            <a:ext cx="1506552" cy="337185"/>
+          </a:xfrm>
+          <a:prstGeom prst="rect">
+            <a:avLst/>
+          </a:prstGeom>
+          <a:noFill/>
+        </p:spPr>
+        <p:txBody>
+          <a:bodyPr wrap="square" rtlCol="0">
+            <a:spAutoFit/>
+          </a:bodyPr>
+          <a:p>
+            <a:pPr algn="l"/>
+            <a:r>
+              <a:rPr lang="en-US" sz="1600" b="1" dirty="0"/>
+              <a:t>Beijing</a:t>
+            </a:r>
+            <a:endParaRPr lang="en-US" sz="1600" b="1" dirty="0"/>
+          </a:p>
+        </p:txBody>
+      </p:sp>
+      <p:sp>
+        <p:nvSpPr>
+          <p:cNvPr id="17" name="TextBox 15"/>
+          <p:cNvSpPr txBox="1"/>
+          <p:nvPr/>
+        </p:nvSpPr>
+        <p:spPr>
+          <a:xfrm>
+            <a:off x="3878731" y="2609792"/>
+            <a:ext cx="1506552" cy="368300"/>
+          </a:xfrm>
+          <a:prstGeom prst="rect">
+            <a:avLst/>
+          </a:prstGeom>
+          <a:noFill/>
+        </p:spPr>
+        <p:txBody>
+          <a:bodyPr wrap="square" rtlCol="0">
+            <a:spAutoFit/>
+          </a:bodyPr>
+          <a:p>
+            <a:pPr algn="ctr"/>
+            <a:r>
+              <a:rPr lang="en-US" b="1" dirty="0"/>
+              <a:t>Harbor</a:t>
+            </a:r>
+            <a:endParaRPr lang="en-US" b="1" dirty="0"/>
+          </a:p>
+        </p:txBody>
+      </p:sp>
+      <p:pic>
+        <p:nvPicPr>
+          <p:cNvPr id="18" name="图片 17" descr="Amazon-EC2_Instance_light-bg@4x"/>
+          <p:cNvPicPr>
+            <a:picLocks noChangeAspect="1"/>
+          </p:cNvPicPr>
+          <p:nvPr/>
+        </p:nvPicPr>
+        <p:blipFill>
+          <a:blip r:embed="rId1"/>
+          <a:stretch>
+            <a:fillRect/>
+          </a:stretch>
+        </p:blipFill>
+        <p:spPr>
+          <a:xfrm>
+            <a:off x="4314825" y="1974850"/>
+            <a:ext cx="635000" cy="635000"/>
+          </a:xfrm>
+          <a:prstGeom prst="rect">
+            <a:avLst/>
+          </a:prstGeom>
+        </p:spPr>
+      </p:pic>
+      <p:sp>
+        <p:nvSpPr>
+          <p:cNvPr id="20" name="TextBox 15"/>
+          <p:cNvSpPr txBox="1"/>
+          <p:nvPr/>
+        </p:nvSpPr>
+        <p:spPr>
+          <a:xfrm>
+            <a:off x="3498850" y="1238250"/>
+            <a:ext cx="2266315" cy="368300"/>
+          </a:xfrm>
+          <a:prstGeom prst="rect">
+            <a:avLst/>
+          </a:prstGeom>
+          <a:noFill/>
+        </p:spPr>
+        <p:txBody>
+          <a:bodyPr wrap="square" rtlCol="0">
+            <a:spAutoFit/>
+          </a:bodyPr>
+          <a:p>
+            <a:pPr algn="ctr"/>
+            <a:r>
+              <a:rPr lang="en-US" b="1" dirty="0"/>
+              <a:t>Local S3</a:t>
+            </a:r>
+            <a:endParaRPr lang="en-US" b="1" dirty="0"/>
+          </a:p>
+        </p:txBody>
+      </p:sp>
+      <p:cxnSp>
+        <p:nvCxnSpPr>
+          <p:cNvPr id="21" name="直接箭头连接符 20"/>
+          <p:cNvCxnSpPr>
+            <a:stCxn id="18" idx="0"/>
+            <a:endCxn id="20" idx="2"/>
+          </p:cNvCxnSpPr>
+          <p:nvPr/>
+        </p:nvCxnSpPr>
+        <p:spPr>
+          <a:xfrm flipV="1">
+            <a:off x="4624705" y="1606550"/>
+            <a:ext cx="0" cy="368300"/>
+          </a:xfrm>
+          <a:prstGeom prst="straightConnector1">
+            <a:avLst/>
+          </a:prstGeom>
+          <a:ln w="38100">
+            <a:tailEnd type="arrow"/>
+          </a:ln>
+        </p:spPr>
+        <p:style>
+          <a:lnRef idx="1">
+            <a:schemeClr val="accent1"/>
+          </a:lnRef>
+          <a:fillRef idx="0">
+            <a:schemeClr val="accent1"/>
+          </a:fillRef>
+          <a:effectRef idx="0">
+            <a:schemeClr val="accent1"/>
+          </a:effectRef>
+          <a:fontRef idx="minor">
+            <a:schemeClr val="tx1"/>
+          </a:fontRef>
+        </p:style>
+      </p:cxnSp>
+      <p:pic>
+        <p:nvPicPr>
+          <p:cNvPr id="23" name="Graphic 7"/>
+          <p:cNvPicPr>
+            <a:picLocks noChangeAspect="1"/>
+          </p:cNvPicPr>
+          <p:nvPr/>
+        </p:nvPicPr>
+        <p:blipFill>
+          <a:blip r:embed="rId2">
+            <a:extLst>
+              <a:ext uri="{96DAC541-7B7A-43D3-8B79-37D633B846F1}">
+                <asvg:svgBlip xmlns:asvg="http://schemas.microsoft.com/office/drawing/2016/SVG/main" r:embed="rId3"/>
+              </a:ext>
+            </a:extLst>
+          </a:blip>
+          <a:stretch>
+            <a:fillRect/>
+          </a:stretch>
+        </p:blipFill>
+        <p:spPr>
+          <a:xfrm>
+            <a:off x="4397057" y="736835"/>
+            <a:ext cx="469900" cy="469900"/>
+          </a:xfrm>
+          <a:prstGeom prst="rect">
+            <a:avLst/>
+          </a:prstGeom>
+        </p:spPr>
+      </p:pic>
+      <p:sp>
+        <p:nvSpPr>
+          <p:cNvPr id="25" name="TextBox 15"/>
+          <p:cNvSpPr txBox="1"/>
+          <p:nvPr/>
+        </p:nvSpPr>
+        <p:spPr>
+          <a:xfrm>
+            <a:off x="327025" y="2579370"/>
+            <a:ext cx="2266315" cy="368300"/>
+          </a:xfrm>
+          <a:prstGeom prst="rect">
+            <a:avLst/>
+          </a:prstGeom>
+          <a:noFill/>
+        </p:spPr>
+        <p:txBody>
+          <a:bodyPr wrap="square" rtlCol="0">
+            <a:spAutoFit/>
+          </a:bodyPr>
+          <a:p>
+            <a:pPr algn="ctr"/>
+            <a:r>
+              <a:rPr lang="en-US" b="1" dirty="0"/>
+              <a:t>Local CI</a:t>
+            </a:r>
+            <a:endParaRPr lang="en-US" b="1" dirty="0"/>
+          </a:p>
+        </p:txBody>
+      </p:sp>
+      <p:pic>
+        <p:nvPicPr>
+          <p:cNvPr id="26" name="图片 25"/>
+          <p:cNvPicPr>
+            <a:picLocks noChangeAspect="1"/>
+          </p:cNvPicPr>
+          <p:nvPr>
+            <p:custDataLst>
+              <p:tags r:id="rId4"/>
+            </p:custDataLst>
+          </p:nvPr>
+        </p:nvPicPr>
+        <p:blipFill>
+          <a:blip r:embed="rId5"/>
+          <a:stretch>
+            <a:fillRect/>
+          </a:stretch>
+        </p:blipFill>
+        <p:spPr>
+          <a:xfrm>
+            <a:off x="1165860" y="1997710"/>
+            <a:ext cx="589280" cy="589280"/>
+          </a:xfrm>
+          <a:prstGeom prst="rect">
+            <a:avLst/>
+          </a:prstGeom>
+        </p:spPr>
+      </p:pic>
+      <p:cxnSp>
+        <p:nvCxnSpPr>
+          <p:cNvPr id="29" name="直接箭头连接符 28"/>
+          <p:cNvCxnSpPr>
+            <a:stCxn id="26" idx="3"/>
+            <a:endCxn id="18" idx="1"/>
+          </p:cNvCxnSpPr>
+          <p:nvPr/>
+        </p:nvCxnSpPr>
+        <p:spPr>
+          <a:xfrm>
+            <a:off x="1747520" y="2292350"/>
+            <a:ext cx="2559685" cy="0"/>
+          </a:xfrm>
+          <a:prstGeom prst="straightConnector1">
+            <a:avLst/>
+          </a:prstGeom>
+          <a:ln w="38100">
+            <a:tailEnd type="arrow"/>
+          </a:ln>
+        </p:spPr>
+        <p:style>
+          <a:lnRef idx="1">
+            <a:schemeClr val="accent1"/>
+          </a:lnRef>
+          <a:fillRef idx="0">
+            <a:schemeClr val="accent1"/>
+          </a:fillRef>
+          <a:effectRef idx="0">
+            <a:schemeClr val="accent1"/>
+          </a:effectRef>
+          <a:fontRef idx="minor">
+            <a:schemeClr val="tx1"/>
+          </a:fontRef>
+        </p:style>
+      </p:cxnSp>
+      <p:sp>
+        <p:nvSpPr>
+          <p:cNvPr id="30" name="TextBox 15"/>
+          <p:cNvSpPr txBox="1"/>
+          <p:nvPr/>
+        </p:nvSpPr>
+        <p:spPr>
+          <a:xfrm>
+            <a:off x="2281706" y="1974792"/>
+            <a:ext cx="1506552" cy="306705"/>
+          </a:xfrm>
+          <a:prstGeom prst="rect">
+            <a:avLst/>
+          </a:prstGeom>
+          <a:noFill/>
+        </p:spPr>
+        <p:txBody>
+          <a:bodyPr wrap="square" rtlCol="0">
+            <a:spAutoFit/>
+          </a:bodyPr>
+          <a:p>
+            <a:pPr algn="ctr"/>
+            <a:r>
+              <a:rPr lang="en-US" sz="1400" b="1" dirty="0"/>
+              <a:t>Push</a:t>
+            </a:r>
+            <a:endParaRPr lang="en-US" sz="1400" b="1" dirty="0"/>
+          </a:p>
+        </p:txBody>
+      </p:sp>
+      <p:pic>
+        <p:nvPicPr>
+          <p:cNvPr id="32" name="图片 31" descr="Amazon-EC2-Container-Registry_Image_light-bg@4x"/>
+          <p:cNvPicPr>
+            <a:picLocks noChangeAspect="1"/>
+          </p:cNvPicPr>
+          <p:nvPr/>
+        </p:nvPicPr>
+        <p:blipFill>
+          <a:blip r:embed="rId6"/>
+          <a:stretch>
+            <a:fillRect/>
+          </a:stretch>
+        </p:blipFill>
+        <p:spPr>
+          <a:xfrm>
+            <a:off x="2717800" y="2292350"/>
+            <a:ext cx="635000" cy="635000"/>
+          </a:xfrm>
+          <a:prstGeom prst="rect">
+            <a:avLst/>
+          </a:prstGeom>
+        </p:spPr>
+      </p:pic>
+      <p:sp>
+        <p:nvSpPr>
+          <p:cNvPr id="33" name="TextBox 15"/>
+          <p:cNvSpPr txBox="1"/>
+          <p:nvPr/>
+        </p:nvSpPr>
+        <p:spPr>
+          <a:xfrm>
+            <a:off x="1902460" y="2927350"/>
+            <a:ext cx="2266315" cy="306705"/>
+          </a:xfrm>
+          <a:prstGeom prst="rect">
+            <a:avLst/>
+          </a:prstGeom>
+          <a:noFill/>
+        </p:spPr>
+        <p:txBody>
+          <a:bodyPr wrap="square" rtlCol="0">
+            <a:spAutoFit/>
+          </a:bodyPr>
+          <a:p>
+            <a:pPr algn="ctr"/>
+            <a:r>
+              <a:rPr lang="en-US" sz="1400" b="1" dirty="0"/>
+              <a:t>Docker Image</a:t>
+            </a:r>
+            <a:endParaRPr lang="en-US" sz="1400" b="1" dirty="0"/>
+          </a:p>
+        </p:txBody>
+      </p:sp>
+      <p:cxnSp>
+        <p:nvCxnSpPr>
+          <p:cNvPr id="41" name="直接箭头连接符 40"/>
+          <p:cNvCxnSpPr>
+            <a:stCxn id="17" idx="2"/>
+            <a:endCxn id="45" idx="0"/>
+          </p:cNvCxnSpPr>
+          <p:nvPr/>
+        </p:nvCxnSpPr>
+        <p:spPr>
+          <a:xfrm>
+            <a:off x="4624705" y="2978150"/>
+            <a:ext cx="0" cy="821690"/>
+          </a:xfrm>
+          <a:prstGeom prst="straightConnector1">
+            <a:avLst/>
+          </a:prstGeom>
+          <a:ln w="38100">
+            <a:tailEnd type="arrow"/>
+          </a:ln>
+        </p:spPr>
+        <p:style>
+          <a:lnRef idx="1">
+            <a:schemeClr val="accent1"/>
+          </a:lnRef>
+          <a:fillRef idx="0">
+            <a:schemeClr val="accent1"/>
+          </a:fillRef>
+          <a:effectRef idx="0">
+            <a:schemeClr val="accent1"/>
+          </a:effectRef>
+          <a:fontRef idx="minor">
+            <a:schemeClr val="tx1"/>
+          </a:fontRef>
+        </p:style>
+      </p:cxnSp>
+      <p:sp>
+        <p:nvSpPr>
+          <p:cNvPr id="42" name="TextBox 15"/>
+          <p:cNvSpPr txBox="1"/>
+          <p:nvPr/>
+        </p:nvSpPr>
+        <p:spPr>
+          <a:xfrm>
+            <a:off x="3126256" y="3234632"/>
+            <a:ext cx="1506552" cy="306705"/>
+          </a:xfrm>
+          <a:prstGeom prst="rect">
+            <a:avLst/>
+          </a:prstGeom>
+          <a:noFill/>
+        </p:spPr>
+        <p:txBody>
+          <a:bodyPr wrap="square" rtlCol="0">
+            <a:spAutoFit/>
+          </a:bodyPr>
+          <a:p>
+            <a:pPr algn="r"/>
+            <a:r>
+              <a:rPr lang="en-US" sz="1400" b="1" dirty="0"/>
+              <a:t>Replicate</a:t>
+            </a:r>
+            <a:endParaRPr lang="en-US" sz="1400" b="1" dirty="0"/>
+          </a:p>
+        </p:txBody>
+      </p:sp>
+      <p:sp>
+        <p:nvSpPr>
+          <p:cNvPr id="6" name="TextBox 15"/>
+          <p:cNvSpPr txBox="1"/>
+          <p:nvPr/>
+        </p:nvSpPr>
+        <p:spPr>
+          <a:xfrm>
+            <a:off x="9621671" y="659072"/>
+            <a:ext cx="1506552" cy="337185"/>
+          </a:xfrm>
+          <a:prstGeom prst="rect">
+            <a:avLst/>
+          </a:prstGeom>
+          <a:noFill/>
+        </p:spPr>
+        <p:txBody>
+          <a:bodyPr wrap="square" rtlCol="0">
+            <a:spAutoFit/>
+          </a:bodyPr>
+          <a:p>
+            <a:pPr algn="r"/>
+            <a:r>
+              <a:rPr lang="en-US" sz="1600" b="1" dirty="0"/>
+              <a:t>Region 1</a:t>
+            </a:r>
+            <a:endParaRPr lang="en-US" sz="1600" b="1" dirty="0"/>
+          </a:p>
+        </p:txBody>
+      </p:sp>
+      <p:pic>
+        <p:nvPicPr>
+          <p:cNvPr id="34" name="图片 33" descr="Amazon-EC2_Instances_light-bg@4x"/>
+          <p:cNvPicPr>
+            <a:picLocks noChangeAspect="1"/>
+          </p:cNvPicPr>
+          <p:nvPr/>
+        </p:nvPicPr>
+        <p:blipFill>
+          <a:blip r:embed="rId7"/>
+          <a:stretch>
+            <a:fillRect/>
+          </a:stretch>
+        </p:blipFill>
+        <p:spPr>
+          <a:xfrm>
+            <a:off x="7103110" y="1974850"/>
+            <a:ext cx="635000" cy="635000"/>
+          </a:xfrm>
+          <a:prstGeom prst="rect">
+            <a:avLst/>
+          </a:prstGeom>
+        </p:spPr>
+      </p:pic>
+      <p:sp>
+        <p:nvSpPr>
+          <p:cNvPr id="48" name="TextBox 15"/>
+          <p:cNvSpPr txBox="1"/>
+          <p:nvPr/>
+        </p:nvSpPr>
+        <p:spPr>
+          <a:xfrm>
+            <a:off x="6667016" y="2609792"/>
+            <a:ext cx="1506552" cy="368300"/>
+          </a:xfrm>
+          <a:prstGeom prst="rect">
+            <a:avLst/>
+          </a:prstGeom>
+          <a:noFill/>
+        </p:spPr>
+        <p:txBody>
+          <a:bodyPr wrap="square" rtlCol="0">
+            <a:spAutoFit/>
+          </a:bodyPr>
+          <a:p>
+            <a:pPr algn="ctr"/>
+            <a:r>
+              <a:rPr lang="en-US" b="1" dirty="0"/>
+              <a:t>  HA Harbor</a:t>
+            </a:r>
+            <a:endParaRPr lang="en-US" b="1" dirty="0"/>
+          </a:p>
+        </p:txBody>
+      </p:sp>
+      <p:cxnSp>
+        <p:nvCxnSpPr>
+          <p:cNvPr id="27" name="直接箭头连接符 26"/>
+          <p:cNvCxnSpPr>
+            <a:stCxn id="18" idx="3"/>
+            <a:endCxn id="34" idx="1"/>
+          </p:cNvCxnSpPr>
+          <p:nvPr/>
+        </p:nvCxnSpPr>
+        <p:spPr>
+          <a:xfrm>
+            <a:off x="4949825" y="2292350"/>
+            <a:ext cx="2153285" cy="0"/>
+          </a:xfrm>
+          <a:prstGeom prst="straightConnector1">
+            <a:avLst/>
+          </a:prstGeom>
+          <a:ln w="38100">
+            <a:tailEnd type="arrow"/>
+          </a:ln>
+        </p:spPr>
+        <p:style>
+          <a:lnRef idx="1">
+            <a:schemeClr val="accent1"/>
+          </a:lnRef>
+          <a:fillRef idx="0">
+            <a:schemeClr val="accent1"/>
+          </a:fillRef>
+          <a:effectRef idx="0">
+            <a:schemeClr val="accent1"/>
+          </a:effectRef>
+          <a:fontRef idx="minor">
+            <a:schemeClr val="tx1"/>
+          </a:fontRef>
+        </p:style>
+      </p:cxnSp>
+      <p:sp>
+        <p:nvSpPr>
+          <p:cNvPr id="28" name="TextBox 15"/>
+          <p:cNvSpPr txBox="1"/>
+          <p:nvPr/>
+        </p:nvSpPr>
+        <p:spPr>
+          <a:xfrm>
+            <a:off x="5273191" y="1974792"/>
+            <a:ext cx="1506552" cy="306705"/>
+          </a:xfrm>
+          <a:prstGeom prst="rect">
+            <a:avLst/>
+          </a:prstGeom>
+          <a:noFill/>
+        </p:spPr>
+        <p:txBody>
+          <a:bodyPr wrap="square" rtlCol="0">
+            <a:spAutoFit/>
+          </a:bodyPr>
+          <a:p>
+            <a:pPr algn="ctr"/>
+            <a:r>
+              <a:rPr lang="en-US" sz="1400" b="1" dirty="0"/>
+              <a:t>Replicate</a:t>
+            </a:r>
+            <a:endParaRPr lang="en-US" sz="1400" b="1" dirty="0"/>
+          </a:p>
+        </p:txBody>
+      </p:sp>
+      <p:sp>
+        <p:nvSpPr>
+          <p:cNvPr id="4" name="矩形 3"/>
+          <p:cNvSpPr/>
+          <p:nvPr/>
+        </p:nvSpPr>
+        <p:spPr>
+          <a:xfrm>
+            <a:off x="6666865" y="3541395"/>
+            <a:ext cx="4460240" cy="2470785"/>
+          </a:xfrm>
+          <a:prstGeom prst="rect">
+            <a:avLst/>
+          </a:prstGeom>
+          <a:solidFill>
+            <a:srgbClr val="FFFFFF"/>
+          </a:solidFill>
+          <a:ln w="38100">
+            <a:prstDash val="sysDot"/>
+          </a:ln>
+        </p:spPr>
+        <p:style>
+          <a:lnRef idx="2">
+            <a:schemeClr val="accent1">
+              <a:shade val="50000"/>
+            </a:schemeClr>
+          </a:lnRef>
+          <a:fillRef idx="1">
+            <a:schemeClr val="accent1"/>
+          </a:fillRef>
+          <a:effectRef idx="0">
+            <a:schemeClr val="accent1"/>
+          </a:effectRef>
+          <a:fontRef idx="minor">
+            <a:schemeClr val="lt1"/>
+          </a:fontRef>
+        </p:style>
+        <p:txBody>
+          <a:bodyPr rtlCol="0" anchor="ctr"/>
+          <a:p>
+            <a:pPr algn="ctr"/>
+            <a:endParaRPr lang="zh-CN" altLang="en-US"/>
+          </a:p>
+        </p:txBody>
+      </p:sp>
+      <p:sp>
+        <p:nvSpPr>
+          <p:cNvPr id="5" name="TextBox 15"/>
+          <p:cNvSpPr txBox="1"/>
+          <p:nvPr/>
+        </p:nvSpPr>
+        <p:spPr>
+          <a:xfrm>
+            <a:off x="9621671" y="3541337"/>
+            <a:ext cx="1506552" cy="337185"/>
+          </a:xfrm>
+          <a:prstGeom prst="rect">
+            <a:avLst/>
+          </a:prstGeom>
+          <a:noFill/>
+        </p:spPr>
+        <p:txBody>
+          <a:bodyPr wrap="square" rtlCol="0">
+            <a:spAutoFit/>
+          </a:bodyPr>
+          <a:p>
+            <a:pPr algn="r"/>
+            <a:r>
+              <a:rPr lang="en-US" sz="1600" b="1" dirty="0"/>
+              <a:t>Region 2</a:t>
+            </a:r>
+            <a:endParaRPr lang="en-US" sz="1600" b="1" dirty="0"/>
+          </a:p>
+        </p:txBody>
+      </p:sp>
+      <p:pic>
+        <p:nvPicPr>
+          <p:cNvPr id="49" name="图片 48"/>
+          <p:cNvPicPr>
+            <a:picLocks noChangeAspect="1"/>
+          </p:cNvPicPr>
+          <p:nvPr/>
+        </p:nvPicPr>
+        <p:blipFill>
+          <a:blip r:embed="rId8"/>
+          <a:stretch>
+            <a:fillRect/>
+          </a:stretch>
+        </p:blipFill>
+        <p:spPr>
+          <a:xfrm>
+            <a:off x="7161530" y="3956685"/>
+            <a:ext cx="869315" cy="636270"/>
+          </a:xfrm>
+          <a:prstGeom prst="rect">
+            <a:avLst/>
+          </a:prstGeom>
+        </p:spPr>
+      </p:pic>
+      <p:sp>
+        <p:nvSpPr>
+          <p:cNvPr id="50" name="TextBox 15"/>
+          <p:cNvSpPr txBox="1"/>
+          <p:nvPr/>
+        </p:nvSpPr>
+        <p:spPr>
+          <a:xfrm>
+            <a:off x="6610985" y="4592955"/>
+            <a:ext cx="1971675" cy="368300"/>
+          </a:xfrm>
+          <a:prstGeom prst="rect">
+            <a:avLst/>
+          </a:prstGeom>
+          <a:noFill/>
+        </p:spPr>
+        <p:txBody>
+          <a:bodyPr wrap="square" rtlCol="0">
+            <a:spAutoFit/>
+          </a:bodyPr>
+          <a:p>
+            <a:pPr algn="ctr"/>
+            <a:r>
+              <a:rPr lang="en-US" b="1" dirty="0"/>
+              <a:t>Docker Registry</a:t>
+            </a:r>
+            <a:endParaRPr lang="en-US" b="1" dirty="0"/>
+          </a:p>
+        </p:txBody>
+      </p:sp>
+      <p:cxnSp>
+        <p:nvCxnSpPr>
+          <p:cNvPr id="7" name="直接箭头连接符 6"/>
+          <p:cNvCxnSpPr>
+            <a:stCxn id="48" idx="2"/>
+          </p:cNvCxnSpPr>
+          <p:nvPr/>
+        </p:nvCxnSpPr>
+        <p:spPr>
+          <a:xfrm>
+            <a:off x="7420610" y="2978150"/>
+            <a:ext cx="5715" cy="916940"/>
+          </a:xfrm>
+          <a:prstGeom prst="straightConnector1">
+            <a:avLst/>
+          </a:prstGeom>
+          <a:ln w="38100">
+            <a:tailEnd type="arrow"/>
+          </a:ln>
+        </p:spPr>
+        <p:style>
+          <a:lnRef idx="1">
+            <a:schemeClr val="accent1"/>
+          </a:lnRef>
+          <a:fillRef idx="0">
+            <a:schemeClr val="accent1"/>
+          </a:fillRef>
+          <a:effectRef idx="0">
+            <a:schemeClr val="accent1"/>
+          </a:effectRef>
+          <a:fontRef idx="minor">
+            <a:schemeClr val="tx1"/>
+          </a:fontRef>
+        </p:style>
+      </p:cxnSp>
+      <p:sp>
+        <p:nvSpPr>
+          <p:cNvPr id="9" name="TextBox 15"/>
+          <p:cNvSpPr txBox="1"/>
+          <p:nvPr/>
+        </p:nvSpPr>
+        <p:spPr>
+          <a:xfrm>
+            <a:off x="7573796" y="3233997"/>
+            <a:ext cx="1506552" cy="306705"/>
+          </a:xfrm>
+          <a:prstGeom prst="rect">
+            <a:avLst/>
+          </a:prstGeom>
+          <a:noFill/>
+        </p:spPr>
+        <p:txBody>
+          <a:bodyPr wrap="square" rtlCol="0">
+            <a:spAutoFit/>
+          </a:bodyPr>
+          <a:p>
+            <a:pPr algn="l"/>
+            <a:r>
+              <a:rPr lang="en-US" sz="1400" b="1" dirty="0"/>
+              <a:t>Replicate</a:t>
+            </a:r>
+            <a:endParaRPr lang="en-US" sz="1400" b="1" dirty="0"/>
+          </a:p>
+        </p:txBody>
+      </p:sp>
+      <p:sp>
+        <p:nvSpPr>
+          <p:cNvPr id="12" name="TextBox 15"/>
+          <p:cNvSpPr txBox="1"/>
+          <p:nvPr/>
+        </p:nvSpPr>
+        <p:spPr>
+          <a:xfrm>
+            <a:off x="9241790" y="4592320"/>
+            <a:ext cx="2266315" cy="368300"/>
+          </a:xfrm>
+          <a:prstGeom prst="rect">
+            <a:avLst/>
+          </a:prstGeom>
+          <a:noFill/>
+        </p:spPr>
+        <p:txBody>
+          <a:bodyPr wrap="square" rtlCol="0">
+            <a:spAutoFit/>
+          </a:bodyPr>
+          <a:p>
+            <a:pPr algn="ctr"/>
+            <a:r>
+              <a:rPr lang="en-US" b="1" dirty="0"/>
+              <a:t>Cloud CD</a:t>
+            </a:r>
+            <a:endParaRPr lang="en-US" b="1" dirty="0"/>
+          </a:p>
+        </p:txBody>
+      </p:sp>
+      <p:pic>
+        <p:nvPicPr>
+          <p:cNvPr id="13" name="图片 12"/>
+          <p:cNvPicPr>
+            <a:picLocks noChangeAspect="1"/>
+          </p:cNvPicPr>
+          <p:nvPr>
+            <p:custDataLst>
+              <p:tags r:id="rId9"/>
+            </p:custDataLst>
+          </p:nvPr>
+        </p:nvPicPr>
+        <p:blipFill>
+          <a:blip r:embed="rId5"/>
+          <a:stretch>
+            <a:fillRect/>
+          </a:stretch>
+        </p:blipFill>
+        <p:spPr>
+          <a:xfrm>
+            <a:off x="10085705" y="3980180"/>
+            <a:ext cx="589280" cy="589280"/>
+          </a:xfrm>
+          <a:prstGeom prst="rect">
+            <a:avLst/>
+          </a:prstGeom>
+        </p:spPr>
+      </p:pic>
+      <p:cxnSp>
+        <p:nvCxnSpPr>
+          <p:cNvPr id="14" name="直接箭头连接符 13"/>
+          <p:cNvCxnSpPr>
+            <a:endCxn id="13" idx="1"/>
+          </p:cNvCxnSpPr>
+          <p:nvPr/>
+        </p:nvCxnSpPr>
+        <p:spPr>
+          <a:xfrm flipV="1">
+            <a:off x="8220075" y="4274820"/>
+            <a:ext cx="1865630" cy="5080"/>
+          </a:xfrm>
+          <a:prstGeom prst="straightConnector1">
+            <a:avLst/>
+          </a:prstGeom>
+          <a:ln w="38100">
+            <a:tailEnd type="arrow"/>
+          </a:ln>
+        </p:spPr>
+        <p:style>
+          <a:lnRef idx="1">
+            <a:schemeClr val="accent1"/>
+          </a:lnRef>
+          <a:fillRef idx="0">
+            <a:schemeClr val="accent1"/>
+          </a:fillRef>
+          <a:effectRef idx="0">
+            <a:schemeClr val="accent1"/>
+          </a:effectRef>
+          <a:fontRef idx="minor">
+            <a:schemeClr val="tx1"/>
+          </a:fontRef>
+        </p:style>
+      </p:cxnSp>
+      <p:sp>
+        <p:nvSpPr>
+          <p:cNvPr id="35" name="TextBox 15"/>
+          <p:cNvSpPr txBox="1"/>
+          <p:nvPr/>
+        </p:nvSpPr>
+        <p:spPr>
+          <a:xfrm>
+            <a:off x="8229751" y="3957262"/>
+            <a:ext cx="1506552" cy="306705"/>
+          </a:xfrm>
+          <a:prstGeom prst="rect">
+            <a:avLst/>
+          </a:prstGeom>
+          <a:noFill/>
+        </p:spPr>
+        <p:txBody>
+          <a:bodyPr wrap="square" rtlCol="0">
+            <a:spAutoFit/>
+          </a:bodyPr>
+          <a:p>
+            <a:pPr algn="ctr"/>
+            <a:r>
+              <a:rPr lang="en-US" sz="1400" b="1" dirty="0"/>
+              <a:t>Pull</a:t>
+            </a:r>
+            <a:endParaRPr lang="en-US" sz="1400" b="1" dirty="0"/>
+          </a:p>
+        </p:txBody>
+      </p:sp>
+      <p:sp>
+        <p:nvSpPr>
+          <p:cNvPr id="36" name="TextBox 15"/>
+          <p:cNvSpPr txBox="1"/>
+          <p:nvPr/>
+        </p:nvSpPr>
+        <p:spPr>
+          <a:xfrm>
+            <a:off x="6287135" y="1206500"/>
+            <a:ext cx="2266315" cy="368300"/>
+          </a:xfrm>
+          <a:prstGeom prst="rect">
+            <a:avLst/>
+          </a:prstGeom>
+          <a:noFill/>
+        </p:spPr>
+        <p:txBody>
+          <a:bodyPr wrap="square" rtlCol="0">
+            <a:spAutoFit/>
+          </a:bodyPr>
+          <a:p>
+            <a:pPr algn="ctr"/>
+            <a:r>
+              <a:rPr lang="en-US" b="1" dirty="0"/>
+              <a:t>AWS S3</a:t>
+            </a:r>
+            <a:endParaRPr lang="en-US" b="1" dirty="0"/>
+          </a:p>
+        </p:txBody>
+      </p:sp>
+      <p:cxnSp>
+        <p:nvCxnSpPr>
+          <p:cNvPr id="37" name="直接箭头连接符 36"/>
+          <p:cNvCxnSpPr>
+            <a:endCxn id="36" idx="2"/>
+          </p:cNvCxnSpPr>
+          <p:nvPr/>
+        </p:nvCxnSpPr>
+        <p:spPr>
+          <a:xfrm flipV="1">
+            <a:off x="7420610" y="1574800"/>
+            <a:ext cx="0" cy="368300"/>
+          </a:xfrm>
+          <a:prstGeom prst="straightConnector1">
+            <a:avLst/>
+          </a:prstGeom>
+          <a:ln w="38100">
+            <a:tailEnd type="arrow"/>
+          </a:ln>
+        </p:spPr>
+        <p:style>
+          <a:lnRef idx="1">
+            <a:schemeClr val="accent1"/>
+          </a:lnRef>
+          <a:fillRef idx="0">
+            <a:schemeClr val="accent1"/>
+          </a:fillRef>
+          <a:effectRef idx="0">
+            <a:schemeClr val="accent1"/>
+          </a:effectRef>
+          <a:fontRef idx="minor">
+            <a:schemeClr val="tx1"/>
+          </a:fontRef>
+        </p:style>
+      </p:cxnSp>
+      <p:pic>
+        <p:nvPicPr>
+          <p:cNvPr id="38" name="Graphic 7"/>
+          <p:cNvPicPr>
+            <a:picLocks noChangeAspect="1"/>
+          </p:cNvPicPr>
+          <p:nvPr/>
+        </p:nvPicPr>
+        <p:blipFill>
+          <a:blip r:embed="rId2">
+            <a:extLst>
+              <a:ext uri="{96DAC541-7B7A-43D3-8B79-37D633B846F1}">
+                <asvg:svgBlip xmlns:asvg="http://schemas.microsoft.com/office/drawing/2016/SVG/main" r:embed="rId3"/>
+              </a:ext>
+            </a:extLst>
+          </a:blip>
+          <a:stretch>
+            <a:fillRect/>
+          </a:stretch>
+        </p:blipFill>
+        <p:spPr>
+          <a:xfrm>
+            <a:off x="7185342" y="705085"/>
+            <a:ext cx="469900" cy="469900"/>
+          </a:xfrm>
+          <a:prstGeom prst="rect">
+            <a:avLst/>
+          </a:prstGeom>
+        </p:spPr>
+      </p:pic>
+      <p:sp>
+        <p:nvSpPr>
+          <p:cNvPr id="40" name="TextBox 15"/>
+          <p:cNvSpPr txBox="1"/>
+          <p:nvPr/>
+        </p:nvSpPr>
+        <p:spPr>
+          <a:xfrm>
+            <a:off x="6286500" y="5643245"/>
+            <a:ext cx="2266315" cy="368300"/>
+          </a:xfrm>
+          <a:prstGeom prst="rect">
+            <a:avLst/>
+          </a:prstGeom>
+          <a:noFill/>
+        </p:spPr>
+        <p:txBody>
+          <a:bodyPr wrap="square" rtlCol="0">
+            <a:spAutoFit/>
+          </a:bodyPr>
+          <a:p>
+            <a:pPr algn="ctr"/>
+            <a:r>
+              <a:rPr lang="en-US" b="1" dirty="0"/>
+              <a:t>AWS S3</a:t>
+            </a:r>
+            <a:endParaRPr lang="en-US" b="1" dirty="0"/>
+          </a:p>
+        </p:txBody>
+      </p:sp>
+      <p:cxnSp>
+        <p:nvCxnSpPr>
+          <p:cNvPr id="43" name="直接箭头连接符 42"/>
+          <p:cNvCxnSpPr>
+            <a:endCxn id="46" idx="0"/>
+          </p:cNvCxnSpPr>
+          <p:nvPr/>
+        </p:nvCxnSpPr>
+        <p:spPr>
+          <a:xfrm>
+            <a:off x="7409815" y="4910455"/>
+            <a:ext cx="9525" cy="262890"/>
+          </a:xfrm>
+          <a:prstGeom prst="straightConnector1">
+            <a:avLst/>
+          </a:prstGeom>
+          <a:ln w="38100">
+            <a:tailEnd type="arrow"/>
+          </a:ln>
+        </p:spPr>
+        <p:style>
+          <a:lnRef idx="1">
+            <a:schemeClr val="accent1"/>
+          </a:lnRef>
+          <a:fillRef idx="0">
+            <a:schemeClr val="accent1"/>
+          </a:fillRef>
+          <a:effectRef idx="0">
+            <a:schemeClr val="accent1"/>
+          </a:effectRef>
+          <a:fontRef idx="minor">
+            <a:schemeClr val="tx1"/>
+          </a:fontRef>
+        </p:style>
+      </p:cxnSp>
+      <p:pic>
+        <p:nvPicPr>
+          <p:cNvPr id="46" name="Graphic 7"/>
+          <p:cNvPicPr>
+            <a:picLocks noChangeAspect="1"/>
+          </p:cNvPicPr>
+          <p:nvPr/>
+        </p:nvPicPr>
+        <p:blipFill>
+          <a:blip r:embed="rId2">
+            <a:extLst>
+              <a:ext uri="{96DAC541-7B7A-43D3-8B79-37D633B846F1}">
+                <asvg:svgBlip xmlns:asvg="http://schemas.microsoft.com/office/drawing/2016/SVG/main" r:embed="rId3"/>
+              </a:ext>
+            </a:extLst>
+          </a:blip>
+          <a:stretch>
+            <a:fillRect/>
+          </a:stretch>
+        </p:blipFill>
+        <p:spPr>
+          <a:xfrm>
+            <a:off x="7184707" y="5173580"/>
+            <a:ext cx="469900" cy="469900"/>
+          </a:xfrm>
+          <a:prstGeom prst="rect">
+            <a:avLst/>
+          </a:prstGeom>
+        </p:spPr>
+      </p:pic>
+    </p:spTree>
+    <p:custDataLst>
+      <p:tags r:id="rId10"/>
     </p:custDataLst>
   </p:cSld>
   <p:clrMapOvr>
@@ -13887,6 +18078,18 @@
 </p:tagLst>
 </file>
 
+<file path=ppt/tags/tag78.xml><?xml version="1.0" encoding="utf-8"?>
+<p:tagLst xmlns:p="http://schemas.openxmlformats.org/presentationml/2006/main">
+  <p:tag name="KSO_WM_UNIT_PLACING_PICTURE_USER_VIEWPORT" val="{&quot;height&quot;:3375,&quot;width&quot;:3375}"/>
+</p:tagLst>
+</file>
+
+<file path=ppt/tags/tag79.xml><?xml version="1.0" encoding="utf-8"?>
+<p:tagLst xmlns:p="http://schemas.openxmlformats.org/presentationml/2006/main">
+  <p:tag name="KSO_WM_UNIT_PLACING_PICTURE_USER_VIEWPORT" val="{&quot;height&quot;:3375,&quot;width&quot;:3375}"/>
+</p:tagLst>
+</file>
+
 <file path=ppt/tags/tag8.xml><?xml version="1.0" encoding="utf-8"?>
 <p:tagLst xmlns:p="http://schemas.openxmlformats.org/presentationml/2006/main">
   <p:tag name="KSO_WM_UNIT_HIGHLIGHT" val="0"/>
@@ -13897,6 +18100,74 @@
   <p:tag name="KSO_WM_UNIT_LAYERLEVEL" val="1"/>
   <p:tag name="KSO_WM_TAG_VERSION" val="1.0"/>
   <p:tag name="KSO_WM_BEAUTIFY_FLAG" val="#wm#"/>
+</p:tagLst>
+</file>
+
+<file path=ppt/tags/tag80.xml><?xml version="1.0" encoding="utf-8"?>
+<p:tagLst xmlns:p="http://schemas.openxmlformats.org/presentationml/2006/main">
+  <p:tag name="KSO_WM_BEAUTIFY_FLAG" val="#wm#"/>
+  <p:tag name="KSO_WM_TEMPLATE_CATEGORY" val="custom"/>
+  <p:tag name="KSO_WM_TEMPLATE_INDEX" val="20205176"/>
+</p:tagLst>
+</file>
+
+<file path=ppt/tags/tag81.xml><?xml version="1.0" encoding="utf-8"?>
+<p:tagLst xmlns:p="http://schemas.openxmlformats.org/presentationml/2006/main">
+  <p:tag name="KSO_WM_UNIT_PLACING_PICTURE_USER_VIEWPORT" val="{&quot;height&quot;:3375,&quot;width&quot;:3375}"/>
+</p:tagLst>
+</file>
+
+<file path=ppt/tags/tag82.xml><?xml version="1.0" encoding="utf-8"?>
+<p:tagLst xmlns:p="http://schemas.openxmlformats.org/presentationml/2006/main">
+  <p:tag name="KSO_WM_UNIT_PLACING_PICTURE_USER_VIEWPORT" val="{&quot;height&quot;:3375,&quot;width&quot;:3375}"/>
+</p:tagLst>
+</file>
+
+<file path=ppt/tags/tag83.xml><?xml version="1.0" encoding="utf-8"?>
+<p:tagLst xmlns:p="http://schemas.openxmlformats.org/presentationml/2006/main">
+  <p:tag name="KSO_WM_BEAUTIFY_FLAG" val="#wm#"/>
+  <p:tag name="KSO_WM_TEMPLATE_CATEGORY" val="custom"/>
+  <p:tag name="KSO_WM_TEMPLATE_INDEX" val="20205176"/>
+</p:tagLst>
+</file>
+
+<file path=ppt/tags/tag84.xml><?xml version="1.0" encoding="utf-8"?>
+<p:tagLst xmlns:p="http://schemas.openxmlformats.org/presentationml/2006/main">
+  <p:tag name="KSO_WM_UNIT_PLACING_PICTURE_USER_VIEWPORT" val="{&quot;height&quot;:3375,&quot;width&quot;:3375}"/>
+</p:tagLst>
+</file>
+
+<file path=ppt/tags/tag85.xml><?xml version="1.0" encoding="utf-8"?>
+<p:tagLst xmlns:p="http://schemas.openxmlformats.org/presentationml/2006/main">
+  <p:tag name="KSO_WM_UNIT_PLACING_PICTURE_USER_VIEWPORT" val="{&quot;height&quot;:3375,&quot;width&quot;:3375}"/>
+</p:tagLst>
+</file>
+
+<file path=ppt/tags/tag86.xml><?xml version="1.0" encoding="utf-8"?>
+<p:tagLst xmlns:p="http://schemas.openxmlformats.org/presentationml/2006/main">
+  <p:tag name="KSO_WM_BEAUTIFY_FLAG" val="#wm#"/>
+  <p:tag name="KSO_WM_TEMPLATE_CATEGORY" val="custom"/>
+  <p:tag name="KSO_WM_TEMPLATE_INDEX" val="20205176"/>
+</p:tagLst>
+</file>
+
+<file path=ppt/tags/tag87.xml><?xml version="1.0" encoding="utf-8"?>
+<p:tagLst xmlns:p="http://schemas.openxmlformats.org/presentationml/2006/main">
+  <p:tag name="KSO_WM_UNIT_PLACING_PICTURE_USER_VIEWPORT" val="{&quot;height&quot;:3375,&quot;width&quot;:3375}"/>
+</p:tagLst>
+</file>
+
+<file path=ppt/tags/tag88.xml><?xml version="1.0" encoding="utf-8"?>
+<p:tagLst xmlns:p="http://schemas.openxmlformats.org/presentationml/2006/main">
+  <p:tag name="KSO_WM_UNIT_PLACING_PICTURE_USER_VIEWPORT" val="{&quot;height&quot;:3375,&quot;width&quot;:3375}"/>
+</p:tagLst>
+</file>
+
+<file path=ppt/tags/tag89.xml><?xml version="1.0" encoding="utf-8"?>
+<p:tagLst xmlns:p="http://schemas.openxmlformats.org/presentationml/2006/main">
+  <p:tag name="KSO_WM_BEAUTIFY_FLAG" val="#wm#"/>
+  <p:tag name="KSO_WM_TEMPLATE_CATEGORY" val="custom"/>
+  <p:tag name="KSO_WM_TEMPLATE_INDEX" val="20205176"/>
 </p:tagLst>
 </file>
 
